--- a/HeatplotSkeleton.pptx
+++ b/HeatplotSkeleton.pptx
@@ -270,7 +270,7 @@
           <a:p>
             <a:fld id="{E45D3C0A-EA16-4904-87EE-1F250A8E2B02}" type="datetimeFigureOut">
               <a:rPr lang="en-US" smtClean="0"/>
-              <a:t>5/20/2024</a:t>
+              <a:t>8/12/2024</a:t>
             </a:fld>
             <a:endParaRPr lang="en-US"/>
           </a:p>
@@ -468,7 +468,7 @@
           <a:p>
             <a:fld id="{E45D3C0A-EA16-4904-87EE-1F250A8E2B02}" type="datetimeFigureOut">
               <a:rPr lang="en-US" smtClean="0"/>
-              <a:t>5/20/2024</a:t>
+              <a:t>8/12/2024</a:t>
             </a:fld>
             <a:endParaRPr lang="en-US"/>
           </a:p>
@@ -676,7 +676,7 @@
           <a:p>
             <a:fld id="{E45D3C0A-EA16-4904-87EE-1F250A8E2B02}" type="datetimeFigureOut">
               <a:rPr lang="en-US" smtClean="0"/>
-              <a:t>5/20/2024</a:t>
+              <a:t>8/12/2024</a:t>
             </a:fld>
             <a:endParaRPr lang="en-US"/>
           </a:p>
@@ -874,7 +874,7 @@
           <a:p>
             <a:fld id="{E45D3C0A-EA16-4904-87EE-1F250A8E2B02}" type="datetimeFigureOut">
               <a:rPr lang="en-US" smtClean="0"/>
-              <a:t>5/20/2024</a:t>
+              <a:t>8/12/2024</a:t>
             </a:fld>
             <a:endParaRPr lang="en-US"/>
           </a:p>
@@ -1149,7 +1149,7 @@
           <a:p>
             <a:fld id="{E45D3C0A-EA16-4904-87EE-1F250A8E2B02}" type="datetimeFigureOut">
               <a:rPr lang="en-US" smtClean="0"/>
-              <a:t>5/20/2024</a:t>
+              <a:t>8/12/2024</a:t>
             </a:fld>
             <a:endParaRPr lang="en-US"/>
           </a:p>
@@ -1414,7 +1414,7 @@
           <a:p>
             <a:fld id="{E45D3C0A-EA16-4904-87EE-1F250A8E2B02}" type="datetimeFigureOut">
               <a:rPr lang="en-US" smtClean="0"/>
-              <a:t>5/20/2024</a:t>
+              <a:t>8/12/2024</a:t>
             </a:fld>
             <a:endParaRPr lang="en-US"/>
           </a:p>
@@ -1826,7 +1826,7 @@
           <a:p>
             <a:fld id="{E45D3C0A-EA16-4904-87EE-1F250A8E2B02}" type="datetimeFigureOut">
               <a:rPr lang="en-US" smtClean="0"/>
-              <a:t>5/20/2024</a:t>
+              <a:t>8/12/2024</a:t>
             </a:fld>
             <a:endParaRPr lang="en-US"/>
           </a:p>
@@ -1967,7 +1967,7 @@
           <a:p>
             <a:fld id="{E45D3C0A-EA16-4904-87EE-1F250A8E2B02}" type="datetimeFigureOut">
               <a:rPr lang="en-US" smtClean="0"/>
-              <a:t>5/20/2024</a:t>
+              <a:t>8/12/2024</a:t>
             </a:fld>
             <a:endParaRPr lang="en-US"/>
           </a:p>
@@ -2080,7 +2080,7 @@
           <a:p>
             <a:fld id="{E45D3C0A-EA16-4904-87EE-1F250A8E2B02}" type="datetimeFigureOut">
               <a:rPr lang="en-US" smtClean="0"/>
-              <a:t>5/20/2024</a:t>
+              <a:t>8/12/2024</a:t>
             </a:fld>
             <a:endParaRPr lang="en-US"/>
           </a:p>
@@ -2391,7 +2391,7 @@
           <a:p>
             <a:fld id="{E45D3C0A-EA16-4904-87EE-1F250A8E2B02}" type="datetimeFigureOut">
               <a:rPr lang="en-US" smtClean="0"/>
-              <a:t>5/20/2024</a:t>
+              <a:t>8/12/2024</a:t>
             </a:fld>
             <a:endParaRPr lang="en-US"/>
           </a:p>
@@ -2679,7 +2679,7 @@
           <a:p>
             <a:fld id="{E45D3C0A-EA16-4904-87EE-1F250A8E2B02}" type="datetimeFigureOut">
               <a:rPr lang="en-US" smtClean="0"/>
-              <a:t>5/20/2024</a:t>
+              <a:t>8/12/2024</a:t>
             </a:fld>
             <a:endParaRPr lang="en-US"/>
           </a:p>
@@ -2920,7 +2920,7 @@
           <a:p>
             <a:fld id="{E45D3C0A-EA16-4904-87EE-1F250A8E2B02}" type="datetimeFigureOut">
               <a:rPr lang="en-US" smtClean="0"/>
-              <a:t>5/20/2024</a:t>
+              <a:t>8/12/2024</a:t>
             </a:fld>
             <a:endParaRPr lang="en-US"/>
           </a:p>
@@ -3363,8 +3363,8 @@
         </p:nvCxnSpPr>
         <p:spPr>
           <a:xfrm>
-            <a:off x="6468351" y="4113284"/>
-            <a:ext cx="1191258" cy="157871"/>
+            <a:off x="6468351" y="4062858"/>
+            <a:ext cx="1215303" cy="200602"/>
           </a:xfrm>
           <a:prstGeom prst="line">
             <a:avLst/>
@@ -3404,8 +3404,8 @@
         </p:nvSpPr>
         <p:spPr>
           <a:xfrm>
-            <a:off x="3529034" y="726743"/>
-            <a:ext cx="502061" cy="169277"/>
+            <a:off x="3585139" y="726743"/>
+            <a:ext cx="389850" cy="153888"/>
           </a:xfrm>
           <a:prstGeom prst="rect">
             <a:avLst/>
@@ -3420,11 +3420,11 @@
           <a:p>
             <a:pPr algn="ctr"/>
             <a:r>
-              <a:rPr lang="en-US" sz="500" b="1" dirty="0">
-                <a:latin typeface="Arial" panose="020B0604020202020204" pitchFamily="34" charset="0"/>
-                <a:cs typeface="Arial" panose="020B0604020202020204" pitchFamily="34" charset="0"/>
-              </a:rPr>
-              <a:t>D-Glucose</a:t>
+              <a:rPr lang="en-US" sz="400" b="1" dirty="0">
+                <a:latin typeface="Arial" panose="020B0604020202020204" pitchFamily="34" charset="0"/>
+                <a:cs typeface="Arial" panose="020B0604020202020204" pitchFamily="34" charset="0"/>
+              </a:rPr>
+              <a:t>Glucose</a:t>
             </a:r>
           </a:p>
         </p:txBody>
@@ -3443,8 +3443,8 @@
         </p:nvSpPr>
         <p:spPr>
           <a:xfrm>
-            <a:off x="3366329" y="991114"/>
-            <a:ext cx="827471" cy="169277"/>
+            <a:off x="3422435" y="991114"/>
+            <a:ext cx="715259" cy="153888"/>
           </a:xfrm>
           <a:prstGeom prst="rect">
             <a:avLst/>
@@ -3459,7 +3459,7 @@
           <a:p>
             <a:pPr algn="ctr"/>
             <a:r>
-              <a:rPr lang="en-US" sz="500" b="1" dirty="0">
+              <a:rPr lang="en-US" sz="400" b="1" dirty="0">
                 <a:latin typeface="Arial" panose="020B0604020202020204" pitchFamily="34" charset="0"/>
                 <a:cs typeface="Arial" panose="020B0604020202020204" pitchFamily="34" charset="0"/>
               </a:rPr>
@@ -3482,8 +3482,8 @@
         </p:nvSpPr>
         <p:spPr>
           <a:xfrm>
-            <a:off x="3357513" y="1255485"/>
-            <a:ext cx="845103" cy="169277"/>
+            <a:off x="3415221" y="1255485"/>
+            <a:ext cx="729687" cy="153888"/>
           </a:xfrm>
           <a:prstGeom prst="rect">
             <a:avLst/>
@@ -3498,7 +3498,7 @@
           <a:p>
             <a:pPr algn="ctr"/>
             <a:r>
-              <a:rPr lang="en-US" sz="500" b="1" dirty="0">
+              <a:rPr lang="en-US" sz="400" b="1" dirty="0">
                 <a:latin typeface="Arial" panose="020B0604020202020204" pitchFamily="34" charset="0"/>
                 <a:cs typeface="Arial" panose="020B0604020202020204" pitchFamily="34" charset="0"/>
               </a:rPr>
@@ -3521,8 +3521,8 @@
         </p:nvSpPr>
         <p:spPr>
           <a:xfrm>
-            <a:off x="3285378" y="1519856"/>
-            <a:ext cx="989373" cy="169277"/>
+            <a:off x="3400794" y="1519856"/>
+            <a:ext cx="758541" cy="153888"/>
           </a:xfrm>
           <a:prstGeom prst="rect">
             <a:avLst/>
@@ -3537,13 +3537,13 @@
           <a:p>
             <a:pPr algn="ctr"/>
             <a:r>
-              <a:rPr lang="en-US" sz="500" b="1" dirty="0">
-                <a:latin typeface="Arial" panose="020B0604020202020204" pitchFamily="34" charset="0"/>
-                <a:cs typeface="Arial" panose="020B0604020202020204" pitchFamily="34" charset="0"/>
-              </a:rPr>
-              <a:t>Fructose 1,6-bisphosphate</a:t>
-            </a:r>
-            <a:endParaRPr lang="en-US" sz="500" b="1" baseline="-25000" dirty="0">
+              <a:rPr lang="en-US" sz="400" b="1" dirty="0">
+                <a:latin typeface="Arial" panose="020B0604020202020204" pitchFamily="34" charset="0"/>
+                <a:cs typeface="Arial" panose="020B0604020202020204" pitchFamily="34" charset="0"/>
+              </a:rPr>
+              <a:t>Fructose bisphosphate</a:t>
+            </a:r>
+            <a:endParaRPr lang="en-US" sz="400" b="1" baseline="-25000" dirty="0">
               <a:latin typeface="Arial" panose="020B0604020202020204" pitchFamily="34" charset="0"/>
               <a:cs typeface="Arial" panose="020B0604020202020204" pitchFamily="34" charset="0"/>
             </a:endParaRPr>
@@ -3564,8 +3564,8 @@
         </p:nvSpPr>
         <p:spPr>
           <a:xfrm>
-            <a:off x="3254920" y="1784228"/>
-            <a:ext cx="1050289" cy="169277"/>
+            <a:off x="3512203" y="1784228"/>
+            <a:ext cx="535723" cy="123111"/>
           </a:xfrm>
           <a:prstGeom prst="rect">
             <a:avLst/>
@@ -3580,7 +3580,7 @@
           <a:p>
             <a:pPr algn="ctr"/>
             <a:r>
-              <a:rPr lang="en-US" sz="500" b="1" dirty="0">
+              <a:rPr lang="en-US" sz="200" b="1" dirty="0">
                 <a:latin typeface="Arial" panose="020B0604020202020204" pitchFamily="34" charset="0"/>
                 <a:cs typeface="Arial" panose="020B0604020202020204" pitchFamily="34" charset="0"/>
               </a:rPr>
@@ -3603,8 +3603,8 @@
         </p:nvSpPr>
         <p:spPr>
           <a:xfrm>
-            <a:off x="3573918" y="2075461"/>
-            <a:ext cx="412292" cy="169277"/>
+            <a:off x="3425640" y="2075461"/>
+            <a:ext cx="708848" cy="153888"/>
           </a:xfrm>
           <a:prstGeom prst="rect">
             <a:avLst/>
@@ -3619,13 +3619,13 @@
           <a:p>
             <a:pPr algn="ctr"/>
             <a:r>
-              <a:rPr lang="en-US" sz="500" b="1" dirty="0">
-                <a:latin typeface="Arial" panose="020B0604020202020204" pitchFamily="34" charset="0"/>
-                <a:cs typeface="Arial" panose="020B0604020202020204" pitchFamily="34" charset="0"/>
-              </a:rPr>
-              <a:t>1,3BPG</a:t>
-            </a:r>
-            <a:endParaRPr lang="en-US" sz="500" b="1" baseline="-25000" dirty="0">
+              <a:rPr lang="en-US" sz="400" b="1" dirty="0" err="1">
+                <a:latin typeface="Arial" panose="020B0604020202020204" pitchFamily="34" charset="0"/>
+                <a:cs typeface="Arial" panose="020B0604020202020204" pitchFamily="34" charset="0"/>
+              </a:rPr>
+              <a:t>Bisphosphoglycerate</a:t>
+            </a:r>
+            <a:endParaRPr lang="en-US" sz="400" b="1" baseline="-25000" dirty="0">
               <a:latin typeface="Arial" panose="020B0604020202020204" pitchFamily="34" charset="0"/>
               <a:cs typeface="Arial" panose="020B0604020202020204" pitchFamily="34" charset="0"/>
             </a:endParaRPr>
@@ -3646,8 +3646,8 @@
         </p:nvSpPr>
         <p:spPr>
           <a:xfrm>
-            <a:off x="3623611" y="2312970"/>
-            <a:ext cx="312906" cy="169277"/>
+            <a:off x="3395984" y="2312970"/>
+            <a:ext cx="768160" cy="153888"/>
           </a:xfrm>
           <a:prstGeom prst="rect">
             <a:avLst/>
@@ -3662,13 +3662,13 @@
           <a:p>
             <a:pPr algn="ctr"/>
             <a:r>
-              <a:rPr lang="en-US" sz="500" b="1" dirty="0">
-                <a:latin typeface="Arial" panose="020B0604020202020204" pitchFamily="34" charset="0"/>
-                <a:cs typeface="Arial" panose="020B0604020202020204" pitchFamily="34" charset="0"/>
-              </a:rPr>
-              <a:t>3PG</a:t>
-            </a:r>
-            <a:endParaRPr lang="en-US" sz="500" b="1" baseline="-25000" dirty="0">
+              <a:rPr lang="en-US" sz="400" b="1" dirty="0">
+                <a:latin typeface="Arial" panose="020B0604020202020204" pitchFamily="34" charset="0"/>
+                <a:cs typeface="Arial" panose="020B0604020202020204" pitchFamily="34" charset="0"/>
+              </a:rPr>
+              <a:t>3-Phosphoglyceric acid</a:t>
+            </a:r>
+            <a:endParaRPr lang="en-US" sz="400" b="1" baseline="-25000" dirty="0">
               <a:latin typeface="Arial" panose="020B0604020202020204" pitchFamily="34" charset="0"/>
               <a:cs typeface="Arial" panose="020B0604020202020204" pitchFamily="34" charset="0"/>
             </a:endParaRPr>
@@ -3689,8 +3689,8 @@
         </p:nvSpPr>
         <p:spPr>
           <a:xfrm>
-            <a:off x="3623611" y="2577341"/>
-            <a:ext cx="312906" cy="169277"/>
+            <a:off x="3395984" y="2577341"/>
+            <a:ext cx="768160" cy="153888"/>
           </a:xfrm>
           <a:prstGeom prst="rect">
             <a:avLst/>
@@ -3705,13 +3705,13 @@
           <a:p>
             <a:pPr algn="ctr"/>
             <a:r>
-              <a:rPr lang="en-US" sz="500" b="1" dirty="0">
-                <a:latin typeface="Arial" panose="020B0604020202020204" pitchFamily="34" charset="0"/>
-                <a:cs typeface="Arial" panose="020B0604020202020204" pitchFamily="34" charset="0"/>
-              </a:rPr>
-              <a:t>2PG</a:t>
-            </a:r>
-            <a:endParaRPr lang="en-US" sz="500" b="1" baseline="-25000" dirty="0">
+              <a:rPr lang="en-US" sz="400" b="1" dirty="0">
+                <a:latin typeface="Arial" panose="020B0604020202020204" pitchFamily="34" charset="0"/>
+                <a:cs typeface="Arial" panose="020B0604020202020204" pitchFamily="34" charset="0"/>
+              </a:rPr>
+              <a:t>2-Phosphoglyceric acid</a:t>
+            </a:r>
+            <a:endParaRPr lang="en-US" sz="400" b="1" baseline="-25000" dirty="0">
               <a:latin typeface="Arial" panose="020B0604020202020204" pitchFamily="34" charset="0"/>
               <a:cs typeface="Arial" panose="020B0604020202020204" pitchFamily="34" charset="0"/>
             </a:endParaRPr>
@@ -3732,8 +3732,8 @@
         </p:nvSpPr>
         <p:spPr>
           <a:xfrm>
-            <a:off x="3346292" y="2841712"/>
-            <a:ext cx="867545" cy="169277"/>
+            <a:off x="3452090" y="2841712"/>
+            <a:ext cx="655949" cy="138499"/>
           </a:xfrm>
           <a:prstGeom prst="rect">
             <a:avLst/>
@@ -3748,20 +3748,20 @@
           <a:p>
             <a:pPr algn="ctr"/>
             <a:r>
-              <a:rPr lang="en-US" sz="500" b="1" dirty="0" err="1">
-                <a:latin typeface="Arial" panose="020B0604020202020204" pitchFamily="34" charset="0"/>
-                <a:cs typeface="Arial" panose="020B0604020202020204" pitchFamily="34" charset="0"/>
-              </a:rPr>
-              <a:t>Phosphoenol</a:t>
-            </a:r>
-            <a:r>
-              <a:rPr lang="en-US" sz="500" b="1" dirty="0">
-                <a:latin typeface="Arial" panose="020B0604020202020204" pitchFamily="34" charset="0"/>
-                <a:cs typeface="Arial" panose="020B0604020202020204" pitchFamily="34" charset="0"/>
-              </a:rPr>
-              <a:t> pyruvate</a:t>
-            </a:r>
-            <a:endParaRPr lang="en-US" sz="500" b="1" baseline="-25000" dirty="0">
+              <a:rPr lang="en-US" sz="300" b="1" dirty="0" err="1">
+                <a:latin typeface="Arial" panose="020B0604020202020204" pitchFamily="34" charset="0"/>
+                <a:cs typeface="Arial" panose="020B0604020202020204" pitchFamily="34" charset="0"/>
+              </a:rPr>
+              <a:t>Phosphoenolpyruvic</a:t>
+            </a:r>
+            <a:r>
+              <a:rPr lang="en-US" sz="300" b="1" dirty="0">
+                <a:latin typeface="Arial" panose="020B0604020202020204" pitchFamily="34" charset="0"/>
+                <a:cs typeface="Arial" panose="020B0604020202020204" pitchFamily="34" charset="0"/>
+              </a:rPr>
+              <a:t> acid</a:t>
+            </a:r>
+            <a:endParaRPr lang="en-US" sz="300" b="1" baseline="-25000" dirty="0">
               <a:latin typeface="Arial" panose="020B0604020202020204" pitchFamily="34" charset="0"/>
               <a:cs typeface="Arial" panose="020B0604020202020204" pitchFamily="34" charset="0"/>
             </a:endParaRPr>
@@ -3782,8 +3782,8 @@
         </p:nvSpPr>
         <p:spPr>
           <a:xfrm>
-            <a:off x="3553079" y="3106082"/>
-            <a:ext cx="453970" cy="169277"/>
+            <a:off x="3535447" y="3106082"/>
+            <a:ext cx="489236" cy="153888"/>
           </a:xfrm>
           <a:prstGeom prst="rect">
             <a:avLst/>
@@ -3798,13 +3798,13 @@
           <a:p>
             <a:pPr algn="ctr"/>
             <a:r>
-              <a:rPr lang="en-US" sz="500" b="1" dirty="0">
-                <a:latin typeface="Arial" panose="020B0604020202020204" pitchFamily="34" charset="0"/>
-                <a:cs typeface="Arial" panose="020B0604020202020204" pitchFamily="34" charset="0"/>
-              </a:rPr>
-              <a:t>Pyruvate</a:t>
-            </a:r>
-            <a:endParaRPr lang="en-US" sz="500" b="1" baseline="-25000" dirty="0">
+              <a:rPr lang="en-US" sz="400" b="1" dirty="0">
+                <a:latin typeface="Arial" panose="020B0604020202020204" pitchFamily="34" charset="0"/>
+                <a:cs typeface="Arial" panose="020B0604020202020204" pitchFamily="34" charset="0"/>
+              </a:rPr>
+              <a:t>Pyruvic acid</a:t>
+            </a:r>
+            <a:endParaRPr lang="en-US" sz="400" b="1" baseline="-25000" dirty="0">
               <a:latin typeface="Arial" panose="020B0604020202020204" pitchFamily="34" charset="0"/>
               <a:cs typeface="Arial" panose="020B0604020202020204" pitchFamily="34" charset="0"/>
             </a:endParaRPr>
@@ -3825,8 +3825,8 @@
         </p:nvSpPr>
         <p:spPr>
           <a:xfrm>
-            <a:off x="2929083" y="2957213"/>
-            <a:ext cx="405880" cy="169277"/>
+            <a:off x="2905039" y="2957213"/>
+            <a:ext cx="453970" cy="153888"/>
           </a:xfrm>
           <a:prstGeom prst="rect">
             <a:avLst/>
@@ -3841,13 +3841,13 @@
           <a:p>
             <a:pPr algn="ctr"/>
             <a:r>
-              <a:rPr lang="en-US" sz="500" b="1" dirty="0">
-                <a:latin typeface="Arial" panose="020B0604020202020204" pitchFamily="34" charset="0"/>
-                <a:cs typeface="Arial" panose="020B0604020202020204" pitchFamily="34" charset="0"/>
-              </a:rPr>
-              <a:t>Lactate</a:t>
-            </a:r>
-            <a:endParaRPr lang="en-US" sz="500" b="1" baseline="-25000" dirty="0">
+              <a:rPr lang="en-US" sz="400" b="1" dirty="0">
+                <a:latin typeface="Arial" panose="020B0604020202020204" pitchFamily="34" charset="0"/>
+                <a:cs typeface="Arial" panose="020B0604020202020204" pitchFamily="34" charset="0"/>
+              </a:rPr>
+              <a:t>Lactic acid</a:t>
+            </a:r>
+            <a:endParaRPr lang="en-US" sz="400" b="1" baseline="-25000" dirty="0">
               <a:latin typeface="Arial" panose="020B0604020202020204" pitchFamily="34" charset="0"/>
               <a:cs typeface="Arial" panose="020B0604020202020204" pitchFamily="34" charset="0"/>
             </a:endParaRPr>
@@ -3868,8 +3868,8 @@
         </p:nvSpPr>
         <p:spPr>
           <a:xfrm>
-            <a:off x="2745133" y="1784227"/>
-            <a:ext cx="367408" cy="169277"/>
+            <a:off x="2655365" y="1784227"/>
+            <a:ext cx="546945" cy="123111"/>
           </a:xfrm>
           <a:prstGeom prst="rect">
             <a:avLst/>
@@ -3884,13 +3884,13 @@
           <a:p>
             <a:pPr algn="ctr"/>
             <a:r>
-              <a:rPr lang="en-US" sz="500" b="1" dirty="0">
-                <a:latin typeface="Arial" panose="020B0604020202020204" pitchFamily="34" charset="0"/>
-                <a:cs typeface="Arial" panose="020B0604020202020204" pitchFamily="34" charset="0"/>
-              </a:rPr>
-              <a:t>DHAP</a:t>
-            </a:r>
-            <a:endParaRPr lang="en-US" sz="500" b="1" baseline="-25000" dirty="0">
+              <a:rPr lang="en-US" sz="200" b="1" dirty="0">
+                <a:latin typeface="Arial" panose="020B0604020202020204" pitchFamily="34" charset="0"/>
+                <a:cs typeface="Arial" panose="020B0604020202020204" pitchFamily="34" charset="0"/>
+              </a:rPr>
+              <a:t>Dihydroxyacetone phosphate</a:t>
+            </a:r>
+            <a:endParaRPr lang="en-US" sz="200" b="1" baseline="-25000" dirty="0">
               <a:latin typeface="Arial" panose="020B0604020202020204" pitchFamily="34" charset="0"/>
               <a:cs typeface="Arial" panose="020B0604020202020204" pitchFamily="34" charset="0"/>
             </a:endParaRPr>
@@ -3911,8 +3911,8 @@
         </p:nvSpPr>
         <p:spPr>
           <a:xfrm>
-            <a:off x="4192256" y="3480409"/>
-            <a:ext cx="386644" cy="169277"/>
+            <a:off x="4168212" y="3480409"/>
+            <a:ext cx="434734" cy="153888"/>
           </a:xfrm>
           <a:prstGeom prst="rect">
             <a:avLst/>
@@ -3927,13 +3927,13 @@
           <a:p>
             <a:pPr algn="ctr"/>
             <a:r>
-              <a:rPr lang="en-US" sz="500" b="1" dirty="0">
-                <a:latin typeface="Arial" panose="020B0604020202020204" pitchFamily="34" charset="0"/>
-                <a:cs typeface="Arial" panose="020B0604020202020204" pitchFamily="34" charset="0"/>
-              </a:rPr>
-              <a:t>Citrate</a:t>
-            </a:r>
-            <a:endParaRPr lang="en-US" sz="500" b="1" baseline="-25000" dirty="0">
+              <a:rPr lang="en-US" sz="400" b="1" dirty="0">
+                <a:latin typeface="Arial" panose="020B0604020202020204" pitchFamily="34" charset="0"/>
+                <a:cs typeface="Arial" panose="020B0604020202020204" pitchFamily="34" charset="0"/>
+              </a:rPr>
+              <a:t>Citric acid</a:t>
+            </a:r>
+            <a:endParaRPr lang="en-US" sz="400" b="1" baseline="-25000" dirty="0">
               <a:latin typeface="Arial" panose="020B0604020202020204" pitchFamily="34" charset="0"/>
               <a:cs typeface="Arial" panose="020B0604020202020204" pitchFamily="34" charset="0"/>
             </a:endParaRPr>
@@ -3954,8 +3954,8 @@
         </p:nvSpPr>
         <p:spPr>
           <a:xfrm>
-            <a:off x="4780826" y="4083079"/>
-            <a:ext cx="466794" cy="169277"/>
+            <a:off x="4763194" y="4083079"/>
+            <a:ext cx="502061" cy="153888"/>
           </a:xfrm>
           <a:prstGeom prst="rect">
             <a:avLst/>
@@ -3970,13 +3970,20 @@
           <a:p>
             <a:pPr algn="ctr"/>
             <a:r>
-              <a:rPr lang="en-US" sz="500" b="1" dirty="0">
-                <a:latin typeface="Arial" panose="020B0604020202020204" pitchFamily="34" charset="0"/>
-                <a:cs typeface="Arial" panose="020B0604020202020204" pitchFamily="34" charset="0"/>
-              </a:rPr>
-              <a:t>Isocitrate</a:t>
-            </a:r>
-            <a:endParaRPr lang="en-US" sz="500" b="1" baseline="-25000" dirty="0">
+              <a:rPr lang="en-US" sz="400" b="1" dirty="0" err="1">
+                <a:latin typeface="Arial" panose="020B0604020202020204" pitchFamily="34" charset="0"/>
+                <a:cs typeface="Arial" panose="020B0604020202020204" pitchFamily="34" charset="0"/>
+              </a:rPr>
+              <a:t>Isocitric</a:t>
+            </a:r>
+            <a:r>
+              <a:rPr lang="en-US" sz="400" b="1" dirty="0">
+                <a:latin typeface="Arial" panose="020B0604020202020204" pitchFamily="34" charset="0"/>
+                <a:cs typeface="Arial" panose="020B0604020202020204" pitchFamily="34" charset="0"/>
+              </a:rPr>
+              <a:t> acid</a:t>
+            </a:r>
+            <a:endParaRPr lang="en-US" sz="400" b="1" baseline="-25000" dirty="0">
               <a:latin typeface="Arial" panose="020B0604020202020204" pitchFamily="34" charset="0"/>
               <a:cs typeface="Arial" panose="020B0604020202020204" pitchFamily="34" charset="0"/>
             </a:endParaRPr>
@@ -3997,8 +4004,8 @@
         </p:nvSpPr>
         <p:spPr>
           <a:xfrm>
-            <a:off x="3232948" y="3688023"/>
-            <a:ext cx="579005" cy="169277"/>
+            <a:off x="3224934" y="3688023"/>
+            <a:ext cx="595035" cy="153888"/>
           </a:xfrm>
           <a:prstGeom prst="rect">
             <a:avLst/>
@@ -4013,13 +4020,13 @@
           <a:p>
             <a:pPr algn="ctr"/>
             <a:r>
-              <a:rPr lang="en-US" sz="500" b="1" dirty="0">
-                <a:latin typeface="Arial" panose="020B0604020202020204" pitchFamily="34" charset="0"/>
-                <a:cs typeface="Arial" panose="020B0604020202020204" pitchFamily="34" charset="0"/>
-              </a:rPr>
-              <a:t>Oxaloacetate</a:t>
-            </a:r>
-            <a:endParaRPr lang="en-US" sz="500" b="1" baseline="-25000" dirty="0">
+              <a:rPr lang="en-US" sz="400" b="1" dirty="0">
+                <a:latin typeface="Arial" panose="020B0604020202020204" pitchFamily="34" charset="0"/>
+                <a:cs typeface="Arial" panose="020B0604020202020204" pitchFamily="34" charset="0"/>
+              </a:rPr>
+              <a:t>Oxaloacetic acid</a:t>
+            </a:r>
+            <a:endParaRPr lang="en-US" sz="400" b="1" baseline="-25000" dirty="0">
               <a:latin typeface="Arial" panose="020B0604020202020204" pitchFamily="34" charset="0"/>
               <a:cs typeface="Arial" panose="020B0604020202020204" pitchFamily="34" charset="0"/>
             </a:endParaRPr>
@@ -4040,8 +4047,8 @@
         </p:nvSpPr>
         <p:spPr>
           <a:xfrm>
-            <a:off x="2861851" y="3958975"/>
-            <a:ext cx="449162" cy="169277"/>
+            <a:off x="2869866" y="3958975"/>
+            <a:ext cx="433132" cy="153888"/>
           </a:xfrm>
           <a:prstGeom prst="rect">
             <a:avLst/>
@@ -4056,13 +4063,13 @@
           <a:p>
             <a:pPr algn="ctr"/>
             <a:r>
-              <a:rPr lang="en-US" sz="500" b="1" dirty="0">
-                <a:latin typeface="Arial" panose="020B0604020202020204" pitchFamily="34" charset="0"/>
-                <a:cs typeface="Arial" panose="020B0604020202020204" pitchFamily="34" charset="0"/>
-              </a:rPr>
-              <a:t>D-Malate</a:t>
-            </a:r>
-            <a:endParaRPr lang="en-US" sz="500" b="1" baseline="-25000" dirty="0">
+              <a:rPr lang="en-US" sz="400" b="1" dirty="0">
+                <a:latin typeface="Arial" panose="020B0604020202020204" pitchFamily="34" charset="0"/>
+                <a:cs typeface="Arial" panose="020B0604020202020204" pitchFamily="34" charset="0"/>
+              </a:rPr>
+              <a:t>Malic acid</a:t>
+            </a:r>
+            <a:endParaRPr lang="en-US" sz="400" b="1" baseline="-25000" dirty="0">
               <a:latin typeface="Arial" panose="020B0604020202020204" pitchFamily="34" charset="0"/>
               <a:cs typeface="Arial" panose="020B0604020202020204" pitchFamily="34" charset="0"/>
             </a:endParaRPr>
@@ -4083,8 +4090,8 @@
         </p:nvSpPr>
         <p:spPr>
           <a:xfrm>
-            <a:off x="2850629" y="4283363"/>
-            <a:ext cx="471604" cy="169277"/>
+            <a:off x="2834600" y="4283363"/>
+            <a:ext cx="503664" cy="153888"/>
           </a:xfrm>
           <a:prstGeom prst="rect">
             <a:avLst/>
@@ -4099,13 +4106,13 @@
           <a:p>
             <a:pPr algn="ctr"/>
             <a:r>
-              <a:rPr lang="en-US" sz="500" b="1" dirty="0">
-                <a:latin typeface="Arial" panose="020B0604020202020204" pitchFamily="34" charset="0"/>
-                <a:cs typeface="Arial" panose="020B0604020202020204" pitchFamily="34" charset="0"/>
-              </a:rPr>
-              <a:t>Fumarate</a:t>
-            </a:r>
-            <a:endParaRPr lang="en-US" sz="500" b="1" baseline="-25000" dirty="0">
+              <a:rPr lang="en-US" sz="400" b="1" dirty="0">
+                <a:latin typeface="Arial" panose="020B0604020202020204" pitchFamily="34" charset="0"/>
+                <a:cs typeface="Arial" panose="020B0604020202020204" pitchFamily="34" charset="0"/>
+              </a:rPr>
+              <a:t>Fumaric acid</a:t>
+            </a:r>
+            <a:endParaRPr lang="en-US" sz="400" b="1" baseline="-25000" dirty="0">
               <a:latin typeface="Arial" panose="020B0604020202020204" pitchFamily="34" charset="0"/>
               <a:cs typeface="Arial" panose="020B0604020202020204" pitchFamily="34" charset="0"/>
             </a:endParaRPr>
@@ -4126,8 +4133,8 @@
         </p:nvSpPr>
         <p:spPr>
           <a:xfrm>
-            <a:off x="3210683" y="4611820"/>
-            <a:ext cx="484428" cy="169277"/>
+            <a:off x="3194653" y="4611820"/>
+            <a:ext cx="516488" cy="153888"/>
           </a:xfrm>
           <a:prstGeom prst="rect">
             <a:avLst/>
@@ -4142,13 +4149,13 @@
           <a:p>
             <a:pPr algn="ctr"/>
             <a:r>
-              <a:rPr lang="en-US" sz="500" b="1" dirty="0">
-                <a:latin typeface="Arial" panose="020B0604020202020204" pitchFamily="34" charset="0"/>
-                <a:cs typeface="Arial" panose="020B0604020202020204" pitchFamily="34" charset="0"/>
-              </a:rPr>
-              <a:t>Succinate</a:t>
-            </a:r>
-            <a:endParaRPr lang="en-US" sz="500" b="1" baseline="-25000" dirty="0">
+              <a:rPr lang="en-US" sz="400" b="1" dirty="0">
+                <a:latin typeface="Arial" panose="020B0604020202020204" pitchFamily="34" charset="0"/>
+                <a:cs typeface="Arial" panose="020B0604020202020204" pitchFamily="34" charset="0"/>
+              </a:rPr>
+              <a:t>Succinic acid</a:t>
+            </a:r>
+            <a:endParaRPr lang="en-US" sz="400" b="1" baseline="-25000" dirty="0">
               <a:latin typeface="Arial" panose="020B0604020202020204" pitchFamily="34" charset="0"/>
               <a:cs typeface="Arial" panose="020B0604020202020204" pitchFamily="34" charset="0"/>
             </a:endParaRPr>
@@ -4169,8 +4176,8 @@
         </p:nvSpPr>
         <p:spPr>
           <a:xfrm>
-            <a:off x="3836171" y="4750397"/>
-            <a:ext cx="598241" cy="169277"/>
+            <a:off x="3846590" y="4750397"/>
+            <a:ext cx="577402" cy="138499"/>
           </a:xfrm>
           <a:prstGeom prst="rect">
             <a:avLst/>
@@ -4185,13 +4192,13 @@
           <a:p>
             <a:pPr algn="ctr"/>
             <a:r>
-              <a:rPr lang="en-US" sz="500" b="1" dirty="0">
-                <a:latin typeface="Arial" panose="020B0604020202020204" pitchFamily="34" charset="0"/>
-                <a:cs typeface="Arial" panose="020B0604020202020204" pitchFamily="34" charset="0"/>
-              </a:rPr>
-              <a:t>Succinyl-CoA</a:t>
-            </a:r>
-            <a:endParaRPr lang="en-US" sz="500" b="1" baseline="-25000" dirty="0">
+              <a:rPr lang="en-US" sz="300" b="1" dirty="0">
+                <a:latin typeface="Arial" panose="020B0604020202020204" pitchFamily="34" charset="0"/>
+                <a:cs typeface="Arial" panose="020B0604020202020204" pitchFamily="34" charset="0"/>
+              </a:rPr>
+              <a:t>Succinyl coenzyme A</a:t>
+            </a:r>
+            <a:endParaRPr lang="en-US" sz="300" b="1" baseline="-25000" dirty="0">
               <a:latin typeface="Arial" panose="020B0604020202020204" pitchFamily="34" charset="0"/>
               <a:cs typeface="Arial" panose="020B0604020202020204" pitchFamily="34" charset="0"/>
             </a:endParaRPr>
@@ -4212,8 +4219,8 @@
         </p:nvSpPr>
         <p:spPr>
           <a:xfrm>
-            <a:off x="4517535" y="4430382"/>
-            <a:ext cx="779381" cy="169277"/>
+            <a:off x="4527154" y="4430382"/>
+            <a:ext cx="760144" cy="153888"/>
           </a:xfrm>
           <a:prstGeom prst="rect">
             <a:avLst/>
@@ -4228,13 +4235,13 @@
           <a:p>
             <a:pPr algn="ctr"/>
             <a:r>
-              <a:rPr lang="en-US" sz="500" b="1">
-                <a:latin typeface="Arial" panose="020B0604020202020204" pitchFamily="34" charset="0"/>
-                <a:cs typeface="Arial" panose="020B0604020202020204" pitchFamily="34" charset="0"/>
-              </a:rPr>
-              <a:t>alpha-Ketoglutarate</a:t>
-            </a:r>
-            <a:endParaRPr lang="en-US" sz="500" b="1" baseline="-25000" dirty="0">
+              <a:rPr lang="en-US" sz="400" b="1" dirty="0">
+                <a:latin typeface="Arial" panose="020B0604020202020204" pitchFamily="34" charset="0"/>
+                <a:cs typeface="Arial" panose="020B0604020202020204" pitchFamily="34" charset="0"/>
+              </a:rPr>
+              <a:t>alpha-Ketoglutaric acid</a:t>
+            </a:r>
+            <a:endParaRPr lang="en-US" sz="400" b="1" baseline="-25000" dirty="0">
               <a:latin typeface="Arial" panose="020B0604020202020204" pitchFamily="34" charset="0"/>
               <a:cs typeface="Arial" panose="020B0604020202020204" pitchFamily="34" charset="0"/>
             </a:endParaRPr>
@@ -4255,8 +4262,8 @@
         </p:nvSpPr>
         <p:spPr>
           <a:xfrm>
-            <a:off x="4770313" y="993048"/>
-            <a:ext cx="898003" cy="169277"/>
+            <a:off x="4825617" y="993048"/>
+            <a:ext cx="787395" cy="153888"/>
           </a:xfrm>
           <a:prstGeom prst="rect">
             <a:avLst/>
@@ -4271,11 +4278,11 @@
           <a:p>
             <a:pPr algn="ctr"/>
             <a:r>
-              <a:rPr lang="en-US" sz="500" b="1" dirty="0">
-                <a:latin typeface="Arial" panose="020B0604020202020204" pitchFamily="34" charset="0"/>
-                <a:cs typeface="Arial" panose="020B0604020202020204" pitchFamily="34" charset="0"/>
-              </a:rPr>
-              <a:t>6-Phospho-D-gluconate</a:t>
+              <a:rPr lang="en-US" sz="400" b="1" dirty="0">
+                <a:latin typeface="Arial" panose="020B0604020202020204" pitchFamily="34" charset="0"/>
+                <a:cs typeface="Arial" panose="020B0604020202020204" pitchFamily="34" charset="0"/>
+              </a:rPr>
+              <a:t>6-Phosphogluconic acid</a:t>
             </a:r>
           </a:p>
         </p:txBody>
@@ -4294,8 +4301,8 @@
         </p:nvSpPr>
         <p:spPr>
           <a:xfrm>
-            <a:off x="4943437" y="1308933"/>
-            <a:ext cx="551754" cy="169277"/>
+            <a:off x="4854472" y="1308933"/>
+            <a:ext cx="729687" cy="153888"/>
           </a:xfrm>
           <a:prstGeom prst="rect">
             <a:avLst/>
@@ -4310,11 +4317,11 @@
           <a:p>
             <a:pPr algn="ctr"/>
             <a:r>
-              <a:rPr lang="en-US" sz="500" b="1" dirty="0">
-                <a:latin typeface="Arial" panose="020B0604020202020204" pitchFamily="34" charset="0"/>
-                <a:cs typeface="Arial" panose="020B0604020202020204" pitchFamily="34" charset="0"/>
-              </a:rPr>
-              <a:t>Ribulose-5P</a:t>
+              <a:rPr lang="en-US" sz="400" b="1" dirty="0">
+                <a:latin typeface="Arial" panose="020B0604020202020204" pitchFamily="34" charset="0"/>
+                <a:cs typeface="Arial" panose="020B0604020202020204" pitchFamily="34" charset="0"/>
+              </a:rPr>
+              <a:t>Ribulose 5-phosphate</a:t>
             </a:r>
           </a:p>
         </p:txBody>
@@ -4333,8 +4340,8 @@
         </p:nvSpPr>
         <p:spPr>
           <a:xfrm>
-            <a:off x="4791152" y="1624925"/>
-            <a:ext cx="856324" cy="169277"/>
+            <a:off x="4877714" y="1624925"/>
+            <a:ext cx="683199" cy="153888"/>
           </a:xfrm>
           <a:prstGeom prst="rect">
             <a:avLst/>
@@ -4349,11 +4356,11 @@
           <a:p>
             <a:pPr algn="ctr"/>
             <a:r>
-              <a:rPr lang="en-US" sz="500" b="1" dirty="0">
-                <a:latin typeface="Arial" panose="020B0604020202020204" pitchFamily="34" charset="0"/>
-                <a:cs typeface="Arial" panose="020B0604020202020204" pitchFamily="34" charset="0"/>
-              </a:rPr>
-              <a:t>D-Ribose 5-phosphate</a:t>
+              <a:rPr lang="en-US" sz="400" b="1" dirty="0">
+                <a:latin typeface="Arial" panose="020B0604020202020204" pitchFamily="34" charset="0"/>
+                <a:cs typeface="Arial" panose="020B0604020202020204" pitchFamily="34" charset="0"/>
+              </a:rPr>
+              <a:t>Ribose 5-phosphate</a:t>
             </a:r>
           </a:p>
         </p:txBody>
@@ -4372,8 +4379,8 @@
         </p:nvSpPr>
         <p:spPr>
           <a:xfrm>
-            <a:off x="4702186" y="1900351"/>
-            <a:ext cx="1034257" cy="169277"/>
+            <a:off x="4775924" y="1900351"/>
+            <a:ext cx="886781" cy="153888"/>
           </a:xfrm>
           <a:prstGeom prst="rect">
             <a:avLst/>
@@ -4388,11 +4395,18 @@
           <a:p>
             <a:pPr algn="ctr"/>
             <a:r>
-              <a:rPr lang="en-US" sz="500" b="1" dirty="0">
-                <a:latin typeface="Arial" panose="020B0604020202020204" pitchFamily="34" charset="0"/>
-                <a:cs typeface="Arial" panose="020B0604020202020204" pitchFamily="34" charset="0"/>
-              </a:rPr>
-              <a:t>Sedoheptulose-7-phosphate</a:t>
+              <a:rPr lang="en-US" sz="400" b="1" dirty="0" err="1">
+                <a:latin typeface="Arial" panose="020B0604020202020204" pitchFamily="34" charset="0"/>
+                <a:cs typeface="Arial" panose="020B0604020202020204" pitchFamily="34" charset="0"/>
+              </a:rPr>
+              <a:t>Sedoheptulose</a:t>
+            </a:r>
+            <a:r>
+              <a:rPr lang="en-US" sz="400" b="1" dirty="0">
+                <a:latin typeface="Arial" panose="020B0604020202020204" pitchFamily="34" charset="0"/>
+                <a:cs typeface="Arial" panose="020B0604020202020204" pitchFamily="34" charset="0"/>
+              </a:rPr>
+              <a:t> 7-phosphate</a:t>
             </a:r>
           </a:p>
         </p:txBody>
@@ -4411,8 +4425,8 @@
         </p:nvSpPr>
         <p:spPr>
           <a:xfrm>
-            <a:off x="4694170" y="2216110"/>
-            <a:ext cx="1050289" cy="169277"/>
+            <a:off x="4771115" y="2216110"/>
+            <a:ext cx="896399" cy="153888"/>
           </a:xfrm>
           <a:prstGeom prst="rect">
             <a:avLst/>
@@ -4427,7 +4441,7 @@
           <a:p>
             <a:pPr algn="ctr"/>
             <a:r>
-              <a:rPr lang="en-US" sz="500" b="1" dirty="0">
+              <a:rPr lang="en-US" sz="400" b="1" dirty="0">
                 <a:latin typeface="Arial" panose="020B0604020202020204" pitchFamily="34" charset="0"/>
                 <a:cs typeface="Arial" panose="020B0604020202020204" pitchFamily="34" charset="0"/>
               </a:rPr>
@@ -4450,8 +4464,8 @@
         </p:nvSpPr>
         <p:spPr>
           <a:xfrm>
-            <a:off x="4928209" y="2558304"/>
-            <a:ext cx="582211" cy="169277"/>
+            <a:off x="4844054" y="2558304"/>
+            <a:ext cx="750526" cy="153888"/>
           </a:xfrm>
           <a:prstGeom prst="rect">
             <a:avLst/>
@@ -4466,13 +4480,13 @@
           <a:p>
             <a:pPr algn="ctr"/>
             <a:r>
-              <a:rPr lang="en-US" sz="500" b="1" dirty="0">
-                <a:latin typeface="Arial" panose="020B0604020202020204" pitchFamily="34" charset="0"/>
-                <a:cs typeface="Arial" panose="020B0604020202020204" pitchFamily="34" charset="0"/>
-              </a:rPr>
-              <a:t>Erythrose-4P</a:t>
-            </a:r>
-            <a:endParaRPr lang="en-US" sz="500" b="1" baseline="-25000" dirty="0">
+              <a:rPr lang="en-US" sz="400" b="1" dirty="0">
+                <a:latin typeface="Arial" panose="020B0604020202020204" pitchFamily="34" charset="0"/>
+                <a:cs typeface="Arial" panose="020B0604020202020204" pitchFamily="34" charset="0"/>
+              </a:rPr>
+              <a:t>Erythrose 4-phosphate</a:t>
+            </a:r>
+            <a:endParaRPr lang="en-US" sz="400" b="1" baseline="-25000" dirty="0">
               <a:latin typeface="Arial" panose="020B0604020202020204" pitchFamily="34" charset="0"/>
               <a:cs typeface="Arial" panose="020B0604020202020204" pitchFamily="34" charset="0"/>
             </a:endParaRPr>
@@ -4493,8 +4507,8 @@
         </p:nvSpPr>
         <p:spPr>
           <a:xfrm>
-            <a:off x="4796763" y="2845242"/>
-            <a:ext cx="845103" cy="169277"/>
+            <a:off x="4854471" y="2845242"/>
+            <a:ext cx="729687" cy="153888"/>
           </a:xfrm>
           <a:prstGeom prst="rect">
             <a:avLst/>
@@ -4509,7 +4523,7 @@
           <a:p>
             <a:pPr algn="ctr"/>
             <a:r>
-              <a:rPr lang="en-US" sz="500" b="1" dirty="0">
+              <a:rPr lang="en-US" sz="400" b="1" dirty="0">
                 <a:latin typeface="Arial" panose="020B0604020202020204" pitchFamily="34" charset="0"/>
                 <a:cs typeface="Arial" panose="020B0604020202020204" pitchFamily="34" charset="0"/>
               </a:rPr>
@@ -4532,8 +4546,8 @@
         </p:nvSpPr>
         <p:spPr>
           <a:xfrm>
-            <a:off x="3516210" y="3351493"/>
-            <a:ext cx="527709" cy="169277"/>
+            <a:off x="3570712" y="3351493"/>
+            <a:ext cx="418704" cy="123111"/>
           </a:xfrm>
           <a:prstGeom prst="rect">
             <a:avLst/>
@@ -4548,13 +4562,13 @@
           <a:p>
             <a:pPr algn="ctr"/>
             <a:r>
-              <a:rPr lang="en-US" sz="500" b="1" dirty="0">
-                <a:latin typeface="Arial" panose="020B0604020202020204" pitchFamily="34" charset="0"/>
-                <a:cs typeface="Arial" panose="020B0604020202020204" pitchFamily="34" charset="0"/>
-              </a:rPr>
-              <a:t>Acetyl-CoA</a:t>
-            </a:r>
-            <a:endParaRPr lang="en-US" sz="500" b="1" baseline="-25000" dirty="0">
+              <a:rPr lang="en-US" sz="200" b="1" dirty="0">
+                <a:latin typeface="Arial" panose="020B0604020202020204" pitchFamily="34" charset="0"/>
+                <a:cs typeface="Arial" panose="020B0604020202020204" pitchFamily="34" charset="0"/>
+              </a:rPr>
+              <a:t>Acetyl coenzyme A</a:t>
+            </a:r>
+            <a:endParaRPr lang="en-US" sz="200" b="1" baseline="-25000" dirty="0">
               <a:latin typeface="Arial" panose="020B0604020202020204" pitchFamily="34" charset="0"/>
               <a:cs typeface="Arial" panose="020B0604020202020204" pitchFamily="34" charset="0"/>
             </a:endParaRPr>
@@ -4575,8 +4589,8 @@
         </p:nvSpPr>
         <p:spPr>
           <a:xfrm>
-            <a:off x="4611945" y="3713019"/>
-            <a:ext cx="688010" cy="169277"/>
+            <a:off x="4656829" y="3713019"/>
+            <a:ext cx="598242" cy="153888"/>
           </a:xfrm>
           <a:prstGeom prst="rect">
             <a:avLst/>
@@ -4591,11 +4605,18 @@
           <a:p>
             <a:pPr algn="ctr"/>
             <a:r>
-              <a:rPr lang="en-US" sz="500" b="1" dirty="0">
-                <a:latin typeface="Arial" panose="020B0604020202020204" pitchFamily="34" charset="0"/>
-                <a:cs typeface="Arial" panose="020B0604020202020204" pitchFamily="34" charset="0"/>
-              </a:rPr>
-              <a:t>cis-Aconitic acid</a:t>
+              <a:rPr lang="en-US" sz="400" b="1">
+                <a:latin typeface="Arial" panose="020B0604020202020204" pitchFamily="34" charset="0"/>
+                <a:cs typeface="Arial" panose="020B0604020202020204" pitchFamily="34" charset="0"/>
+              </a:rPr>
+              <a:t>cis-Aconitic </a:t>
+            </a:r>
+            <a:r>
+              <a:rPr lang="en-US" sz="400" b="1" dirty="0">
+                <a:latin typeface="Arial" panose="020B0604020202020204" pitchFamily="34" charset="0"/>
+                <a:cs typeface="Arial" panose="020B0604020202020204" pitchFamily="34" charset="0"/>
+              </a:rPr>
+              <a:t>acid</a:t>
             </a:r>
           </a:p>
         </p:txBody>
@@ -4614,8 +4635,8 @@
         </p:nvSpPr>
         <p:spPr>
           <a:xfrm>
-            <a:off x="4873218" y="4800002"/>
-            <a:ext cx="401071" cy="169277"/>
+            <a:off x="4674445" y="4800002"/>
+            <a:ext cx="798617" cy="153888"/>
           </a:xfrm>
           <a:prstGeom prst="rect">
             <a:avLst/>
@@ -4630,11 +4651,11 @@
           <a:p>
             <a:pPr algn="ctr"/>
             <a:r>
-              <a:rPr lang="en-US" sz="500" b="1" dirty="0">
-                <a:latin typeface="Arial" panose="020B0604020202020204" pitchFamily="34" charset="0"/>
-                <a:cs typeface="Arial" panose="020B0604020202020204" pitchFamily="34" charset="0"/>
-              </a:rPr>
-              <a:t>R 2-HG</a:t>
+              <a:rPr lang="en-US" sz="400" b="1" dirty="0">
+                <a:latin typeface="Arial" panose="020B0604020202020204" pitchFamily="34" charset="0"/>
+                <a:cs typeface="Arial" panose="020B0604020202020204" pitchFamily="34" charset="0"/>
+              </a:rPr>
+              <a:t>R-2-Hydroxyglutaric acid</a:t>
             </a:r>
           </a:p>
         </p:txBody>
@@ -4657,8 +4678,8 @@
         </p:nvCxnSpPr>
         <p:spPr>
           <a:xfrm>
-            <a:off x="3780065" y="896020"/>
-            <a:ext cx="0" cy="95094"/>
+            <a:off x="3780064" y="880631"/>
+            <a:ext cx="1" cy="110483"/>
           </a:xfrm>
           <a:prstGeom prst="line">
             <a:avLst/>
@@ -4702,8 +4723,8 @@
         </p:nvCxnSpPr>
         <p:spPr>
           <a:xfrm>
-            <a:off x="3780065" y="1160391"/>
-            <a:ext cx="0" cy="95094"/>
+            <a:off x="3780065" y="1145002"/>
+            <a:ext cx="0" cy="110483"/>
           </a:xfrm>
           <a:prstGeom prst="line">
             <a:avLst/>
@@ -4747,8 +4768,8 @@
         </p:nvCxnSpPr>
         <p:spPr>
           <a:xfrm>
-            <a:off x="3780065" y="1424762"/>
-            <a:ext cx="0" cy="95094"/>
+            <a:off x="3780065" y="1409373"/>
+            <a:ext cx="0" cy="110483"/>
           </a:xfrm>
           <a:prstGeom prst="line">
             <a:avLst/>
@@ -4792,8 +4813,8 @@
         </p:nvCxnSpPr>
         <p:spPr>
           <a:xfrm>
-            <a:off x="3780065" y="1689133"/>
-            <a:ext cx="0" cy="95095"/>
+            <a:off x="3780065" y="1673744"/>
+            <a:ext cx="0" cy="110484"/>
           </a:xfrm>
           <a:prstGeom prst="line">
             <a:avLst/>
@@ -4837,8 +4858,8 @@
         </p:nvCxnSpPr>
         <p:spPr>
           <a:xfrm flipH="1">
-            <a:off x="3780064" y="1953505"/>
-            <a:ext cx="1" cy="121956"/>
+            <a:off x="3780064" y="1907339"/>
+            <a:ext cx="1" cy="168122"/>
           </a:xfrm>
           <a:prstGeom prst="line">
             <a:avLst/>
@@ -4882,8 +4903,8 @@
         </p:nvCxnSpPr>
         <p:spPr>
           <a:xfrm>
-            <a:off x="3780064" y="2244738"/>
-            <a:ext cx="0" cy="68232"/>
+            <a:off x="3780064" y="2229349"/>
+            <a:ext cx="0" cy="83621"/>
           </a:xfrm>
           <a:prstGeom prst="line">
             <a:avLst/>
@@ -4927,8 +4948,8 @@
         </p:nvCxnSpPr>
         <p:spPr>
           <a:xfrm>
-            <a:off x="3780064" y="2482247"/>
-            <a:ext cx="0" cy="95094"/>
+            <a:off x="3780064" y="2466858"/>
+            <a:ext cx="0" cy="110483"/>
           </a:xfrm>
           <a:prstGeom prst="line">
             <a:avLst/>
@@ -4972,8 +4993,8 @@
         </p:nvCxnSpPr>
         <p:spPr>
           <a:xfrm>
-            <a:off x="3780064" y="2746618"/>
-            <a:ext cx="1" cy="95094"/>
+            <a:off x="3780064" y="2731229"/>
+            <a:ext cx="1" cy="110483"/>
           </a:xfrm>
           <a:prstGeom prst="line">
             <a:avLst/>
@@ -5016,9 +5037,9 @@
           <p:nvPr/>
         </p:nvCxnSpPr>
         <p:spPr>
-          <a:xfrm flipH="1">
-            <a:off x="3780064" y="3010989"/>
-            <a:ext cx="1" cy="95093"/>
+          <a:xfrm>
+            <a:off x="3780065" y="2980211"/>
+            <a:ext cx="0" cy="125871"/>
           </a:xfrm>
           <a:prstGeom prst="line">
             <a:avLst/>
@@ -5061,9 +5082,9 @@
           <p:nvPr/>
         </p:nvCxnSpPr>
         <p:spPr>
-          <a:xfrm>
-            <a:off x="3780064" y="3275359"/>
-            <a:ext cx="1" cy="76134"/>
+          <a:xfrm flipH="1">
+            <a:off x="3780064" y="3259970"/>
+            <a:ext cx="1" cy="91523"/>
           </a:xfrm>
           <a:prstGeom prst="line">
             <a:avLst/>
@@ -5107,8 +5128,8 @@
         </p:nvCxnSpPr>
         <p:spPr>
           <a:xfrm flipH="1">
-            <a:off x="3522451" y="3565048"/>
-            <a:ext cx="669805" cy="122975"/>
+            <a:off x="3522452" y="3557353"/>
+            <a:ext cx="645760" cy="130670"/>
           </a:xfrm>
           <a:prstGeom prst="line">
             <a:avLst/>
@@ -5152,8 +5173,8 @@
         </p:nvCxnSpPr>
         <p:spPr>
           <a:xfrm flipH="1" flipV="1">
-            <a:off x="4578900" y="3565048"/>
-            <a:ext cx="377050" cy="147971"/>
+            <a:off x="4602946" y="3557353"/>
+            <a:ext cx="353004" cy="155666"/>
           </a:xfrm>
           <a:prstGeom prst="line">
             <a:avLst/>
@@ -5197,8 +5218,8 @@
         </p:nvCxnSpPr>
         <p:spPr>
           <a:xfrm flipH="1" flipV="1">
-            <a:off x="4955950" y="3882296"/>
-            <a:ext cx="58273" cy="200783"/>
+            <a:off x="4955950" y="3866907"/>
+            <a:ext cx="58275" cy="216172"/>
           </a:xfrm>
           <a:prstGeom prst="line">
             <a:avLst/>
@@ -5242,8 +5263,8 @@
         </p:nvCxnSpPr>
         <p:spPr>
           <a:xfrm flipV="1">
-            <a:off x="4907226" y="4252356"/>
-            <a:ext cx="106997" cy="178026"/>
+            <a:off x="4907226" y="4236967"/>
+            <a:ext cx="106999" cy="193415"/>
           </a:xfrm>
           <a:prstGeom prst="line">
             <a:avLst/>
@@ -5287,8 +5308,8 @@
         </p:nvCxnSpPr>
         <p:spPr>
           <a:xfrm flipV="1">
-            <a:off x="4434412" y="4599659"/>
-            <a:ext cx="472814" cy="235377"/>
+            <a:off x="4423992" y="4584270"/>
+            <a:ext cx="483234" cy="235377"/>
           </a:xfrm>
           <a:prstGeom prst="line">
             <a:avLst/>
@@ -5332,8 +5353,8 @@
         </p:nvCxnSpPr>
         <p:spPr>
           <a:xfrm flipH="1" flipV="1">
-            <a:off x="4907226" y="4599659"/>
-            <a:ext cx="166528" cy="200343"/>
+            <a:off x="4907226" y="4584270"/>
+            <a:ext cx="166528" cy="215732"/>
           </a:xfrm>
           <a:prstGeom prst="line">
             <a:avLst/>
@@ -5377,8 +5398,8 @@
         </p:nvCxnSpPr>
         <p:spPr>
           <a:xfrm>
-            <a:off x="3452897" y="4781097"/>
-            <a:ext cx="383274" cy="53939"/>
+            <a:off x="3452897" y="4765708"/>
+            <a:ext cx="393693" cy="53939"/>
           </a:xfrm>
           <a:prstGeom prst="line">
             <a:avLst/>
@@ -5416,14 +5437,14 @@
           <p:cNvCxnSpPr>
             <a:cxnSpLocks/>
             <a:stCxn id="21" idx="2"/>
-            <a:endCxn id="22" idx="1"/>
+            <a:endCxn id="22" idx="0"/>
           </p:cNvCxnSpPr>
           <p:nvPr/>
         </p:nvCxnSpPr>
         <p:spPr>
           <a:xfrm>
-            <a:off x="3086431" y="4452640"/>
-            <a:ext cx="124252" cy="243819"/>
+            <a:off x="3086432" y="4437251"/>
+            <a:ext cx="366465" cy="174569"/>
           </a:xfrm>
           <a:prstGeom prst="line">
             <a:avLst/>
@@ -5466,9 +5487,9 @@
           <p:nvPr/>
         </p:nvCxnSpPr>
         <p:spPr>
-          <a:xfrm flipH="1">
-            <a:off x="3086431" y="4128252"/>
-            <a:ext cx="1" cy="155111"/>
+          <a:xfrm>
+            <a:off x="3086432" y="4112863"/>
+            <a:ext cx="0" cy="170500"/>
           </a:xfrm>
           <a:prstGeom prst="line">
             <a:avLst/>
@@ -5512,8 +5533,8 @@
         </p:nvCxnSpPr>
         <p:spPr>
           <a:xfrm flipH="1">
-            <a:off x="3086432" y="3857300"/>
-            <a:ext cx="436019" cy="101675"/>
+            <a:off x="3086432" y="3841911"/>
+            <a:ext cx="436020" cy="117064"/>
           </a:xfrm>
           <a:prstGeom prst="line">
             <a:avLst/>
@@ -5557,8 +5578,8 @@
         </p:nvCxnSpPr>
         <p:spPr>
           <a:xfrm flipH="1">
-            <a:off x="2928837" y="1604495"/>
-            <a:ext cx="356541" cy="179732"/>
+            <a:off x="2928838" y="1596800"/>
+            <a:ext cx="471956" cy="187427"/>
           </a:xfrm>
           <a:prstGeom prst="line">
             <a:avLst/>
@@ -5602,8 +5623,8 @@
         </p:nvCxnSpPr>
         <p:spPr>
           <a:xfrm flipH="1" flipV="1">
-            <a:off x="3112541" y="1868866"/>
-            <a:ext cx="142379" cy="1"/>
+            <a:off x="3202310" y="1845783"/>
+            <a:ext cx="309893" cy="1"/>
           </a:xfrm>
           <a:prstGeom prst="line">
             <a:avLst/>
@@ -5646,9 +5667,9 @@
           <p:nvPr/>
         </p:nvCxnSpPr>
         <p:spPr>
-          <a:xfrm flipH="1">
-            <a:off x="5219314" y="1162325"/>
-            <a:ext cx="1" cy="146608"/>
+          <a:xfrm>
+            <a:off x="5219315" y="1146936"/>
+            <a:ext cx="1" cy="161997"/>
           </a:xfrm>
           <a:prstGeom prst="line">
             <a:avLst/>
@@ -5691,9 +5712,9 @@
           <p:nvPr/>
         </p:nvCxnSpPr>
         <p:spPr>
-          <a:xfrm>
-            <a:off x="5219314" y="1478210"/>
-            <a:ext cx="0" cy="146715"/>
+          <a:xfrm flipH="1">
+            <a:off x="5219314" y="1462821"/>
+            <a:ext cx="2" cy="162104"/>
           </a:xfrm>
           <a:prstGeom prst="line">
             <a:avLst/>
@@ -5737,8 +5758,8 @@
         </p:nvCxnSpPr>
         <p:spPr>
           <a:xfrm>
-            <a:off x="5219314" y="1794202"/>
-            <a:ext cx="1" cy="106149"/>
+            <a:off x="5219314" y="1778813"/>
+            <a:ext cx="1" cy="121538"/>
           </a:xfrm>
           <a:prstGeom prst="line">
             <a:avLst/>
@@ -5782,8 +5803,8 @@
         </p:nvCxnSpPr>
         <p:spPr>
           <a:xfrm>
-            <a:off x="5219315" y="2385387"/>
-            <a:ext cx="0" cy="172917"/>
+            <a:off x="5219315" y="2369998"/>
+            <a:ext cx="2" cy="188306"/>
           </a:xfrm>
           <a:prstGeom prst="line">
             <a:avLst/>
@@ -5826,8 +5847,8 @@
         </p:nvCxnSpPr>
         <p:spPr>
           <a:xfrm flipH="1" flipV="1">
-            <a:off x="4193800" y="1075753"/>
-            <a:ext cx="602081" cy="1"/>
+            <a:off x="4137694" y="1068058"/>
+            <a:ext cx="658187" cy="7696"/>
           </a:xfrm>
           <a:prstGeom prst="line">
             <a:avLst/>
@@ -5871,8 +5892,8 @@
         </p:nvCxnSpPr>
         <p:spPr>
           <a:xfrm flipH="1" flipV="1">
-            <a:off x="3780065" y="3520770"/>
-            <a:ext cx="412191" cy="44278"/>
+            <a:off x="3780064" y="3474604"/>
+            <a:ext cx="388148" cy="82749"/>
           </a:xfrm>
           <a:prstGeom prst="line">
             <a:avLst/>
@@ -5916,7 +5937,7 @@
         <p:spPr>
           <a:xfrm flipH="1" flipV="1">
             <a:off x="3226344" y="3093601"/>
-            <a:ext cx="326735" cy="97120"/>
+            <a:ext cx="309103" cy="89425"/>
           </a:xfrm>
           <a:prstGeom prst="line">
             <a:avLst/>
@@ -5956,8 +5977,8 @@
         </p:nvSpPr>
         <p:spPr>
           <a:xfrm>
-            <a:off x="1530218" y="1891304"/>
-            <a:ext cx="518091" cy="169277"/>
+            <a:off x="1559072" y="1891304"/>
+            <a:ext cx="460382" cy="153888"/>
           </a:xfrm>
           <a:prstGeom prst="rect">
             <a:avLst/>
@@ -5972,13 +5993,13 @@
           <a:p>
             <a:pPr algn="ctr"/>
             <a:r>
-              <a:rPr lang="en-US" sz="500" b="1" dirty="0">
+              <a:rPr lang="en-US" sz="400" b="1" dirty="0">
                 <a:latin typeface="Arial" panose="020B0604020202020204" pitchFamily="34" charset="0"/>
                 <a:cs typeface="Arial" panose="020B0604020202020204" pitchFamily="34" charset="0"/>
               </a:rPr>
               <a:t>Methionine</a:t>
             </a:r>
-            <a:endParaRPr lang="en-US" sz="500" b="1" baseline="-25000" dirty="0">
+            <a:endParaRPr lang="en-US" sz="400" b="1" baseline="-25000" dirty="0">
               <a:latin typeface="Arial" panose="020B0604020202020204" pitchFamily="34" charset="0"/>
               <a:cs typeface="Arial" panose="020B0604020202020204" pitchFamily="34" charset="0"/>
             </a:endParaRPr>
@@ -5999,8 +6020,8 @@
         </p:nvSpPr>
         <p:spPr>
           <a:xfrm>
-            <a:off x="1479723" y="2738001"/>
-            <a:ext cx="619080" cy="169277"/>
+            <a:off x="1519798" y="2738001"/>
+            <a:ext cx="538930" cy="153888"/>
           </a:xfrm>
           <a:prstGeom prst="rect">
             <a:avLst/>
@@ -6015,13 +6036,13 @@
           <a:p>
             <a:pPr algn="ctr"/>
             <a:r>
-              <a:rPr lang="en-US" sz="500" b="1" dirty="0">
+              <a:rPr lang="en-US" sz="400" b="1" dirty="0">
                 <a:latin typeface="Arial" panose="020B0604020202020204" pitchFamily="34" charset="0"/>
                 <a:cs typeface="Arial" panose="020B0604020202020204" pitchFamily="34" charset="0"/>
               </a:rPr>
               <a:t>Homocysteine</a:t>
             </a:r>
-            <a:endParaRPr lang="en-US" sz="500" b="1" baseline="-25000" dirty="0">
+            <a:endParaRPr lang="en-US" sz="400" b="1" baseline="-25000" dirty="0">
               <a:latin typeface="Arial" panose="020B0604020202020204" pitchFamily="34" charset="0"/>
               <a:cs typeface="Arial" panose="020B0604020202020204" pitchFamily="34" charset="0"/>
             </a:endParaRPr>
@@ -6042,8 +6063,8 @@
         </p:nvSpPr>
         <p:spPr>
           <a:xfrm>
-            <a:off x="1487738" y="2980411"/>
-            <a:ext cx="603050" cy="169277"/>
+            <a:off x="1524607" y="2980411"/>
+            <a:ext cx="529312" cy="153888"/>
           </a:xfrm>
           <a:prstGeom prst="rect">
             <a:avLst/>
@@ -6058,13 +6079,13 @@
           <a:p>
             <a:pPr algn="ctr"/>
             <a:r>
-              <a:rPr lang="en-US" sz="500" b="1" dirty="0">
+              <a:rPr lang="en-US" sz="400" b="1" dirty="0">
                 <a:latin typeface="Arial" panose="020B0604020202020204" pitchFamily="34" charset="0"/>
                 <a:cs typeface="Arial" panose="020B0604020202020204" pitchFamily="34" charset="0"/>
               </a:rPr>
               <a:t>Cystathionine</a:t>
             </a:r>
-            <a:endParaRPr lang="en-US" sz="500" b="1" baseline="-25000" dirty="0">
+            <a:endParaRPr lang="en-US" sz="400" b="1" baseline="-25000" dirty="0">
               <a:latin typeface="Arial" panose="020B0604020202020204" pitchFamily="34" charset="0"/>
               <a:cs typeface="Arial" panose="020B0604020202020204" pitchFamily="34" charset="0"/>
             </a:endParaRPr>
@@ -6086,7 +6107,7 @@
         <p:spPr>
           <a:xfrm>
             <a:off x="756627" y="2980411"/>
-            <a:ext cx="731520" cy="169277"/>
+            <a:ext cx="731520" cy="153888"/>
           </a:xfrm>
           <a:prstGeom prst="rect">
             <a:avLst/>
@@ -6101,11 +6122,18 @@
           <a:p>
             <a:pPr algn="ctr"/>
             <a:r>
-              <a:rPr lang="en-US" sz="500" b="1" dirty="0">
-                <a:latin typeface="Arial" panose="020B0604020202020204" pitchFamily="34" charset="0"/>
-                <a:cs typeface="Arial" panose="020B0604020202020204" pitchFamily="34" charset="0"/>
-              </a:rPr>
-              <a:t>2-Oxobutyric acid</a:t>
+              <a:rPr lang="en-US" sz="400" b="1" dirty="0" err="1">
+                <a:latin typeface="Arial" panose="020B0604020202020204" pitchFamily="34" charset="0"/>
+                <a:cs typeface="Arial" panose="020B0604020202020204" pitchFamily="34" charset="0"/>
+              </a:rPr>
+              <a:t>Oxobutyric</a:t>
+            </a:r>
+            <a:r>
+              <a:rPr lang="en-US" sz="400" b="1" dirty="0">
+                <a:latin typeface="Arial" panose="020B0604020202020204" pitchFamily="34" charset="0"/>
+                <a:cs typeface="Arial" panose="020B0604020202020204" pitchFamily="34" charset="0"/>
+              </a:rPr>
+              <a:t> acid</a:t>
             </a:r>
           </a:p>
         </p:txBody>
@@ -6125,7 +6153,7 @@
         <p:spPr>
           <a:xfrm>
             <a:off x="197641" y="2980411"/>
-            <a:ext cx="614271" cy="169277"/>
+            <a:ext cx="614271" cy="153888"/>
           </a:xfrm>
           <a:prstGeom prst="rect">
             <a:avLst/>
@@ -6140,13 +6168,13 @@
           <a:p>
             <a:pPr algn="ctr"/>
             <a:r>
-              <a:rPr lang="en-US" sz="500" b="1" dirty="0">
-                <a:latin typeface="Arial" panose="020B0604020202020204" pitchFamily="34" charset="0"/>
-                <a:cs typeface="Arial" panose="020B0604020202020204" pitchFamily="34" charset="0"/>
-              </a:rPr>
-              <a:t>L-Threonine</a:t>
-            </a:r>
-            <a:endParaRPr lang="en-US" sz="500" b="1" baseline="-25000" dirty="0">
+              <a:rPr lang="en-US" sz="400" b="1" dirty="0">
+                <a:latin typeface="Arial" panose="020B0604020202020204" pitchFamily="34" charset="0"/>
+                <a:cs typeface="Arial" panose="020B0604020202020204" pitchFamily="34" charset="0"/>
+              </a:rPr>
+              <a:t>Threonine</a:t>
+            </a:r>
+            <a:endParaRPr lang="en-US" sz="400" b="1" baseline="-25000" dirty="0">
               <a:latin typeface="Arial" panose="020B0604020202020204" pitchFamily="34" charset="0"/>
               <a:cs typeface="Arial" panose="020B0604020202020204" pitchFamily="34" charset="0"/>
             </a:endParaRPr>
@@ -6167,8 +6195,8 @@
         </p:nvSpPr>
         <p:spPr>
           <a:xfrm>
-            <a:off x="2329447" y="2738001"/>
-            <a:ext cx="413895" cy="169277"/>
+            <a:off x="2350285" y="2738001"/>
+            <a:ext cx="372218" cy="153888"/>
           </a:xfrm>
           <a:prstGeom prst="rect">
             <a:avLst/>
@@ -6183,13 +6211,13 @@
           <a:p>
             <a:pPr algn="ctr"/>
             <a:r>
-              <a:rPr lang="en-US" sz="500" b="1" dirty="0">
+              <a:rPr lang="en-US" sz="400" b="1" dirty="0">
                 <a:latin typeface="Arial" panose="020B0604020202020204" pitchFamily="34" charset="0"/>
                 <a:cs typeface="Arial" panose="020B0604020202020204" pitchFamily="34" charset="0"/>
               </a:rPr>
               <a:t>Glycine</a:t>
             </a:r>
-            <a:endParaRPr lang="en-US" sz="500" b="1" baseline="-25000" dirty="0">
+            <a:endParaRPr lang="en-US" sz="400" b="1" baseline="-25000" dirty="0">
               <a:latin typeface="Arial" panose="020B0604020202020204" pitchFamily="34" charset="0"/>
               <a:cs typeface="Arial" panose="020B0604020202020204" pitchFamily="34" charset="0"/>
             </a:endParaRPr>
@@ -6210,8 +6238,8 @@
         </p:nvSpPr>
         <p:spPr>
           <a:xfrm>
-            <a:off x="2316623" y="2980411"/>
-            <a:ext cx="439544" cy="169277"/>
+            <a:off x="2365515" y="2980411"/>
+            <a:ext cx="341760" cy="153888"/>
           </a:xfrm>
           <a:prstGeom prst="rect">
             <a:avLst/>
@@ -6226,13 +6254,13 @@
           <a:p>
             <a:pPr algn="ctr"/>
             <a:r>
-              <a:rPr lang="en-US" sz="500" b="1" dirty="0">
-                <a:latin typeface="Arial" panose="020B0604020202020204" pitchFamily="34" charset="0"/>
-                <a:cs typeface="Arial" panose="020B0604020202020204" pitchFamily="34" charset="0"/>
-              </a:rPr>
-              <a:t>L-Serine</a:t>
-            </a:r>
-            <a:endParaRPr lang="en-US" sz="500" b="1" baseline="-25000" dirty="0">
+              <a:rPr lang="en-US" sz="400" b="1" dirty="0">
+                <a:latin typeface="Arial" panose="020B0604020202020204" pitchFamily="34" charset="0"/>
+                <a:cs typeface="Arial" panose="020B0604020202020204" pitchFamily="34" charset="0"/>
+              </a:rPr>
+              <a:t>Serine</a:t>
+            </a:r>
+            <a:endParaRPr lang="en-US" sz="400" b="1" baseline="-25000" dirty="0">
               <a:latin typeface="Arial" panose="020B0604020202020204" pitchFamily="34" charset="0"/>
               <a:cs typeface="Arial" panose="020B0604020202020204" pitchFamily="34" charset="0"/>
             </a:endParaRPr>
@@ -6253,8 +6281,8 @@
         </p:nvSpPr>
         <p:spPr>
           <a:xfrm>
-            <a:off x="2282158" y="3215274"/>
-            <a:ext cx="508474" cy="169277"/>
+            <a:off x="2335859" y="3215274"/>
+            <a:ext cx="401071" cy="153888"/>
           </a:xfrm>
           <a:prstGeom prst="rect">
             <a:avLst/>
@@ -6269,13 +6297,13 @@
           <a:p>
             <a:pPr algn="ctr"/>
             <a:r>
-              <a:rPr lang="en-US" sz="500" b="1" dirty="0">
-                <a:latin typeface="Arial" panose="020B0604020202020204" pitchFamily="34" charset="0"/>
-                <a:cs typeface="Arial" panose="020B0604020202020204" pitchFamily="34" charset="0"/>
-              </a:rPr>
-              <a:t>L-Cysteine</a:t>
-            </a:r>
-            <a:endParaRPr lang="en-US" sz="500" b="1" baseline="-25000" dirty="0">
+              <a:rPr lang="en-US" sz="400" b="1" dirty="0">
+                <a:latin typeface="Arial" panose="020B0604020202020204" pitchFamily="34" charset="0"/>
+                <a:cs typeface="Arial" panose="020B0604020202020204" pitchFamily="34" charset="0"/>
+              </a:rPr>
+              <a:t>Cysteine</a:t>
+            </a:r>
+            <a:endParaRPr lang="en-US" sz="400" b="1" baseline="-25000" dirty="0">
               <a:latin typeface="Arial" panose="020B0604020202020204" pitchFamily="34" charset="0"/>
               <a:cs typeface="Arial" panose="020B0604020202020204" pitchFamily="34" charset="0"/>
             </a:endParaRPr>
@@ -6300,8 +6328,8 @@
         </p:nvCxnSpPr>
         <p:spPr>
           <a:xfrm flipH="1">
-            <a:off x="1789263" y="2528375"/>
-            <a:ext cx="546976" cy="209626"/>
+            <a:off x="1789263" y="2512986"/>
+            <a:ext cx="546976" cy="225015"/>
           </a:xfrm>
           <a:prstGeom prst="line">
             <a:avLst/>
@@ -6345,8 +6373,8 @@
         </p:nvCxnSpPr>
         <p:spPr>
           <a:xfrm>
-            <a:off x="1789263" y="2907278"/>
-            <a:ext cx="0" cy="73133"/>
+            <a:off x="1789263" y="2891889"/>
+            <a:ext cx="0" cy="88522"/>
           </a:xfrm>
           <a:prstGeom prst="line">
             <a:avLst/>
@@ -6433,8 +6461,8 @@
         </p:nvCxnSpPr>
         <p:spPr>
           <a:xfrm>
-            <a:off x="2536395" y="2907278"/>
-            <a:ext cx="0" cy="73133"/>
+            <a:off x="2536394" y="2891889"/>
+            <a:ext cx="1" cy="88522"/>
           </a:xfrm>
           <a:prstGeom prst="line">
             <a:avLst/>
@@ -6477,8 +6505,8 @@
         </p:nvCxnSpPr>
         <p:spPr>
           <a:xfrm>
-            <a:off x="2536395" y="3149688"/>
-            <a:ext cx="0" cy="55706"/>
+            <a:off x="2536395" y="3134299"/>
+            <a:ext cx="0" cy="71095"/>
           </a:xfrm>
           <a:prstGeom prst="line">
             <a:avLst/>
@@ -6522,8 +6550,8 @@
         </p:nvCxnSpPr>
         <p:spPr>
           <a:xfrm>
-            <a:off x="2090788" y="3065050"/>
-            <a:ext cx="225835" cy="0"/>
+            <a:off x="2053919" y="3057355"/>
+            <a:ext cx="311596" cy="0"/>
           </a:xfrm>
           <a:prstGeom prst="line">
             <a:avLst/>
@@ -6567,8 +6595,8 @@
         </p:nvCxnSpPr>
         <p:spPr>
           <a:xfrm flipH="1">
-            <a:off x="2756167" y="2720894"/>
-            <a:ext cx="426780" cy="344156"/>
+            <a:off x="2707275" y="2705505"/>
+            <a:ext cx="475672" cy="351850"/>
           </a:xfrm>
           <a:prstGeom prst="line">
             <a:avLst/>
@@ -6608,8 +6636,8 @@
         </p:nvSpPr>
         <p:spPr>
           <a:xfrm>
-            <a:off x="3746403" y="5077041"/>
-            <a:ext cx="777777" cy="169277"/>
+            <a:off x="3876247" y="5077041"/>
+            <a:ext cx="518091" cy="123111"/>
           </a:xfrm>
           <a:prstGeom prst="rect">
             <a:avLst/>
@@ -6624,20 +6652,20 @@
           <a:p>
             <a:pPr algn="ctr"/>
             <a:r>
-              <a:rPr lang="en-US" sz="500" b="1" dirty="0" err="1">
+              <a:rPr lang="en-US" sz="200" b="1" dirty="0" err="1">
                 <a:latin typeface="Arial" panose="020B0604020202020204" pitchFamily="34" charset="0"/>
                 <a:cs typeface="Arial" panose="020B0604020202020204" pitchFamily="34" charset="0"/>
               </a:rPr>
               <a:t>Methylmalonyl</a:t>
             </a:r>
             <a:r>
-              <a:rPr lang="en-US" sz="500" b="1" dirty="0">
-                <a:latin typeface="Arial" panose="020B0604020202020204" pitchFamily="34" charset="0"/>
-                <a:cs typeface="Arial" panose="020B0604020202020204" pitchFamily="34" charset="0"/>
-              </a:rPr>
-              <a:t>-CoA</a:t>
-            </a:r>
-            <a:endParaRPr lang="en-US" sz="500" b="1" baseline="-25000" dirty="0">
+              <a:rPr lang="en-US" sz="200" b="1" dirty="0">
+                <a:latin typeface="Arial" panose="020B0604020202020204" pitchFamily="34" charset="0"/>
+                <a:cs typeface="Arial" panose="020B0604020202020204" pitchFamily="34" charset="0"/>
+              </a:rPr>
+              <a:t> coenzyme A</a:t>
+            </a:r>
+            <a:endParaRPr lang="en-US" sz="200" b="1" baseline="-25000" dirty="0">
               <a:latin typeface="Arial" panose="020B0604020202020204" pitchFamily="34" charset="0"/>
               <a:cs typeface="Arial" panose="020B0604020202020204" pitchFamily="34" charset="0"/>
             </a:endParaRPr>
@@ -6658,8 +6686,8 @@
         </p:nvSpPr>
         <p:spPr>
           <a:xfrm>
-            <a:off x="3088068" y="5489938"/>
-            <a:ext cx="553358" cy="169277"/>
+            <a:off x="3144975" y="5489938"/>
+            <a:ext cx="439544" cy="153888"/>
           </a:xfrm>
           <a:prstGeom prst="rect">
             <a:avLst/>
@@ -6674,11 +6702,11 @@
           <a:p>
             <a:pPr algn="ctr"/>
             <a:r>
-              <a:rPr lang="en-US" sz="500" b="1" dirty="0">
-                <a:latin typeface="Arial" panose="020B0604020202020204" pitchFamily="34" charset="0"/>
-                <a:cs typeface="Arial" panose="020B0604020202020204" pitchFamily="34" charset="0"/>
-              </a:rPr>
-              <a:t>L-Isoleucine</a:t>
+              <a:rPr lang="en-US" sz="400" b="1" dirty="0">
+                <a:latin typeface="Arial" panose="020B0604020202020204" pitchFamily="34" charset="0"/>
+                <a:cs typeface="Arial" panose="020B0604020202020204" pitchFamily="34" charset="0"/>
+              </a:rPr>
+              <a:t>Isoleucine</a:t>
             </a:r>
           </a:p>
         </p:txBody>
@@ -6697,8 +6725,8 @@
         </p:nvSpPr>
         <p:spPr>
           <a:xfrm>
-            <a:off x="303223" y="1779839"/>
-            <a:ext cx="591830" cy="169277"/>
+            <a:off x="363336" y="1779839"/>
+            <a:ext cx="471603" cy="153888"/>
           </a:xfrm>
           <a:prstGeom prst="rect">
             <a:avLst/>
@@ -6713,13 +6741,13 @@
           <a:p>
             <a:pPr algn="ctr"/>
             <a:r>
-              <a:rPr lang="en-US" sz="500" b="1" dirty="0">
-                <a:latin typeface="Arial" panose="020B0604020202020204" pitchFamily="34" charset="0"/>
-                <a:cs typeface="Arial" panose="020B0604020202020204" pitchFamily="34" charset="0"/>
-              </a:rPr>
-              <a:t>L-Tryptophan</a:t>
-            </a:r>
-            <a:endParaRPr lang="en-US" sz="500" b="1" baseline="-25000" dirty="0">
+              <a:rPr lang="en-US" sz="400" b="1" dirty="0">
+                <a:latin typeface="Arial" panose="020B0604020202020204" pitchFamily="34" charset="0"/>
+                <a:cs typeface="Arial" panose="020B0604020202020204" pitchFamily="34" charset="0"/>
+              </a:rPr>
+              <a:t>Tryptophan</a:t>
+            </a:r>
+            <a:endParaRPr lang="en-US" sz="400" b="1" baseline="-25000" dirty="0">
               <a:latin typeface="Arial" panose="020B0604020202020204" pitchFamily="34" charset="0"/>
               <a:cs typeface="Arial" panose="020B0604020202020204" pitchFamily="34" charset="0"/>
             </a:endParaRPr>
@@ -6740,8 +6768,8 @@
         </p:nvSpPr>
         <p:spPr>
           <a:xfrm>
-            <a:off x="2811853" y="4899808"/>
-            <a:ext cx="508474" cy="169277"/>
+            <a:off x="2859360" y="4912095"/>
+            <a:ext cx="401072" cy="153888"/>
           </a:xfrm>
           <a:prstGeom prst="rect">
             <a:avLst/>
@@ -6756,13 +6784,13 @@
           <a:p>
             <a:pPr algn="ctr"/>
             <a:r>
-              <a:rPr lang="en-US" sz="500" b="1" dirty="0">
-                <a:latin typeface="Arial" panose="020B0604020202020204" pitchFamily="34" charset="0"/>
-                <a:cs typeface="Arial" panose="020B0604020202020204" pitchFamily="34" charset="0"/>
-              </a:rPr>
-              <a:t>L-Tyrosine</a:t>
-            </a:r>
-            <a:endParaRPr lang="en-US" sz="500" b="1" baseline="-25000" dirty="0">
+              <a:rPr lang="en-US" sz="400" b="1" dirty="0">
+                <a:latin typeface="Arial" panose="020B0604020202020204" pitchFamily="34" charset="0"/>
+                <a:cs typeface="Arial" panose="020B0604020202020204" pitchFamily="34" charset="0"/>
+              </a:rPr>
+              <a:t>Tyrosine</a:t>
+            </a:r>
+            <a:endParaRPr lang="en-US" sz="400" b="1" baseline="-25000" dirty="0">
               <a:latin typeface="Arial" panose="020B0604020202020204" pitchFamily="34" charset="0"/>
               <a:cs typeface="Arial" panose="020B0604020202020204" pitchFamily="34" charset="0"/>
             </a:endParaRPr>
@@ -6783,8 +6811,8 @@
         </p:nvSpPr>
         <p:spPr>
           <a:xfrm>
-            <a:off x="2871995" y="5151697"/>
-            <a:ext cx="611065" cy="169277"/>
+            <a:off x="2910467" y="5151697"/>
+            <a:ext cx="534121" cy="153888"/>
           </a:xfrm>
           <a:prstGeom prst="rect">
             <a:avLst/>
@@ -6799,13 +6827,13 @@
           <a:p>
             <a:pPr algn="ctr"/>
             <a:r>
-              <a:rPr lang="en-US" sz="500" b="1" dirty="0">
+              <a:rPr lang="en-US" sz="400" b="1" dirty="0">
                 <a:latin typeface="Arial" panose="020B0604020202020204" pitchFamily="34" charset="0"/>
                 <a:cs typeface="Arial" panose="020B0604020202020204" pitchFamily="34" charset="0"/>
               </a:rPr>
               <a:t>Phenylalanine</a:t>
             </a:r>
-            <a:endParaRPr lang="en-US" sz="500" b="1" baseline="-25000" dirty="0">
+            <a:endParaRPr lang="en-US" sz="400" b="1" baseline="-25000" dirty="0">
               <a:latin typeface="Arial" panose="020B0604020202020204" pitchFamily="34" charset="0"/>
               <a:cs typeface="Arial" panose="020B0604020202020204" pitchFamily="34" charset="0"/>
             </a:endParaRPr>
@@ -6830,8 +6858,8 @@
         </p:nvCxnSpPr>
         <p:spPr>
           <a:xfrm>
-            <a:off x="3066090" y="5069085"/>
-            <a:ext cx="111438" cy="82612"/>
+            <a:off x="3059896" y="5065983"/>
+            <a:ext cx="117632" cy="85714"/>
           </a:xfrm>
           <a:prstGeom prst="line">
             <a:avLst/>
@@ -6871,8 +6899,8 @@
         </p:nvSpPr>
         <p:spPr>
           <a:xfrm>
-            <a:off x="1543012" y="4122142"/>
-            <a:ext cx="843501" cy="169277"/>
+            <a:off x="1602324" y="4122142"/>
+            <a:ext cx="724877" cy="153888"/>
           </a:xfrm>
           <a:prstGeom prst="rect">
             <a:avLst/>
@@ -6887,7 +6915,7 @@
           <a:p>
             <a:pPr algn="ctr"/>
             <a:r>
-              <a:rPr lang="en-US" sz="500" b="1" dirty="0">
+              <a:rPr lang="en-US" sz="400" b="1" dirty="0">
                 <a:latin typeface="Arial" panose="020B0604020202020204" pitchFamily="34" charset="0"/>
                 <a:cs typeface="Arial" panose="020B0604020202020204" pitchFamily="34" charset="0"/>
               </a:rPr>
@@ -6910,8 +6938,8 @@
         </p:nvSpPr>
         <p:spPr>
           <a:xfrm>
-            <a:off x="1694816" y="5341549"/>
-            <a:ext cx="466794" cy="169277"/>
+            <a:off x="1720464" y="5341549"/>
+            <a:ext cx="415498" cy="153888"/>
           </a:xfrm>
           <a:prstGeom prst="rect">
             <a:avLst/>
@@ -6926,13 +6954,13 @@
           <a:p>
             <a:pPr algn="ctr"/>
             <a:r>
-              <a:rPr lang="en-US" sz="500" b="1" dirty="0">
+              <a:rPr lang="en-US" sz="400" b="1" dirty="0">
                 <a:latin typeface="Arial" panose="020B0604020202020204" pitchFamily="34" charset="0"/>
                 <a:cs typeface="Arial" panose="020B0604020202020204" pitchFamily="34" charset="0"/>
               </a:rPr>
               <a:t>Ornithine</a:t>
             </a:r>
-            <a:endParaRPr lang="en-US" sz="500" b="1" baseline="-25000" dirty="0">
+            <a:endParaRPr lang="en-US" sz="400" b="1" baseline="-25000" dirty="0">
               <a:latin typeface="Arial" panose="020B0604020202020204" pitchFamily="34" charset="0"/>
               <a:cs typeface="Arial" panose="020B0604020202020204" pitchFamily="34" charset="0"/>
             </a:endParaRPr>
@@ -6953,8 +6981,8 @@
         </p:nvSpPr>
         <p:spPr>
           <a:xfrm flipH="1">
-            <a:off x="870488" y="4539796"/>
-            <a:ext cx="460382" cy="169277"/>
+            <a:off x="896136" y="4539796"/>
+            <a:ext cx="409086" cy="153888"/>
           </a:xfrm>
           <a:prstGeom prst="rect">
             <a:avLst/>
@@ -6969,13 +6997,13 @@
           <a:p>
             <a:pPr algn="ctr"/>
             <a:r>
-              <a:rPr lang="en-US" sz="500" b="1" dirty="0">
+              <a:rPr lang="en-US" sz="400" b="1" dirty="0">
                 <a:latin typeface="Arial" panose="020B0604020202020204" pitchFamily="34" charset="0"/>
                 <a:cs typeface="Arial" panose="020B0604020202020204" pitchFamily="34" charset="0"/>
               </a:rPr>
               <a:t>Citrulline</a:t>
             </a:r>
-            <a:endParaRPr lang="en-US" sz="500" b="1" baseline="-25000" dirty="0">
+            <a:endParaRPr lang="en-US" sz="400" b="1" baseline="-25000" dirty="0">
               <a:latin typeface="Arial" panose="020B0604020202020204" pitchFamily="34" charset="0"/>
               <a:cs typeface="Arial" panose="020B0604020202020204" pitchFamily="34" charset="0"/>
             </a:endParaRPr>
@@ -6996,8 +7024,8 @@
         </p:nvSpPr>
         <p:spPr>
           <a:xfrm flipH="1">
-            <a:off x="673399" y="5290739"/>
-            <a:ext cx="554960" cy="169277"/>
+            <a:off x="731909" y="5290739"/>
+            <a:ext cx="437940" cy="153888"/>
           </a:xfrm>
           <a:prstGeom prst="rect">
             <a:avLst/>
@@ -7012,13 +7040,13 @@
           <a:p>
             <a:pPr algn="ctr"/>
             <a:r>
-              <a:rPr lang="en-US" sz="500" b="1" dirty="0">
-                <a:latin typeface="Arial" panose="020B0604020202020204" pitchFamily="34" charset="0"/>
-                <a:cs typeface="Arial" panose="020B0604020202020204" pitchFamily="34" charset="0"/>
-              </a:rPr>
-              <a:t>L-Glutamine</a:t>
-            </a:r>
-            <a:endParaRPr lang="en-US" sz="500" b="1" baseline="-25000" dirty="0">
+              <a:rPr lang="en-US" sz="400" b="1" dirty="0">
+                <a:latin typeface="Arial" panose="020B0604020202020204" pitchFamily="34" charset="0"/>
+                <a:cs typeface="Arial" panose="020B0604020202020204" pitchFamily="34" charset="0"/>
+              </a:rPr>
+              <a:t>Glutamine</a:t>
+            </a:r>
+            <a:endParaRPr lang="en-US" sz="400" b="1" baseline="-25000" dirty="0">
               <a:latin typeface="Arial" panose="020B0604020202020204" pitchFamily="34" charset="0"/>
               <a:cs typeface="Arial" panose="020B0604020202020204" pitchFamily="34" charset="0"/>
             </a:endParaRPr>
@@ -7040,7 +7068,7 @@
         <p:spPr>
           <a:xfrm flipH="1">
             <a:off x="630080" y="5044713"/>
-            <a:ext cx="641597" cy="169277"/>
+            <a:ext cx="641597" cy="123111"/>
           </a:xfrm>
           <a:prstGeom prst="rect">
             <a:avLst/>
@@ -7055,13 +7083,13 @@
           <a:p>
             <a:pPr algn="ctr"/>
             <a:r>
-              <a:rPr lang="en-US" sz="500" b="1" dirty="0">
-                <a:latin typeface="Arial" panose="020B0604020202020204" pitchFamily="34" charset="0"/>
-                <a:cs typeface="Arial" panose="020B0604020202020204" pitchFamily="34" charset="0"/>
-              </a:rPr>
-              <a:t>Carbamoyl P</a:t>
-            </a:r>
-            <a:endParaRPr lang="en-US" sz="500" b="1" baseline="-25000" dirty="0">
+              <a:rPr lang="en-US" sz="200" b="1" dirty="0">
+                <a:latin typeface="Arial" panose="020B0604020202020204" pitchFamily="34" charset="0"/>
+                <a:cs typeface="Arial" panose="020B0604020202020204" pitchFamily="34" charset="0"/>
+              </a:rPr>
+              <a:t>Carbamoyl phosphate</a:t>
+            </a:r>
+            <a:endParaRPr lang="en-US" sz="200" b="1" baseline="-25000" dirty="0">
               <a:latin typeface="Arial" panose="020B0604020202020204" pitchFamily="34" charset="0"/>
               <a:cs typeface="Arial" panose="020B0604020202020204" pitchFamily="34" charset="0"/>
             </a:endParaRPr>
@@ -7082,8 +7110,8 @@
         </p:nvSpPr>
         <p:spPr>
           <a:xfrm flipH="1">
-            <a:off x="1093185" y="5609476"/>
-            <a:ext cx="510076" cy="169277"/>
+            <a:off x="1123642" y="5609476"/>
+            <a:ext cx="449162" cy="153888"/>
           </a:xfrm>
           <a:prstGeom prst="rect">
             <a:avLst/>
@@ -7098,13 +7126,13 @@
           <a:p>
             <a:pPr algn="ctr"/>
             <a:r>
-              <a:rPr lang="en-US" sz="500" b="1" dirty="0">
+              <a:rPr lang="en-US" sz="400" b="1" dirty="0">
                 <a:latin typeface="Arial" panose="020B0604020202020204" pitchFamily="34" charset="0"/>
                 <a:cs typeface="Arial" panose="020B0604020202020204" pitchFamily="34" charset="0"/>
               </a:rPr>
               <a:t>Putrescine</a:t>
             </a:r>
-            <a:endParaRPr lang="en-US" sz="500" b="1" baseline="-25000" dirty="0">
+            <a:endParaRPr lang="en-US" sz="400" b="1" baseline="-25000" dirty="0">
               <a:latin typeface="Arial" panose="020B0604020202020204" pitchFamily="34" charset="0"/>
               <a:cs typeface="Arial" panose="020B0604020202020204" pitchFamily="34" charset="0"/>
             </a:endParaRPr>
@@ -7125,8 +7153,8 @@
         </p:nvSpPr>
         <p:spPr>
           <a:xfrm flipH="1">
-            <a:off x="1081965" y="5835894"/>
-            <a:ext cx="532517" cy="169277"/>
+            <a:off x="1115627" y="5835894"/>
+            <a:ext cx="465192" cy="153888"/>
           </a:xfrm>
           <a:prstGeom prst="rect">
             <a:avLst/>
@@ -7141,13 +7169,13 @@
           <a:p>
             <a:pPr algn="ctr"/>
             <a:r>
-              <a:rPr lang="en-US" sz="500" b="1" dirty="0">
+              <a:rPr lang="en-US" sz="400" b="1" dirty="0">
                 <a:latin typeface="Arial" panose="020B0604020202020204" pitchFamily="34" charset="0"/>
                 <a:cs typeface="Arial" panose="020B0604020202020204" pitchFamily="34" charset="0"/>
               </a:rPr>
               <a:t>Spermidine</a:t>
             </a:r>
-            <a:endParaRPr lang="en-US" sz="500" b="1" baseline="-25000" dirty="0">
+            <a:endParaRPr lang="en-US" sz="400" b="1" baseline="-25000" dirty="0">
               <a:latin typeface="Arial" panose="020B0604020202020204" pitchFamily="34" charset="0"/>
               <a:cs typeface="Arial" panose="020B0604020202020204" pitchFamily="34" charset="0"/>
             </a:endParaRPr>
@@ -7168,8 +7196,8 @@
         </p:nvSpPr>
         <p:spPr>
           <a:xfrm flipH="1">
-            <a:off x="1110017" y="6089789"/>
-            <a:ext cx="476412" cy="169277"/>
+            <a:off x="1138871" y="6089789"/>
+            <a:ext cx="418704" cy="153888"/>
           </a:xfrm>
           <a:prstGeom prst="rect">
             <a:avLst/>
@@ -7184,13 +7212,13 @@
           <a:p>
             <a:pPr algn="ctr"/>
             <a:r>
-              <a:rPr lang="en-US" sz="500" b="1" dirty="0">
+              <a:rPr lang="en-US" sz="400" b="1" dirty="0">
                 <a:latin typeface="Arial" panose="020B0604020202020204" pitchFamily="34" charset="0"/>
                 <a:cs typeface="Arial" panose="020B0604020202020204" pitchFamily="34" charset="0"/>
               </a:rPr>
               <a:t>Spermine</a:t>
             </a:r>
-            <a:endParaRPr lang="en-US" sz="500" b="1" baseline="-25000" dirty="0">
+            <a:endParaRPr lang="en-US" sz="400" b="1" baseline="-25000" dirty="0">
               <a:latin typeface="Arial" panose="020B0604020202020204" pitchFamily="34" charset="0"/>
               <a:cs typeface="Arial" panose="020B0604020202020204" pitchFamily="34" charset="0"/>
             </a:endParaRPr>
@@ -7215,8 +7243,8 @@
         </p:nvCxnSpPr>
         <p:spPr>
           <a:xfrm flipH="1">
-            <a:off x="1100679" y="4206781"/>
-            <a:ext cx="442333" cy="333015"/>
+            <a:off x="1100679" y="4199086"/>
+            <a:ext cx="501645" cy="340710"/>
           </a:xfrm>
           <a:prstGeom prst="line">
             <a:avLst/>
@@ -7260,7 +7288,7 @@
         <p:spPr>
           <a:xfrm>
             <a:off x="1223484" y="4695619"/>
-            <a:ext cx="471332" cy="730569"/>
+            <a:ext cx="496980" cy="722874"/>
           </a:xfrm>
           <a:prstGeom prst="line">
             <a:avLst/>
@@ -7304,8 +7332,8 @@
         </p:nvCxnSpPr>
         <p:spPr>
           <a:xfrm flipV="1">
-            <a:off x="950878" y="4709073"/>
-            <a:ext cx="149801" cy="335640"/>
+            <a:off x="950878" y="4693684"/>
+            <a:ext cx="149801" cy="351029"/>
           </a:xfrm>
           <a:prstGeom prst="line">
             <a:avLst/>
@@ -7349,8 +7377,8 @@
         </p:nvCxnSpPr>
         <p:spPr>
           <a:xfrm flipH="1" flipV="1">
-            <a:off x="950878" y="5213990"/>
-            <a:ext cx="1" cy="76749"/>
+            <a:off x="950878" y="5167824"/>
+            <a:ext cx="1" cy="122915"/>
           </a:xfrm>
           <a:prstGeom prst="line">
             <a:avLst/>
@@ -7394,8 +7422,8 @@
         </p:nvCxnSpPr>
         <p:spPr>
           <a:xfrm flipV="1">
-            <a:off x="1348223" y="5510826"/>
-            <a:ext cx="579990" cy="98650"/>
+            <a:off x="1348223" y="5495437"/>
+            <a:ext cx="579990" cy="114039"/>
           </a:xfrm>
           <a:prstGeom prst="line">
             <a:avLst/>
@@ -7439,8 +7467,8 @@
         </p:nvCxnSpPr>
         <p:spPr>
           <a:xfrm flipV="1">
-            <a:off x="1348223" y="5778753"/>
-            <a:ext cx="0" cy="57141"/>
+            <a:off x="1348223" y="5763364"/>
+            <a:ext cx="0" cy="72530"/>
           </a:xfrm>
           <a:prstGeom prst="line">
             <a:avLst/>
@@ -7484,8 +7512,8 @@
         </p:nvCxnSpPr>
         <p:spPr>
           <a:xfrm>
-            <a:off x="1348223" y="6005171"/>
-            <a:ext cx="0" cy="84618"/>
+            <a:off x="1348223" y="5989782"/>
+            <a:ext cx="0" cy="100007"/>
           </a:xfrm>
           <a:prstGeom prst="line">
             <a:avLst/>
@@ -7528,9 +7556,9 @@
           <p:nvPr/>
         </p:nvCxnSpPr>
         <p:spPr>
-          <a:xfrm flipV="1">
-            <a:off x="4135292" y="4919674"/>
-            <a:ext cx="0" cy="157367"/>
+          <a:xfrm flipH="1" flipV="1">
+            <a:off x="4135291" y="4888896"/>
+            <a:ext cx="2" cy="188145"/>
           </a:xfrm>
           <a:prstGeom prst="line">
             <a:avLst/>
@@ -7570,8 +7598,8 @@
         </p:nvSpPr>
         <p:spPr>
           <a:xfrm flipH="1">
-            <a:off x="2456562" y="4699090"/>
-            <a:ext cx="442749" cy="169277"/>
+            <a:off x="2480606" y="4699090"/>
+            <a:ext cx="394660" cy="153888"/>
           </a:xfrm>
           <a:prstGeom prst="rect">
             <a:avLst/>
@@ -7586,13 +7614,13 @@
           <a:p>
             <a:pPr algn="ctr"/>
             <a:r>
-              <a:rPr lang="en-US" sz="500" b="1" dirty="0">
+              <a:rPr lang="en-US" sz="400" b="1" dirty="0">
                 <a:latin typeface="Arial" panose="020B0604020202020204" pitchFamily="34" charset="0"/>
                 <a:cs typeface="Arial" panose="020B0604020202020204" pitchFamily="34" charset="0"/>
               </a:rPr>
               <a:t>Arginine</a:t>
             </a:r>
-            <a:endParaRPr lang="en-US" sz="500" b="1" baseline="-25000" dirty="0">
+            <a:endParaRPr lang="en-US" sz="400" b="1" baseline="-25000" dirty="0">
               <a:latin typeface="Arial" panose="020B0604020202020204" pitchFamily="34" charset="0"/>
               <a:cs typeface="Arial" panose="020B0604020202020204" pitchFamily="34" charset="0"/>
             </a:endParaRPr>
@@ -7613,8 +7641,8 @@
         </p:nvSpPr>
         <p:spPr>
           <a:xfrm flipH="1">
-            <a:off x="1767556" y="4885498"/>
-            <a:ext cx="327333" cy="169277"/>
+            <a:off x="1781983" y="4885498"/>
+            <a:ext cx="298479" cy="153888"/>
           </a:xfrm>
           <a:prstGeom prst="rect">
             <a:avLst/>
@@ -7629,13 +7657,13 @@
           <a:p>
             <a:pPr algn="ctr"/>
             <a:r>
-              <a:rPr lang="en-US" sz="500" b="1" dirty="0">
+              <a:rPr lang="en-US" sz="400" b="1" dirty="0">
                 <a:latin typeface="Arial" panose="020B0604020202020204" pitchFamily="34" charset="0"/>
                 <a:cs typeface="Arial" panose="020B0604020202020204" pitchFamily="34" charset="0"/>
               </a:rPr>
               <a:t>Urea</a:t>
             </a:r>
-            <a:endParaRPr lang="en-US" sz="500" b="1" baseline="-25000" dirty="0">
+            <a:endParaRPr lang="en-US" sz="400" b="1" baseline="-25000" dirty="0">
               <a:latin typeface="Arial" panose="020B0604020202020204" pitchFamily="34" charset="0"/>
               <a:cs typeface="Arial" panose="020B0604020202020204" pitchFamily="34" charset="0"/>
             </a:endParaRPr>
@@ -7656,8 +7684,8 @@
         </p:nvSpPr>
         <p:spPr>
           <a:xfrm flipH="1">
-            <a:off x="2458164" y="5681322"/>
-            <a:ext cx="439544" cy="169277"/>
+            <a:off x="2482209" y="5681322"/>
+            <a:ext cx="391454" cy="153888"/>
           </a:xfrm>
           <a:prstGeom prst="rect">
             <a:avLst/>
@@ -7672,13 +7700,13 @@
           <a:p>
             <a:pPr algn="ctr"/>
             <a:r>
-              <a:rPr lang="en-US" sz="500" b="1" dirty="0">
+              <a:rPr lang="en-US" sz="400" b="1" dirty="0">
                 <a:latin typeface="Arial" panose="020B0604020202020204" pitchFamily="34" charset="0"/>
                 <a:cs typeface="Arial" panose="020B0604020202020204" pitchFamily="34" charset="0"/>
               </a:rPr>
               <a:t>Creatine</a:t>
             </a:r>
-            <a:endParaRPr lang="en-US" sz="500" b="1" baseline="-25000" dirty="0">
+            <a:endParaRPr lang="en-US" sz="400" b="1" baseline="-25000" dirty="0">
               <a:latin typeface="Arial" panose="020B0604020202020204" pitchFamily="34" charset="0"/>
               <a:cs typeface="Arial" panose="020B0604020202020204" pitchFamily="34" charset="0"/>
             </a:endParaRPr>
@@ -7699,8 +7727,8 @@
         </p:nvSpPr>
         <p:spPr>
           <a:xfrm flipH="1">
-            <a:off x="2427707" y="5995318"/>
-            <a:ext cx="500458" cy="169277"/>
+            <a:off x="2374808" y="5995318"/>
+            <a:ext cx="606256" cy="153888"/>
           </a:xfrm>
           <a:prstGeom prst="rect">
             <a:avLst/>
@@ -7715,13 +7743,13 @@
           <a:p>
             <a:pPr algn="ctr"/>
             <a:r>
-              <a:rPr lang="en-US" sz="500" b="1" dirty="0">
-                <a:latin typeface="Arial" panose="020B0604020202020204" pitchFamily="34" charset="0"/>
-                <a:cs typeface="Arial" panose="020B0604020202020204" pitchFamily="34" charset="0"/>
-              </a:rPr>
-              <a:t>Creatine P</a:t>
-            </a:r>
-            <a:endParaRPr lang="en-US" sz="500" b="1" baseline="-25000" dirty="0">
+              <a:rPr lang="en-US" sz="400" b="1" dirty="0">
+                <a:latin typeface="Arial" panose="020B0604020202020204" pitchFamily="34" charset="0"/>
+                <a:cs typeface="Arial" panose="020B0604020202020204" pitchFamily="34" charset="0"/>
+              </a:rPr>
+              <a:t>Phosphocreatine</a:t>
+            </a:r>
+            <a:endParaRPr lang="en-US" sz="400" b="1" baseline="-25000" dirty="0">
               <a:latin typeface="Arial" panose="020B0604020202020204" pitchFamily="34" charset="0"/>
               <a:cs typeface="Arial" panose="020B0604020202020204" pitchFamily="34" charset="0"/>
             </a:endParaRPr>
@@ -7745,8 +7773,8 @@
         </p:nvCxnSpPr>
         <p:spPr>
           <a:xfrm flipV="1">
-            <a:off x="2161610" y="4855768"/>
-            <a:ext cx="389990" cy="570420"/>
+            <a:off x="2135962" y="4855768"/>
+            <a:ext cx="415638" cy="562725"/>
           </a:xfrm>
           <a:prstGeom prst="line">
             <a:avLst/>
@@ -7790,8 +7818,8 @@
         </p:nvCxnSpPr>
         <p:spPr>
           <a:xfrm flipV="1">
-            <a:off x="2094889" y="4783729"/>
-            <a:ext cx="361673" cy="186408"/>
+            <a:off x="2080462" y="4776034"/>
+            <a:ext cx="400144" cy="186408"/>
           </a:xfrm>
           <a:prstGeom prst="line">
             <a:avLst/>
@@ -7878,8 +7906,8 @@
         </p:nvCxnSpPr>
         <p:spPr>
           <a:xfrm>
-            <a:off x="2677936" y="5562611"/>
-            <a:ext cx="0" cy="118711"/>
+            <a:off x="2677935" y="5547222"/>
+            <a:ext cx="1" cy="134100"/>
           </a:xfrm>
           <a:prstGeom prst="line">
             <a:avLst/>
@@ -7923,8 +7951,8 @@
         </p:nvCxnSpPr>
         <p:spPr>
           <a:xfrm>
-            <a:off x="2677936" y="5850599"/>
-            <a:ext cx="0" cy="144719"/>
+            <a:off x="2677936" y="5835210"/>
+            <a:ext cx="0" cy="160108"/>
           </a:xfrm>
           <a:prstGeom prst="line">
             <a:avLst/>
@@ -7968,8 +7996,8 @@
         </p:nvCxnSpPr>
         <p:spPr>
           <a:xfrm>
-            <a:off x="2386513" y="4206781"/>
-            <a:ext cx="291423" cy="492309"/>
+            <a:off x="2327201" y="4199086"/>
+            <a:ext cx="350735" cy="500004"/>
           </a:xfrm>
           <a:prstGeom prst="line">
             <a:avLst/>
@@ -8013,8 +8041,8 @@
         </p:nvCxnSpPr>
         <p:spPr>
           <a:xfrm flipV="1">
-            <a:off x="2677936" y="4452640"/>
-            <a:ext cx="408495" cy="246450"/>
+            <a:off x="2677936" y="4437251"/>
+            <a:ext cx="408496" cy="261839"/>
           </a:xfrm>
           <a:prstGeom prst="line">
             <a:avLst/>
@@ -8054,8 +8082,8 @@
         </p:nvSpPr>
         <p:spPr>
           <a:xfrm flipH="1">
-            <a:off x="2320306" y="5393334"/>
-            <a:ext cx="715260" cy="169277"/>
+            <a:off x="2323511" y="5393334"/>
+            <a:ext cx="708848" cy="153888"/>
           </a:xfrm>
           <a:prstGeom prst="rect">
             <a:avLst/>
@@ -8070,13 +8098,20 @@
           <a:p>
             <a:pPr algn="ctr"/>
             <a:r>
-              <a:rPr lang="en-US" sz="500" b="1" dirty="0">
-                <a:latin typeface="Arial" panose="020B0604020202020204" pitchFamily="34" charset="0"/>
-                <a:cs typeface="Arial" panose="020B0604020202020204" pitchFamily="34" charset="0"/>
-              </a:rPr>
-              <a:t>Guanidinoacetate</a:t>
-            </a:r>
-            <a:endParaRPr lang="en-US" sz="500" b="1" baseline="-25000" dirty="0">
+              <a:rPr lang="en-US" sz="400" b="1" dirty="0" err="1">
+                <a:latin typeface="Arial" panose="020B0604020202020204" pitchFamily="34" charset="0"/>
+                <a:cs typeface="Arial" panose="020B0604020202020204" pitchFamily="34" charset="0"/>
+              </a:rPr>
+              <a:t>Guanidinoacetic</a:t>
+            </a:r>
+            <a:r>
+              <a:rPr lang="en-US" sz="400" b="1" dirty="0">
+                <a:latin typeface="Arial" panose="020B0604020202020204" pitchFamily="34" charset="0"/>
+                <a:cs typeface="Arial" panose="020B0604020202020204" pitchFamily="34" charset="0"/>
+              </a:rPr>
+              <a:t> acid</a:t>
+            </a:r>
+            <a:endParaRPr lang="en-US" sz="400" b="1" baseline="-25000" dirty="0">
               <a:latin typeface="Arial" panose="020B0604020202020204" pitchFamily="34" charset="0"/>
               <a:cs typeface="Arial" panose="020B0604020202020204" pitchFamily="34" charset="0"/>
             </a:endParaRPr>
@@ -8097,8 +8132,8 @@
         </p:nvSpPr>
         <p:spPr>
           <a:xfrm>
-            <a:off x="7941456" y="5290739"/>
-            <a:ext cx="554960" cy="169277"/>
+            <a:off x="7956684" y="5290739"/>
+            <a:ext cx="524503" cy="153888"/>
           </a:xfrm>
           <a:prstGeom prst="rect">
             <a:avLst/>
@@ -8113,13 +8148,13 @@
           <a:p>
             <a:pPr algn="ctr"/>
             <a:r>
-              <a:rPr lang="en-US" sz="500" b="1" dirty="0">
-                <a:latin typeface="Arial" panose="020B0604020202020204" pitchFamily="34" charset="0"/>
-                <a:cs typeface="Arial" panose="020B0604020202020204" pitchFamily="34" charset="0"/>
-              </a:rPr>
-              <a:t>L-Glutamate</a:t>
-            </a:r>
-            <a:endParaRPr lang="en-US" sz="500" b="1" baseline="-25000" dirty="0">
+              <a:rPr lang="en-US" sz="400" b="1" dirty="0">
+                <a:latin typeface="Arial" panose="020B0604020202020204" pitchFamily="34" charset="0"/>
+                <a:cs typeface="Arial" panose="020B0604020202020204" pitchFamily="34" charset="0"/>
+              </a:rPr>
+              <a:t>Glutamic acid</a:t>
+            </a:r>
+            <a:endParaRPr lang="en-US" sz="400" b="1" baseline="-25000" dirty="0">
               <a:latin typeface="Arial" panose="020B0604020202020204" pitchFamily="34" charset="0"/>
               <a:cs typeface="Arial" panose="020B0604020202020204" pitchFamily="34" charset="0"/>
             </a:endParaRPr>
@@ -8140,8 +8175,8 @@
         </p:nvSpPr>
         <p:spPr>
           <a:xfrm>
-            <a:off x="8696906" y="6090854"/>
-            <a:ext cx="511680" cy="169277"/>
+            <a:off x="8750607" y="6090854"/>
+            <a:ext cx="404277" cy="153888"/>
           </a:xfrm>
           <a:prstGeom prst="rect">
             <a:avLst/>
@@ -8156,13 +8191,13 @@
           <a:p>
             <a:pPr algn="ctr"/>
             <a:r>
-              <a:rPr lang="en-US" sz="500" b="1" dirty="0">
-                <a:latin typeface="Arial" panose="020B0604020202020204" pitchFamily="34" charset="0"/>
-                <a:cs typeface="Arial" panose="020B0604020202020204" pitchFamily="34" charset="0"/>
-              </a:rPr>
-              <a:t>L-Histidine</a:t>
-            </a:r>
-            <a:endParaRPr lang="en-US" sz="500" b="1" baseline="-25000" dirty="0">
+              <a:rPr lang="en-US" sz="400" b="1" dirty="0">
+                <a:latin typeface="Arial" panose="020B0604020202020204" pitchFamily="34" charset="0"/>
+                <a:cs typeface="Arial" panose="020B0604020202020204" pitchFamily="34" charset="0"/>
+              </a:rPr>
+              <a:t>Histidine</a:t>
+            </a:r>
+            <a:endParaRPr lang="en-US" sz="400" b="1" baseline="-25000" dirty="0">
               <a:latin typeface="Arial" panose="020B0604020202020204" pitchFamily="34" charset="0"/>
               <a:cs typeface="Arial" panose="020B0604020202020204" pitchFamily="34" charset="0"/>
             </a:endParaRPr>
@@ -8183,8 +8218,8 @@
         </p:nvSpPr>
         <p:spPr>
           <a:xfrm>
-            <a:off x="7738175" y="5634997"/>
-            <a:ext cx="518091" cy="169277"/>
+            <a:off x="7654821" y="5634997"/>
+            <a:ext cx="684803" cy="153888"/>
           </a:xfrm>
           <a:prstGeom prst="rect">
             <a:avLst/>
@@ -8199,13 +8234,13 @@
           <a:p>
             <a:pPr algn="ctr"/>
             <a:r>
-              <a:rPr lang="en-US" sz="500" b="1" dirty="0">
-                <a:latin typeface="Arial" panose="020B0604020202020204" pitchFamily="34" charset="0"/>
-                <a:cs typeface="Arial" panose="020B0604020202020204" pitchFamily="34" charset="0"/>
-              </a:rPr>
-              <a:t>Glutamyl P</a:t>
-            </a:r>
-            <a:endParaRPr lang="en-US" sz="500" b="1" baseline="-25000" dirty="0">
+              <a:rPr lang="en-US" sz="400" b="1" dirty="0">
+                <a:latin typeface="Arial" panose="020B0604020202020204" pitchFamily="34" charset="0"/>
+                <a:cs typeface="Arial" panose="020B0604020202020204" pitchFamily="34" charset="0"/>
+              </a:rPr>
+              <a:t>Glutamyl phosphate</a:t>
+            </a:r>
+            <a:endParaRPr lang="en-US" sz="400" b="1" baseline="-25000" dirty="0">
               <a:latin typeface="Arial" panose="020B0604020202020204" pitchFamily="34" charset="0"/>
               <a:cs typeface="Arial" panose="020B0604020202020204" pitchFamily="34" charset="0"/>
             </a:endParaRPr>
@@ -8226,8 +8261,8 @@
         </p:nvSpPr>
         <p:spPr>
           <a:xfrm>
-            <a:off x="7530586" y="5945895"/>
-            <a:ext cx="933269" cy="169277"/>
+            <a:off x="7556234" y="5945895"/>
+            <a:ext cx="881973" cy="153888"/>
           </a:xfrm>
           <a:prstGeom prst="rect">
             <a:avLst/>
@@ -8242,13 +8277,13 @@
           <a:p>
             <a:pPr algn="ctr"/>
             <a:r>
-              <a:rPr lang="en-US" sz="500" b="1" dirty="0">
-                <a:latin typeface="Arial" panose="020B0604020202020204" pitchFamily="34" charset="0"/>
-                <a:cs typeface="Arial" panose="020B0604020202020204" pitchFamily="34" charset="0"/>
-              </a:rPr>
-              <a:t>Glutamate semialdehyde</a:t>
-            </a:r>
-            <a:endParaRPr lang="en-US" sz="500" b="1" baseline="-25000" dirty="0">
+              <a:rPr lang="en-US" sz="400" b="1" dirty="0">
+                <a:latin typeface="Arial" panose="020B0604020202020204" pitchFamily="34" charset="0"/>
+                <a:cs typeface="Arial" panose="020B0604020202020204" pitchFamily="34" charset="0"/>
+              </a:rPr>
+              <a:t>Glutamic acid semialdehyde</a:t>
+            </a:r>
+            <a:endParaRPr lang="en-US" sz="400" b="1" baseline="-25000" dirty="0">
               <a:latin typeface="Arial" panose="020B0604020202020204" pitchFamily="34" charset="0"/>
               <a:cs typeface="Arial" panose="020B0604020202020204" pitchFamily="34" charset="0"/>
             </a:endParaRPr>
@@ -8269,8 +8304,8 @@
         </p:nvSpPr>
         <p:spPr>
           <a:xfrm>
-            <a:off x="7581081" y="6303156"/>
-            <a:ext cx="832279" cy="169277"/>
+            <a:off x="7584290" y="6303156"/>
+            <a:ext cx="825867" cy="153888"/>
           </a:xfrm>
           <a:prstGeom prst="rect">
             <a:avLst/>
@@ -8285,13 +8320,13 @@
           <a:p>
             <a:pPr algn="ctr"/>
             <a:r>
-              <a:rPr lang="en-US" sz="500" b="1" dirty="0">
-                <a:latin typeface="Arial" panose="020B0604020202020204" pitchFamily="34" charset="0"/>
-                <a:cs typeface="Arial" panose="020B0604020202020204" pitchFamily="34" charset="0"/>
-              </a:rPr>
-              <a:t>Pyrroline carboxylate</a:t>
-            </a:r>
-            <a:endParaRPr lang="en-US" sz="500" b="1" baseline="-25000" dirty="0">
+              <a:rPr lang="en-US" sz="400" b="1" dirty="0">
+                <a:latin typeface="Arial" panose="020B0604020202020204" pitchFamily="34" charset="0"/>
+                <a:cs typeface="Arial" panose="020B0604020202020204" pitchFamily="34" charset="0"/>
+              </a:rPr>
+              <a:t>Pyrroline carboxylic acid</a:t>
+            </a:r>
+            <a:endParaRPr lang="en-US" sz="400" b="1" baseline="-25000" dirty="0">
               <a:latin typeface="Arial" panose="020B0604020202020204" pitchFamily="34" charset="0"/>
               <a:cs typeface="Arial" panose="020B0604020202020204" pitchFamily="34" charset="0"/>
             </a:endParaRPr>
@@ -8312,8 +8347,8 @@
         </p:nvSpPr>
         <p:spPr>
           <a:xfrm>
-            <a:off x="7767030" y="6660721"/>
-            <a:ext cx="460383" cy="169277"/>
+            <a:off x="7817524" y="6660721"/>
+            <a:ext cx="359393" cy="153888"/>
           </a:xfrm>
           <a:prstGeom prst="rect">
             <a:avLst/>
@@ -8328,13 +8363,13 @@
           <a:p>
             <a:pPr algn="ctr"/>
             <a:r>
-              <a:rPr lang="en-US" sz="500" b="1" dirty="0">
-                <a:latin typeface="Arial" panose="020B0604020202020204" pitchFamily="34" charset="0"/>
-                <a:cs typeface="Arial" panose="020B0604020202020204" pitchFamily="34" charset="0"/>
-              </a:rPr>
-              <a:t>L-Proline</a:t>
-            </a:r>
-            <a:endParaRPr lang="en-US" sz="500" b="1" baseline="-25000" dirty="0">
+              <a:rPr lang="en-US" sz="400" b="1" dirty="0">
+                <a:latin typeface="Arial" panose="020B0604020202020204" pitchFamily="34" charset="0"/>
+                <a:cs typeface="Arial" panose="020B0604020202020204" pitchFamily="34" charset="0"/>
+              </a:rPr>
+              <a:t>Proline</a:t>
+            </a:r>
+            <a:endParaRPr lang="en-US" sz="400" b="1" baseline="-25000" dirty="0">
               <a:latin typeface="Arial" panose="020B0604020202020204" pitchFamily="34" charset="0"/>
               <a:cs typeface="Arial" panose="020B0604020202020204" pitchFamily="34" charset="0"/>
             </a:endParaRPr>
@@ -8355,8 +8390,8 @@
         </p:nvSpPr>
         <p:spPr>
           <a:xfrm>
-            <a:off x="6729862" y="6660721"/>
-            <a:ext cx="904415" cy="169277"/>
+            <a:off x="6795585" y="6660721"/>
+            <a:ext cx="772968" cy="153888"/>
           </a:xfrm>
           <a:prstGeom prst="rect">
             <a:avLst/>
@@ -8371,7 +8406,7 @@
           <a:p>
             <a:pPr algn="ctr"/>
             <a:r>
-              <a:rPr lang="en-US" sz="500" b="1" dirty="0">
+              <a:rPr lang="en-US" sz="400" b="1" dirty="0">
                 <a:latin typeface="Arial" panose="020B0604020202020204" pitchFamily="34" charset="0"/>
                 <a:cs typeface="Arial" panose="020B0604020202020204" pitchFamily="34" charset="0"/>
               </a:rPr>
@@ -8394,8 +8429,8 @@
         </p:nvSpPr>
         <p:spPr>
           <a:xfrm>
-            <a:off x="5830784" y="4975306"/>
-            <a:ext cx="955711" cy="169277"/>
+            <a:off x="5902919" y="4975306"/>
+            <a:ext cx="811440" cy="153888"/>
           </a:xfrm>
           <a:prstGeom prst="rect">
             <a:avLst/>
@@ -8410,20 +8445,20 @@
           <a:p>
             <a:pPr algn="ctr"/>
             <a:r>
-              <a:rPr lang="en-US" sz="500" b="1" dirty="0">
+              <a:rPr lang="en-US" sz="400" b="1" dirty="0">
                 <a:latin typeface="Arial" panose="020B0604020202020204" pitchFamily="34" charset="0"/>
                 <a:cs typeface="Arial" panose="020B0604020202020204" pitchFamily="34" charset="0"/>
               </a:rPr>
               <a:t>gamma-</a:t>
             </a:r>
             <a:r>
-              <a:rPr lang="en-US" sz="500" b="1" dirty="0" err="1">
+              <a:rPr lang="en-US" sz="400" b="1" dirty="0" err="1">
                 <a:latin typeface="Arial" panose="020B0604020202020204" pitchFamily="34" charset="0"/>
                 <a:cs typeface="Arial" panose="020B0604020202020204" pitchFamily="34" charset="0"/>
               </a:rPr>
               <a:t>Glutamylcysteine</a:t>
             </a:r>
-            <a:endParaRPr lang="en-US" sz="500" b="1" dirty="0">
+            <a:endParaRPr lang="en-US" sz="400" b="1" dirty="0">
               <a:latin typeface="Arial" panose="020B0604020202020204" pitchFamily="34" charset="0"/>
               <a:cs typeface="Arial" panose="020B0604020202020204" pitchFamily="34" charset="0"/>
             </a:endParaRPr>
@@ -8444,8 +8479,8 @@
         </p:nvSpPr>
         <p:spPr>
           <a:xfrm>
-            <a:off x="5421714" y="4815169"/>
-            <a:ext cx="508474" cy="169277"/>
+            <a:off x="5475415" y="4815169"/>
+            <a:ext cx="401071" cy="153888"/>
           </a:xfrm>
           <a:prstGeom prst="rect">
             <a:avLst/>
@@ -8460,13 +8495,13 @@
           <a:p>
             <a:pPr algn="ctr"/>
             <a:r>
-              <a:rPr lang="en-US" sz="500" b="1" dirty="0">
-                <a:latin typeface="Arial" panose="020B0604020202020204" pitchFamily="34" charset="0"/>
-                <a:cs typeface="Arial" panose="020B0604020202020204" pitchFamily="34" charset="0"/>
-              </a:rPr>
-              <a:t>L-Cysteine</a:t>
-            </a:r>
-            <a:endParaRPr lang="en-US" sz="500" b="1" baseline="-25000" dirty="0">
+              <a:rPr lang="en-US" sz="400" b="1" dirty="0">
+                <a:latin typeface="Arial" panose="020B0604020202020204" pitchFamily="34" charset="0"/>
+                <a:cs typeface="Arial" panose="020B0604020202020204" pitchFamily="34" charset="0"/>
+              </a:rPr>
+              <a:t>Cysteine</a:t>
+            </a:r>
+            <a:endParaRPr lang="en-US" sz="400" b="1" baseline="-25000" dirty="0">
               <a:latin typeface="Arial" panose="020B0604020202020204" pitchFamily="34" charset="0"/>
               <a:cs typeface="Arial" panose="020B0604020202020204" pitchFamily="34" charset="0"/>
             </a:endParaRPr>
@@ -8487,8 +8522,8 @@
         </p:nvSpPr>
         <p:spPr>
           <a:xfrm>
-            <a:off x="5188276" y="5168818"/>
-            <a:ext cx="413895" cy="169277"/>
+            <a:off x="5209114" y="5168818"/>
+            <a:ext cx="372218" cy="153888"/>
           </a:xfrm>
           <a:prstGeom prst="rect">
             <a:avLst/>
@@ -8503,13 +8538,13 @@
           <a:p>
             <a:pPr algn="ctr"/>
             <a:r>
-              <a:rPr lang="en-US" sz="500" b="1" dirty="0">
+              <a:rPr lang="en-US" sz="400" b="1" dirty="0">
                 <a:latin typeface="Arial" panose="020B0604020202020204" pitchFamily="34" charset="0"/>
                 <a:cs typeface="Arial" panose="020B0604020202020204" pitchFamily="34" charset="0"/>
               </a:rPr>
               <a:t>Glycine</a:t>
             </a:r>
-            <a:endParaRPr lang="en-US" sz="500" b="1" baseline="-25000" dirty="0">
+            <a:endParaRPr lang="en-US" sz="400" b="1" baseline="-25000" dirty="0">
               <a:latin typeface="Arial" panose="020B0604020202020204" pitchFamily="34" charset="0"/>
               <a:cs typeface="Arial" panose="020B0604020202020204" pitchFamily="34" charset="0"/>
             </a:endParaRPr>
@@ -8530,8 +8565,8 @@
         </p:nvSpPr>
         <p:spPr>
           <a:xfrm>
-            <a:off x="5194200" y="5434668"/>
-            <a:ext cx="859531" cy="169277"/>
+            <a:off x="5386560" y="5434668"/>
+            <a:ext cx="474810" cy="153888"/>
           </a:xfrm>
           <a:prstGeom prst="rect">
             <a:avLst/>
@@ -8546,11 +8581,11 @@
           <a:p>
             <a:pPr algn="ctr"/>
             <a:r>
-              <a:rPr lang="en-US" sz="500" b="1" dirty="0">
-                <a:latin typeface="Arial" panose="020B0604020202020204" pitchFamily="34" charset="0"/>
-                <a:cs typeface="Arial" panose="020B0604020202020204" pitchFamily="34" charset="0"/>
-              </a:rPr>
-              <a:t>L-Glutathione reduced</a:t>
+              <a:rPr lang="en-US" sz="400" b="1" dirty="0">
+                <a:latin typeface="Arial" panose="020B0604020202020204" pitchFamily="34" charset="0"/>
+                <a:cs typeface="Arial" panose="020B0604020202020204" pitchFamily="34" charset="0"/>
+              </a:rPr>
+              <a:t>Glutathione</a:t>
             </a:r>
           </a:p>
         </p:txBody>
@@ -8569,8 +8604,8 @@
         </p:nvSpPr>
         <p:spPr>
           <a:xfrm>
-            <a:off x="5190994" y="5782246"/>
-            <a:ext cx="865943" cy="169277"/>
+            <a:off x="5271946" y="5782246"/>
+            <a:ext cx="704039" cy="153888"/>
           </a:xfrm>
           <a:prstGeom prst="rect">
             <a:avLst/>
@@ -8585,11 +8620,11 @@
           <a:p>
             <a:pPr algn="ctr"/>
             <a:r>
-              <a:rPr lang="en-US" sz="500" b="1" dirty="0">
-                <a:latin typeface="Arial" panose="020B0604020202020204" pitchFamily="34" charset="0"/>
-                <a:cs typeface="Arial" panose="020B0604020202020204" pitchFamily="34" charset="0"/>
-              </a:rPr>
-              <a:t>L-Glutathione oxidized</a:t>
+              <a:rPr lang="en-US" sz="400" b="1" dirty="0">
+                <a:latin typeface="Arial" panose="020B0604020202020204" pitchFamily="34" charset="0"/>
+                <a:cs typeface="Arial" panose="020B0604020202020204" pitchFamily="34" charset="0"/>
+              </a:rPr>
+              <a:t>Glutathione disulfide</a:t>
             </a:r>
           </a:p>
         </p:txBody>
@@ -8612,8 +8647,8 @@
         </p:nvCxnSpPr>
         <p:spPr>
           <a:xfrm>
-            <a:off x="5623966" y="5603945"/>
-            <a:ext cx="0" cy="178301"/>
+            <a:off x="5623965" y="5588556"/>
+            <a:ext cx="1" cy="193690"/>
           </a:xfrm>
           <a:prstGeom prst="line">
             <a:avLst/>
@@ -8656,8 +8691,8 @@
         </p:nvCxnSpPr>
         <p:spPr>
           <a:xfrm flipH="1">
-            <a:off x="5620771" y="5144583"/>
-            <a:ext cx="687869" cy="330205"/>
+            <a:off x="5620771" y="5129194"/>
+            <a:ext cx="687868" cy="345594"/>
           </a:xfrm>
           <a:prstGeom prst="line">
             <a:avLst/>
@@ -8700,8 +8735,8 @@
         </p:nvCxnSpPr>
         <p:spPr>
           <a:xfrm flipH="1" flipV="1">
-            <a:off x="5395224" y="5338095"/>
-            <a:ext cx="199078" cy="132059"/>
+            <a:off x="5395223" y="5322706"/>
+            <a:ext cx="199079" cy="147448"/>
           </a:xfrm>
           <a:prstGeom prst="line">
             <a:avLst/>
@@ -8745,8 +8780,8 @@
         </p:nvCxnSpPr>
         <p:spPr>
           <a:xfrm flipH="1" flipV="1">
-            <a:off x="6786495" y="5059945"/>
-            <a:ext cx="1154961" cy="315433"/>
+            <a:off x="6714359" y="5052250"/>
+            <a:ext cx="1242325" cy="315433"/>
           </a:xfrm>
           <a:prstGeom prst="line">
             <a:avLst/>
@@ -8790,8 +8825,8 @@
         </p:nvCxnSpPr>
         <p:spPr>
           <a:xfrm>
-            <a:off x="5930188" y="4899808"/>
-            <a:ext cx="378452" cy="75498"/>
+            <a:off x="5876486" y="4892113"/>
+            <a:ext cx="432153" cy="83193"/>
           </a:xfrm>
           <a:prstGeom prst="line">
             <a:avLst/>
@@ -8835,8 +8870,8 @@
         </p:nvCxnSpPr>
         <p:spPr>
           <a:xfrm flipH="1" flipV="1">
-            <a:off x="8496416" y="5375378"/>
-            <a:ext cx="456330" cy="715476"/>
+            <a:off x="8481187" y="5367683"/>
+            <a:ext cx="471559" cy="723171"/>
           </a:xfrm>
           <a:prstGeom prst="line">
             <a:avLst/>
@@ -8879,8 +8914,8 @@
         </p:nvCxnSpPr>
         <p:spPr>
           <a:xfrm flipV="1">
-            <a:off x="7997221" y="5476693"/>
-            <a:ext cx="229908" cy="158304"/>
+            <a:off x="7997223" y="5476693"/>
+            <a:ext cx="229906" cy="158304"/>
           </a:xfrm>
           <a:prstGeom prst="line">
             <a:avLst/>
@@ -8924,8 +8959,8 @@
         </p:nvCxnSpPr>
         <p:spPr>
           <a:xfrm flipV="1">
-            <a:off x="7997221" y="5804274"/>
-            <a:ext cx="0" cy="141621"/>
+            <a:off x="7997221" y="5788885"/>
+            <a:ext cx="2" cy="157010"/>
           </a:xfrm>
           <a:prstGeom prst="line">
             <a:avLst/>
@@ -8968,9 +9003,9 @@
           <p:nvPr/>
         </p:nvCxnSpPr>
         <p:spPr>
-          <a:xfrm flipV="1">
-            <a:off x="7997221" y="6115172"/>
-            <a:ext cx="0" cy="187984"/>
+          <a:xfrm flipH="1" flipV="1">
+            <a:off x="7997221" y="6099783"/>
+            <a:ext cx="3" cy="203373"/>
           </a:xfrm>
           <a:prstGeom prst="line">
             <a:avLst/>
@@ -9013,9 +9048,9 @@
           <p:nvPr/>
         </p:nvCxnSpPr>
         <p:spPr>
-          <a:xfrm flipH="1" flipV="1">
-            <a:off x="7997221" y="6472433"/>
-            <a:ext cx="1" cy="188288"/>
+          <a:xfrm flipV="1">
+            <a:off x="7997221" y="6457044"/>
+            <a:ext cx="3" cy="203677"/>
           </a:xfrm>
           <a:prstGeom prst="line">
             <a:avLst/>
@@ -9059,8 +9094,8 @@
         </p:nvCxnSpPr>
         <p:spPr>
           <a:xfrm flipH="1">
-            <a:off x="7634277" y="6745360"/>
-            <a:ext cx="132753" cy="0"/>
+            <a:off x="7568553" y="6737665"/>
+            <a:ext cx="248971" cy="0"/>
           </a:xfrm>
           <a:prstGeom prst="line">
             <a:avLst/>
@@ -9104,8 +9139,8 @@
         </p:nvCxnSpPr>
         <p:spPr>
           <a:xfrm>
-            <a:off x="5296916" y="4515021"/>
-            <a:ext cx="2922020" cy="775718"/>
+            <a:off x="5287298" y="4507326"/>
+            <a:ext cx="2931638" cy="783413"/>
           </a:xfrm>
           <a:prstGeom prst="line">
             <a:avLst/>
@@ -9145,8 +9180,8 @@
         </p:nvSpPr>
         <p:spPr>
           <a:xfrm>
-            <a:off x="832015" y="3941895"/>
-            <a:ext cx="537328" cy="169277"/>
+            <a:off x="845642" y="3941895"/>
+            <a:ext cx="510076" cy="153888"/>
           </a:xfrm>
           <a:prstGeom prst="rect">
             <a:avLst/>
@@ -9161,13 +9196,13 @@
           <a:p>
             <a:pPr algn="ctr"/>
             <a:r>
-              <a:rPr lang="en-US" sz="500" b="1" dirty="0">
-                <a:latin typeface="Arial" panose="020B0604020202020204" pitchFamily="34" charset="0"/>
-                <a:cs typeface="Arial" panose="020B0604020202020204" pitchFamily="34" charset="0"/>
-              </a:rPr>
-              <a:t>L-Aspartate</a:t>
-            </a:r>
-            <a:endParaRPr lang="en-US" sz="500" b="1" baseline="-25000" dirty="0">
+              <a:rPr lang="en-US" sz="400" b="1" dirty="0">
+                <a:latin typeface="Arial" panose="020B0604020202020204" pitchFamily="34" charset="0"/>
+                <a:cs typeface="Arial" panose="020B0604020202020204" pitchFamily="34" charset="0"/>
+              </a:rPr>
+              <a:t>Aspartic acid</a:t>
+            </a:r>
+            <a:endParaRPr lang="en-US" sz="400" b="1" baseline="-25000" dirty="0">
               <a:latin typeface="Arial" panose="020B0604020202020204" pitchFamily="34" charset="0"/>
               <a:cs typeface="Arial" panose="020B0604020202020204" pitchFamily="34" charset="0"/>
             </a:endParaRPr>
@@ -9188,8 +9223,8 @@
         </p:nvSpPr>
         <p:spPr>
           <a:xfrm>
-            <a:off x="599999" y="3705564"/>
-            <a:ext cx="530915" cy="169277"/>
+            <a:off x="632059" y="3705564"/>
+            <a:ext cx="466794" cy="153888"/>
           </a:xfrm>
           <a:prstGeom prst="rect">
             <a:avLst/>
@@ -9204,13 +9239,13 @@
           <a:p>
             <a:pPr algn="ctr"/>
             <a:r>
-              <a:rPr lang="en-US" sz="500" b="1" dirty="0">
+              <a:rPr lang="en-US" sz="400" b="1" dirty="0">
                 <a:latin typeface="Arial" panose="020B0604020202020204" pitchFamily="34" charset="0"/>
                 <a:cs typeface="Arial" panose="020B0604020202020204" pitchFamily="34" charset="0"/>
               </a:rPr>
               <a:t>Asparagine</a:t>
             </a:r>
-            <a:endParaRPr lang="en-US" sz="500" b="1" baseline="-25000" dirty="0">
+            <a:endParaRPr lang="en-US" sz="400" b="1" baseline="-25000" dirty="0">
               <a:latin typeface="Arial" panose="020B0604020202020204" pitchFamily="34" charset="0"/>
               <a:cs typeface="Arial" panose="020B0604020202020204" pitchFamily="34" charset="0"/>
             </a:endParaRPr>
@@ -9235,8 +9270,8 @@
         </p:nvCxnSpPr>
         <p:spPr>
           <a:xfrm flipH="1" flipV="1">
-            <a:off x="1100679" y="4111172"/>
-            <a:ext cx="442333" cy="95609"/>
+            <a:off x="1100680" y="4095783"/>
+            <a:ext cx="501644" cy="103303"/>
           </a:xfrm>
           <a:prstGeom prst="line">
             <a:avLst/>
@@ -9280,8 +9315,8 @@
         </p:nvCxnSpPr>
         <p:spPr>
           <a:xfrm flipH="1">
-            <a:off x="1369343" y="3772662"/>
-            <a:ext cx="1863605" cy="253872"/>
+            <a:off x="1355718" y="3764967"/>
+            <a:ext cx="1869216" cy="253872"/>
           </a:xfrm>
           <a:prstGeom prst="line">
             <a:avLst/>
@@ -9325,8 +9360,8 @@
         </p:nvCxnSpPr>
         <p:spPr>
           <a:xfrm>
-            <a:off x="865457" y="3874841"/>
-            <a:ext cx="235222" cy="67054"/>
+            <a:off x="865456" y="3859452"/>
+            <a:ext cx="235224" cy="82443"/>
           </a:xfrm>
           <a:prstGeom prst="line">
             <a:avLst/>
@@ -9364,13 +9399,14 @@
           <p:cNvCxnSpPr>
             <a:cxnSpLocks/>
             <a:stCxn id="242" idx="2"/>
+            <a:endCxn id="241" idx="2"/>
           </p:cNvCxnSpPr>
           <p:nvPr/>
         </p:nvCxnSpPr>
         <p:spPr>
-          <a:xfrm flipH="1">
-            <a:off x="6544938" y="2905937"/>
-            <a:ext cx="468" cy="148431"/>
+          <a:xfrm>
+            <a:off x="6547969" y="2873521"/>
+            <a:ext cx="0" cy="278012"/>
           </a:xfrm>
           <a:prstGeom prst="line">
             <a:avLst/>
@@ -9407,13 +9443,15 @@
           </p:cNvPr>
           <p:cNvCxnSpPr>
             <a:cxnSpLocks/>
+            <a:stCxn id="252" idx="2"/>
+            <a:endCxn id="250" idx="0"/>
           </p:cNvCxnSpPr>
           <p:nvPr/>
         </p:nvCxnSpPr>
         <p:spPr>
           <a:xfrm>
-            <a:off x="6113241" y="2957213"/>
-            <a:ext cx="0" cy="97155"/>
+            <a:off x="6100349" y="2873521"/>
+            <a:ext cx="0" cy="162596"/>
           </a:xfrm>
           <a:prstGeom prst="line">
             <a:avLst/>
@@ -9450,58 +9488,14 @@
           </p:cNvPr>
           <p:cNvCxnSpPr>
             <a:cxnSpLocks/>
+            <a:stCxn id="250" idx="2"/>
           </p:cNvCxnSpPr>
           <p:nvPr/>
         </p:nvCxnSpPr>
         <p:spPr>
           <a:xfrm>
-            <a:off x="6113241" y="3249969"/>
-            <a:ext cx="0" cy="97155"/>
-          </a:xfrm>
-          <a:prstGeom prst="line">
-            <a:avLst/>
-          </a:prstGeom>
-          <a:ln>
-            <a:solidFill>
-              <a:schemeClr val="tx1"/>
-            </a:solidFill>
-          </a:ln>
-        </p:spPr>
-        <p:style>
-          <a:lnRef idx="1">
-            <a:schemeClr val="accent1"/>
-          </a:lnRef>
-          <a:fillRef idx="0">
-            <a:schemeClr val="accent1"/>
-          </a:fillRef>
-          <a:effectRef idx="0">
-            <a:schemeClr val="accent1"/>
-          </a:effectRef>
-          <a:fontRef idx="minor">
-            <a:schemeClr val="tx1"/>
-          </a:fontRef>
-        </p:style>
-      </p:cxnSp>
-      <p:cxnSp>
-        <p:nvCxnSpPr>
-          <p:cNvPr id="255" name="Straight Connector 254">
-            <a:extLst>
-              <a:ext uri="{FF2B5EF4-FFF2-40B4-BE49-F238E27FC236}">
-                <a16:creationId xmlns:a16="http://schemas.microsoft.com/office/drawing/2014/main" id="{F5D651E3-1C9E-3248-8F98-021E89E15708}"/>
-              </a:ext>
-            </a:extLst>
-          </p:cNvPr>
-          <p:cNvCxnSpPr>
-            <a:cxnSpLocks/>
-            <a:stCxn id="250" idx="3"/>
-            <a:endCxn id="241" idx="1"/>
-          </p:cNvCxnSpPr>
-          <p:nvPr/>
-        </p:nvCxnSpPr>
-        <p:spPr>
-          <a:xfrm>
-            <a:off x="6294571" y="3120756"/>
-            <a:ext cx="88770" cy="0"/>
+            <a:off x="6100349" y="3151533"/>
+            <a:ext cx="0" cy="195591"/>
           </a:xfrm>
           <a:prstGeom prst="line">
             <a:avLst/>
@@ -9584,8 +9578,8 @@
         </p:nvSpPr>
         <p:spPr>
           <a:xfrm>
-            <a:off x="6184752" y="1521244"/>
-            <a:ext cx="360996" cy="169277"/>
+            <a:off x="6078153" y="1521244"/>
+            <a:ext cx="574195" cy="123111"/>
           </a:xfrm>
           <a:prstGeom prst="rect">
             <a:avLst/>
@@ -9600,11 +9594,11 @@
           <a:p>
             <a:pPr algn="ctr"/>
             <a:r>
-              <a:rPr lang="en-US" sz="500" b="1" dirty="0">
-                <a:latin typeface="Arial" panose="020B0604020202020204" pitchFamily="34" charset="0"/>
-                <a:cs typeface="Arial" panose="020B0604020202020204" pitchFamily="34" charset="0"/>
-              </a:rPr>
-              <a:t>PRPP</a:t>
+              <a:rPr lang="en-US" sz="200" b="1" dirty="0">
+                <a:latin typeface="Arial" panose="020B0604020202020204" pitchFamily="34" charset="0"/>
+                <a:cs typeface="Arial" panose="020B0604020202020204" pitchFamily="34" charset="0"/>
+              </a:rPr>
+              <a:t>Phosphoribosyl pyrophosphate</a:t>
             </a:r>
           </a:p>
         </p:txBody>
@@ -9623,8 +9617,8 @@
         </p:nvSpPr>
         <p:spPr>
           <a:xfrm>
-            <a:off x="7670025" y="2736660"/>
-            <a:ext cx="431528" cy="169277"/>
+            <a:off x="7638770" y="2765799"/>
+            <a:ext cx="494046" cy="107722"/>
           </a:xfrm>
           <a:prstGeom prst="rect">
             <a:avLst/>
@@ -9639,12 +9633,16 @@
           <a:p>
             <a:pPr algn="ctr"/>
             <a:r>
-              <a:rPr lang="en-US" sz="500" b="1" dirty="0">
-                <a:latin typeface="Arial" panose="020B0604020202020204" pitchFamily="34" charset="0"/>
-                <a:cs typeface="Arial" panose="020B0604020202020204" pitchFamily="34" charset="0"/>
-              </a:rPr>
-              <a:t>SAICAR</a:t>
-            </a:r>
+              <a:rPr lang="en-US" sz="100" b="1" dirty="0" err="1">
+                <a:latin typeface="Arial" panose="020B0604020202020204" pitchFamily="34" charset="0"/>
+                <a:cs typeface="Arial" panose="020B0604020202020204" pitchFamily="34" charset="0"/>
+              </a:rPr>
+              <a:t>Phosphoribosylaminoimidazolesuccinocarboxamide</a:t>
+            </a:r>
+            <a:endParaRPr lang="en-US" sz="100" b="1" dirty="0">
+              <a:latin typeface="Arial" panose="020B0604020202020204" pitchFamily="34" charset="0"/>
+              <a:cs typeface="Arial" panose="020B0604020202020204" pitchFamily="34" charset="0"/>
+            </a:endParaRPr>
           </a:p>
         </p:txBody>
       </p:sp>
@@ -9662,8 +9660,8 @@
         </p:nvSpPr>
         <p:spPr>
           <a:xfrm>
-            <a:off x="7691664" y="3036117"/>
-            <a:ext cx="388247" cy="169277"/>
+            <a:off x="7661212" y="3043811"/>
+            <a:ext cx="449162" cy="107722"/>
           </a:xfrm>
           <a:prstGeom prst="rect">
             <a:avLst/>
@@ -9678,12 +9676,20 @@
           <a:p>
             <a:pPr algn="ctr"/>
             <a:r>
-              <a:rPr lang="en-US" sz="500" b="1" dirty="0">
-                <a:latin typeface="Arial" panose="020B0604020202020204" pitchFamily="34" charset="0"/>
-                <a:cs typeface="Arial" panose="020B0604020202020204" pitchFamily="34" charset="0"/>
-              </a:rPr>
-              <a:t>AICAR</a:t>
-            </a:r>
+              <a:rPr lang="en-US" sz="100" b="0" i="0" dirty="0">
+                <a:effectLst/>
+                <a:highlight>
+                  <a:srgbClr val="FFFFFF"/>
+                </a:highlight>
+                <a:latin typeface="Arial" panose="020B0604020202020204" pitchFamily="34" charset="0"/>
+                <a:cs typeface="Arial" panose="020B0604020202020204" pitchFamily="34" charset="0"/>
+              </a:rPr>
+              <a:t>5-Aminoimidazole-4-carboxamide ribonucleotide</a:t>
+            </a:r>
+            <a:endParaRPr lang="en-US" sz="100" b="1" dirty="0">
+              <a:latin typeface="Arial" panose="020B0604020202020204" pitchFamily="34" charset="0"/>
+              <a:cs typeface="Arial" panose="020B0604020202020204" pitchFamily="34" charset="0"/>
+            </a:endParaRPr>
           </a:p>
         </p:txBody>
       </p:sp>
@@ -9701,8 +9707,8 @@
         </p:nvSpPr>
         <p:spPr>
           <a:xfrm>
-            <a:off x="7736549" y="3321227"/>
-            <a:ext cx="298480" cy="169277"/>
+            <a:off x="7684456" y="3321227"/>
+            <a:ext cx="402674" cy="115416"/>
           </a:xfrm>
           <a:prstGeom prst="rect">
             <a:avLst/>
@@ -9717,11 +9723,11 @@
           <a:p>
             <a:pPr algn="ctr"/>
             <a:r>
-              <a:rPr lang="en-US" sz="500" b="1" dirty="0">
-                <a:latin typeface="Arial" panose="020B0604020202020204" pitchFamily="34" charset="0"/>
-                <a:cs typeface="Arial" panose="020B0604020202020204" pitchFamily="34" charset="0"/>
-              </a:rPr>
-              <a:t>IMP</a:t>
+              <a:rPr lang="en-US" sz="150" b="1" dirty="0">
+                <a:latin typeface="Arial" panose="020B0604020202020204" pitchFamily="34" charset="0"/>
+                <a:cs typeface="Arial" panose="020B0604020202020204" pitchFamily="34" charset="0"/>
+              </a:rPr>
+              <a:t>Inosine monophosphate</a:t>
             </a:r>
           </a:p>
         </p:txBody>
@@ -9740,8 +9746,8 @@
         </p:nvSpPr>
         <p:spPr>
           <a:xfrm>
-            <a:off x="7682850" y="3632860"/>
-            <a:ext cx="405880" cy="169277"/>
+            <a:off x="7702089" y="3629302"/>
+            <a:ext cx="367408" cy="153888"/>
           </a:xfrm>
           <a:prstGeom prst="rect">
             <a:avLst/>
@@ -9756,7 +9762,7 @@
           <a:p>
             <a:pPr algn="ctr"/>
             <a:r>
-              <a:rPr lang="en-US" sz="500" b="1" dirty="0">
+              <a:rPr lang="en-US" sz="400" b="1" dirty="0">
                 <a:latin typeface="Arial" panose="020B0604020202020204" pitchFamily="34" charset="0"/>
                 <a:cs typeface="Arial" panose="020B0604020202020204" pitchFamily="34" charset="0"/>
               </a:rPr>
@@ -9779,8 +9785,8 @@
         </p:nvSpPr>
         <p:spPr>
           <a:xfrm>
-            <a:off x="7584268" y="3901441"/>
-            <a:ext cx="603050" cy="169277"/>
+            <a:off x="7621137" y="3908970"/>
+            <a:ext cx="529312" cy="153888"/>
           </a:xfrm>
           <a:prstGeom prst="rect">
             <a:avLst/>
@@ -9795,7 +9801,7 @@
           <a:p>
             <a:pPr algn="ctr"/>
             <a:r>
-              <a:rPr lang="en-US" sz="500" b="1" dirty="0">
+              <a:rPr lang="en-US" sz="400" b="1" dirty="0">
                 <a:latin typeface="Arial" panose="020B0604020202020204" pitchFamily="34" charset="0"/>
                 <a:cs typeface="Arial" panose="020B0604020202020204" pitchFamily="34" charset="0"/>
               </a:rPr>
@@ -9818,8 +9824,8 @@
         </p:nvSpPr>
         <p:spPr>
           <a:xfrm>
-            <a:off x="7659609" y="4186516"/>
-            <a:ext cx="452367" cy="169277"/>
+            <a:off x="7683654" y="4186516"/>
+            <a:ext cx="404278" cy="153888"/>
           </a:xfrm>
           <a:prstGeom prst="rect">
             <a:avLst/>
@@ -9834,7 +9840,7 @@
           <a:p>
             <a:pPr algn="ctr"/>
             <a:r>
-              <a:rPr lang="en-US" sz="500" b="1" dirty="0">
+              <a:rPr lang="en-US" sz="400" b="1" dirty="0">
                 <a:latin typeface="Arial" panose="020B0604020202020204" pitchFamily="34" charset="0"/>
                 <a:cs typeface="Arial" panose="020B0604020202020204" pitchFamily="34" charset="0"/>
               </a:rPr>
@@ -9857,8 +9863,8 @@
         </p:nvSpPr>
         <p:spPr>
           <a:xfrm>
-            <a:off x="7653201" y="4507147"/>
-            <a:ext cx="465192" cy="169277"/>
+            <a:off x="7684456" y="4507147"/>
+            <a:ext cx="402674" cy="153888"/>
           </a:xfrm>
           <a:prstGeom prst="rect">
             <a:avLst/>
@@ -9873,11 +9879,11 @@
           <a:p>
             <a:pPr algn="ctr"/>
             <a:r>
-              <a:rPr lang="en-US" sz="500" b="1" dirty="0">
-                <a:latin typeface="Arial" panose="020B0604020202020204" pitchFamily="34" charset="0"/>
-                <a:cs typeface="Arial" panose="020B0604020202020204" pitchFamily="34" charset="0"/>
-              </a:rPr>
-              <a:t>Uric Acid</a:t>
+              <a:rPr lang="en-US" sz="400" b="1" dirty="0">
+                <a:latin typeface="Arial" panose="020B0604020202020204" pitchFamily="34" charset="0"/>
+                <a:cs typeface="Arial" panose="020B0604020202020204" pitchFamily="34" charset="0"/>
+              </a:rPr>
+              <a:t>Uric acid</a:t>
             </a:r>
           </a:p>
         </p:txBody>
@@ -9896,8 +9902,8 @@
         </p:nvSpPr>
         <p:spPr>
           <a:xfrm>
-            <a:off x="8571303" y="3321227"/>
-            <a:ext cx="327333" cy="169277"/>
+            <a:off x="8517602" y="3321227"/>
+            <a:ext cx="434734" cy="115416"/>
           </a:xfrm>
           <a:prstGeom prst="rect">
             <a:avLst/>
@@ -9912,11 +9918,11 @@
           <a:p>
             <a:pPr algn="ctr"/>
             <a:r>
-              <a:rPr lang="en-US" sz="500" b="1" dirty="0">
-                <a:latin typeface="Arial" panose="020B0604020202020204" pitchFamily="34" charset="0"/>
-                <a:cs typeface="Arial" panose="020B0604020202020204" pitchFamily="34" charset="0"/>
-              </a:rPr>
-              <a:t>AMP</a:t>
+              <a:rPr lang="en-US" sz="150" b="1" dirty="0">
+                <a:latin typeface="Arial" panose="020B0604020202020204" pitchFamily="34" charset="0"/>
+                <a:cs typeface="Arial" panose="020B0604020202020204" pitchFamily="34" charset="0"/>
+              </a:rPr>
+              <a:t>Adenosine monophosphate</a:t>
             </a:r>
           </a:p>
         </p:txBody>
@@ -9935,8 +9941,8 @@
         </p:nvSpPr>
         <p:spPr>
           <a:xfrm>
-            <a:off x="8480733" y="3632860"/>
-            <a:ext cx="508473" cy="169277"/>
+            <a:off x="8509587" y="3629302"/>
+            <a:ext cx="450764" cy="153888"/>
           </a:xfrm>
           <a:prstGeom prst="rect">
             <a:avLst/>
@@ -9951,7 +9957,7 @@
           <a:p>
             <a:pPr algn="ctr"/>
             <a:r>
-              <a:rPr lang="en-US" sz="500" b="1" dirty="0">
+              <a:rPr lang="en-US" sz="400" b="1" dirty="0">
                 <a:latin typeface="Arial" panose="020B0604020202020204" pitchFamily="34" charset="0"/>
                 <a:cs typeface="Arial" panose="020B0604020202020204" pitchFamily="34" charset="0"/>
               </a:rPr>
@@ -9974,8 +9980,8 @@
         </p:nvSpPr>
         <p:spPr>
           <a:xfrm>
-            <a:off x="9375286" y="3873933"/>
-            <a:ext cx="434734" cy="169277"/>
+            <a:off x="8540044" y="3908970"/>
+            <a:ext cx="389850" cy="153888"/>
           </a:xfrm>
           <a:prstGeom prst="rect">
             <a:avLst/>
@@ -9990,7 +9996,7 @@
           <a:p>
             <a:pPr algn="ctr"/>
             <a:r>
-              <a:rPr lang="en-US" sz="500" b="1" dirty="0">
+              <a:rPr lang="en-US" sz="400" b="1" dirty="0">
                 <a:latin typeface="Arial" panose="020B0604020202020204" pitchFamily="34" charset="0"/>
                 <a:cs typeface="Arial" panose="020B0604020202020204" pitchFamily="34" charset="0"/>
               </a:rPr>
@@ -10013,8 +10019,8 @@
         </p:nvSpPr>
         <p:spPr>
           <a:xfrm>
-            <a:off x="102566" y="6262730"/>
-            <a:ext cx="869149" cy="169277"/>
+            <a:off x="185121" y="6262730"/>
+            <a:ext cx="704039" cy="153888"/>
           </a:xfrm>
           <a:prstGeom prst="rect">
             <a:avLst/>
@@ -10029,12 +10035,16 @@
           <a:p>
             <a:pPr algn="ctr"/>
             <a:r>
-              <a:rPr lang="en-US" sz="500" b="1" dirty="0">
-                <a:latin typeface="Arial" panose="020B0604020202020204" pitchFamily="34" charset="0"/>
-                <a:cs typeface="Arial" panose="020B0604020202020204" pitchFamily="34" charset="0"/>
-              </a:rPr>
-              <a:t>5-Methylthioadenosine</a:t>
-            </a:r>
+              <a:rPr lang="en-US" sz="400" b="1" dirty="0" err="1">
+                <a:latin typeface="Arial" panose="020B0604020202020204" pitchFamily="34" charset="0"/>
+                <a:cs typeface="Arial" panose="020B0604020202020204" pitchFamily="34" charset="0"/>
+              </a:rPr>
+              <a:t>Methylthioadenosine</a:t>
+            </a:r>
+            <a:endParaRPr lang="en-US" sz="400" b="1" dirty="0">
+              <a:latin typeface="Arial" panose="020B0604020202020204" pitchFamily="34" charset="0"/>
+              <a:cs typeface="Arial" panose="020B0604020202020204" pitchFamily="34" charset="0"/>
+            </a:endParaRPr>
           </a:p>
         </p:txBody>
       </p:sp>
@@ -10056,8 +10066,8 @@
         </p:nvCxnSpPr>
         <p:spPr>
           <a:xfrm>
-            <a:off x="6365250" y="1690521"/>
-            <a:ext cx="1520539" cy="1046139"/>
+            <a:off x="6365251" y="1644355"/>
+            <a:ext cx="1520542" cy="1121444"/>
           </a:xfrm>
           <a:prstGeom prst="line">
             <a:avLst/>
@@ -10097,8 +10107,8 @@
         </p:nvSpPr>
         <p:spPr>
           <a:xfrm>
-            <a:off x="8940506" y="3036117"/>
-            <a:ext cx="320921" cy="169277"/>
+            <a:off x="8901234" y="3036117"/>
+            <a:ext cx="399468" cy="115416"/>
           </a:xfrm>
           <a:prstGeom prst="rect">
             <a:avLst/>
@@ -10113,11 +10123,11 @@
           <a:p>
             <a:pPr algn="ctr"/>
             <a:r>
-              <a:rPr lang="en-US" sz="500" b="1" dirty="0">
-                <a:latin typeface="Arial" panose="020B0604020202020204" pitchFamily="34" charset="0"/>
-                <a:cs typeface="Arial" panose="020B0604020202020204" pitchFamily="34" charset="0"/>
-              </a:rPr>
-              <a:t>ADP</a:t>
+              <a:rPr lang="en-US" sz="150" b="1" dirty="0">
+                <a:latin typeface="Arial" panose="020B0604020202020204" pitchFamily="34" charset="0"/>
+                <a:cs typeface="Arial" panose="020B0604020202020204" pitchFamily="34" charset="0"/>
+              </a:rPr>
+              <a:t>Adenosine diphosphate</a:t>
             </a:r>
           </a:p>
         </p:txBody>
@@ -10136,8 +10146,8 @@
         </p:nvSpPr>
         <p:spPr>
           <a:xfrm>
-            <a:off x="8944514" y="2736660"/>
-            <a:ext cx="312906" cy="169277"/>
+            <a:off x="8899631" y="2758105"/>
+            <a:ext cx="402674" cy="115416"/>
           </a:xfrm>
           <a:prstGeom prst="rect">
             <a:avLst/>
@@ -10152,11 +10162,11 @@
           <a:p>
             <a:pPr algn="ctr"/>
             <a:r>
-              <a:rPr lang="en-US" sz="500" b="1" dirty="0">
-                <a:latin typeface="Arial" panose="020B0604020202020204" pitchFamily="34" charset="0"/>
-                <a:cs typeface="Arial" panose="020B0604020202020204" pitchFamily="34" charset="0"/>
-              </a:rPr>
-              <a:t>ATP</a:t>
+              <a:rPr lang="en-US" sz="150" b="1" dirty="0">
+                <a:latin typeface="Arial" panose="020B0604020202020204" pitchFamily="34" charset="0"/>
+                <a:cs typeface="Arial" panose="020B0604020202020204" pitchFamily="34" charset="0"/>
+              </a:rPr>
+              <a:t>Adenosine triphosphate</a:t>
             </a:r>
           </a:p>
         </p:txBody>
@@ -10177,7 +10187,7 @@
         </p:nvCxnSpPr>
         <p:spPr>
           <a:xfrm>
-            <a:off x="7883170" y="2938265"/>
+            <a:off x="7885793" y="2938265"/>
             <a:ext cx="0" cy="97155"/>
           </a:xfrm>
           <a:prstGeom prst="line">
@@ -10215,15 +10225,13 @@
           </p:cNvPr>
           <p:cNvCxnSpPr>
             <a:cxnSpLocks/>
-            <a:stCxn id="200" idx="2"/>
-            <a:endCxn id="201" idx="0"/>
           </p:cNvCxnSpPr>
           <p:nvPr/>
         </p:nvCxnSpPr>
         <p:spPr>
           <a:xfrm>
-            <a:off x="7885788" y="3205394"/>
-            <a:ext cx="1" cy="115833"/>
+            <a:off x="7885792" y="3151533"/>
+            <a:ext cx="0" cy="169694"/>
           </a:xfrm>
           <a:prstGeom prst="line">
             <a:avLst/>
@@ -10260,15 +10268,13 @@
           </p:cNvPr>
           <p:cNvCxnSpPr>
             <a:cxnSpLocks/>
-            <a:stCxn id="201" idx="2"/>
-            <a:endCxn id="202" idx="0"/>
           </p:cNvCxnSpPr>
           <p:nvPr/>
         </p:nvCxnSpPr>
         <p:spPr>
           <a:xfrm>
-            <a:off x="7885789" y="3490504"/>
-            <a:ext cx="1" cy="142356"/>
+            <a:off x="7885793" y="3436643"/>
+            <a:ext cx="0" cy="196217"/>
           </a:xfrm>
           <a:prstGeom prst="line">
             <a:avLst/>
@@ -10305,15 +10311,13 @@
           </p:cNvPr>
           <p:cNvCxnSpPr>
             <a:cxnSpLocks/>
-            <a:stCxn id="202" idx="2"/>
-            <a:endCxn id="203" idx="0"/>
           </p:cNvCxnSpPr>
           <p:nvPr/>
         </p:nvCxnSpPr>
         <p:spPr>
           <a:xfrm>
-            <a:off x="7885790" y="3802137"/>
-            <a:ext cx="3" cy="99304"/>
+            <a:off x="7885792" y="3786748"/>
+            <a:ext cx="0" cy="114693"/>
           </a:xfrm>
           <a:prstGeom prst="line">
             <a:avLst/>
@@ -10350,15 +10354,13 @@
           </p:cNvPr>
           <p:cNvCxnSpPr>
             <a:cxnSpLocks/>
-            <a:stCxn id="203" idx="2"/>
-            <a:endCxn id="204" idx="0"/>
           </p:cNvCxnSpPr>
           <p:nvPr/>
         </p:nvCxnSpPr>
         <p:spPr>
           <a:xfrm>
-            <a:off x="7885793" y="4070718"/>
-            <a:ext cx="0" cy="115798"/>
+            <a:off x="7885793" y="4055329"/>
+            <a:ext cx="0" cy="131187"/>
           </a:xfrm>
           <a:prstGeom prst="line">
             <a:avLst/>
@@ -10395,15 +10397,13 @@
           </p:cNvPr>
           <p:cNvCxnSpPr>
             <a:cxnSpLocks/>
-            <a:stCxn id="204" idx="2"/>
-            <a:endCxn id="205" idx="0"/>
           </p:cNvCxnSpPr>
           <p:nvPr/>
         </p:nvCxnSpPr>
         <p:spPr>
           <a:xfrm>
-            <a:off x="7885793" y="4355793"/>
-            <a:ext cx="4" cy="151354"/>
+            <a:off x="7885791" y="4340404"/>
+            <a:ext cx="0" cy="166743"/>
           </a:xfrm>
           <a:prstGeom prst="line">
             <a:avLst/>
@@ -10447,8 +10447,8 @@
         </p:nvCxnSpPr>
         <p:spPr>
           <a:xfrm>
-            <a:off x="8035029" y="3405866"/>
-            <a:ext cx="536274" cy="0"/>
+            <a:off x="8087130" y="3378935"/>
+            <a:ext cx="430472" cy="0"/>
           </a:xfrm>
           <a:prstGeom prst="line">
             <a:avLst/>
@@ -10492,8 +10492,8 @@
         </p:nvCxnSpPr>
         <p:spPr>
           <a:xfrm>
-            <a:off x="8734970" y="3490504"/>
-            <a:ext cx="0" cy="142356"/>
+            <a:off x="8734969" y="3436643"/>
+            <a:ext cx="0" cy="192659"/>
           </a:xfrm>
           <a:prstGeom prst="line">
             <a:avLst/>
@@ -10537,8 +10537,8 @@
         </p:nvCxnSpPr>
         <p:spPr>
           <a:xfrm>
-            <a:off x="8088730" y="3717499"/>
-            <a:ext cx="392003" cy="0"/>
+            <a:off x="8069497" y="3706246"/>
+            <a:ext cx="440090" cy="0"/>
           </a:xfrm>
           <a:prstGeom prst="line">
             <a:avLst/>
@@ -10578,8 +10578,8 @@
         </p:nvSpPr>
         <p:spPr>
           <a:xfrm>
-            <a:off x="1815904" y="2359098"/>
-            <a:ext cx="1040670" cy="169277"/>
+            <a:off x="1926511" y="2359098"/>
+            <a:ext cx="819455" cy="153888"/>
           </a:xfrm>
           <a:prstGeom prst="rect">
             <a:avLst/>
@@ -10594,11 +10594,11 @@
           <a:p>
             <a:pPr algn="ctr"/>
             <a:r>
-              <a:rPr lang="en-US" sz="500" b="1" dirty="0">
-                <a:latin typeface="Arial" panose="020B0604020202020204" pitchFamily="34" charset="0"/>
-                <a:cs typeface="Arial" panose="020B0604020202020204" pitchFamily="34" charset="0"/>
-              </a:rPr>
-              <a:t>S-Adenosyl-L-homocysteine</a:t>
+              <a:rPr lang="en-US" sz="400" b="1" dirty="0">
+                <a:latin typeface="Arial" panose="020B0604020202020204" pitchFamily="34" charset="0"/>
+                <a:cs typeface="Arial" panose="020B0604020202020204" pitchFamily="34" charset="0"/>
+              </a:rPr>
+              <a:t>S-Adenosylhomocysteine</a:t>
             </a:r>
           </a:p>
         </p:txBody>
@@ -10621,8 +10621,8 @@
         </p:nvCxnSpPr>
         <p:spPr>
           <a:xfrm flipV="1">
-            <a:off x="2336239" y="2217295"/>
-            <a:ext cx="1" cy="141803"/>
+            <a:off x="2336239" y="2201906"/>
+            <a:ext cx="1" cy="157192"/>
           </a:xfrm>
           <a:prstGeom prst="line">
             <a:avLst/>
@@ -10666,8 +10666,8 @@
         </p:nvCxnSpPr>
         <p:spPr>
           <a:xfrm flipH="1">
-            <a:off x="8734970" y="3205394"/>
-            <a:ext cx="365997" cy="115833"/>
+            <a:off x="8734969" y="3151533"/>
+            <a:ext cx="365999" cy="169694"/>
           </a:xfrm>
           <a:prstGeom prst="line">
             <a:avLst/>
@@ -10711,8 +10711,8 @@
         </p:nvCxnSpPr>
         <p:spPr>
           <a:xfrm>
-            <a:off x="9100967" y="2905937"/>
-            <a:ext cx="0" cy="130180"/>
+            <a:off x="9100968" y="2873521"/>
+            <a:ext cx="0" cy="162596"/>
           </a:xfrm>
           <a:prstGeom prst="line">
             <a:avLst/>
@@ -10752,8 +10752,8 @@
         </p:nvSpPr>
         <p:spPr>
           <a:xfrm>
-            <a:off x="6998599" y="3688744"/>
-            <a:ext cx="324128" cy="169277"/>
+            <a:off x="6940892" y="3648538"/>
+            <a:ext cx="439543" cy="115416"/>
           </a:xfrm>
           <a:prstGeom prst="rect">
             <a:avLst/>
@@ -10768,11 +10768,18 @@
           <a:p>
             <a:pPr algn="ctr"/>
             <a:r>
-              <a:rPr lang="en-US" sz="500" b="1" dirty="0">
-                <a:latin typeface="Arial" panose="020B0604020202020204" pitchFamily="34" charset="0"/>
-                <a:cs typeface="Arial" panose="020B0604020202020204" pitchFamily="34" charset="0"/>
-              </a:rPr>
-              <a:t>XMP</a:t>
+              <a:rPr lang="en-US" sz="150" b="1" dirty="0" err="1">
+                <a:latin typeface="Arial" panose="020B0604020202020204" pitchFamily="34" charset="0"/>
+                <a:cs typeface="Arial" panose="020B0604020202020204" pitchFamily="34" charset="0"/>
+              </a:rPr>
+              <a:t>Xanthosine</a:t>
+            </a:r>
+            <a:r>
+              <a:rPr lang="en-US" sz="150" b="1" dirty="0">
+                <a:latin typeface="Arial" panose="020B0604020202020204" pitchFamily="34" charset="0"/>
+                <a:cs typeface="Arial" panose="020B0604020202020204" pitchFamily="34" charset="0"/>
+              </a:rPr>
+              <a:t> monophosphate</a:t>
             </a:r>
           </a:p>
         </p:txBody>
@@ -10795,8 +10802,8 @@
         </p:nvCxnSpPr>
         <p:spPr>
           <a:xfrm flipV="1">
-            <a:off x="7160663" y="3405866"/>
-            <a:ext cx="575886" cy="282878"/>
+            <a:off x="7160664" y="3378935"/>
+            <a:ext cx="523792" cy="269603"/>
           </a:xfrm>
           <a:prstGeom prst="line">
             <a:avLst/>
@@ -10836,8 +10843,8 @@
         </p:nvSpPr>
         <p:spPr>
           <a:xfrm>
-            <a:off x="6897611" y="3944007"/>
-            <a:ext cx="526105" cy="169277"/>
+            <a:off x="6928067" y="3908970"/>
+            <a:ext cx="465192" cy="153888"/>
           </a:xfrm>
           <a:prstGeom prst="rect">
             <a:avLst/>
@@ -10852,13 +10859,13 @@
           <a:p>
             <a:pPr algn="ctr"/>
             <a:r>
-              <a:rPr lang="en-US" sz="500" b="1" dirty="0" err="1">
+              <a:rPr lang="en-US" sz="400" b="1" dirty="0" err="1">
                 <a:latin typeface="Arial" panose="020B0604020202020204" pitchFamily="34" charset="0"/>
                 <a:cs typeface="Arial" panose="020B0604020202020204" pitchFamily="34" charset="0"/>
               </a:rPr>
               <a:t>Xanthosine</a:t>
             </a:r>
-            <a:endParaRPr lang="en-US" sz="500" b="1" dirty="0">
+            <a:endParaRPr lang="en-US" sz="400" b="1" dirty="0">
               <a:latin typeface="Arial" panose="020B0604020202020204" pitchFamily="34" charset="0"/>
               <a:cs typeface="Arial" panose="020B0604020202020204" pitchFamily="34" charset="0"/>
             </a:endParaRPr>
@@ -10882,9 +10889,9 @@
           <p:nvPr/>
         </p:nvCxnSpPr>
         <p:spPr>
-          <a:xfrm>
-            <a:off x="7160663" y="3858021"/>
-            <a:ext cx="1" cy="85986"/>
+          <a:xfrm flipH="1">
+            <a:off x="7160663" y="3763954"/>
+            <a:ext cx="1" cy="145016"/>
           </a:xfrm>
           <a:prstGeom prst="line">
             <a:avLst/>
@@ -10928,8 +10935,8 @@
         </p:nvCxnSpPr>
         <p:spPr>
           <a:xfrm>
-            <a:off x="7423716" y="4028646"/>
-            <a:ext cx="235893" cy="242509"/>
+            <a:off x="7393259" y="3985914"/>
+            <a:ext cx="290395" cy="277546"/>
           </a:xfrm>
           <a:prstGeom prst="line">
             <a:avLst/>
@@ -10970,7 +10977,7 @@
         <p:spPr>
           <a:xfrm>
             <a:off x="6525936" y="3321227"/>
-            <a:ext cx="473277" cy="169277"/>
+            <a:ext cx="473277" cy="115416"/>
           </a:xfrm>
           <a:prstGeom prst="rect">
             <a:avLst/>
@@ -10985,11 +10992,11 @@
           <a:p>
             <a:pPr algn="ctr"/>
             <a:r>
-              <a:rPr lang="en-US" sz="500" b="1" dirty="0">
-                <a:latin typeface="Arial" panose="020B0604020202020204" pitchFamily="34" charset="0"/>
-                <a:cs typeface="Arial" panose="020B0604020202020204" pitchFamily="34" charset="0"/>
-              </a:rPr>
-              <a:t>GMP</a:t>
+              <a:rPr lang="en-US" sz="150" b="1" dirty="0">
+                <a:latin typeface="Arial" panose="020B0604020202020204" pitchFamily="34" charset="0"/>
+                <a:cs typeface="Arial" panose="020B0604020202020204" pitchFamily="34" charset="0"/>
+              </a:rPr>
+              <a:t>Guanosine monophosphate</a:t>
             </a:r>
           </a:p>
         </p:txBody>
@@ -11008,8 +11015,8 @@
         </p:nvSpPr>
         <p:spPr>
           <a:xfrm>
-            <a:off x="6437613" y="3608332"/>
-            <a:ext cx="511679" cy="169277"/>
+            <a:off x="6466467" y="3629302"/>
+            <a:ext cx="453970" cy="153888"/>
           </a:xfrm>
           <a:prstGeom prst="rect">
             <a:avLst/>
@@ -11024,7 +11031,7 @@
           <a:p>
             <a:pPr algn="ctr"/>
             <a:r>
-              <a:rPr lang="en-US" sz="500" b="1" dirty="0">
+              <a:rPr lang="en-US" sz="400" b="1" dirty="0">
                 <a:latin typeface="Arial" panose="020B0604020202020204" pitchFamily="34" charset="0"/>
                 <a:cs typeface="Arial" panose="020B0604020202020204" pitchFamily="34" charset="0"/>
               </a:rPr>
@@ -11047,8 +11054,8 @@
         </p:nvSpPr>
         <p:spPr>
           <a:xfrm>
-            <a:off x="6149784" y="3944007"/>
-            <a:ext cx="637133" cy="169277"/>
+            <a:off x="6149784" y="3908970"/>
+            <a:ext cx="637133" cy="153888"/>
           </a:xfrm>
           <a:prstGeom prst="rect">
             <a:avLst/>
@@ -11063,7 +11070,7 @@
           <a:p>
             <a:pPr algn="ctr"/>
             <a:r>
-              <a:rPr lang="en-US" sz="500" b="1" dirty="0">
+              <a:rPr lang="en-US" sz="400" b="1" dirty="0">
                 <a:latin typeface="Arial" panose="020B0604020202020204" pitchFamily="34" charset="0"/>
                 <a:cs typeface="Arial" panose="020B0604020202020204" pitchFamily="34" charset="0"/>
               </a:rPr>
@@ -11088,9 +11095,9 @@
           <p:nvPr/>
         </p:nvCxnSpPr>
         <p:spPr>
-          <a:xfrm>
-            <a:off x="6872790" y="3405865"/>
-            <a:ext cx="863759" cy="1"/>
+          <a:xfrm flipV="1">
+            <a:off x="6872790" y="3378935"/>
+            <a:ext cx="811666" cy="26930"/>
           </a:xfrm>
           <a:prstGeom prst="line">
             <a:avLst/>
@@ -11134,8 +11141,8 @@
         </p:nvCxnSpPr>
         <p:spPr>
           <a:xfrm flipH="1">
-            <a:off x="6693453" y="3490504"/>
-            <a:ext cx="69122" cy="117828"/>
+            <a:off x="6693452" y="3436643"/>
+            <a:ext cx="69123" cy="192659"/>
           </a:xfrm>
           <a:prstGeom prst="line">
             <a:avLst/>
@@ -11179,8 +11186,8 @@
         </p:nvCxnSpPr>
         <p:spPr>
           <a:xfrm flipH="1">
-            <a:off x="6468351" y="3777609"/>
-            <a:ext cx="225102" cy="166398"/>
+            <a:off x="6468351" y="3783190"/>
+            <a:ext cx="225101" cy="125780"/>
           </a:xfrm>
           <a:prstGeom prst="line">
             <a:avLst/>
@@ -11220,8 +11227,8 @@
         </p:nvSpPr>
         <p:spPr>
           <a:xfrm>
-            <a:off x="8335664" y="2736660"/>
-            <a:ext cx="532517" cy="169277"/>
+            <a:off x="8354899" y="2758105"/>
+            <a:ext cx="494046" cy="115416"/>
           </a:xfrm>
           <a:prstGeom prst="rect">
             <a:avLst/>
@@ -11236,11 +11243,11 @@
           <a:p>
             <a:pPr algn="ctr"/>
             <a:r>
-              <a:rPr lang="en-US" sz="500" b="1" dirty="0">
-                <a:latin typeface="Arial" panose="020B0604020202020204" pitchFamily="34" charset="0"/>
-                <a:cs typeface="Arial" panose="020B0604020202020204" pitchFamily="34" charset="0"/>
-              </a:rPr>
-              <a:t>Cyclic AMP</a:t>
+              <a:rPr lang="en-US" sz="150" b="1" dirty="0">
+                <a:latin typeface="Arial" panose="020B0604020202020204" pitchFamily="34" charset="0"/>
+                <a:cs typeface="Arial" panose="020B0604020202020204" pitchFamily="34" charset="0"/>
+              </a:rPr>
+              <a:t>Cyclic adenosine monophosphate</a:t>
             </a:r>
           </a:p>
         </p:txBody>
@@ -11259,8 +11266,47 @@
         </p:nvSpPr>
         <p:spPr>
           <a:xfrm>
-            <a:off x="6383341" y="3036117"/>
-            <a:ext cx="324128" cy="169277"/>
+            <a:off x="6340998" y="3036117"/>
+            <a:ext cx="413942" cy="115416"/>
+          </a:xfrm>
+          <a:prstGeom prst="rect">
+            <a:avLst/>
+          </a:prstGeom>
+          <a:noFill/>
+        </p:spPr>
+        <p:txBody>
+          <a:bodyPr wrap="square" rtlCol="0">
+            <a:spAutoFit/>
+          </a:bodyPr>
+          <a:lstStyle/>
+          <a:p>
+            <a:pPr algn="ctr"/>
+            <a:r>
+              <a:rPr lang="en-US" sz="150" b="1" dirty="0">
+                <a:latin typeface="Arial" panose="020B0604020202020204" pitchFamily="34" charset="0"/>
+                <a:cs typeface="Arial" panose="020B0604020202020204" pitchFamily="34" charset="0"/>
+              </a:rPr>
+              <a:t>Guanosine diphosphate</a:t>
+            </a:r>
+          </a:p>
+        </p:txBody>
+      </p:sp>
+      <p:sp>
+        <p:nvSpPr>
+          <p:cNvPr id="242" name="TextBox 241">
+            <a:extLst>
+              <a:ext uri="{FF2B5EF4-FFF2-40B4-BE49-F238E27FC236}">
+                <a16:creationId xmlns:a16="http://schemas.microsoft.com/office/drawing/2014/main" id="{F598CA78-4CC2-D5F6-3851-1A608F3881B0}"/>
+              </a:ext>
+            </a:extLst>
+          </p:cNvPr>
+          <p:cNvSpPr txBox="1"/>
+          <p:nvPr/>
+        </p:nvSpPr>
+        <p:spPr>
+          <a:xfrm>
+            <a:off x="6346632" y="2758105"/>
+            <a:ext cx="402674" cy="115416"/>
           </a:xfrm>
           <a:prstGeom prst="rect">
             <a:avLst/>
@@ -11275,50 +11321,11 @@
           <a:p>
             <a:pPr algn="ctr"/>
             <a:r>
-              <a:rPr lang="en-US" sz="500" b="1" dirty="0">
-                <a:latin typeface="Arial" panose="020B0604020202020204" pitchFamily="34" charset="0"/>
-                <a:cs typeface="Arial" panose="020B0604020202020204" pitchFamily="34" charset="0"/>
-              </a:rPr>
-              <a:t>GDP</a:t>
-            </a:r>
-          </a:p>
-        </p:txBody>
-      </p:sp>
-      <p:sp>
-        <p:nvSpPr>
-          <p:cNvPr id="242" name="TextBox 241">
-            <a:extLst>
-              <a:ext uri="{FF2B5EF4-FFF2-40B4-BE49-F238E27FC236}">
-                <a16:creationId xmlns:a16="http://schemas.microsoft.com/office/drawing/2014/main" id="{F598CA78-4CC2-D5F6-3851-1A608F3881B0}"/>
-              </a:ext>
-            </a:extLst>
-          </p:cNvPr>
-          <p:cNvSpPr txBox="1"/>
-          <p:nvPr/>
-        </p:nvSpPr>
-        <p:spPr>
-          <a:xfrm>
-            <a:off x="6387350" y="2736660"/>
-            <a:ext cx="316112" cy="169277"/>
-          </a:xfrm>
-          <a:prstGeom prst="rect">
-            <a:avLst/>
-          </a:prstGeom>
-          <a:noFill/>
-        </p:spPr>
-        <p:txBody>
-          <a:bodyPr wrap="none" rtlCol="0">
-            <a:spAutoFit/>
-          </a:bodyPr>
-          <a:lstStyle/>
-          <a:p>
-            <a:pPr algn="ctr"/>
-            <a:r>
-              <a:rPr lang="en-US" sz="500" b="1" dirty="0">
-                <a:latin typeface="Arial" panose="020B0604020202020204" pitchFamily="34" charset="0"/>
-                <a:cs typeface="Arial" panose="020B0604020202020204" pitchFamily="34" charset="0"/>
-              </a:rPr>
-              <a:t>GTP</a:t>
+              <a:rPr lang="en-US" sz="150" b="1" dirty="0">
+                <a:latin typeface="Arial" panose="020B0604020202020204" pitchFamily="34" charset="0"/>
+                <a:cs typeface="Arial" panose="020B0604020202020204" pitchFamily="34" charset="0"/>
+              </a:rPr>
+              <a:t>Guanosine triphosphate</a:t>
             </a:r>
           </a:p>
         </p:txBody>
@@ -11341,8 +11348,8 @@
         </p:nvCxnSpPr>
         <p:spPr>
           <a:xfrm flipH="1">
-            <a:off x="6762575" y="2905937"/>
-            <a:ext cx="217228" cy="415290"/>
+            <a:off x="6762575" y="2873521"/>
+            <a:ext cx="217229" cy="447706"/>
           </a:xfrm>
           <a:prstGeom prst="line">
             <a:avLst/>
@@ -11382,8 +11389,8 @@
         </p:nvSpPr>
         <p:spPr>
           <a:xfrm>
-            <a:off x="6796900" y="2736660"/>
-            <a:ext cx="365806" cy="169277"/>
+            <a:off x="6732781" y="2758105"/>
+            <a:ext cx="494045" cy="115416"/>
           </a:xfrm>
           <a:prstGeom prst="rect">
             <a:avLst/>
@@ -11398,11 +11405,11 @@
           <a:p>
             <a:pPr algn="ctr"/>
             <a:r>
-              <a:rPr lang="en-US" sz="500" b="1" dirty="0">
-                <a:latin typeface="Arial" panose="020B0604020202020204" pitchFamily="34" charset="0"/>
-                <a:cs typeface="Arial" panose="020B0604020202020204" pitchFamily="34" charset="0"/>
-              </a:rPr>
-              <a:t>cGMP</a:t>
+              <a:rPr lang="en-US" sz="150" b="1" dirty="0">
+                <a:latin typeface="Arial" panose="020B0604020202020204" pitchFamily="34" charset="0"/>
+                <a:cs typeface="Arial" panose="020B0604020202020204" pitchFamily="34" charset="0"/>
+              </a:rPr>
+              <a:t>Cyclic guanosine monophosphate</a:t>
             </a:r>
           </a:p>
         </p:txBody>
@@ -11425,8 +11432,8 @@
         </p:nvCxnSpPr>
         <p:spPr>
           <a:xfrm>
-            <a:off x="6545405" y="3205394"/>
-            <a:ext cx="217170" cy="115833"/>
+            <a:off x="6547969" y="3151533"/>
+            <a:ext cx="214606" cy="169694"/>
           </a:xfrm>
           <a:prstGeom prst="line">
             <a:avLst/>
@@ -11470,8 +11477,8 @@
         </p:nvCxnSpPr>
         <p:spPr>
           <a:xfrm>
-            <a:off x="8868181" y="2821299"/>
-            <a:ext cx="76333" cy="0"/>
+            <a:off x="8848945" y="2815813"/>
+            <a:ext cx="50686" cy="0"/>
           </a:xfrm>
           <a:prstGeom prst="line">
             <a:avLst/>
@@ -11515,8 +11522,8 @@
         </p:nvCxnSpPr>
         <p:spPr>
           <a:xfrm>
-            <a:off x="8601923" y="2905937"/>
-            <a:ext cx="133047" cy="415290"/>
+            <a:off x="8601922" y="2873521"/>
+            <a:ext cx="133047" cy="447706"/>
           </a:xfrm>
           <a:prstGeom prst="line">
             <a:avLst/>
@@ -11599,8 +11606,47 @@
         </p:nvSpPr>
         <p:spPr>
           <a:xfrm>
-            <a:off x="5931972" y="3036117"/>
-            <a:ext cx="362599" cy="169277"/>
+            <a:off x="5870959" y="3036117"/>
+            <a:ext cx="458780" cy="115416"/>
+          </a:xfrm>
+          <a:prstGeom prst="rect">
+            <a:avLst/>
+          </a:prstGeom>
+          <a:noFill/>
+        </p:spPr>
+        <p:txBody>
+          <a:bodyPr wrap="square" rtlCol="0">
+            <a:spAutoFit/>
+          </a:bodyPr>
+          <a:lstStyle/>
+          <a:p>
+            <a:pPr algn="ctr"/>
+            <a:r>
+              <a:rPr lang="en-US" sz="150" b="1" dirty="0">
+                <a:latin typeface="Arial" panose="020B0604020202020204" pitchFamily="34" charset="0"/>
+                <a:cs typeface="Arial" panose="020B0604020202020204" pitchFamily="34" charset="0"/>
+              </a:rPr>
+              <a:t>Deoxyguanosine diphosphate</a:t>
+            </a:r>
+          </a:p>
+        </p:txBody>
+      </p:sp>
+      <p:sp>
+        <p:nvSpPr>
+          <p:cNvPr id="251" name="TextBox 250">
+            <a:extLst>
+              <a:ext uri="{FF2B5EF4-FFF2-40B4-BE49-F238E27FC236}">
+                <a16:creationId xmlns:a16="http://schemas.microsoft.com/office/drawing/2014/main" id="{88D2644E-65D7-6392-E718-751044EE1B18}"/>
+              </a:ext>
+            </a:extLst>
+          </p:cNvPr>
+          <p:cNvSpPr txBox="1"/>
+          <p:nvPr/>
+        </p:nvSpPr>
+        <p:spPr>
+          <a:xfrm>
+            <a:off x="5854929" y="3321227"/>
+            <a:ext cx="490840" cy="115416"/>
           </a:xfrm>
           <a:prstGeom prst="rect">
             <a:avLst/>
@@ -11615,25 +11661,21 @@
           <a:p>
             <a:pPr algn="ctr"/>
             <a:r>
-              <a:rPr lang="en-US" sz="500" b="1" dirty="0" err="1">
-                <a:latin typeface="Arial" panose="020B0604020202020204" pitchFamily="34" charset="0"/>
-                <a:cs typeface="Arial" panose="020B0604020202020204" pitchFamily="34" charset="0"/>
-              </a:rPr>
-              <a:t>dGDP</a:t>
-            </a:r>
-            <a:endParaRPr lang="en-US" sz="500" b="1" dirty="0">
-              <a:latin typeface="Arial" panose="020B0604020202020204" pitchFamily="34" charset="0"/>
-              <a:cs typeface="Arial" panose="020B0604020202020204" pitchFamily="34" charset="0"/>
-            </a:endParaRPr>
-          </a:p>
-        </p:txBody>
-      </p:sp>
-      <p:sp>
-        <p:nvSpPr>
-          <p:cNvPr id="251" name="TextBox 250">
-            <a:extLst>
-              <a:ext uri="{FF2B5EF4-FFF2-40B4-BE49-F238E27FC236}">
-                <a16:creationId xmlns:a16="http://schemas.microsoft.com/office/drawing/2014/main" id="{88D2644E-65D7-6392-E718-751044EE1B18}"/>
+              <a:rPr lang="en-US" sz="150" b="1" dirty="0">
+                <a:latin typeface="Arial" panose="020B0604020202020204" pitchFamily="34" charset="0"/>
+                <a:cs typeface="Arial" panose="020B0604020202020204" pitchFamily="34" charset="0"/>
+              </a:rPr>
+              <a:t>Deoxyguanosine monophosphate</a:t>
+            </a:r>
+          </a:p>
+        </p:txBody>
+      </p:sp>
+      <p:sp>
+        <p:nvSpPr>
+          <p:cNvPr id="252" name="TextBox 251">
+            <a:extLst>
+              <a:ext uri="{FF2B5EF4-FFF2-40B4-BE49-F238E27FC236}">
+                <a16:creationId xmlns:a16="http://schemas.microsoft.com/office/drawing/2014/main" id="{54BD5EAE-7FB1-3071-BD16-4ED249E63603}"/>
               </a:ext>
             </a:extLst>
           </p:cNvPr>
@@ -11642,8 +11684,8 @@
         </p:nvSpPr>
         <p:spPr>
           <a:xfrm>
-            <a:off x="5928766" y="3315583"/>
-            <a:ext cx="369011" cy="169277"/>
+            <a:off x="5870959" y="2758105"/>
+            <a:ext cx="458780" cy="115416"/>
           </a:xfrm>
           <a:prstGeom prst="rect">
             <a:avLst/>
@@ -11658,25 +11700,21 @@
           <a:p>
             <a:pPr algn="ctr"/>
             <a:r>
-              <a:rPr lang="en-US" sz="500" b="1" dirty="0" err="1">
-                <a:latin typeface="Arial" panose="020B0604020202020204" pitchFamily="34" charset="0"/>
-                <a:cs typeface="Arial" panose="020B0604020202020204" pitchFamily="34" charset="0"/>
-              </a:rPr>
-              <a:t>dGMP</a:t>
-            </a:r>
-            <a:endParaRPr lang="en-US" sz="500" b="1" dirty="0">
-              <a:latin typeface="Arial" panose="020B0604020202020204" pitchFamily="34" charset="0"/>
-              <a:cs typeface="Arial" panose="020B0604020202020204" pitchFamily="34" charset="0"/>
-            </a:endParaRPr>
-          </a:p>
-        </p:txBody>
-      </p:sp>
-      <p:sp>
-        <p:nvSpPr>
-          <p:cNvPr id="252" name="TextBox 251">
-            <a:extLst>
-              <a:ext uri="{FF2B5EF4-FFF2-40B4-BE49-F238E27FC236}">
-                <a16:creationId xmlns:a16="http://schemas.microsoft.com/office/drawing/2014/main" id="{54BD5EAE-7FB1-3071-BD16-4ED249E63603}"/>
+              <a:rPr lang="en-US" sz="150" b="1" dirty="0">
+                <a:latin typeface="Arial" panose="020B0604020202020204" pitchFamily="34" charset="0"/>
+                <a:cs typeface="Arial" panose="020B0604020202020204" pitchFamily="34" charset="0"/>
+              </a:rPr>
+              <a:t>Deoxyguanosine triphosphate</a:t>
+            </a:r>
+          </a:p>
+        </p:txBody>
+      </p:sp>
+      <p:sp>
+        <p:nvSpPr>
+          <p:cNvPr id="257" name="TextBox 256">
+            <a:extLst>
+              <a:ext uri="{FF2B5EF4-FFF2-40B4-BE49-F238E27FC236}">
+                <a16:creationId xmlns:a16="http://schemas.microsoft.com/office/drawing/2014/main" id="{C54ABFC1-5413-49C5-D8AD-6F487AF1E6A6}"/>
               </a:ext>
             </a:extLst>
           </p:cNvPr>
@@ -11685,8 +11723,8 @@
         </p:nvSpPr>
         <p:spPr>
           <a:xfrm>
-            <a:off x="5935980" y="2736660"/>
-            <a:ext cx="354584" cy="169277"/>
+            <a:off x="9382915" y="3036117"/>
+            <a:ext cx="455573" cy="115416"/>
           </a:xfrm>
           <a:prstGeom prst="rect">
             <a:avLst/>
@@ -11701,25 +11739,21 @@
           <a:p>
             <a:pPr algn="ctr"/>
             <a:r>
-              <a:rPr lang="en-US" sz="500" b="1" dirty="0" err="1">
-                <a:latin typeface="Arial" panose="020B0604020202020204" pitchFamily="34" charset="0"/>
-                <a:cs typeface="Arial" panose="020B0604020202020204" pitchFamily="34" charset="0"/>
-              </a:rPr>
-              <a:t>dGTP</a:t>
-            </a:r>
-            <a:endParaRPr lang="en-US" sz="500" b="1" dirty="0">
-              <a:latin typeface="Arial" panose="020B0604020202020204" pitchFamily="34" charset="0"/>
-              <a:cs typeface="Arial" panose="020B0604020202020204" pitchFamily="34" charset="0"/>
-            </a:endParaRPr>
-          </a:p>
-        </p:txBody>
-      </p:sp>
-      <p:sp>
-        <p:nvSpPr>
-          <p:cNvPr id="257" name="TextBox 256">
-            <a:extLst>
-              <a:ext uri="{FF2B5EF4-FFF2-40B4-BE49-F238E27FC236}">
-                <a16:creationId xmlns:a16="http://schemas.microsoft.com/office/drawing/2014/main" id="{C54ABFC1-5413-49C5-D8AD-6F487AF1E6A6}"/>
+              <a:rPr lang="en-US" sz="150" b="1" dirty="0">
+                <a:latin typeface="Arial" panose="020B0604020202020204" pitchFamily="34" charset="0"/>
+                <a:cs typeface="Arial" panose="020B0604020202020204" pitchFamily="34" charset="0"/>
+              </a:rPr>
+              <a:t>Deoxyadenosine diphosphate</a:t>
+            </a:r>
+          </a:p>
+        </p:txBody>
+      </p:sp>
+      <p:sp>
+        <p:nvSpPr>
+          <p:cNvPr id="258" name="TextBox 257">
+            <a:extLst>
+              <a:ext uri="{FF2B5EF4-FFF2-40B4-BE49-F238E27FC236}">
+                <a16:creationId xmlns:a16="http://schemas.microsoft.com/office/drawing/2014/main" id="{381E1D3D-EE26-697E-6EB6-8E9DBBCECE69}"/>
               </a:ext>
             </a:extLst>
           </p:cNvPr>
@@ -11728,8 +11762,8 @@
         </p:nvSpPr>
         <p:spPr>
           <a:xfrm>
-            <a:off x="9431005" y="3036117"/>
-            <a:ext cx="359394" cy="169277"/>
+            <a:off x="9381311" y="2758105"/>
+            <a:ext cx="458780" cy="115416"/>
           </a:xfrm>
           <a:prstGeom prst="rect">
             <a:avLst/>
@@ -11744,59 +11778,12 @@
           <a:p>
             <a:pPr algn="ctr"/>
             <a:r>
-              <a:rPr lang="en-US" sz="500" b="1" dirty="0" err="1">
-                <a:latin typeface="Arial" panose="020B0604020202020204" pitchFamily="34" charset="0"/>
-                <a:cs typeface="Arial" panose="020B0604020202020204" pitchFamily="34" charset="0"/>
-              </a:rPr>
-              <a:t>dADP</a:t>
-            </a:r>
-            <a:endParaRPr lang="en-US" sz="500" b="1" dirty="0">
-              <a:latin typeface="Arial" panose="020B0604020202020204" pitchFamily="34" charset="0"/>
-              <a:cs typeface="Arial" panose="020B0604020202020204" pitchFamily="34" charset="0"/>
-            </a:endParaRPr>
-          </a:p>
-        </p:txBody>
-      </p:sp>
-      <p:sp>
-        <p:nvSpPr>
-          <p:cNvPr id="258" name="TextBox 257">
-            <a:extLst>
-              <a:ext uri="{FF2B5EF4-FFF2-40B4-BE49-F238E27FC236}">
-                <a16:creationId xmlns:a16="http://schemas.microsoft.com/office/drawing/2014/main" id="{381E1D3D-EE26-697E-6EB6-8E9DBBCECE69}"/>
-              </a:ext>
-            </a:extLst>
-          </p:cNvPr>
-          <p:cNvSpPr txBox="1"/>
-          <p:nvPr/>
-        </p:nvSpPr>
-        <p:spPr>
-          <a:xfrm>
-            <a:off x="9435012" y="2736660"/>
-            <a:ext cx="351378" cy="169277"/>
-          </a:xfrm>
-          <a:prstGeom prst="rect">
-            <a:avLst/>
-          </a:prstGeom>
-          <a:noFill/>
-        </p:spPr>
-        <p:txBody>
-          <a:bodyPr wrap="none" rtlCol="0">
-            <a:spAutoFit/>
-          </a:bodyPr>
-          <a:lstStyle/>
-          <a:p>
-            <a:pPr algn="ctr"/>
-            <a:r>
-              <a:rPr lang="en-US" sz="500" b="1" dirty="0" err="1">
-                <a:latin typeface="Arial" panose="020B0604020202020204" pitchFamily="34" charset="0"/>
-                <a:cs typeface="Arial" panose="020B0604020202020204" pitchFamily="34" charset="0"/>
-              </a:rPr>
-              <a:t>dATP</a:t>
-            </a:r>
-            <a:endParaRPr lang="en-US" sz="500" b="1" dirty="0">
-              <a:latin typeface="Arial" panose="020B0604020202020204" pitchFamily="34" charset="0"/>
-              <a:cs typeface="Arial" panose="020B0604020202020204" pitchFamily="34" charset="0"/>
-            </a:endParaRPr>
+              <a:rPr lang="en-US" sz="150" b="1" dirty="0">
+                <a:latin typeface="Arial" panose="020B0604020202020204" pitchFamily="34" charset="0"/>
+                <a:cs typeface="Arial" panose="020B0604020202020204" pitchFamily="34" charset="0"/>
+              </a:rPr>
+              <a:t>Deoxyadenosine triphosphate</a:t>
+            </a:r>
           </a:p>
         </p:txBody>
       </p:sp>
@@ -11818,8 +11805,8 @@
         </p:nvCxnSpPr>
         <p:spPr>
           <a:xfrm>
-            <a:off x="9610701" y="2905937"/>
-            <a:ext cx="1" cy="130180"/>
+            <a:off x="9610701" y="2873521"/>
+            <a:ext cx="1" cy="162596"/>
           </a:xfrm>
           <a:prstGeom prst="line">
             <a:avLst/>
@@ -11859,8 +11846,8 @@
         </p:nvSpPr>
         <p:spPr>
           <a:xfrm>
-            <a:off x="9427798" y="3297222"/>
-            <a:ext cx="365806" cy="169277"/>
+            <a:off x="9365282" y="3321227"/>
+            <a:ext cx="490839" cy="115416"/>
           </a:xfrm>
           <a:prstGeom prst="rect">
             <a:avLst/>
@@ -11875,16 +11862,12 @@
           <a:p>
             <a:pPr algn="ctr"/>
             <a:r>
-              <a:rPr lang="en-US" sz="500" b="1" dirty="0" err="1">
-                <a:latin typeface="Arial" panose="020B0604020202020204" pitchFamily="34" charset="0"/>
-                <a:cs typeface="Arial" panose="020B0604020202020204" pitchFamily="34" charset="0"/>
-              </a:rPr>
-              <a:t>dAMP</a:t>
-            </a:r>
-            <a:endParaRPr lang="en-US" sz="500" b="1" dirty="0">
-              <a:latin typeface="Arial" panose="020B0604020202020204" pitchFamily="34" charset="0"/>
-              <a:cs typeface="Arial" panose="020B0604020202020204" pitchFamily="34" charset="0"/>
-            </a:endParaRPr>
+              <a:rPr lang="en-US" sz="150" b="1" dirty="0">
+                <a:latin typeface="Arial" panose="020B0604020202020204" pitchFamily="34" charset="0"/>
+                <a:cs typeface="Arial" panose="020B0604020202020204" pitchFamily="34" charset="0"/>
+              </a:rPr>
+              <a:t>Deoxyadenosine monophosphate</a:t>
+            </a:r>
           </a:p>
         </p:txBody>
       </p:sp>
@@ -11900,13 +11883,14 @@
           <p:cNvCxnSpPr>
             <a:cxnSpLocks/>
             <a:stCxn id="212" idx="3"/>
+            <a:endCxn id="258" idx="1"/>
           </p:cNvCxnSpPr>
           <p:nvPr/>
         </p:nvCxnSpPr>
         <p:spPr>
-          <a:xfrm flipV="1">
-            <a:off x="9257420" y="2821298"/>
-            <a:ext cx="177592" cy="1"/>
+          <a:xfrm>
+            <a:off x="9302305" y="2815813"/>
+            <a:ext cx="79006" cy="0"/>
           </a:xfrm>
           <a:prstGeom prst="line">
             <a:avLst/>
@@ -11950,8 +11934,8 @@
         </p:nvCxnSpPr>
         <p:spPr>
           <a:xfrm>
-            <a:off x="9261427" y="3120756"/>
-            <a:ext cx="169578" cy="0"/>
+            <a:off x="9300702" y="3093825"/>
+            <a:ext cx="82213" cy="0"/>
           </a:xfrm>
           <a:prstGeom prst="line">
             <a:avLst/>
@@ -11991,8 +11975,8 @@
         </p:nvSpPr>
         <p:spPr>
           <a:xfrm>
-            <a:off x="8412957" y="1224778"/>
-            <a:ext cx="566181" cy="169277"/>
+            <a:off x="8325594" y="1224778"/>
+            <a:ext cx="740907" cy="153888"/>
           </a:xfrm>
           <a:prstGeom prst="rect">
             <a:avLst/>
@@ -12007,11 +11991,11 @@
           <a:p>
             <a:pPr algn="ctr"/>
             <a:r>
-              <a:rPr lang="en-US" sz="500" b="1" dirty="0">
-                <a:latin typeface="Arial" panose="020B0604020202020204" pitchFamily="34" charset="0"/>
-                <a:cs typeface="Arial" panose="020B0604020202020204" pitchFamily="34" charset="0"/>
-              </a:rPr>
-              <a:t>Orotidine-5P</a:t>
+              <a:rPr lang="en-US" sz="400" b="1" dirty="0">
+                <a:latin typeface="Arial" panose="020B0604020202020204" pitchFamily="34" charset="0"/>
+                <a:cs typeface="Arial" panose="020B0604020202020204" pitchFamily="34" charset="0"/>
+              </a:rPr>
+              <a:t>Orotidine 5-phosphate</a:t>
             </a:r>
           </a:p>
         </p:txBody>
@@ -12030,8 +12014,8 @@
         </p:nvSpPr>
         <p:spPr>
           <a:xfrm>
-            <a:off x="8437804" y="851455"/>
-            <a:ext cx="516487" cy="169277"/>
+            <a:off x="8468260" y="851455"/>
+            <a:ext cx="455574" cy="153888"/>
           </a:xfrm>
           <a:prstGeom prst="rect">
             <a:avLst/>
@@ -12046,14 +12030,14 @@
           <a:p>
             <a:pPr algn="ctr"/>
             <a:r>
-              <a:rPr lang="en-US" sz="500" b="1" dirty="0" err="1">
+              <a:rPr lang="en-US" sz="400" b="1" dirty="0" err="1">
                 <a:latin typeface="Arial" panose="020B0604020202020204" pitchFamily="34" charset="0"/>
                 <a:cs typeface="Arial" panose="020B0604020202020204" pitchFamily="34" charset="0"/>
               </a:rPr>
               <a:t>Orotic</a:t>
             </a:r>
             <a:r>
-              <a:rPr lang="en-US" sz="500" b="1" dirty="0">
+              <a:rPr lang="en-US" sz="400" b="1" dirty="0">
                 <a:latin typeface="Arial" panose="020B0604020202020204" pitchFamily="34" charset="0"/>
                 <a:cs typeface="Arial" panose="020B0604020202020204" pitchFamily="34" charset="0"/>
               </a:rPr>
@@ -12076,8 +12060,8 @@
         </p:nvSpPr>
         <p:spPr>
           <a:xfrm>
-            <a:off x="8223803" y="382475"/>
-            <a:ext cx="944490" cy="169277"/>
+            <a:off x="8304755" y="382475"/>
+            <a:ext cx="782587" cy="153888"/>
           </a:xfrm>
           <a:prstGeom prst="rect">
             <a:avLst/>
@@ -12092,11 +12076,11 @@
           <a:p>
             <a:pPr algn="ctr"/>
             <a:r>
-              <a:rPr lang="en-US" sz="500" b="1" dirty="0">
-                <a:latin typeface="Arial" panose="020B0604020202020204" pitchFamily="34" charset="0"/>
-                <a:cs typeface="Arial" panose="020B0604020202020204" pitchFamily="34" charset="0"/>
-              </a:rPr>
-              <a:t>N-Carbamoyl-L-aspartate</a:t>
+              <a:rPr lang="en-US" sz="400" b="1" dirty="0">
+                <a:latin typeface="Arial" panose="020B0604020202020204" pitchFamily="34" charset="0"/>
+                <a:cs typeface="Arial" panose="020B0604020202020204" pitchFamily="34" charset="0"/>
+              </a:rPr>
+              <a:t>Carbamoyl aspartic acid</a:t>
             </a:r>
           </a:p>
         </p:txBody>
@@ -12115,8 +12099,8 @@
         </p:nvSpPr>
         <p:spPr>
           <a:xfrm>
-            <a:off x="8337616" y="614136"/>
-            <a:ext cx="716863" cy="169277"/>
+            <a:off x="8374484" y="614136"/>
+            <a:ext cx="643125" cy="153888"/>
           </a:xfrm>
           <a:prstGeom prst="rect">
             <a:avLst/>
@@ -12131,11 +12115,18 @@
           <a:p>
             <a:pPr algn="ctr"/>
             <a:r>
-              <a:rPr lang="en-US" sz="500" b="1" dirty="0">
-                <a:latin typeface="Arial" panose="020B0604020202020204" pitchFamily="34" charset="0"/>
-                <a:cs typeface="Arial" panose="020B0604020202020204" pitchFamily="34" charset="0"/>
-              </a:rPr>
-              <a:t>L-Dihydroorotate</a:t>
+              <a:rPr lang="en-US" sz="400" b="1" dirty="0" err="1">
+                <a:latin typeface="Arial" panose="020B0604020202020204" pitchFamily="34" charset="0"/>
+                <a:cs typeface="Arial" panose="020B0604020202020204" pitchFamily="34" charset="0"/>
+              </a:rPr>
+              <a:t>Dihydroorotic</a:t>
+            </a:r>
+            <a:r>
+              <a:rPr lang="en-US" sz="400" b="1" dirty="0">
+                <a:latin typeface="Arial" panose="020B0604020202020204" pitchFamily="34" charset="0"/>
+                <a:cs typeface="Arial" panose="020B0604020202020204" pitchFamily="34" charset="0"/>
+              </a:rPr>
+              <a:t> acid</a:t>
             </a:r>
           </a:p>
         </p:txBody>
@@ -12154,8 +12145,8 @@
         </p:nvSpPr>
         <p:spPr>
           <a:xfrm>
-            <a:off x="8532381" y="1804916"/>
-            <a:ext cx="327333" cy="169277"/>
+            <a:off x="8493254" y="1820323"/>
+            <a:ext cx="402674" cy="115416"/>
           </a:xfrm>
           <a:prstGeom prst="rect">
             <a:avLst/>
@@ -12170,11 +12161,11 @@
           <a:p>
             <a:pPr algn="ctr"/>
             <a:r>
-              <a:rPr lang="en-US" sz="500" b="1" dirty="0">
-                <a:latin typeface="Arial" panose="020B0604020202020204" pitchFamily="34" charset="0"/>
-                <a:cs typeface="Arial" panose="020B0604020202020204" pitchFamily="34" charset="0"/>
-              </a:rPr>
-              <a:t>UMP</a:t>
+              <a:rPr lang="en-US" sz="150" b="1" dirty="0">
+                <a:latin typeface="Arial" panose="020B0604020202020204" pitchFamily="34" charset="0"/>
+                <a:cs typeface="Arial" panose="020B0604020202020204" pitchFamily="34" charset="0"/>
+              </a:rPr>
+              <a:t>Uridine monophosphate</a:t>
             </a:r>
           </a:p>
         </p:txBody>
@@ -12190,15 +12181,15 @@
           </p:cNvPr>
           <p:cNvCxnSpPr>
             <a:cxnSpLocks/>
-            <a:stCxn id="198" idx="3"/>
+            <a:stCxn id="198" idx="0"/>
             <a:endCxn id="264" idx="1"/>
           </p:cNvCxnSpPr>
           <p:nvPr/>
         </p:nvCxnSpPr>
         <p:spPr>
           <a:xfrm flipV="1">
-            <a:off x="6545748" y="936094"/>
-            <a:ext cx="1892056" cy="669789"/>
+            <a:off x="6365251" y="928399"/>
+            <a:ext cx="2103009" cy="592845"/>
           </a:xfrm>
           <a:prstGeom prst="line">
             <a:avLst/>
@@ -12242,8 +12233,8 @@
         </p:nvCxnSpPr>
         <p:spPr>
           <a:xfrm>
-            <a:off x="8696048" y="783413"/>
-            <a:ext cx="0" cy="68042"/>
+            <a:off x="8696047" y="768024"/>
+            <a:ext cx="0" cy="83431"/>
           </a:xfrm>
           <a:prstGeom prst="line">
             <a:avLst/>
@@ -12286,9 +12277,9 @@
           <p:nvPr/>
         </p:nvCxnSpPr>
         <p:spPr>
-          <a:xfrm>
-            <a:off x="8696048" y="551752"/>
-            <a:ext cx="0" cy="62384"/>
+          <a:xfrm flipH="1">
+            <a:off x="8696047" y="536363"/>
+            <a:ext cx="2" cy="77773"/>
           </a:xfrm>
           <a:prstGeom prst="line">
             <a:avLst/>
@@ -12332,8 +12323,8 @@
         </p:nvCxnSpPr>
         <p:spPr>
           <a:xfrm>
-            <a:off x="8696048" y="1020732"/>
-            <a:ext cx="0" cy="204046"/>
+            <a:off x="8696047" y="1005343"/>
+            <a:ext cx="1" cy="219435"/>
           </a:xfrm>
           <a:prstGeom prst="line">
             <a:avLst/>
@@ -12376,9 +12367,9 @@
           <p:nvPr/>
         </p:nvCxnSpPr>
         <p:spPr>
-          <a:xfrm>
-            <a:off x="8696048" y="1394055"/>
-            <a:ext cx="0" cy="410861"/>
+          <a:xfrm flipH="1">
+            <a:off x="8694591" y="1378666"/>
+            <a:ext cx="1457" cy="441657"/>
           </a:xfrm>
           <a:prstGeom prst="line">
             <a:avLst/>
@@ -12418,8 +12409,8 @@
         </p:nvSpPr>
         <p:spPr>
           <a:xfrm>
-            <a:off x="8514747" y="2352508"/>
-            <a:ext cx="362600" cy="169277"/>
+            <a:off x="8532380" y="2352508"/>
+            <a:ext cx="327334" cy="153888"/>
           </a:xfrm>
           <a:prstGeom prst="rect">
             <a:avLst/>
@@ -12434,7 +12425,7 @@
           <a:p>
             <a:pPr algn="ctr"/>
             <a:r>
-              <a:rPr lang="en-US" sz="500" b="1" dirty="0">
+              <a:rPr lang="en-US" sz="400" b="1" dirty="0">
                 <a:latin typeface="Arial" panose="020B0604020202020204" pitchFamily="34" charset="0"/>
                 <a:cs typeface="Arial" panose="020B0604020202020204" pitchFamily="34" charset="0"/>
               </a:rPr>
@@ -12457,8 +12448,8 @@
         </p:nvSpPr>
         <p:spPr>
           <a:xfrm>
-            <a:off x="8493909" y="2084751"/>
-            <a:ext cx="404278" cy="169277"/>
+            <a:off x="8514748" y="2084751"/>
+            <a:ext cx="362600" cy="153888"/>
           </a:xfrm>
           <a:prstGeom prst="rect">
             <a:avLst/>
@@ -12473,7 +12464,7 @@
           <a:p>
             <a:pPr algn="ctr"/>
             <a:r>
-              <a:rPr lang="en-US" sz="500" b="1" dirty="0">
+              <a:rPr lang="en-US" sz="400" b="1" dirty="0">
                 <a:latin typeface="Arial" panose="020B0604020202020204" pitchFamily="34" charset="0"/>
                 <a:cs typeface="Arial" panose="020B0604020202020204" pitchFamily="34" charset="0"/>
               </a:rPr>
@@ -12496,8 +12487,8 @@
         </p:nvSpPr>
         <p:spPr>
           <a:xfrm>
-            <a:off x="9172304" y="1804916"/>
-            <a:ext cx="365806" cy="169277"/>
+            <a:off x="9110587" y="1820323"/>
+            <a:ext cx="458780" cy="115416"/>
           </a:xfrm>
           <a:prstGeom prst="rect">
             <a:avLst/>
@@ -12512,16 +12503,19 @@
           <a:p>
             <a:pPr algn="ctr"/>
             <a:r>
-              <a:rPr lang="en-US" sz="500" b="1" dirty="0" err="1">
-                <a:latin typeface="Arial" panose="020B0604020202020204" pitchFamily="34" charset="0"/>
-                <a:cs typeface="Arial" panose="020B0604020202020204" pitchFamily="34" charset="0"/>
-              </a:rPr>
-              <a:t>dUMP</a:t>
-            </a:r>
-            <a:endParaRPr lang="en-US" sz="500" b="1" dirty="0">
-              <a:latin typeface="Arial" panose="020B0604020202020204" pitchFamily="34" charset="0"/>
-              <a:cs typeface="Arial" panose="020B0604020202020204" pitchFamily="34" charset="0"/>
-            </a:endParaRPr>
+              <a:rPr lang="en-US" sz="150" b="1" dirty="0" err="1">
+                <a:latin typeface="Arial" panose="020B0604020202020204" pitchFamily="34" charset="0"/>
+                <a:cs typeface="Arial" panose="020B0604020202020204" pitchFamily="34" charset="0"/>
+              </a:rPr>
+              <a:t>Deoxyuridine</a:t>
+            </a:r>
+            <a:r>
+              <a:rPr lang="en-US" sz="150" b="1" dirty="0">
+                <a:latin typeface="Arial" panose="020B0604020202020204" pitchFamily="34" charset="0"/>
+                <a:cs typeface="Arial" panose="020B0604020202020204" pitchFamily="34" charset="0"/>
+              </a:rPr>
+              <a:t> monophosphate</a:t>
+            </a:r>
           </a:p>
         </p:txBody>
       </p:sp>
@@ -12539,8 +12533,8 @@
         </p:nvSpPr>
         <p:spPr>
           <a:xfrm>
-            <a:off x="9868242" y="1804916"/>
-            <a:ext cx="357790" cy="169277"/>
+            <a:off x="9804123" y="1820323"/>
+            <a:ext cx="486030" cy="115416"/>
           </a:xfrm>
           <a:prstGeom prst="rect">
             <a:avLst/>
@@ -12555,11 +12549,11 @@
           <a:p>
             <a:pPr algn="ctr"/>
             <a:r>
-              <a:rPr lang="en-US" sz="500" b="1" dirty="0">
-                <a:latin typeface="Arial" panose="020B0604020202020204" pitchFamily="34" charset="0"/>
-                <a:cs typeface="Arial" panose="020B0604020202020204" pitchFamily="34" charset="0"/>
-              </a:rPr>
-              <a:t>dTMP</a:t>
+              <a:rPr lang="en-US" sz="150" b="1" dirty="0">
+                <a:latin typeface="Arial" panose="020B0604020202020204" pitchFamily="34" charset="0"/>
+                <a:cs typeface="Arial" panose="020B0604020202020204" pitchFamily="34" charset="0"/>
+              </a:rPr>
+              <a:t>Deoxythymidine monophosphate</a:t>
             </a:r>
           </a:p>
         </p:txBody>
@@ -12578,8 +12572,8 @@
         </p:nvSpPr>
         <p:spPr>
           <a:xfrm>
-            <a:off x="9824159" y="2352508"/>
-            <a:ext cx="445956" cy="169277"/>
+            <a:off x="9848204" y="2352508"/>
+            <a:ext cx="397866" cy="153888"/>
           </a:xfrm>
           <a:prstGeom prst="rect">
             <a:avLst/>
@@ -12594,7 +12588,7 @@
           <a:p>
             <a:pPr algn="ctr"/>
             <a:r>
-              <a:rPr lang="en-US" sz="500" b="1" dirty="0">
+              <a:rPr lang="en-US" sz="400" b="1" dirty="0">
                 <a:latin typeface="Arial" panose="020B0604020202020204" pitchFamily="34" charset="0"/>
                 <a:cs typeface="Arial" panose="020B0604020202020204" pitchFamily="34" charset="0"/>
               </a:rPr>
@@ -12617,8 +12611,8 @@
         </p:nvSpPr>
         <p:spPr>
           <a:xfrm>
-            <a:off x="9796107" y="2084751"/>
-            <a:ext cx="502061" cy="169277"/>
+            <a:off x="9824961" y="2084751"/>
+            <a:ext cx="444352" cy="153888"/>
           </a:xfrm>
           <a:prstGeom prst="rect">
             <a:avLst/>
@@ -12633,7 +12627,7 @@
           <a:p>
             <a:pPr algn="ctr"/>
             <a:r>
-              <a:rPr lang="en-US" sz="500" b="1" dirty="0">
+              <a:rPr lang="en-US" sz="400" b="1" dirty="0">
                 <a:latin typeface="Arial" panose="020B0604020202020204" pitchFamily="34" charset="0"/>
                 <a:cs typeface="Arial" panose="020B0604020202020204" pitchFamily="34" charset="0"/>
               </a:rPr>
@@ -12659,9 +12653,9 @@
           <p:nvPr/>
         </p:nvCxnSpPr>
         <p:spPr>
-          <a:xfrm flipH="1">
-            <a:off x="10047137" y="2254028"/>
-            <a:ext cx="1" cy="98480"/>
+          <a:xfrm>
+            <a:off x="10047137" y="2238639"/>
+            <a:ext cx="0" cy="113869"/>
           </a:xfrm>
           <a:prstGeom prst="line">
             <a:avLst/>
@@ -12704,9 +12698,9 @@
           <p:nvPr/>
         </p:nvCxnSpPr>
         <p:spPr>
-          <a:xfrm>
-            <a:off x="10047137" y="1974193"/>
-            <a:ext cx="1" cy="110558"/>
+          <a:xfrm flipH="1">
+            <a:off x="10047137" y="1935739"/>
+            <a:ext cx="1" cy="149012"/>
           </a:xfrm>
           <a:prstGeom prst="line">
             <a:avLst/>
@@ -12750,8 +12744,8 @@
         </p:nvCxnSpPr>
         <p:spPr>
           <a:xfrm>
-            <a:off x="8859714" y="1889555"/>
-            <a:ext cx="312590" cy="0"/>
+            <a:off x="8895928" y="1878031"/>
+            <a:ext cx="214659" cy="0"/>
           </a:xfrm>
           <a:prstGeom prst="line">
             <a:avLst/>
@@ -12795,8 +12789,8 @@
         </p:nvCxnSpPr>
         <p:spPr>
           <a:xfrm>
-            <a:off x="9538110" y="1889555"/>
-            <a:ext cx="330132" cy="0"/>
+            <a:off x="9569367" y="1878031"/>
+            <a:ext cx="234756" cy="0"/>
           </a:xfrm>
           <a:prstGeom prst="line">
             <a:avLst/>
@@ -12839,9 +12833,9 @@
           <p:nvPr/>
         </p:nvCxnSpPr>
         <p:spPr>
-          <a:xfrm>
-            <a:off x="9355207" y="1974193"/>
-            <a:ext cx="0" cy="110558"/>
+          <a:xfrm flipH="1">
+            <a:off x="9339804" y="1935739"/>
+            <a:ext cx="173" cy="149012"/>
           </a:xfrm>
           <a:prstGeom prst="line">
             <a:avLst/>
@@ -12881,8 +12875,8 @@
         </p:nvSpPr>
         <p:spPr>
           <a:xfrm>
-            <a:off x="9061697" y="2084751"/>
-            <a:ext cx="587019" cy="169277"/>
+            <a:off x="9083163" y="2084751"/>
+            <a:ext cx="513282" cy="153888"/>
           </a:xfrm>
           <a:prstGeom prst="rect">
             <a:avLst/>
@@ -12897,13 +12891,13 @@
           <a:p>
             <a:pPr algn="ctr"/>
             <a:r>
-              <a:rPr lang="en-US" sz="500" b="1" dirty="0" err="1">
+              <a:rPr lang="en-US" sz="400" b="1" dirty="0" err="1">
                 <a:latin typeface="Arial" panose="020B0604020202020204" pitchFamily="34" charset="0"/>
                 <a:cs typeface="Arial" panose="020B0604020202020204" pitchFamily="34" charset="0"/>
               </a:rPr>
               <a:t>Deoxyuridine</a:t>
             </a:r>
-            <a:endParaRPr lang="en-US" sz="500" b="1" dirty="0">
+            <a:endParaRPr lang="en-US" sz="400" b="1" dirty="0">
               <a:latin typeface="Arial" panose="020B0604020202020204" pitchFamily="34" charset="0"/>
               <a:cs typeface="Arial" panose="020B0604020202020204" pitchFamily="34" charset="0"/>
             </a:endParaRPr>
@@ -12928,8 +12922,8 @@
         </p:nvCxnSpPr>
         <p:spPr>
           <a:xfrm>
-            <a:off x="8696048" y="1974193"/>
-            <a:ext cx="0" cy="110558"/>
+            <a:off x="8694591" y="1935739"/>
+            <a:ext cx="1457" cy="149012"/>
           </a:xfrm>
           <a:prstGeom prst="line">
             <a:avLst/>
@@ -12973,8 +12967,8 @@
         </p:nvCxnSpPr>
         <p:spPr>
           <a:xfrm flipH="1">
-            <a:off x="8696047" y="2254028"/>
-            <a:ext cx="1" cy="98480"/>
+            <a:off x="8696047" y="2238639"/>
+            <a:ext cx="1" cy="113869"/>
           </a:xfrm>
           <a:prstGeom prst="line">
             <a:avLst/>
@@ -13014,8 +13008,8 @@
         </p:nvSpPr>
         <p:spPr>
           <a:xfrm>
-            <a:off x="7908782" y="1804916"/>
-            <a:ext cx="327333" cy="169277"/>
+            <a:off x="7866303" y="1820323"/>
+            <a:ext cx="412292" cy="115416"/>
           </a:xfrm>
           <a:prstGeom prst="rect">
             <a:avLst/>
@@ -13030,11 +13024,11 @@
           <a:p>
             <a:pPr algn="ctr"/>
             <a:r>
-              <a:rPr lang="en-US" sz="500" b="1" dirty="0">
-                <a:latin typeface="Arial" panose="020B0604020202020204" pitchFamily="34" charset="0"/>
-                <a:cs typeface="Arial" panose="020B0604020202020204" pitchFamily="34" charset="0"/>
-              </a:rPr>
-              <a:t>CMP</a:t>
+              <a:rPr lang="en-US" sz="150" b="1" dirty="0">
+                <a:latin typeface="Arial" panose="020B0604020202020204" pitchFamily="34" charset="0"/>
+                <a:cs typeface="Arial" panose="020B0604020202020204" pitchFamily="34" charset="0"/>
+              </a:rPr>
+              <a:t>Cytidine monophosphate</a:t>
             </a:r>
           </a:p>
         </p:txBody>
@@ -13053,8 +13047,8 @@
         </p:nvSpPr>
         <p:spPr>
           <a:xfrm>
-            <a:off x="7846265" y="2352508"/>
-            <a:ext cx="452367" cy="169277"/>
+            <a:off x="7870309" y="2352508"/>
+            <a:ext cx="404278" cy="153888"/>
           </a:xfrm>
           <a:prstGeom prst="rect">
             <a:avLst/>
@@ -13069,7 +13063,7 @@
           <a:p>
             <a:pPr algn="ctr"/>
             <a:r>
-              <a:rPr lang="en-US" sz="500" b="1" dirty="0">
+              <a:rPr lang="en-US" sz="400" b="1" dirty="0">
                 <a:latin typeface="Arial" panose="020B0604020202020204" pitchFamily="34" charset="0"/>
                 <a:cs typeface="Arial" panose="020B0604020202020204" pitchFamily="34" charset="0"/>
               </a:rPr>
@@ -13092,8 +13086,8 @@
         </p:nvSpPr>
         <p:spPr>
           <a:xfrm>
-            <a:off x="7855081" y="2084751"/>
-            <a:ext cx="434735" cy="169277"/>
+            <a:off x="7877523" y="2084751"/>
+            <a:ext cx="389850" cy="153888"/>
           </a:xfrm>
           <a:prstGeom prst="rect">
             <a:avLst/>
@@ -13108,7 +13102,7 @@
           <a:p>
             <a:pPr algn="ctr"/>
             <a:r>
-              <a:rPr lang="en-US" sz="500" b="1" dirty="0">
+              <a:rPr lang="en-US" sz="400" b="1" dirty="0">
                 <a:latin typeface="Arial" panose="020B0604020202020204" pitchFamily="34" charset="0"/>
                 <a:cs typeface="Arial" panose="020B0604020202020204" pitchFamily="34" charset="0"/>
               </a:rPr>
@@ -13134,9 +13128,9 @@
           <p:nvPr/>
         </p:nvCxnSpPr>
         <p:spPr>
-          <a:xfrm>
-            <a:off x="8072449" y="1974193"/>
-            <a:ext cx="0" cy="110558"/>
+          <a:xfrm flipH="1">
+            <a:off x="8072448" y="1935739"/>
+            <a:ext cx="1" cy="149012"/>
           </a:xfrm>
           <a:prstGeom prst="line">
             <a:avLst/>
@@ -13180,8 +13174,8 @@
         </p:nvCxnSpPr>
         <p:spPr>
           <a:xfrm>
-            <a:off x="8072449" y="2254028"/>
-            <a:ext cx="0" cy="98480"/>
+            <a:off x="8072448" y="2238639"/>
+            <a:ext cx="0" cy="113869"/>
           </a:xfrm>
           <a:prstGeom prst="line">
             <a:avLst/>
@@ -13221,8 +13215,8 @@
         </p:nvSpPr>
         <p:spPr>
           <a:xfrm>
-            <a:off x="7451418" y="1804916"/>
-            <a:ext cx="365806" cy="169277"/>
+            <a:off x="7400121" y="1820323"/>
+            <a:ext cx="468398" cy="115416"/>
           </a:xfrm>
           <a:prstGeom prst="rect">
             <a:avLst/>
@@ -13237,16 +13231,12 @@
           <a:p>
             <a:pPr algn="ctr"/>
             <a:r>
-              <a:rPr lang="en-US" sz="500" b="1" dirty="0" err="1">
-                <a:latin typeface="Arial" panose="020B0604020202020204" pitchFamily="34" charset="0"/>
-                <a:cs typeface="Arial" panose="020B0604020202020204" pitchFamily="34" charset="0"/>
-              </a:rPr>
-              <a:t>dCMP</a:t>
-            </a:r>
-            <a:endParaRPr lang="en-US" sz="500" b="1" dirty="0">
-              <a:latin typeface="Arial" panose="020B0604020202020204" pitchFamily="34" charset="0"/>
-              <a:cs typeface="Arial" panose="020B0604020202020204" pitchFamily="34" charset="0"/>
-            </a:endParaRPr>
+              <a:rPr lang="en-US" sz="150" b="1" dirty="0">
+                <a:latin typeface="Arial" panose="020B0604020202020204" pitchFamily="34" charset="0"/>
+                <a:cs typeface="Arial" panose="020B0604020202020204" pitchFamily="34" charset="0"/>
+              </a:rPr>
+              <a:t>Deoxycytidine monophosphate</a:t>
+            </a:r>
           </a:p>
         </p:txBody>
       </p:sp>
@@ -13264,8 +13254,8 @@
         </p:nvSpPr>
         <p:spPr>
           <a:xfrm>
-            <a:off x="7327185" y="2084751"/>
-            <a:ext cx="614271" cy="169277"/>
+            <a:off x="7365657" y="2084751"/>
+            <a:ext cx="537327" cy="153888"/>
           </a:xfrm>
           <a:prstGeom prst="rect">
             <a:avLst/>
@@ -13280,7 +13270,7 @@
           <a:p>
             <a:pPr algn="ctr"/>
             <a:r>
-              <a:rPr lang="en-US" sz="500" b="1" dirty="0">
+              <a:rPr lang="en-US" sz="400" b="1" dirty="0">
                 <a:latin typeface="Arial" panose="020B0604020202020204" pitchFamily="34" charset="0"/>
                 <a:cs typeface="Arial" panose="020B0604020202020204" pitchFamily="34" charset="0"/>
               </a:rPr>
@@ -13307,8 +13297,8 @@
         </p:nvCxnSpPr>
         <p:spPr>
           <a:xfrm>
-            <a:off x="7634321" y="1974193"/>
-            <a:ext cx="0" cy="110558"/>
+            <a:off x="7634320" y="1935739"/>
+            <a:ext cx="1" cy="149012"/>
           </a:xfrm>
           <a:prstGeom prst="line">
             <a:avLst/>
@@ -13348,8 +13338,8 @@
         </p:nvSpPr>
         <p:spPr>
           <a:xfrm>
-            <a:off x="8272420" y="1604578"/>
-            <a:ext cx="320921" cy="169277"/>
+            <a:off x="8206976" y="1622379"/>
+            <a:ext cx="367408" cy="115416"/>
           </a:xfrm>
           <a:prstGeom prst="rect">
             <a:avLst/>
@@ -13364,11 +13354,11 @@
           <a:p>
             <a:pPr algn="ctr"/>
             <a:r>
-              <a:rPr lang="en-US" sz="500" b="1" dirty="0">
-                <a:latin typeface="Arial" panose="020B0604020202020204" pitchFamily="34" charset="0"/>
-                <a:cs typeface="Arial" panose="020B0604020202020204" pitchFamily="34" charset="0"/>
-              </a:rPr>
-              <a:t>UDP</a:t>
+              <a:rPr lang="en-US" sz="150" b="1" dirty="0">
+                <a:latin typeface="Arial" panose="020B0604020202020204" pitchFamily="34" charset="0"/>
+                <a:cs typeface="Arial" panose="020B0604020202020204" pitchFamily="34" charset="0"/>
+              </a:rPr>
+              <a:t>Uridine diphosphate</a:t>
             </a:r>
           </a:p>
         </p:txBody>
@@ -13387,8 +13377,8 @@
         </p:nvSpPr>
         <p:spPr>
           <a:xfrm>
-            <a:off x="7997166" y="1423170"/>
-            <a:ext cx="312906" cy="169277"/>
+            <a:off x="8038138" y="1423170"/>
+            <a:ext cx="370614" cy="115416"/>
           </a:xfrm>
           <a:prstGeom prst="rect">
             <a:avLst/>
@@ -13403,11 +13393,11 @@
           <a:p>
             <a:pPr algn="ctr"/>
             <a:r>
-              <a:rPr lang="en-US" sz="500" b="1" dirty="0">
-                <a:latin typeface="Arial" panose="020B0604020202020204" pitchFamily="34" charset="0"/>
-                <a:cs typeface="Arial" panose="020B0604020202020204" pitchFamily="34" charset="0"/>
-              </a:rPr>
-              <a:t>UTP</a:t>
+              <a:rPr lang="en-US" sz="150" b="1" dirty="0">
+                <a:latin typeface="Arial" panose="020B0604020202020204" pitchFamily="34" charset="0"/>
+                <a:cs typeface="Arial" panose="020B0604020202020204" pitchFamily="34" charset="0"/>
+              </a:rPr>
+              <a:t>Uridine triphosphate</a:t>
             </a:r>
           </a:p>
         </p:txBody>
@@ -13426,8 +13416,8 @@
         </p:nvSpPr>
         <p:spPr>
           <a:xfrm>
-            <a:off x="7821170" y="1604578"/>
-            <a:ext cx="320921" cy="169277"/>
+            <a:off x="7739301" y="1621746"/>
+            <a:ext cx="377026" cy="115416"/>
           </a:xfrm>
           <a:prstGeom prst="rect">
             <a:avLst/>
@@ -13442,11 +13432,11 @@
           <a:p>
             <a:pPr algn="ctr"/>
             <a:r>
-              <a:rPr lang="en-US" sz="500" b="1" dirty="0">
-                <a:latin typeface="Arial" panose="020B0604020202020204" pitchFamily="34" charset="0"/>
-                <a:cs typeface="Arial" panose="020B0604020202020204" pitchFamily="34" charset="0"/>
-              </a:rPr>
-              <a:t>CDP</a:t>
+              <a:rPr lang="en-US" sz="150" b="1" dirty="0">
+                <a:latin typeface="Arial" panose="020B0604020202020204" pitchFamily="34" charset="0"/>
+                <a:cs typeface="Arial" panose="020B0604020202020204" pitchFamily="34" charset="0"/>
+              </a:rPr>
+              <a:t>Cytidine diphosphate</a:t>
             </a:r>
           </a:p>
         </p:txBody>
@@ -13465,8 +13455,8 @@
         </p:nvSpPr>
         <p:spPr>
           <a:xfrm>
-            <a:off x="7545916" y="1423170"/>
-            <a:ext cx="312906" cy="169277"/>
+            <a:off x="7592490" y="1423170"/>
+            <a:ext cx="380501" cy="115416"/>
           </a:xfrm>
           <a:prstGeom prst="rect">
             <a:avLst/>
@@ -13481,11 +13471,11 @@
           <a:p>
             <a:pPr algn="ctr"/>
             <a:r>
-              <a:rPr lang="en-US" sz="500" b="1" dirty="0">
-                <a:latin typeface="Arial" panose="020B0604020202020204" pitchFamily="34" charset="0"/>
-                <a:cs typeface="Arial" panose="020B0604020202020204" pitchFamily="34" charset="0"/>
-              </a:rPr>
-              <a:t>CTP</a:t>
+              <a:rPr lang="en-US" sz="150" b="1" dirty="0">
+                <a:latin typeface="Arial" panose="020B0604020202020204" pitchFamily="34" charset="0"/>
+                <a:cs typeface="Arial" panose="020B0604020202020204" pitchFamily="34" charset="0"/>
+              </a:rPr>
+              <a:t>Cytidine triphosphate</a:t>
             </a:r>
           </a:p>
         </p:txBody>
@@ -13508,8 +13498,8 @@
         </p:nvCxnSpPr>
         <p:spPr>
           <a:xfrm>
-            <a:off x="7858822" y="1507809"/>
-            <a:ext cx="138344" cy="0"/>
+            <a:off x="7972991" y="1480878"/>
+            <a:ext cx="65147" cy="0"/>
           </a:xfrm>
           <a:prstGeom prst="line">
             <a:avLst/>
@@ -13549,8 +13539,8 @@
         </p:nvSpPr>
         <p:spPr>
           <a:xfrm>
-            <a:off x="7311654" y="1604578"/>
-            <a:ext cx="359394" cy="169277"/>
+            <a:off x="7164895" y="1621746"/>
+            <a:ext cx="433132" cy="115416"/>
           </a:xfrm>
           <a:prstGeom prst="rect">
             <a:avLst/>
@@ -13565,16 +13555,12 @@
           <a:p>
             <a:pPr algn="ctr"/>
             <a:r>
-              <a:rPr lang="en-US" sz="500" b="1" dirty="0" err="1">
-                <a:latin typeface="Arial" panose="020B0604020202020204" pitchFamily="34" charset="0"/>
-                <a:cs typeface="Arial" panose="020B0604020202020204" pitchFamily="34" charset="0"/>
-              </a:rPr>
-              <a:t>dCDP</a:t>
-            </a:r>
-            <a:endParaRPr lang="en-US" sz="500" b="1" dirty="0">
-              <a:latin typeface="Arial" panose="020B0604020202020204" pitchFamily="34" charset="0"/>
-              <a:cs typeface="Arial" panose="020B0604020202020204" pitchFamily="34" charset="0"/>
-            </a:endParaRPr>
+              <a:rPr lang="en-US" sz="150" b="1" dirty="0">
+                <a:latin typeface="Arial" panose="020B0604020202020204" pitchFamily="34" charset="0"/>
+                <a:cs typeface="Arial" panose="020B0604020202020204" pitchFamily="34" charset="0"/>
+              </a:rPr>
+              <a:t>Deoxycytidine diphosphate</a:t>
+            </a:r>
           </a:p>
         </p:txBody>
       </p:sp>
@@ -13592,8 +13578,8 @@
         </p:nvSpPr>
         <p:spPr>
           <a:xfrm>
-            <a:off x="7036400" y="1423170"/>
-            <a:ext cx="351378" cy="169277"/>
+            <a:off x="6951442" y="1423170"/>
+            <a:ext cx="448680" cy="115416"/>
           </a:xfrm>
           <a:prstGeom prst="rect">
             <a:avLst/>
@@ -13601,23 +13587,19 @@
           <a:noFill/>
         </p:spPr>
         <p:txBody>
-          <a:bodyPr wrap="none" rtlCol="0">
+          <a:bodyPr wrap="square" rtlCol="0">
             <a:spAutoFit/>
           </a:bodyPr>
           <a:lstStyle/>
           <a:p>
             <a:pPr algn="ctr"/>
             <a:r>
-              <a:rPr lang="en-US" sz="500" b="1" dirty="0" err="1">
-                <a:latin typeface="Arial" panose="020B0604020202020204" pitchFamily="34" charset="0"/>
-                <a:cs typeface="Arial" panose="020B0604020202020204" pitchFamily="34" charset="0"/>
-              </a:rPr>
-              <a:t>dCTP</a:t>
-            </a:r>
-            <a:endParaRPr lang="en-US" sz="500" b="1" dirty="0">
-              <a:latin typeface="Arial" panose="020B0604020202020204" pitchFamily="34" charset="0"/>
-              <a:cs typeface="Arial" panose="020B0604020202020204" pitchFamily="34" charset="0"/>
-            </a:endParaRPr>
+              <a:rPr lang="en-US" sz="150" b="1" dirty="0">
+                <a:latin typeface="Arial" panose="020B0604020202020204" pitchFamily="34" charset="0"/>
+                <a:cs typeface="Arial" panose="020B0604020202020204" pitchFamily="34" charset="0"/>
+              </a:rPr>
+              <a:t>Deoxycytidine triphosphate</a:t>
+            </a:r>
           </a:p>
         </p:txBody>
       </p:sp>
@@ -13637,7 +13619,7 @@
         </p:nvCxnSpPr>
         <p:spPr>
           <a:xfrm>
-            <a:off x="7194807" y="1557764"/>
+            <a:off x="7164340" y="1514057"/>
             <a:ext cx="195544" cy="138326"/>
           </a:xfrm>
           <a:prstGeom prst="line">
@@ -13682,8 +13664,8 @@
         </p:nvCxnSpPr>
         <p:spPr>
           <a:xfrm>
-            <a:off x="7387778" y="1507809"/>
-            <a:ext cx="158138" cy="0"/>
+            <a:off x="7400122" y="1480878"/>
+            <a:ext cx="192368" cy="0"/>
           </a:xfrm>
           <a:prstGeom prst="line">
             <a:avLst/>
@@ -13723,8 +13705,8 @@
         </p:nvSpPr>
         <p:spPr>
           <a:xfrm>
-            <a:off x="9026881" y="1604578"/>
-            <a:ext cx="359394" cy="169277"/>
+            <a:off x="9070141" y="1619843"/>
+            <a:ext cx="423513" cy="115416"/>
           </a:xfrm>
           <a:prstGeom prst="rect">
             <a:avLst/>
@@ -13739,16 +13721,19 @@
           <a:p>
             <a:pPr algn="ctr"/>
             <a:r>
-              <a:rPr lang="en-US" sz="500" b="1" dirty="0" err="1">
-                <a:latin typeface="Arial" panose="020B0604020202020204" pitchFamily="34" charset="0"/>
-                <a:cs typeface="Arial" panose="020B0604020202020204" pitchFamily="34" charset="0"/>
-              </a:rPr>
-              <a:t>dUDP</a:t>
-            </a:r>
-            <a:endParaRPr lang="en-US" sz="500" b="1" dirty="0">
-              <a:latin typeface="Arial" panose="020B0604020202020204" pitchFamily="34" charset="0"/>
-              <a:cs typeface="Arial" panose="020B0604020202020204" pitchFamily="34" charset="0"/>
-            </a:endParaRPr>
+              <a:rPr lang="en-US" sz="150" b="1" dirty="0" err="1">
+                <a:latin typeface="Arial" panose="020B0604020202020204" pitchFamily="34" charset="0"/>
+                <a:cs typeface="Arial" panose="020B0604020202020204" pitchFamily="34" charset="0"/>
+              </a:rPr>
+              <a:t>Deoxyuridine</a:t>
+            </a:r>
+            <a:r>
+              <a:rPr lang="en-US" sz="150" b="1" dirty="0">
+                <a:latin typeface="Arial" panose="020B0604020202020204" pitchFamily="34" charset="0"/>
+                <a:cs typeface="Arial" panose="020B0604020202020204" pitchFamily="34" charset="0"/>
+              </a:rPr>
+              <a:t> diphosphate</a:t>
+            </a:r>
           </a:p>
         </p:txBody>
       </p:sp>
@@ -13766,8 +13751,8 @@
         </p:nvSpPr>
         <p:spPr>
           <a:xfrm>
-            <a:off x="8751627" y="1423170"/>
-            <a:ext cx="351378" cy="169277"/>
+            <a:off x="8852258" y="1423170"/>
+            <a:ext cx="426719" cy="115416"/>
           </a:xfrm>
           <a:prstGeom prst="rect">
             <a:avLst/>
@@ -13782,16 +13767,19 @@
           <a:p>
             <a:pPr algn="ctr"/>
             <a:r>
-              <a:rPr lang="en-US" sz="500" b="1" dirty="0" err="1">
-                <a:latin typeface="Arial" panose="020B0604020202020204" pitchFamily="34" charset="0"/>
-                <a:cs typeface="Arial" panose="020B0604020202020204" pitchFamily="34" charset="0"/>
-              </a:rPr>
-              <a:t>dUTP</a:t>
-            </a:r>
-            <a:endParaRPr lang="en-US" sz="500" b="1" dirty="0">
-              <a:latin typeface="Arial" panose="020B0604020202020204" pitchFamily="34" charset="0"/>
-              <a:cs typeface="Arial" panose="020B0604020202020204" pitchFamily="34" charset="0"/>
-            </a:endParaRPr>
+              <a:rPr lang="en-US" sz="150" b="1" dirty="0" err="1">
+                <a:latin typeface="Arial" panose="020B0604020202020204" pitchFamily="34" charset="0"/>
+                <a:cs typeface="Arial" panose="020B0604020202020204" pitchFamily="34" charset="0"/>
+              </a:rPr>
+              <a:t>Deoxyuridine</a:t>
+            </a:r>
+            <a:r>
+              <a:rPr lang="en-US" sz="150" b="1" dirty="0">
+                <a:latin typeface="Arial" panose="020B0604020202020204" pitchFamily="34" charset="0"/>
+                <a:cs typeface="Arial" panose="020B0604020202020204" pitchFamily="34" charset="0"/>
+              </a:rPr>
+              <a:t> triphosphate</a:t>
+            </a:r>
           </a:p>
         </p:txBody>
       </p:sp>
@@ -13809,8 +13797,8 @@
         </p:nvSpPr>
         <p:spPr>
           <a:xfrm>
-            <a:off x="9659273" y="1604578"/>
-            <a:ext cx="351378" cy="169277"/>
+            <a:off x="9609580" y="1621747"/>
+            <a:ext cx="450764" cy="115416"/>
           </a:xfrm>
           <a:prstGeom prst="rect">
             <a:avLst/>
@@ -13825,16 +13813,12 @@
           <a:p>
             <a:pPr algn="ctr"/>
             <a:r>
-              <a:rPr lang="en-US" sz="500" b="1" dirty="0" err="1">
-                <a:latin typeface="Arial" panose="020B0604020202020204" pitchFamily="34" charset="0"/>
-                <a:cs typeface="Arial" panose="020B0604020202020204" pitchFamily="34" charset="0"/>
-              </a:rPr>
-              <a:t>dTDP</a:t>
-            </a:r>
-            <a:endParaRPr lang="en-US" sz="500" b="1" dirty="0">
-              <a:latin typeface="Arial" panose="020B0604020202020204" pitchFamily="34" charset="0"/>
-              <a:cs typeface="Arial" panose="020B0604020202020204" pitchFamily="34" charset="0"/>
-            </a:endParaRPr>
+              <a:rPr lang="en-US" sz="150" b="1" dirty="0">
+                <a:latin typeface="Arial" panose="020B0604020202020204" pitchFamily="34" charset="0"/>
+                <a:cs typeface="Arial" panose="020B0604020202020204" pitchFamily="34" charset="0"/>
+              </a:rPr>
+              <a:t>Deoxythymidine diphosphate</a:t>
+            </a:r>
           </a:p>
         </p:txBody>
       </p:sp>
@@ -13852,8 +13836,8 @@
         </p:nvSpPr>
         <p:spPr>
           <a:xfrm>
-            <a:off x="9384018" y="1423170"/>
-            <a:ext cx="343364" cy="169277"/>
+            <a:off x="9445431" y="1423170"/>
+            <a:ext cx="453970" cy="115416"/>
           </a:xfrm>
           <a:prstGeom prst="rect">
             <a:avLst/>
@@ -13868,11 +13852,11 @@
           <a:p>
             <a:pPr algn="ctr"/>
             <a:r>
-              <a:rPr lang="en-US" sz="500" b="1" dirty="0">
-                <a:latin typeface="Arial" panose="020B0604020202020204" pitchFamily="34" charset="0"/>
-                <a:cs typeface="Arial" panose="020B0604020202020204" pitchFamily="34" charset="0"/>
-              </a:rPr>
-              <a:t>dTTP</a:t>
+              <a:rPr lang="en-US" sz="150" b="1" dirty="0">
+                <a:latin typeface="Arial" panose="020B0604020202020204" pitchFamily="34" charset="0"/>
+                <a:cs typeface="Arial" panose="020B0604020202020204" pitchFamily="34" charset="0"/>
+              </a:rPr>
+              <a:t>Deoxythymidine triphosphate</a:t>
             </a:r>
           </a:p>
         </p:txBody>
@@ -13895,8 +13879,8 @@
         </p:nvCxnSpPr>
         <p:spPr>
           <a:xfrm flipV="1">
-            <a:off x="5647476" y="1605883"/>
-            <a:ext cx="537276" cy="103681"/>
+            <a:off x="5560913" y="1582800"/>
+            <a:ext cx="517240" cy="119069"/>
           </a:xfrm>
           <a:prstGeom prst="line">
             <a:avLst/>
@@ -13940,8 +13924,8 @@
         </p:nvCxnSpPr>
         <p:spPr>
           <a:xfrm>
-            <a:off x="6308640" y="5144583"/>
-            <a:ext cx="148431" cy="298362"/>
+            <a:off x="6308639" y="5129194"/>
+            <a:ext cx="148431" cy="313751"/>
           </a:xfrm>
           <a:prstGeom prst="line">
             <a:avLst/>
@@ -13981,8 +13965,8 @@
         </p:nvSpPr>
         <p:spPr>
           <a:xfrm>
-            <a:off x="6174782" y="5442945"/>
-            <a:ext cx="564577" cy="169277"/>
+            <a:off x="6204436" y="5442945"/>
+            <a:ext cx="505268" cy="153888"/>
           </a:xfrm>
           <a:prstGeom prst="rect">
             <a:avLst/>
@@ -13997,13 +13981,13 @@
           <a:p>
             <a:pPr algn="ctr"/>
             <a:r>
-              <a:rPr lang="en-US" sz="500" b="1" dirty="0">
-                <a:latin typeface="Arial" panose="020B0604020202020204" pitchFamily="34" charset="0"/>
-                <a:cs typeface="Arial" panose="020B0604020202020204" pitchFamily="34" charset="0"/>
-              </a:rPr>
-              <a:t>5-oxoproline</a:t>
-            </a:r>
-            <a:endParaRPr lang="en-US" sz="500" b="1" baseline="-25000" dirty="0">
+              <a:rPr lang="en-US" sz="400" b="1" dirty="0">
+                <a:latin typeface="Arial" panose="020B0604020202020204" pitchFamily="34" charset="0"/>
+                <a:cs typeface="Arial" panose="020B0604020202020204" pitchFamily="34" charset="0"/>
+              </a:rPr>
+              <a:t>5-Oxoproline</a:t>
+            </a:r>
+            <a:endParaRPr lang="en-US" sz="400" b="1" baseline="-25000" dirty="0">
               <a:latin typeface="Arial" panose="020B0604020202020204" pitchFamily="34" charset="0"/>
               <a:cs typeface="Arial" panose="020B0604020202020204" pitchFamily="34" charset="0"/>
             </a:endParaRPr>
@@ -14028,8 +14012,8 @@
         </p:nvCxnSpPr>
         <p:spPr>
           <a:xfrm flipH="1">
-            <a:off x="6739359" y="5375378"/>
-            <a:ext cx="1202097" cy="152206"/>
+            <a:off x="6709704" y="5367683"/>
+            <a:ext cx="1246980" cy="152206"/>
           </a:xfrm>
           <a:prstGeom prst="line">
             <a:avLst/>
@@ -14069,8 +14053,8 @@
         </p:nvSpPr>
         <p:spPr>
           <a:xfrm>
-            <a:off x="206588" y="3409910"/>
-            <a:ext cx="795411" cy="169277"/>
+            <a:off x="262694" y="3409910"/>
+            <a:ext cx="683199" cy="153888"/>
           </a:xfrm>
           <a:prstGeom prst="rect">
             <a:avLst/>
@@ -14085,13 +14069,20 @@
           <a:p>
             <a:pPr algn="ctr"/>
             <a:r>
-              <a:rPr lang="en-US" sz="500" b="1" dirty="0">
-                <a:latin typeface="Arial" panose="020B0604020202020204" pitchFamily="34" charset="0"/>
-                <a:cs typeface="Arial" panose="020B0604020202020204" pitchFamily="34" charset="0"/>
-              </a:rPr>
-              <a:t>N-acetyl Asparagine</a:t>
-            </a:r>
-            <a:endParaRPr lang="en-US" sz="500" b="1" baseline="-25000" dirty="0">
+              <a:rPr lang="en-US" sz="400" b="1" dirty="0">
+                <a:latin typeface="Arial" panose="020B0604020202020204" pitchFamily="34" charset="0"/>
+                <a:cs typeface="Arial" panose="020B0604020202020204" pitchFamily="34" charset="0"/>
+              </a:rPr>
+              <a:t>N-</a:t>
+            </a:r>
+            <a:r>
+              <a:rPr lang="en-US" sz="400" b="1" dirty="0" err="1">
+                <a:latin typeface="Arial" panose="020B0604020202020204" pitchFamily="34" charset="0"/>
+                <a:cs typeface="Arial" panose="020B0604020202020204" pitchFamily="34" charset="0"/>
+              </a:rPr>
+              <a:t>Acetylasparagine</a:t>
+            </a:r>
+            <a:endParaRPr lang="en-US" sz="400" b="1" baseline="-25000" dirty="0">
               <a:latin typeface="Arial" panose="020B0604020202020204" pitchFamily="34" charset="0"/>
               <a:cs typeface="Arial" panose="020B0604020202020204" pitchFamily="34" charset="0"/>
             </a:endParaRPr>
@@ -14116,8 +14107,8 @@
         </p:nvCxnSpPr>
         <p:spPr>
           <a:xfrm>
-            <a:off x="604294" y="3579187"/>
-            <a:ext cx="261163" cy="126377"/>
+            <a:off x="604294" y="3563798"/>
+            <a:ext cx="261162" cy="141766"/>
           </a:xfrm>
           <a:prstGeom prst="line">
             <a:avLst/>
@@ -14157,8 +14148,8 @@
         </p:nvSpPr>
         <p:spPr>
           <a:xfrm>
-            <a:off x="303079" y="4221924"/>
-            <a:ext cx="713658" cy="169277"/>
+            <a:off x="303881" y="4221924"/>
+            <a:ext cx="712054" cy="153888"/>
           </a:xfrm>
           <a:prstGeom prst="rect">
             <a:avLst/>
@@ -14173,20 +14164,27 @@
           <a:p>
             <a:pPr algn="ctr"/>
             <a:r>
-              <a:rPr lang="en-US" sz="500" b="1" dirty="0">
+              <a:rPr lang="en-US" sz="400" b="1" dirty="0">
                 <a:latin typeface="Arial" panose="020B0604020202020204" pitchFamily="34" charset="0"/>
                 <a:cs typeface="Arial" panose="020B0604020202020204" pitchFamily="34" charset="0"/>
               </a:rPr>
               <a:t>N-</a:t>
             </a:r>
             <a:r>
-              <a:rPr lang="en-US" sz="500" b="1" dirty="0" err="1">
-                <a:latin typeface="Arial" panose="020B0604020202020204" pitchFamily="34" charset="0"/>
-                <a:cs typeface="Arial" panose="020B0604020202020204" pitchFamily="34" charset="0"/>
-              </a:rPr>
-              <a:t>acetylaspartate</a:t>
-            </a:r>
-            <a:endParaRPr lang="en-US" sz="500" b="1" baseline="-25000" dirty="0">
+              <a:rPr lang="en-US" sz="400" b="1" dirty="0" err="1">
+                <a:latin typeface="Arial" panose="020B0604020202020204" pitchFamily="34" charset="0"/>
+                <a:cs typeface="Arial" panose="020B0604020202020204" pitchFamily="34" charset="0"/>
+              </a:rPr>
+              <a:t>Acetylaspartic</a:t>
+            </a:r>
+            <a:r>
+              <a:rPr lang="en-US" sz="400" b="1" dirty="0">
+                <a:latin typeface="Arial" panose="020B0604020202020204" pitchFamily="34" charset="0"/>
+                <a:cs typeface="Arial" panose="020B0604020202020204" pitchFamily="34" charset="0"/>
+              </a:rPr>
+              <a:t> acid</a:t>
+            </a:r>
+            <a:endParaRPr lang="en-US" sz="400" b="1" baseline="-25000" dirty="0">
               <a:latin typeface="Arial" panose="020B0604020202020204" pitchFamily="34" charset="0"/>
               <a:cs typeface="Arial" panose="020B0604020202020204" pitchFamily="34" charset="0"/>
             </a:endParaRPr>
@@ -14211,8 +14209,8 @@
         </p:nvCxnSpPr>
         <p:spPr>
           <a:xfrm flipH="1">
-            <a:off x="659908" y="4111172"/>
-            <a:ext cx="440771" cy="110752"/>
+            <a:off x="659908" y="4095783"/>
+            <a:ext cx="440772" cy="126141"/>
           </a:xfrm>
           <a:prstGeom prst="line">
             <a:avLst/>
@@ -14252,8 +14250,8 @@
         </p:nvSpPr>
         <p:spPr>
           <a:xfrm>
-            <a:off x="2229260" y="3443953"/>
-            <a:ext cx="614271" cy="169277"/>
+            <a:off x="2283762" y="3443953"/>
+            <a:ext cx="505267" cy="153888"/>
           </a:xfrm>
           <a:prstGeom prst="rect">
             <a:avLst/>
@@ -14268,27 +14266,20 @@
           <a:p>
             <a:pPr algn="ctr"/>
             <a:r>
-              <a:rPr lang="en-US" sz="500" b="1" dirty="0">
-                <a:latin typeface="Arial" panose="020B0604020202020204" pitchFamily="34" charset="0"/>
-                <a:cs typeface="Arial" panose="020B0604020202020204" pitchFamily="34" charset="0"/>
-              </a:rPr>
-              <a:t>L-</a:t>
-            </a:r>
-            <a:r>
-              <a:rPr lang="en-US" sz="500" b="1" dirty="0" err="1">
+              <a:rPr lang="en-US" sz="400" b="1" dirty="0" err="1">
                 <a:latin typeface="Arial" panose="020B0604020202020204" pitchFamily="34" charset="0"/>
                 <a:cs typeface="Arial" panose="020B0604020202020204" pitchFamily="34" charset="0"/>
               </a:rPr>
               <a:t>Cysteic</a:t>
             </a:r>
             <a:r>
-              <a:rPr lang="en-US" sz="500" b="1" dirty="0">
+              <a:rPr lang="en-US" sz="400" b="1" dirty="0">
                 <a:latin typeface="Arial" panose="020B0604020202020204" pitchFamily="34" charset="0"/>
                 <a:cs typeface="Arial" panose="020B0604020202020204" pitchFamily="34" charset="0"/>
               </a:rPr>
               <a:t> acid</a:t>
             </a:r>
-            <a:endParaRPr lang="en-US" sz="500" b="1" baseline="-25000" dirty="0">
+            <a:endParaRPr lang="en-US" sz="400" b="1" baseline="-25000" dirty="0">
               <a:latin typeface="Arial" panose="020B0604020202020204" pitchFamily="34" charset="0"/>
               <a:cs typeface="Arial" panose="020B0604020202020204" pitchFamily="34" charset="0"/>
             </a:endParaRPr>
@@ -14313,8 +14304,8 @@
         </p:nvCxnSpPr>
         <p:spPr>
           <a:xfrm>
-            <a:off x="2536395" y="3384551"/>
-            <a:ext cx="1" cy="59402"/>
+            <a:off x="2536395" y="3369162"/>
+            <a:ext cx="1" cy="74791"/>
           </a:xfrm>
           <a:prstGeom prst="line">
             <a:avLst/>
@@ -14354,8 +14345,8 @@
         </p:nvSpPr>
         <p:spPr>
           <a:xfrm>
-            <a:off x="353364" y="508276"/>
-            <a:ext cx="490839" cy="169277"/>
+            <a:off x="337334" y="508276"/>
+            <a:ext cx="522900" cy="153888"/>
           </a:xfrm>
           <a:prstGeom prst="rect">
             <a:avLst/>
@@ -14370,11 +14361,11 @@
           <a:p>
             <a:pPr algn="ctr"/>
             <a:r>
-              <a:rPr lang="en-US" sz="500" b="1" dirty="0">
-                <a:latin typeface="Arial" panose="020B0604020202020204" pitchFamily="34" charset="0"/>
-                <a:cs typeface="Arial" panose="020B0604020202020204" pitchFamily="34" charset="0"/>
-              </a:rPr>
-              <a:t>Nicotinate</a:t>
+              <a:rPr lang="en-US" sz="400" b="1" dirty="0">
+                <a:latin typeface="Arial" panose="020B0604020202020204" pitchFamily="34" charset="0"/>
+                <a:cs typeface="Arial" panose="020B0604020202020204" pitchFamily="34" charset="0"/>
+              </a:rPr>
+              <a:t>Nicotinic acid</a:t>
             </a:r>
           </a:p>
         </p:txBody>
@@ -14393,8 +14384,8 @@
         </p:nvSpPr>
         <p:spPr>
           <a:xfrm>
-            <a:off x="416235" y="855359"/>
-            <a:ext cx="365806" cy="169277"/>
+            <a:off x="369748" y="856974"/>
+            <a:ext cx="458780" cy="115416"/>
           </a:xfrm>
           <a:prstGeom prst="rect">
             <a:avLst/>
@@ -14409,13 +14400,130 @@
           <a:p>
             <a:pPr algn="ctr"/>
             <a:r>
-              <a:rPr lang="en-US" sz="500" b="1" dirty="0" err="1">
-                <a:latin typeface="Arial" panose="020B0604020202020204" pitchFamily="34" charset="0"/>
-                <a:cs typeface="Arial" panose="020B0604020202020204" pitchFamily="34" charset="0"/>
-              </a:rPr>
-              <a:t>NaMN</a:t>
-            </a:r>
-            <a:endParaRPr lang="en-US" sz="500" b="1" dirty="0">
+              <a:rPr lang="en-US" sz="150" b="1" dirty="0">
+                <a:latin typeface="Arial" panose="020B0604020202020204" pitchFamily="34" charset="0"/>
+                <a:cs typeface="Arial" panose="020B0604020202020204" pitchFamily="34" charset="0"/>
+              </a:rPr>
+              <a:t>Nicotinic acid mononucleotide</a:t>
+            </a:r>
+          </a:p>
+        </p:txBody>
+      </p:sp>
+      <p:sp>
+        <p:nvSpPr>
+          <p:cNvPr id="380" name="TextBox 379">
+            <a:extLst>
+              <a:ext uri="{FF2B5EF4-FFF2-40B4-BE49-F238E27FC236}">
+                <a16:creationId xmlns:a16="http://schemas.microsoft.com/office/drawing/2014/main" id="{992B58BB-275E-33FC-856D-812F4FF5969F}"/>
+              </a:ext>
+            </a:extLst>
+          </p:cNvPr>
+          <p:cNvSpPr txBox="1"/>
+          <p:nvPr/>
+        </p:nvSpPr>
+        <p:spPr>
+          <a:xfrm>
+            <a:off x="888318" y="856974"/>
+            <a:ext cx="497252" cy="115416"/>
+          </a:xfrm>
+          <a:prstGeom prst="rect">
+            <a:avLst/>
+          </a:prstGeom>
+          <a:noFill/>
+        </p:spPr>
+        <p:txBody>
+          <a:bodyPr wrap="none" rtlCol="0">
+            <a:spAutoFit/>
+          </a:bodyPr>
+          <a:lstStyle/>
+          <a:p>
+            <a:pPr algn="ctr"/>
+            <a:r>
+              <a:rPr lang="en-US" sz="150" b="1" dirty="0">
+                <a:latin typeface="Arial" panose="020B0604020202020204" pitchFamily="34" charset="0"/>
+                <a:cs typeface="Arial" panose="020B0604020202020204" pitchFamily="34" charset="0"/>
+              </a:rPr>
+              <a:t>Nicotinamide adenine dinucleotide</a:t>
+            </a:r>
+          </a:p>
+        </p:txBody>
+      </p:sp>
+      <p:sp>
+        <p:nvSpPr>
+          <p:cNvPr id="381" name="TextBox 380">
+            <a:extLst>
+              <a:ext uri="{FF2B5EF4-FFF2-40B4-BE49-F238E27FC236}">
+                <a16:creationId xmlns:a16="http://schemas.microsoft.com/office/drawing/2014/main" id="{E5E1EAEB-059C-D384-BBEF-C66F980EDA38}"/>
+              </a:ext>
+            </a:extLst>
+          </p:cNvPr>
+          <p:cNvSpPr txBox="1"/>
+          <p:nvPr/>
+        </p:nvSpPr>
+        <p:spPr>
+          <a:xfrm>
+            <a:off x="842634" y="1209023"/>
+            <a:ext cx="588623" cy="115416"/>
+          </a:xfrm>
+          <a:prstGeom prst="rect">
+            <a:avLst/>
+          </a:prstGeom>
+          <a:noFill/>
+        </p:spPr>
+        <p:txBody>
+          <a:bodyPr wrap="none" rtlCol="0">
+            <a:spAutoFit/>
+          </a:bodyPr>
+          <a:lstStyle/>
+          <a:p>
+            <a:pPr algn="ctr"/>
+            <a:r>
+              <a:rPr lang="en-US" sz="150" b="1" dirty="0">
+                <a:latin typeface="Arial" panose="020B0604020202020204" pitchFamily="34" charset="0"/>
+                <a:cs typeface="Arial" panose="020B0604020202020204" pitchFamily="34" charset="0"/>
+              </a:rPr>
+              <a:t>Nicotinamide adenine dinucleotide hydrogen</a:t>
+            </a:r>
+          </a:p>
+        </p:txBody>
+      </p:sp>
+      <p:sp>
+        <p:nvSpPr>
+          <p:cNvPr id="382" name="TextBox 381">
+            <a:extLst>
+              <a:ext uri="{FF2B5EF4-FFF2-40B4-BE49-F238E27FC236}">
+                <a16:creationId xmlns:a16="http://schemas.microsoft.com/office/drawing/2014/main" id="{92804B52-E554-956A-E295-94C767B63D07}"/>
+              </a:ext>
+            </a:extLst>
+          </p:cNvPr>
+          <p:cNvSpPr txBox="1"/>
+          <p:nvPr/>
+        </p:nvSpPr>
+        <p:spPr>
+          <a:xfrm>
+            <a:off x="1508759" y="856974"/>
+            <a:ext cx="445956" cy="115416"/>
+          </a:xfrm>
+          <a:prstGeom prst="rect">
+            <a:avLst/>
+          </a:prstGeom>
+          <a:noFill/>
+        </p:spPr>
+        <p:txBody>
+          <a:bodyPr wrap="none" rtlCol="0">
+            <a:spAutoFit/>
+          </a:bodyPr>
+          <a:lstStyle/>
+          <a:p>
+            <a:pPr algn="ctr"/>
+            <a:r>
+              <a:rPr lang="en-US" sz="150" i="0" dirty="0">
+                <a:effectLst/>
+                <a:latin typeface="Arial" panose="020B0604020202020204" pitchFamily="34" charset="0"/>
+              </a:rPr>
+              <a:t>Nicotinamide mononucleotide</a:t>
+            </a:r>
+            <a:endParaRPr lang="en-US" sz="150" b="1" dirty="0">
               <a:latin typeface="Arial" panose="020B0604020202020204" pitchFamily="34" charset="0"/>
               <a:cs typeface="Arial" panose="020B0604020202020204" pitchFamily="34" charset="0"/>
             </a:endParaRPr>
@@ -14424,10 +14532,10 @@
       </p:sp>
       <p:sp>
         <p:nvSpPr>
-          <p:cNvPr id="380" name="TextBox 379">
-            <a:extLst>
-              <a:ext uri="{FF2B5EF4-FFF2-40B4-BE49-F238E27FC236}">
-                <a16:creationId xmlns:a16="http://schemas.microsoft.com/office/drawing/2014/main" id="{992B58BB-275E-33FC-856D-812F4FF5969F}"/>
+          <p:cNvPr id="383" name="TextBox 382">
+            <a:extLst>
+              <a:ext uri="{FF2B5EF4-FFF2-40B4-BE49-F238E27FC236}">
+                <a16:creationId xmlns:a16="http://schemas.microsoft.com/office/drawing/2014/main" id="{3B5C664B-F331-F2E7-2093-1C2EF871F5D1}"/>
               </a:ext>
             </a:extLst>
           </p:cNvPr>
@@ -14436,8 +14544,8 @@
         </p:nvSpPr>
         <p:spPr>
           <a:xfrm>
-            <a:off x="1005054" y="855359"/>
-            <a:ext cx="324128" cy="169277"/>
+            <a:off x="1559255" y="457075"/>
+            <a:ext cx="344966" cy="123111"/>
           </a:xfrm>
           <a:prstGeom prst="rect">
             <a:avLst/>
@@ -14452,21 +14560,21 @@
           <a:p>
             <a:pPr algn="ctr"/>
             <a:r>
-              <a:rPr lang="en-US" sz="500" b="1" dirty="0">
-                <a:latin typeface="Arial" panose="020B0604020202020204" pitchFamily="34" charset="0"/>
-                <a:cs typeface="Arial" panose="020B0604020202020204" pitchFamily="34" charset="0"/>
-              </a:rPr>
-              <a:t>NAD</a:t>
-            </a:r>
-          </a:p>
-        </p:txBody>
-      </p:sp>
-      <p:sp>
-        <p:nvSpPr>
-          <p:cNvPr id="381" name="TextBox 380">
-            <a:extLst>
-              <a:ext uri="{FF2B5EF4-FFF2-40B4-BE49-F238E27FC236}">
-                <a16:creationId xmlns:a16="http://schemas.microsoft.com/office/drawing/2014/main" id="{E5E1EAEB-059C-D384-BBEF-C66F980EDA38}"/>
+              <a:rPr lang="en-US" sz="200" b="1" dirty="0">
+                <a:latin typeface="Arial" panose="020B0604020202020204" pitchFamily="34" charset="0"/>
+                <a:cs typeface="Arial" panose="020B0604020202020204" pitchFamily="34" charset="0"/>
+              </a:rPr>
+              <a:t>Nicotinamide</a:t>
+            </a:r>
+          </a:p>
+        </p:txBody>
+      </p:sp>
+      <p:sp>
+        <p:nvSpPr>
+          <p:cNvPr id="384" name="TextBox 383">
+            <a:extLst>
+              <a:ext uri="{FF2B5EF4-FFF2-40B4-BE49-F238E27FC236}">
+                <a16:creationId xmlns:a16="http://schemas.microsoft.com/office/drawing/2014/main" id="{15B29FF3-4084-90FD-D70D-2E75B68CAADA}"/>
               </a:ext>
             </a:extLst>
           </p:cNvPr>
@@ -14475,8 +14583,8 @@
         </p:nvSpPr>
         <p:spPr>
           <a:xfrm>
-            <a:off x="981811" y="1196933"/>
-            <a:ext cx="370614" cy="169277"/>
+            <a:off x="320056" y="1189787"/>
+            <a:ext cx="558166" cy="153888"/>
           </a:xfrm>
           <a:prstGeom prst="rect">
             <a:avLst/>
@@ -14491,130 +14599,13 @@
           <a:p>
             <a:pPr algn="ctr"/>
             <a:r>
-              <a:rPr lang="en-US" sz="500" b="1" dirty="0">
-                <a:latin typeface="Arial" panose="020B0604020202020204" pitchFamily="34" charset="0"/>
-                <a:cs typeface="Arial" panose="020B0604020202020204" pitchFamily="34" charset="0"/>
-              </a:rPr>
-              <a:t>NADH</a:t>
-            </a:r>
-          </a:p>
-        </p:txBody>
-      </p:sp>
-      <p:sp>
-        <p:nvSpPr>
-          <p:cNvPr id="382" name="TextBox 381">
-            <a:extLst>
-              <a:ext uri="{FF2B5EF4-FFF2-40B4-BE49-F238E27FC236}">
-                <a16:creationId xmlns:a16="http://schemas.microsoft.com/office/drawing/2014/main" id="{92804B52-E554-956A-E295-94C767B63D07}"/>
-              </a:ext>
-            </a:extLst>
-          </p:cNvPr>
-          <p:cNvSpPr txBox="1"/>
-          <p:nvPr/>
-        </p:nvSpPr>
-        <p:spPr>
-          <a:xfrm>
-            <a:off x="1596642" y="855359"/>
-            <a:ext cx="330539" cy="169277"/>
-          </a:xfrm>
-          <a:prstGeom prst="rect">
-            <a:avLst/>
-          </a:prstGeom>
-          <a:noFill/>
-        </p:spPr>
-        <p:txBody>
-          <a:bodyPr wrap="none" rtlCol="0">
-            <a:spAutoFit/>
-          </a:bodyPr>
-          <a:lstStyle/>
-          <a:p>
-            <a:pPr algn="ctr"/>
-            <a:r>
-              <a:rPr lang="en-US" sz="500" b="1" dirty="0">
-                <a:latin typeface="Arial" panose="020B0604020202020204" pitchFamily="34" charset="0"/>
-                <a:cs typeface="Arial" panose="020B0604020202020204" pitchFamily="34" charset="0"/>
-              </a:rPr>
-              <a:t>NMN</a:t>
-            </a:r>
-          </a:p>
-        </p:txBody>
-      </p:sp>
-      <p:sp>
-        <p:nvSpPr>
-          <p:cNvPr id="383" name="TextBox 382">
-            <a:extLst>
-              <a:ext uri="{FF2B5EF4-FFF2-40B4-BE49-F238E27FC236}">
-                <a16:creationId xmlns:a16="http://schemas.microsoft.com/office/drawing/2014/main" id="{3B5C664B-F331-F2E7-2093-1C2EF871F5D1}"/>
-              </a:ext>
-            </a:extLst>
-          </p:cNvPr>
-          <p:cNvSpPr txBox="1"/>
-          <p:nvPr/>
-        </p:nvSpPr>
-        <p:spPr>
-          <a:xfrm>
-            <a:off x="1596642" y="468866"/>
-            <a:ext cx="330539" cy="169277"/>
-          </a:xfrm>
-          <a:prstGeom prst="rect">
-            <a:avLst/>
-          </a:prstGeom>
-          <a:noFill/>
-        </p:spPr>
-        <p:txBody>
-          <a:bodyPr wrap="none" rtlCol="0">
-            <a:spAutoFit/>
-          </a:bodyPr>
-          <a:lstStyle/>
-          <a:p>
-            <a:pPr algn="ctr"/>
-            <a:r>
-              <a:rPr lang="en-US" sz="500" b="1" dirty="0">
-                <a:latin typeface="Arial" panose="020B0604020202020204" pitchFamily="34" charset="0"/>
-                <a:cs typeface="Arial" panose="020B0604020202020204" pitchFamily="34" charset="0"/>
-              </a:rPr>
-              <a:t>NAM</a:t>
-            </a:r>
-          </a:p>
-        </p:txBody>
-      </p:sp>
-      <p:sp>
-        <p:nvSpPr>
-          <p:cNvPr id="384" name="TextBox 383">
-            <a:extLst>
-              <a:ext uri="{FF2B5EF4-FFF2-40B4-BE49-F238E27FC236}">
-                <a16:creationId xmlns:a16="http://schemas.microsoft.com/office/drawing/2014/main" id="{15B29FF3-4084-90FD-D70D-2E75B68CAADA}"/>
-              </a:ext>
-            </a:extLst>
-          </p:cNvPr>
-          <p:cNvSpPr txBox="1"/>
-          <p:nvPr/>
-        </p:nvSpPr>
-        <p:spPr>
-          <a:xfrm>
-            <a:off x="332880" y="1196933"/>
-            <a:ext cx="532517" cy="169277"/>
-          </a:xfrm>
-          <a:prstGeom prst="rect">
-            <a:avLst/>
-          </a:prstGeom>
-          <a:noFill/>
-        </p:spPr>
-        <p:txBody>
-          <a:bodyPr wrap="none" rtlCol="0">
-            <a:spAutoFit/>
-          </a:bodyPr>
-          <a:lstStyle/>
-          <a:p>
-            <a:pPr algn="ctr"/>
-            <a:r>
-              <a:rPr lang="en-US" sz="500" b="1" dirty="0" err="1">
-                <a:latin typeface="Arial" panose="020B0604020202020204" pitchFamily="34" charset="0"/>
-                <a:cs typeface="Arial" panose="020B0604020202020204" pitchFamily="34" charset="0"/>
-              </a:rPr>
-              <a:t>Quinolinate</a:t>
-            </a:r>
-            <a:endParaRPr lang="en-US" sz="500" b="1" baseline="-25000" dirty="0">
+              <a:rPr lang="en-US" sz="400" b="1" dirty="0">
+                <a:latin typeface="Arial" panose="020B0604020202020204" pitchFamily="34" charset="0"/>
+                <a:cs typeface="Arial" panose="020B0604020202020204" pitchFamily="34" charset="0"/>
+              </a:rPr>
+              <a:t>Quinolinic acid</a:t>
+            </a:r>
+            <a:endParaRPr lang="en-US" sz="400" b="1" baseline="-25000" dirty="0">
               <a:latin typeface="Arial" panose="020B0604020202020204" pitchFamily="34" charset="0"/>
               <a:cs typeface="Arial" panose="020B0604020202020204" pitchFamily="34" charset="0"/>
             </a:endParaRPr>
@@ -14725,8 +14716,8 @@
         </p:nvCxnSpPr>
         <p:spPr>
           <a:xfrm flipH="1">
-            <a:off x="598744" y="677553"/>
-            <a:ext cx="40" cy="177445"/>
+            <a:off x="598744" y="662164"/>
+            <a:ext cx="40" cy="192834"/>
           </a:xfrm>
           <a:prstGeom prst="line">
             <a:avLst/>
@@ -14770,8 +14761,8 @@
         </p:nvCxnSpPr>
         <p:spPr>
           <a:xfrm>
-            <a:off x="782041" y="939998"/>
-            <a:ext cx="223013" cy="0"/>
+            <a:off x="828528" y="914682"/>
+            <a:ext cx="59790" cy="0"/>
           </a:xfrm>
           <a:prstGeom prst="line">
             <a:avLst/>
@@ -14815,8 +14806,8 @@
         </p:nvCxnSpPr>
         <p:spPr>
           <a:xfrm>
-            <a:off x="1329182" y="939998"/>
-            <a:ext cx="267460" cy="0"/>
+            <a:off x="1385570" y="914682"/>
+            <a:ext cx="123189" cy="0"/>
           </a:xfrm>
           <a:prstGeom prst="line">
             <a:avLst/>
@@ -14853,14 +14844,15 @@
           </p:cNvPr>
           <p:cNvCxnSpPr>
             <a:cxnSpLocks/>
+            <a:stCxn id="380" idx="0"/>
             <a:endCxn id="383" idx="1"/>
           </p:cNvCxnSpPr>
           <p:nvPr/>
         </p:nvCxnSpPr>
         <p:spPr>
           <a:xfrm flipV="1">
-            <a:off x="1325967" y="553505"/>
-            <a:ext cx="270675" cy="334553"/>
+            <a:off x="1136944" y="518631"/>
+            <a:ext cx="422311" cy="338343"/>
           </a:xfrm>
           <a:prstGeom prst="line">
             <a:avLst/>
@@ -14904,8 +14896,8 @@
         </p:nvCxnSpPr>
         <p:spPr>
           <a:xfrm>
-            <a:off x="1167118" y="1024636"/>
-            <a:ext cx="0" cy="172297"/>
+            <a:off x="1136944" y="972390"/>
+            <a:ext cx="2" cy="236633"/>
           </a:xfrm>
           <a:prstGeom prst="line">
             <a:avLst/>
@@ -14948,9 +14940,9 @@
           <p:nvPr/>
         </p:nvCxnSpPr>
         <p:spPr>
-          <a:xfrm>
-            <a:off x="1761912" y="638143"/>
-            <a:ext cx="0" cy="217216"/>
+          <a:xfrm flipH="1">
+            <a:off x="1731737" y="580186"/>
+            <a:ext cx="1" cy="276788"/>
           </a:xfrm>
           <a:prstGeom prst="line">
             <a:avLst/>
@@ -14994,8 +14986,8 @@
         </p:nvCxnSpPr>
         <p:spPr>
           <a:xfrm flipV="1">
-            <a:off x="3364747" y="5246318"/>
-            <a:ext cx="770545" cy="243620"/>
+            <a:off x="3364747" y="5200152"/>
+            <a:ext cx="770546" cy="289786"/>
           </a:xfrm>
           <a:prstGeom prst="line">
             <a:avLst/>
@@ -15039,53 +15031,8 @@
         </p:nvCxnSpPr>
         <p:spPr>
           <a:xfrm>
-            <a:off x="5219315" y="2069628"/>
-            <a:ext cx="0" cy="146482"/>
-          </a:xfrm>
-          <a:prstGeom prst="line">
-            <a:avLst/>
-          </a:prstGeom>
-          <a:ln>
-            <a:solidFill>
-              <a:schemeClr val="tx1"/>
-            </a:solidFill>
-          </a:ln>
-        </p:spPr>
-        <p:style>
-          <a:lnRef idx="1">
-            <a:schemeClr val="accent1"/>
-          </a:lnRef>
-          <a:fillRef idx="0">
-            <a:schemeClr val="accent1"/>
-          </a:fillRef>
-          <a:effectRef idx="0">
-            <a:schemeClr val="accent1"/>
-          </a:effectRef>
-          <a:fontRef idx="minor">
-            <a:schemeClr val="tx1"/>
-          </a:fontRef>
-        </p:style>
-      </p:cxnSp>
-      <p:cxnSp>
-        <p:nvCxnSpPr>
-          <p:cNvPr id="165" name="Straight Connector 164">
-            <a:extLst>
-              <a:ext uri="{FF2B5EF4-FFF2-40B4-BE49-F238E27FC236}">
-                <a16:creationId xmlns:a16="http://schemas.microsoft.com/office/drawing/2014/main" id="{2A6E80EE-470E-03A4-DD0F-14A9FA8543D6}"/>
-              </a:ext>
-            </a:extLst>
-          </p:cNvPr>
-          <p:cNvCxnSpPr>
-            <a:cxnSpLocks/>
-            <a:stCxn id="206" idx="3"/>
-            <a:endCxn id="208" idx="0"/>
-          </p:cNvCxnSpPr>
-          <p:nvPr/>
-        </p:nvCxnSpPr>
-        <p:spPr>
-          <a:xfrm>
-            <a:off x="8898636" y="3405866"/>
-            <a:ext cx="694017" cy="468067"/>
+            <a:off x="5219315" y="2054239"/>
+            <a:ext cx="0" cy="161871"/>
           </a:xfrm>
           <a:prstGeom prst="line">
             <a:avLst/>
@@ -15128,9 +15075,9 @@
           <p:nvPr/>
         </p:nvCxnSpPr>
         <p:spPr>
-          <a:xfrm>
-            <a:off x="5219315" y="2727581"/>
-            <a:ext cx="0" cy="117661"/>
+          <a:xfrm flipH="1">
+            <a:off x="5219315" y="2712192"/>
+            <a:ext cx="2" cy="133050"/>
           </a:xfrm>
           <a:prstGeom prst="line">
             <a:avLst/>
@@ -15172,7 +15119,7 @@
         </p:nvCxnSpPr>
         <p:spPr>
           <a:xfrm>
-            <a:off x="7709148" y="1545681"/>
+            <a:off x="7745704" y="1514953"/>
             <a:ext cx="195544" cy="138326"/>
           </a:xfrm>
           <a:prstGeom prst="line">
@@ -15215,7 +15162,7 @@
         </p:nvCxnSpPr>
         <p:spPr>
           <a:xfrm>
-            <a:off x="8162791" y="1547482"/>
+            <a:off x="8221111" y="1510836"/>
             <a:ext cx="195544" cy="138326"/>
           </a:xfrm>
           <a:prstGeom prst="line">
@@ -15258,51 +15205,8 @@
         </p:nvCxnSpPr>
         <p:spPr>
           <a:xfrm>
-            <a:off x="7432239" y="1736774"/>
+            <a:off x="7419635" y="1722319"/>
             <a:ext cx="151154" cy="110475"/>
-          </a:xfrm>
-          <a:prstGeom prst="line">
-            <a:avLst/>
-          </a:prstGeom>
-          <a:ln>
-            <a:solidFill>
-              <a:schemeClr val="tx1"/>
-            </a:solidFill>
-          </a:ln>
-        </p:spPr>
-        <p:style>
-          <a:lnRef idx="1">
-            <a:schemeClr val="accent1"/>
-          </a:lnRef>
-          <a:fillRef idx="0">
-            <a:schemeClr val="accent1"/>
-          </a:fillRef>
-          <a:effectRef idx="0">
-            <a:schemeClr val="accent1"/>
-          </a:effectRef>
-          <a:fontRef idx="minor">
-            <a:schemeClr val="tx1"/>
-          </a:fontRef>
-        </p:style>
-      </p:cxnSp>
-      <p:cxnSp>
-        <p:nvCxnSpPr>
-          <p:cNvPr id="638" name="Straight Connector 637">
-            <a:extLst>
-              <a:ext uri="{FF2B5EF4-FFF2-40B4-BE49-F238E27FC236}">
-                <a16:creationId xmlns:a16="http://schemas.microsoft.com/office/drawing/2014/main" id="{10217C1F-643E-20F7-EEDA-B27277DB319C}"/>
-              </a:ext>
-            </a:extLst>
-          </p:cNvPr>
-          <p:cNvCxnSpPr>
-            <a:cxnSpLocks/>
-          </p:cNvCxnSpPr>
-          <p:nvPr/>
-        </p:nvCxnSpPr>
-        <p:spPr>
-          <a:xfrm>
-            <a:off x="7965738" y="1725997"/>
-            <a:ext cx="110328" cy="118146"/>
           </a:xfrm>
           <a:prstGeom prst="line">
             <a:avLst/>
@@ -15430,7 +15334,7 @@
         </p:nvCxnSpPr>
         <p:spPr>
           <a:xfrm>
-            <a:off x="9648570" y="1507808"/>
+            <a:off x="9738993" y="1505822"/>
             <a:ext cx="109211" cy="144575"/>
           </a:xfrm>
           <a:prstGeom prst="line">
@@ -15473,7 +15377,7 @@
         </p:nvCxnSpPr>
         <p:spPr>
           <a:xfrm>
-            <a:off x="9032424" y="1518637"/>
+            <a:off x="9115070" y="1513011"/>
             <a:ext cx="109211" cy="144575"/>
           </a:xfrm>
           <a:prstGeom prst="line">
@@ -15560,9 +15464,9 @@
           <p:nvPr/>
         </p:nvCxnSpPr>
         <p:spPr>
-          <a:xfrm flipH="1">
-            <a:off x="9610701" y="3205394"/>
-            <a:ext cx="1" cy="91828"/>
+          <a:xfrm>
+            <a:off x="9610702" y="3151533"/>
+            <a:ext cx="0" cy="169694"/>
           </a:xfrm>
           <a:prstGeom prst="line">
             <a:avLst/>
@@ -15602,8 +15506,8 @@
         </p:nvSpPr>
         <p:spPr>
           <a:xfrm>
-            <a:off x="8114112" y="120581"/>
-            <a:ext cx="537328" cy="169277"/>
+            <a:off x="8020902" y="120581"/>
+            <a:ext cx="510076" cy="153888"/>
           </a:xfrm>
           <a:prstGeom prst="rect">
             <a:avLst/>
@@ -15618,13 +15522,13 @@
           <a:p>
             <a:pPr algn="ctr"/>
             <a:r>
-              <a:rPr lang="en-US" sz="500" b="1" dirty="0">
-                <a:latin typeface="Arial" panose="020B0604020202020204" pitchFamily="34" charset="0"/>
-                <a:cs typeface="Arial" panose="020B0604020202020204" pitchFamily="34" charset="0"/>
-              </a:rPr>
-              <a:t>L-Aspartate</a:t>
-            </a:r>
-            <a:endParaRPr lang="en-US" sz="500" b="1" baseline="-25000" dirty="0">
+              <a:rPr lang="en-US" sz="400" b="1" dirty="0">
+                <a:latin typeface="Arial" panose="020B0604020202020204" pitchFamily="34" charset="0"/>
+                <a:cs typeface="Arial" panose="020B0604020202020204" pitchFamily="34" charset="0"/>
+              </a:rPr>
+              <a:t>Aspartic acid</a:t>
+            </a:r>
+            <a:endParaRPr lang="en-US" sz="400" b="1" baseline="-25000" dirty="0">
               <a:latin typeface="Arial" panose="020B0604020202020204" pitchFamily="34" charset="0"/>
               <a:cs typeface="Arial" panose="020B0604020202020204" pitchFamily="34" charset="0"/>
             </a:endParaRPr>
@@ -15645,8 +15549,8 @@
         </p:nvSpPr>
         <p:spPr>
           <a:xfrm flipH="1">
-            <a:off x="8806373" y="120581"/>
-            <a:ext cx="640794" cy="169277"/>
+            <a:off x="8806372" y="120581"/>
+            <a:ext cx="733867" cy="153888"/>
           </a:xfrm>
           <a:prstGeom prst="rect">
             <a:avLst/>
@@ -15661,13 +15565,13 @@
           <a:p>
             <a:pPr algn="ctr"/>
             <a:r>
-              <a:rPr lang="en-US" sz="500" b="1" dirty="0">
-                <a:latin typeface="Arial" panose="020B0604020202020204" pitchFamily="34" charset="0"/>
-                <a:cs typeface="Arial" panose="020B0604020202020204" pitchFamily="34" charset="0"/>
-              </a:rPr>
-              <a:t>Carbamoyl P</a:t>
-            </a:r>
-            <a:endParaRPr lang="en-US" sz="500" b="1" baseline="-25000" dirty="0">
+              <a:rPr lang="en-US" sz="400" b="1" dirty="0">
+                <a:latin typeface="Arial" panose="020B0604020202020204" pitchFamily="34" charset="0"/>
+                <a:cs typeface="Arial" panose="020B0604020202020204" pitchFamily="34" charset="0"/>
+              </a:rPr>
+              <a:t>Carbamoyl phosphate</a:t>
+            </a:r>
+            <a:endParaRPr lang="en-US" sz="400" b="1" baseline="-25000" dirty="0">
               <a:latin typeface="Arial" panose="020B0604020202020204" pitchFamily="34" charset="0"/>
               <a:cs typeface="Arial" panose="020B0604020202020204" pitchFamily="34" charset="0"/>
             </a:endParaRPr>
@@ -15692,8 +15596,8 @@
         </p:nvCxnSpPr>
         <p:spPr>
           <a:xfrm>
-            <a:off x="8382776" y="289858"/>
-            <a:ext cx="313272" cy="92617"/>
+            <a:off x="8275940" y="274469"/>
+            <a:ext cx="420109" cy="108006"/>
           </a:xfrm>
           <a:prstGeom prst="line">
             <a:avLst/>
@@ -15737,8 +15641,8 @@
         </p:nvCxnSpPr>
         <p:spPr>
           <a:xfrm flipH="1">
-            <a:off x="8696048" y="289858"/>
-            <a:ext cx="430722" cy="92617"/>
+            <a:off x="8696049" y="274469"/>
+            <a:ext cx="477256" cy="108006"/>
           </a:xfrm>
           <a:prstGeom prst="line">
             <a:avLst/>
@@ -15778,8 +15682,8 @@
         </p:nvSpPr>
         <p:spPr>
           <a:xfrm>
-            <a:off x="331682" y="1506542"/>
-            <a:ext cx="534122" cy="169277"/>
+            <a:off x="363743" y="1506542"/>
+            <a:ext cx="470000" cy="153888"/>
           </a:xfrm>
           <a:prstGeom prst="rect">
             <a:avLst/>
@@ -15794,13 +15698,13 @@
           <a:p>
             <a:pPr algn="ctr"/>
             <a:r>
-              <a:rPr lang="en-US" sz="500" b="1" dirty="0">
+              <a:rPr lang="en-US" sz="400" b="1" dirty="0">
                 <a:latin typeface="Arial" panose="020B0604020202020204" pitchFamily="34" charset="0"/>
                 <a:cs typeface="Arial" panose="020B0604020202020204" pitchFamily="34" charset="0"/>
               </a:rPr>
               <a:t>Kynurenine</a:t>
             </a:r>
-            <a:endParaRPr lang="en-US" sz="500" b="1" baseline="-25000" dirty="0">
+            <a:endParaRPr lang="en-US" sz="400" b="1" baseline="-25000" dirty="0">
               <a:latin typeface="Arial" panose="020B0604020202020204" pitchFamily="34" charset="0"/>
               <a:cs typeface="Arial" panose="020B0604020202020204" pitchFamily="34" charset="0"/>
             </a:endParaRPr>
@@ -15825,8 +15729,8 @@
         </p:nvCxnSpPr>
         <p:spPr>
           <a:xfrm>
-            <a:off x="598743" y="1675819"/>
-            <a:ext cx="395" cy="104020"/>
+            <a:off x="598743" y="1660430"/>
+            <a:ext cx="395" cy="119409"/>
           </a:xfrm>
           <a:prstGeom prst="line">
             <a:avLst/>
@@ -15866,8 +15770,8 @@
         </p:nvSpPr>
         <p:spPr>
           <a:xfrm>
-            <a:off x="1905673" y="2048018"/>
-            <a:ext cx="861133" cy="169277"/>
+            <a:off x="1962580" y="2048018"/>
+            <a:ext cx="747320" cy="153888"/>
           </a:xfrm>
           <a:prstGeom prst="rect">
             <a:avLst/>
@@ -15882,11 +15786,11 @@
           <a:p>
             <a:pPr algn="ctr"/>
             <a:r>
-              <a:rPr lang="en-US" sz="500" b="1" dirty="0">
-                <a:latin typeface="Arial" panose="020B0604020202020204" pitchFamily="34" charset="0"/>
-                <a:cs typeface="Arial" panose="020B0604020202020204" pitchFamily="34" charset="0"/>
-              </a:rPr>
-              <a:t>S-adenosylmethionine</a:t>
+              <a:rPr lang="en-US" sz="400" b="1" dirty="0">
+                <a:latin typeface="Arial" panose="020B0604020202020204" pitchFamily="34" charset="0"/>
+                <a:cs typeface="Arial" panose="020B0604020202020204" pitchFamily="34" charset="0"/>
+              </a:rPr>
+              <a:t>S-Adenosylmethionine</a:t>
             </a:r>
           </a:p>
         </p:txBody>
@@ -15909,8 +15813,8 @@
         </p:nvCxnSpPr>
         <p:spPr>
           <a:xfrm>
-            <a:off x="2048309" y="1975943"/>
-            <a:ext cx="287931" cy="72075"/>
+            <a:off x="2019454" y="1968248"/>
+            <a:ext cx="316786" cy="79770"/>
           </a:xfrm>
           <a:prstGeom prst="line">
             <a:avLst/>
@@ -15953,9 +15857,9 @@
           <p:nvPr/>
         </p:nvCxnSpPr>
         <p:spPr>
-          <a:xfrm flipH="1">
-            <a:off x="1789263" y="2060581"/>
-            <a:ext cx="1" cy="677420"/>
+          <a:xfrm>
+            <a:off x="1789263" y="2045192"/>
+            <a:ext cx="0" cy="692809"/>
           </a:xfrm>
           <a:prstGeom prst="line">
             <a:avLst/>
@@ -15995,8 +15899,8 @@
         </p:nvSpPr>
         <p:spPr>
           <a:xfrm>
-            <a:off x="746038" y="2550440"/>
-            <a:ext cx="923651" cy="169277"/>
+            <a:off x="777298" y="2550440"/>
+            <a:ext cx="861133" cy="153888"/>
           </a:xfrm>
           <a:prstGeom prst="rect">
             <a:avLst/>
@@ -16011,11 +15915,18 @@
           <a:p>
             <a:pPr algn="ctr"/>
             <a:r>
-              <a:rPr lang="en-US" sz="500" b="1" dirty="0">
-                <a:latin typeface="Arial" panose="020B0604020202020204" pitchFamily="34" charset="0"/>
-                <a:cs typeface="Arial" panose="020B0604020202020204" pitchFamily="34" charset="0"/>
-              </a:rPr>
-              <a:t>5-Methyltetrahydrofolate</a:t>
+              <a:rPr lang="en-US" sz="400" b="1" dirty="0" err="1">
+                <a:latin typeface="Arial" panose="020B0604020202020204" pitchFamily="34" charset="0"/>
+                <a:cs typeface="Arial" panose="020B0604020202020204" pitchFamily="34" charset="0"/>
+              </a:rPr>
+              <a:t>Methyltetrahydrofolic</a:t>
+            </a:r>
+            <a:r>
+              <a:rPr lang="en-US" sz="400" b="1" dirty="0">
+                <a:latin typeface="Arial" panose="020B0604020202020204" pitchFamily="34" charset="0"/>
+                <a:cs typeface="Arial" panose="020B0604020202020204" pitchFamily="34" charset="0"/>
+              </a:rPr>
+              <a:t> acid</a:t>
             </a:r>
           </a:p>
         </p:txBody>
@@ -16038,8 +15949,8 @@
         </p:nvCxnSpPr>
         <p:spPr>
           <a:xfrm flipV="1">
-            <a:off x="1207864" y="2060581"/>
-            <a:ext cx="581400" cy="489859"/>
+            <a:off x="1207865" y="2045192"/>
+            <a:ext cx="581398" cy="505248"/>
           </a:xfrm>
           <a:prstGeom prst="line">
             <a:avLst/>
@@ -16079,8 +15990,8 @@
         </p:nvSpPr>
         <p:spPr>
           <a:xfrm>
-            <a:off x="167340" y="2426721"/>
-            <a:ext cx="684803" cy="169277"/>
+            <a:off x="168943" y="2426721"/>
+            <a:ext cx="681597" cy="153888"/>
           </a:xfrm>
           <a:prstGeom prst="rect">
             <a:avLst/>
@@ -16095,11 +16006,18 @@
           <a:p>
             <a:pPr algn="ctr"/>
             <a:r>
-              <a:rPr lang="en-US" sz="500" b="1" dirty="0">
-                <a:latin typeface="Arial" panose="020B0604020202020204" pitchFamily="34" charset="0"/>
-                <a:cs typeface="Arial" panose="020B0604020202020204" pitchFamily="34" charset="0"/>
-              </a:rPr>
-              <a:t>Tetrahydrofolate</a:t>
+              <a:rPr lang="en-US" sz="400" b="1" dirty="0" err="1">
+                <a:latin typeface="Arial" panose="020B0604020202020204" pitchFamily="34" charset="0"/>
+                <a:cs typeface="Arial" panose="020B0604020202020204" pitchFamily="34" charset="0"/>
+              </a:rPr>
+              <a:t>Tetrahydrofolic</a:t>
+            </a:r>
+            <a:r>
+              <a:rPr lang="en-US" sz="400" b="1" dirty="0">
+                <a:latin typeface="Arial" panose="020B0604020202020204" pitchFamily="34" charset="0"/>
+                <a:cs typeface="Arial" panose="020B0604020202020204" pitchFamily="34" charset="0"/>
+              </a:rPr>
+              <a:t> acid</a:t>
             </a:r>
           </a:p>
         </p:txBody>
@@ -16122,8 +16040,8 @@
         </p:nvCxnSpPr>
         <p:spPr>
           <a:xfrm flipH="1" flipV="1">
-            <a:off x="509742" y="2595998"/>
-            <a:ext cx="236296" cy="39081"/>
+            <a:off x="509742" y="2580609"/>
+            <a:ext cx="267556" cy="46775"/>
           </a:xfrm>
           <a:prstGeom prst="line">
             <a:avLst/>
@@ -16164,7 +16082,7 @@
         <p:spPr>
           <a:xfrm>
             <a:off x="0" y="2191338"/>
-            <a:ext cx="1114267" cy="169277"/>
+            <a:ext cx="1114267" cy="153888"/>
           </a:xfrm>
           <a:prstGeom prst="rect">
             <a:avLst/>
@@ -16179,11 +16097,18 @@
           <a:p>
             <a:pPr algn="ctr"/>
             <a:r>
-              <a:rPr lang="en-US" sz="500" b="1" dirty="0">
-                <a:latin typeface="Arial" panose="020B0604020202020204" pitchFamily="34" charset="0"/>
-                <a:cs typeface="Arial" panose="020B0604020202020204" pitchFamily="34" charset="0"/>
-              </a:rPr>
-              <a:t>5,10-Methylenetetrahydrofolate</a:t>
+              <a:rPr lang="en-US" sz="400" b="1" dirty="0" err="1">
+                <a:latin typeface="Arial" panose="020B0604020202020204" pitchFamily="34" charset="0"/>
+                <a:cs typeface="Arial" panose="020B0604020202020204" pitchFamily="34" charset="0"/>
+              </a:rPr>
+              <a:t>Methylenetetrahydrofolic</a:t>
+            </a:r>
+            <a:r>
+              <a:rPr lang="en-US" sz="400" b="1" dirty="0">
+                <a:latin typeface="Arial" panose="020B0604020202020204" pitchFamily="34" charset="0"/>
+                <a:cs typeface="Arial" panose="020B0604020202020204" pitchFamily="34" charset="0"/>
+              </a:rPr>
+              <a:t> acid</a:t>
             </a:r>
           </a:p>
         </p:txBody>
@@ -16206,8 +16131,8 @@
         </p:nvCxnSpPr>
         <p:spPr>
           <a:xfrm flipH="1">
-            <a:off x="557134" y="2099860"/>
-            <a:ext cx="498676" cy="91478"/>
+            <a:off x="557134" y="2084471"/>
+            <a:ext cx="498676" cy="106867"/>
           </a:xfrm>
           <a:prstGeom prst="line">
             <a:avLst/>
@@ -16251,8 +16176,8 @@
         </p:nvCxnSpPr>
         <p:spPr>
           <a:xfrm flipH="1">
-            <a:off x="509742" y="2360615"/>
-            <a:ext cx="47392" cy="66106"/>
+            <a:off x="509742" y="2345226"/>
+            <a:ext cx="47392" cy="81495"/>
           </a:xfrm>
           <a:prstGeom prst="line">
             <a:avLst/>
@@ -16292,8 +16217,8 @@
         </p:nvSpPr>
         <p:spPr>
           <a:xfrm>
-            <a:off x="569939" y="1930583"/>
-            <a:ext cx="971741" cy="169277"/>
+            <a:off x="636464" y="1930583"/>
+            <a:ext cx="838691" cy="153888"/>
           </a:xfrm>
           <a:prstGeom prst="rect">
             <a:avLst/>
@@ -16308,11 +16233,18 @@
           <a:p>
             <a:pPr algn="ctr"/>
             <a:r>
-              <a:rPr lang="en-US" sz="500" b="1" dirty="0">
-                <a:latin typeface="Arial" panose="020B0604020202020204" pitchFamily="34" charset="0"/>
-                <a:cs typeface="Arial" panose="020B0604020202020204" pitchFamily="34" charset="0"/>
-              </a:rPr>
-              <a:t>10-Formyltetrahydrofolate</a:t>
+              <a:rPr lang="en-US" sz="400" b="1" dirty="0" err="1">
+                <a:latin typeface="Arial" panose="020B0604020202020204" pitchFamily="34" charset="0"/>
+                <a:cs typeface="Arial" panose="020B0604020202020204" pitchFamily="34" charset="0"/>
+              </a:rPr>
+              <a:t>Formyltetrahydrofolic</a:t>
+            </a:r>
+            <a:r>
+              <a:rPr lang="en-US" sz="400" b="1" dirty="0">
+                <a:latin typeface="Arial" panose="020B0604020202020204" pitchFamily="34" charset="0"/>
+                <a:cs typeface="Arial" panose="020B0604020202020204" pitchFamily="34" charset="0"/>
+              </a:rPr>
+              <a:t> acid</a:t>
             </a:r>
           </a:p>
         </p:txBody>
@@ -16335,8 +16267,8 @@
         </p:nvCxnSpPr>
         <p:spPr>
           <a:xfrm>
-            <a:off x="1055810" y="2099860"/>
-            <a:ext cx="152054" cy="450580"/>
+            <a:off x="1055810" y="2084471"/>
+            <a:ext cx="152055" cy="465969"/>
           </a:xfrm>
           <a:prstGeom prst="line">
             <a:avLst/>
@@ -16376,8 +16308,8 @@
         </p:nvSpPr>
         <p:spPr>
           <a:xfrm>
-            <a:off x="106574" y="5630461"/>
-            <a:ext cx="861133" cy="169277"/>
+            <a:off x="163481" y="5630461"/>
+            <a:ext cx="747320" cy="153888"/>
           </a:xfrm>
           <a:prstGeom prst="rect">
             <a:avLst/>
@@ -16392,11 +16324,11 @@
           <a:p>
             <a:pPr algn="ctr"/>
             <a:r>
-              <a:rPr lang="en-US" sz="500" b="1" dirty="0">
-                <a:latin typeface="Arial" panose="020B0604020202020204" pitchFamily="34" charset="0"/>
-                <a:cs typeface="Arial" panose="020B0604020202020204" pitchFamily="34" charset="0"/>
-              </a:rPr>
-              <a:t>S-adenosylmethionine</a:t>
+              <a:rPr lang="en-US" sz="400" b="1" dirty="0">
+                <a:latin typeface="Arial" panose="020B0604020202020204" pitchFamily="34" charset="0"/>
+                <a:cs typeface="Arial" panose="020B0604020202020204" pitchFamily="34" charset="0"/>
+              </a:rPr>
+              <a:t>S-Adenosylmethionine</a:t>
             </a:r>
           </a:p>
         </p:txBody>
@@ -16419,8 +16351,8 @@
         </p:nvCxnSpPr>
         <p:spPr>
           <a:xfrm flipH="1" flipV="1">
-            <a:off x="537141" y="5799738"/>
-            <a:ext cx="544824" cy="120795"/>
+            <a:off x="537141" y="5784349"/>
+            <a:ext cx="578486" cy="128489"/>
           </a:xfrm>
           <a:prstGeom prst="line">
             <a:avLst/>
@@ -16464,8 +16396,8 @@
         </p:nvCxnSpPr>
         <p:spPr>
           <a:xfrm flipV="1">
-            <a:off x="537141" y="5799738"/>
-            <a:ext cx="0" cy="462992"/>
+            <a:off x="537141" y="5784349"/>
+            <a:ext cx="0" cy="478381"/>
           </a:xfrm>
           <a:prstGeom prst="line">
             <a:avLst/>
@@ -16505,8 +16437,8 @@
         </p:nvSpPr>
         <p:spPr>
           <a:xfrm>
-            <a:off x="3596189" y="5494243"/>
-            <a:ext cx="431528" cy="169277"/>
+            <a:off x="3643477" y="5494243"/>
+            <a:ext cx="336952" cy="153888"/>
           </a:xfrm>
           <a:prstGeom prst="rect">
             <a:avLst/>
@@ -16521,11 +16453,11 @@
           <a:p>
             <a:pPr algn="ctr"/>
             <a:r>
-              <a:rPr lang="en-US" sz="500" b="1" dirty="0">
-                <a:latin typeface="Arial" panose="020B0604020202020204" pitchFamily="34" charset="0"/>
-                <a:cs typeface="Arial" panose="020B0604020202020204" pitchFamily="34" charset="0"/>
-              </a:rPr>
-              <a:t>L-Valine</a:t>
+              <a:rPr lang="en-US" sz="400" b="1" dirty="0">
+                <a:latin typeface="Arial" panose="020B0604020202020204" pitchFamily="34" charset="0"/>
+                <a:cs typeface="Arial" panose="020B0604020202020204" pitchFamily="34" charset="0"/>
+              </a:rPr>
+              <a:t>Valine</a:t>
             </a:r>
           </a:p>
         </p:txBody>
@@ -16545,7 +16477,7 @@
         <p:spPr>
           <a:xfrm>
             <a:off x="2939352" y="3215274"/>
-            <a:ext cx="482825" cy="169277"/>
+            <a:ext cx="482825" cy="153888"/>
           </a:xfrm>
           <a:prstGeom prst="rect">
             <a:avLst/>
@@ -16560,11 +16492,11 @@
           <a:p>
             <a:pPr algn="ctr"/>
             <a:r>
-              <a:rPr lang="en-US" sz="500" b="1" dirty="0">
-                <a:latin typeface="Arial" panose="020B0604020202020204" pitchFamily="34" charset="0"/>
-                <a:cs typeface="Arial" panose="020B0604020202020204" pitchFamily="34" charset="0"/>
-              </a:rPr>
-              <a:t>L-Leucine</a:t>
+              <a:rPr lang="en-US" sz="400" b="1" dirty="0">
+                <a:latin typeface="Arial" panose="020B0604020202020204" pitchFamily="34" charset="0"/>
+                <a:cs typeface="Arial" panose="020B0604020202020204" pitchFamily="34" charset="0"/>
+              </a:rPr>
+              <a:t>Leucine</a:t>
             </a:r>
           </a:p>
         </p:txBody>
@@ -16587,8 +16519,8 @@
         </p:nvCxnSpPr>
         <p:spPr>
           <a:xfrm flipV="1">
-            <a:off x="3811953" y="5246318"/>
-            <a:ext cx="323339" cy="247925"/>
+            <a:off x="3811953" y="5200152"/>
+            <a:ext cx="323340" cy="294091"/>
           </a:xfrm>
           <a:prstGeom prst="line">
             <a:avLst/>
@@ -16628,8 +16560,8 @@
         </p:nvSpPr>
         <p:spPr>
           <a:xfrm>
-            <a:off x="4001791" y="5491681"/>
-            <a:ext cx="518091" cy="169277"/>
+            <a:off x="4030645" y="5491681"/>
+            <a:ext cx="460382" cy="153888"/>
           </a:xfrm>
           <a:prstGeom prst="rect">
             <a:avLst/>
@@ -16644,13 +16576,13 @@
           <a:p>
             <a:pPr algn="ctr"/>
             <a:r>
-              <a:rPr lang="en-US" sz="500" b="1" dirty="0">
+              <a:rPr lang="en-US" sz="400" b="1" dirty="0">
                 <a:latin typeface="Arial" panose="020B0604020202020204" pitchFamily="34" charset="0"/>
                 <a:cs typeface="Arial" panose="020B0604020202020204" pitchFamily="34" charset="0"/>
               </a:rPr>
               <a:t>Methionine</a:t>
             </a:r>
-            <a:endParaRPr lang="en-US" sz="500" b="1" baseline="-25000" dirty="0">
+            <a:endParaRPr lang="en-US" sz="400" b="1" baseline="-25000" dirty="0">
               <a:latin typeface="Arial" panose="020B0604020202020204" pitchFamily="34" charset="0"/>
               <a:cs typeface="Arial" panose="020B0604020202020204" pitchFamily="34" charset="0"/>
             </a:endParaRPr>
@@ -16675,8 +16607,8 @@
         </p:nvCxnSpPr>
         <p:spPr>
           <a:xfrm flipH="1" flipV="1">
-            <a:off x="4135292" y="5246318"/>
-            <a:ext cx="125545" cy="245363"/>
+            <a:off x="4135293" y="5200152"/>
+            <a:ext cx="125543" cy="291529"/>
           </a:xfrm>
           <a:prstGeom prst="line">
             <a:avLst/>
@@ -16717,7 +16649,7 @@
         <p:spPr>
           <a:xfrm>
             <a:off x="4496724" y="5488323"/>
-            <a:ext cx="614271" cy="169277"/>
+            <a:ext cx="614271" cy="153888"/>
           </a:xfrm>
           <a:prstGeom prst="rect">
             <a:avLst/>
@@ -16732,13 +16664,13 @@
           <a:p>
             <a:pPr algn="ctr"/>
             <a:r>
-              <a:rPr lang="en-US" sz="500" b="1" dirty="0">
-                <a:latin typeface="Arial" panose="020B0604020202020204" pitchFamily="34" charset="0"/>
-                <a:cs typeface="Arial" panose="020B0604020202020204" pitchFamily="34" charset="0"/>
-              </a:rPr>
-              <a:t>L-Threonine</a:t>
-            </a:r>
-            <a:endParaRPr lang="en-US" sz="500" b="1" baseline="-25000" dirty="0">
+              <a:rPr lang="en-US" sz="400" b="1" dirty="0">
+                <a:latin typeface="Arial" panose="020B0604020202020204" pitchFamily="34" charset="0"/>
+                <a:cs typeface="Arial" panose="020B0604020202020204" pitchFamily="34" charset="0"/>
+              </a:rPr>
+              <a:t>Threonine</a:t>
+            </a:r>
+            <a:endParaRPr lang="en-US" sz="400" b="1" baseline="-25000" dirty="0">
               <a:latin typeface="Arial" panose="020B0604020202020204" pitchFamily="34" charset="0"/>
               <a:cs typeface="Arial" panose="020B0604020202020204" pitchFamily="34" charset="0"/>
             </a:endParaRPr>
@@ -16763,8 +16695,8 @@
         </p:nvCxnSpPr>
         <p:spPr>
           <a:xfrm flipH="1" flipV="1">
-            <a:off x="4135292" y="5246318"/>
-            <a:ext cx="668568" cy="242005"/>
+            <a:off x="4135293" y="5200152"/>
+            <a:ext cx="668567" cy="288171"/>
           </a:xfrm>
           <a:prstGeom prst="line">
             <a:avLst/>
@@ -16808,8 +16740,8 @@
         </p:nvCxnSpPr>
         <p:spPr>
           <a:xfrm flipH="1" flipV="1">
-            <a:off x="3422177" y="3299913"/>
-            <a:ext cx="94033" cy="136219"/>
+            <a:off x="3422177" y="3292218"/>
+            <a:ext cx="148535" cy="120831"/>
           </a:xfrm>
           <a:prstGeom prst="line">
             <a:avLst/>
@@ -16853,8 +16785,8 @@
         </p:nvCxnSpPr>
         <p:spPr>
           <a:xfrm flipH="1">
-            <a:off x="8496416" y="5248420"/>
-            <a:ext cx="462191" cy="126958"/>
+            <a:off x="8481187" y="5240725"/>
+            <a:ext cx="535929" cy="126958"/>
           </a:xfrm>
           <a:prstGeom prst="line">
             <a:avLst/>
@@ -16894,8 +16826,8 @@
         </p:nvSpPr>
         <p:spPr>
           <a:xfrm flipH="1">
-            <a:off x="8958607" y="5163781"/>
-            <a:ext cx="554960" cy="169277"/>
+            <a:off x="9017116" y="5163781"/>
+            <a:ext cx="437940" cy="153888"/>
           </a:xfrm>
           <a:prstGeom prst="rect">
             <a:avLst/>
@@ -16910,13 +16842,13 @@
           <a:p>
             <a:pPr algn="ctr"/>
             <a:r>
-              <a:rPr lang="en-US" sz="500" b="1" dirty="0">
-                <a:latin typeface="Arial" panose="020B0604020202020204" pitchFamily="34" charset="0"/>
-                <a:cs typeface="Arial" panose="020B0604020202020204" pitchFamily="34" charset="0"/>
-              </a:rPr>
-              <a:t>L-Glutamine</a:t>
-            </a:r>
-            <a:endParaRPr lang="en-US" sz="500" b="1" baseline="-25000" dirty="0">
+              <a:rPr lang="en-US" sz="400" b="1" dirty="0">
+                <a:latin typeface="Arial" panose="020B0604020202020204" pitchFamily="34" charset="0"/>
+                <a:cs typeface="Arial" panose="020B0604020202020204" pitchFamily="34" charset="0"/>
+              </a:rPr>
+              <a:t>Glutamine</a:t>
+            </a:r>
+            <a:endParaRPr lang="en-US" sz="400" b="1" baseline="-25000" dirty="0">
               <a:latin typeface="Arial" panose="020B0604020202020204" pitchFamily="34" charset="0"/>
               <a:cs typeface="Arial" panose="020B0604020202020204" pitchFamily="34" charset="0"/>
             </a:endParaRPr>
@@ -16937,8 +16869,8 @@
         </p:nvSpPr>
         <p:spPr>
           <a:xfrm>
-            <a:off x="2888061" y="3443953"/>
-            <a:ext cx="553358" cy="169277"/>
+            <a:off x="2944968" y="3443953"/>
+            <a:ext cx="439544" cy="153888"/>
           </a:xfrm>
           <a:prstGeom prst="rect">
             <a:avLst/>
@@ -16953,11 +16885,11 @@
           <a:p>
             <a:pPr algn="ctr"/>
             <a:r>
-              <a:rPr lang="en-US" sz="500" b="1" dirty="0">
-                <a:latin typeface="Arial" panose="020B0604020202020204" pitchFamily="34" charset="0"/>
-                <a:cs typeface="Arial" panose="020B0604020202020204" pitchFamily="34" charset="0"/>
-              </a:rPr>
-              <a:t>L-Isoleucine</a:t>
+              <a:rPr lang="en-US" sz="400" b="1" dirty="0">
+                <a:latin typeface="Arial" panose="020B0604020202020204" pitchFamily="34" charset="0"/>
+                <a:cs typeface="Arial" panose="020B0604020202020204" pitchFamily="34" charset="0"/>
+              </a:rPr>
+              <a:t>Isoleucine</a:t>
             </a:r>
           </a:p>
         </p:txBody>
@@ -16980,8 +16912,8 @@
         </p:nvCxnSpPr>
         <p:spPr>
           <a:xfrm flipH="1">
-            <a:off x="3441419" y="3436132"/>
-            <a:ext cx="74791" cy="92460"/>
+            <a:off x="3384512" y="3413049"/>
+            <a:ext cx="186200" cy="107848"/>
           </a:xfrm>
           <a:prstGeom prst="line">
             <a:avLst/>
@@ -17025,8 +16957,8 @@
         </p:nvCxnSpPr>
         <p:spPr>
           <a:xfrm flipV="1">
-            <a:off x="3066090" y="4452640"/>
-            <a:ext cx="20341" cy="447168"/>
+            <a:off x="3059896" y="4437251"/>
+            <a:ext cx="26536" cy="474844"/>
           </a:xfrm>
           <a:prstGeom prst="line">
             <a:avLst/>
@@ -17070,8 +17002,8 @@
         </p:nvCxnSpPr>
         <p:spPr>
           <a:xfrm>
-            <a:off x="1167118" y="1024636"/>
-            <a:ext cx="509560" cy="169797"/>
+            <a:off x="1136944" y="972390"/>
+            <a:ext cx="512908" cy="236633"/>
           </a:xfrm>
           <a:prstGeom prst="line">
             <a:avLst/>
@@ -17111,8 +17043,8 @@
         </p:nvSpPr>
         <p:spPr>
           <a:xfrm>
-            <a:off x="1492973" y="1194433"/>
-            <a:ext cx="367409" cy="169277"/>
+            <a:off x="1350731" y="1209023"/>
+            <a:ext cx="598242" cy="115416"/>
           </a:xfrm>
           <a:prstGeom prst="rect">
             <a:avLst/>
@@ -17127,11 +17059,11 @@
           <a:p>
             <a:pPr algn="ctr"/>
             <a:r>
-              <a:rPr lang="en-US" sz="500" b="1" dirty="0">
-                <a:latin typeface="Arial" panose="020B0604020202020204" pitchFamily="34" charset="0"/>
-                <a:cs typeface="Arial" panose="020B0604020202020204" pitchFamily="34" charset="0"/>
-              </a:rPr>
-              <a:t>NADP</a:t>
+              <a:rPr lang="en-US" sz="150" b="1" dirty="0">
+                <a:latin typeface="Arial" panose="020B0604020202020204" pitchFamily="34" charset="0"/>
+                <a:cs typeface="Arial" panose="020B0604020202020204" pitchFamily="34" charset="0"/>
+              </a:rPr>
+              <a:t>Nicotinamide adenine dinucleotide phosphate</a:t>
             </a:r>
           </a:p>
         </p:txBody>
@@ -17150,8 +17082,8 @@
         </p:nvSpPr>
         <p:spPr>
           <a:xfrm>
-            <a:off x="1473077" y="1488130"/>
-            <a:ext cx="413896" cy="169277"/>
+            <a:off x="1305046" y="1476339"/>
+            <a:ext cx="689612" cy="115416"/>
           </a:xfrm>
           <a:prstGeom prst="rect">
             <a:avLst/>
@@ -17166,11 +17098,11 @@
           <a:p>
             <a:pPr algn="ctr"/>
             <a:r>
-              <a:rPr lang="en-US" sz="500" b="1" dirty="0">
-                <a:latin typeface="Arial" panose="020B0604020202020204" pitchFamily="34" charset="0"/>
-                <a:cs typeface="Arial" panose="020B0604020202020204" pitchFamily="34" charset="0"/>
-              </a:rPr>
-              <a:t>NADPH</a:t>
+              <a:rPr lang="en-US" sz="150" b="1" dirty="0">
+                <a:latin typeface="Arial" panose="020B0604020202020204" pitchFamily="34" charset="0"/>
+                <a:cs typeface="Arial" panose="020B0604020202020204" pitchFamily="34" charset="0"/>
+              </a:rPr>
+              <a:t>Nicotinamide adenine dinucleotide phosphate hydrogen</a:t>
             </a:r>
           </a:p>
         </p:txBody>
@@ -17193,8 +17125,8 @@
         </p:nvCxnSpPr>
         <p:spPr>
           <a:xfrm>
-            <a:off x="1676678" y="1363710"/>
-            <a:ext cx="3347" cy="124420"/>
+            <a:off x="1649852" y="1324439"/>
+            <a:ext cx="0" cy="151900"/>
           </a:xfrm>
           <a:prstGeom prst="line">
             <a:avLst/>
@@ -17277,8 +17209,8 @@
         </p:nvSpPr>
         <p:spPr>
           <a:xfrm>
-            <a:off x="1653830" y="3674130"/>
-            <a:ext cx="413896" cy="169277"/>
+            <a:off x="1674669" y="3674130"/>
+            <a:ext cx="372218" cy="153888"/>
           </a:xfrm>
           <a:prstGeom prst="rect">
             <a:avLst/>
@@ -17293,13 +17225,13 @@
           <a:p>
             <a:pPr algn="ctr"/>
             <a:r>
-              <a:rPr lang="en-US" sz="500" b="1" dirty="0">
+              <a:rPr lang="en-US" sz="400" b="1" dirty="0">
                 <a:latin typeface="Arial" panose="020B0604020202020204" pitchFamily="34" charset="0"/>
                 <a:cs typeface="Arial" panose="020B0604020202020204" pitchFamily="34" charset="0"/>
               </a:rPr>
               <a:t>Taurine</a:t>
             </a:r>
-            <a:endParaRPr lang="en-US" sz="500" b="1" baseline="-25000" dirty="0">
+            <a:endParaRPr lang="en-US" sz="400" b="1" baseline="-25000" dirty="0">
               <a:latin typeface="Arial" panose="020B0604020202020204" pitchFamily="34" charset="0"/>
               <a:cs typeface="Arial" panose="020B0604020202020204" pitchFamily="34" charset="0"/>
             </a:endParaRPr>
@@ -17320,8 +17252,8 @@
         </p:nvSpPr>
         <p:spPr>
           <a:xfrm>
-            <a:off x="1583298" y="3443953"/>
-            <a:ext cx="554960" cy="169277"/>
+            <a:off x="1616961" y="3443953"/>
+            <a:ext cx="487634" cy="153888"/>
           </a:xfrm>
           <a:prstGeom prst="rect">
             <a:avLst/>
@@ -17336,13 +17268,13 @@
           <a:p>
             <a:pPr algn="ctr"/>
             <a:r>
-              <a:rPr lang="en-US" sz="500" b="1" dirty="0" err="1">
+              <a:rPr lang="en-US" sz="400" b="1" dirty="0" err="1">
                 <a:latin typeface="Arial" panose="020B0604020202020204" pitchFamily="34" charset="0"/>
                 <a:cs typeface="Arial" panose="020B0604020202020204" pitchFamily="34" charset="0"/>
               </a:rPr>
               <a:t>Hypotaurine</a:t>
             </a:r>
-            <a:endParaRPr lang="en-US" sz="500" b="1" baseline="-25000" dirty="0">
+            <a:endParaRPr lang="en-US" sz="400" b="1" baseline="-25000" dirty="0">
               <a:latin typeface="Arial" panose="020B0604020202020204" pitchFamily="34" charset="0"/>
               <a:cs typeface="Arial" panose="020B0604020202020204" pitchFamily="34" charset="0"/>
             </a:endParaRPr>
@@ -17363,8 +17295,8 @@
         </p:nvSpPr>
         <p:spPr>
           <a:xfrm>
-            <a:off x="1453457" y="3215274"/>
-            <a:ext cx="814647" cy="169277"/>
+            <a:off x="1502349" y="3215274"/>
+            <a:ext cx="716863" cy="153888"/>
           </a:xfrm>
           <a:prstGeom prst="rect">
             <a:avLst/>
@@ -17379,20 +17311,27 @@
           <a:p>
             <a:pPr algn="ctr"/>
             <a:r>
-              <a:rPr lang="en-US" sz="500" b="1" dirty="0" err="1">
-                <a:latin typeface="Arial" panose="020B0604020202020204" pitchFamily="34" charset="0"/>
-                <a:cs typeface="Arial" panose="020B0604020202020204" pitchFamily="34" charset="0"/>
-              </a:rPr>
-              <a:t>Cysteinesulfinic</a:t>
-            </a:r>
-            <a:r>
-              <a:rPr lang="en-US" sz="500" b="1" dirty="0">
+              <a:rPr lang="en-US" sz="400" b="1" dirty="0">
+                <a:latin typeface="Arial" panose="020B0604020202020204" pitchFamily="34" charset="0"/>
+                <a:cs typeface="Arial" panose="020B0604020202020204" pitchFamily="34" charset="0"/>
+              </a:rPr>
+              <a:t>Cysteine </a:t>
+            </a:r>
+            <a:r>
+              <a:rPr lang="en-US" sz="400" b="1" dirty="0" err="1">
+                <a:latin typeface="Arial" panose="020B0604020202020204" pitchFamily="34" charset="0"/>
+                <a:cs typeface="Arial" panose="020B0604020202020204" pitchFamily="34" charset="0"/>
+              </a:rPr>
+              <a:t>sulfinic</a:t>
+            </a:r>
+            <a:r>
+              <a:rPr lang="en-US" sz="400" b="1" dirty="0">
                 <a:latin typeface="Arial" panose="020B0604020202020204" pitchFamily="34" charset="0"/>
                 <a:cs typeface="Arial" panose="020B0604020202020204" pitchFamily="34" charset="0"/>
               </a:rPr>
               <a:t> acid</a:t>
             </a:r>
-            <a:endParaRPr lang="en-US" sz="500" b="1" baseline="-25000" dirty="0">
+            <a:endParaRPr lang="en-US" sz="400" b="1" baseline="-25000" dirty="0">
               <a:latin typeface="Arial" panose="020B0604020202020204" pitchFamily="34" charset="0"/>
               <a:cs typeface="Arial" panose="020B0604020202020204" pitchFamily="34" charset="0"/>
             </a:endParaRPr>
@@ -17417,8 +17356,8 @@
         </p:nvCxnSpPr>
         <p:spPr>
           <a:xfrm flipH="1">
-            <a:off x="2268104" y="3299913"/>
-            <a:ext cx="14054" cy="0"/>
+            <a:off x="2219212" y="3292218"/>
+            <a:ext cx="116647" cy="0"/>
           </a:xfrm>
           <a:prstGeom prst="line">
             <a:avLst/>
@@ -17462,8 +17401,8 @@
         </p:nvCxnSpPr>
         <p:spPr>
           <a:xfrm flipH="1">
-            <a:off x="1860778" y="3384551"/>
-            <a:ext cx="3" cy="59402"/>
+            <a:off x="1860778" y="3369162"/>
+            <a:ext cx="3" cy="74791"/>
           </a:xfrm>
           <a:prstGeom prst="line">
             <a:avLst/>
@@ -17507,8 +17446,8 @@
         </p:nvCxnSpPr>
         <p:spPr>
           <a:xfrm>
-            <a:off x="1860778" y="3613230"/>
-            <a:ext cx="0" cy="60900"/>
+            <a:off x="1860778" y="3597841"/>
+            <a:ext cx="0" cy="76289"/>
           </a:xfrm>
           <a:prstGeom prst="line">
             <a:avLst/>
@@ -17548,8 +17487,8 @@
         </p:nvSpPr>
         <p:spPr>
           <a:xfrm>
-            <a:off x="2861384" y="2551617"/>
-            <a:ext cx="643126" cy="169277"/>
+            <a:off x="2903062" y="2551617"/>
+            <a:ext cx="559769" cy="153888"/>
           </a:xfrm>
           <a:prstGeom prst="rect">
             <a:avLst/>
@@ -17564,13 +17503,13 @@
           <a:p>
             <a:pPr algn="ctr"/>
             <a:r>
-              <a:rPr lang="en-US" sz="500" b="1" dirty="0">
+              <a:rPr lang="en-US" sz="400" b="1" dirty="0">
                 <a:latin typeface="Arial" panose="020B0604020202020204" pitchFamily="34" charset="0"/>
                 <a:cs typeface="Arial" panose="020B0604020202020204" pitchFamily="34" charset="0"/>
               </a:rPr>
               <a:t>Phosphoserine</a:t>
             </a:r>
-            <a:endParaRPr lang="en-US" sz="500" b="1" baseline="-25000" dirty="0">
+            <a:endParaRPr lang="en-US" sz="400" b="1" baseline="-25000" dirty="0">
               <a:latin typeface="Arial" panose="020B0604020202020204" pitchFamily="34" charset="0"/>
               <a:cs typeface="Arial" panose="020B0604020202020204" pitchFamily="34" charset="0"/>
             </a:endParaRPr>
@@ -17588,14 +17527,15 @@
           </p:cNvPr>
           <p:cNvCxnSpPr>
             <a:cxnSpLocks/>
+            <a:stCxn id="10" idx="1"/>
             <a:endCxn id="65" idx="0"/>
           </p:cNvCxnSpPr>
           <p:nvPr/>
         </p:nvCxnSpPr>
         <p:spPr>
           <a:xfrm flipH="1">
-            <a:off x="3182947" y="2410460"/>
-            <a:ext cx="512753" cy="141157"/>
+            <a:off x="3182947" y="2389914"/>
+            <a:ext cx="213037" cy="161703"/>
           </a:xfrm>
           <a:prstGeom prst="line">
             <a:avLst/>
@@ -17635,8 +17575,8 @@
         </p:nvSpPr>
         <p:spPr>
           <a:xfrm>
-            <a:off x="2243980" y="1436067"/>
-            <a:ext cx="832280" cy="169277"/>
+            <a:off x="2301688" y="1436067"/>
+            <a:ext cx="716863" cy="153888"/>
           </a:xfrm>
           <a:prstGeom prst="rect">
             <a:avLst/>
@@ -17651,7 +17591,7 @@
           <a:p>
             <a:pPr algn="ctr"/>
             <a:r>
-              <a:rPr lang="en-US" sz="500" b="1" dirty="0">
+              <a:rPr lang="en-US" sz="400" b="1" dirty="0">
                 <a:latin typeface="Arial" panose="020B0604020202020204" pitchFamily="34" charset="0"/>
                 <a:cs typeface="Arial" panose="020B0604020202020204" pitchFamily="34" charset="0"/>
               </a:rPr>
@@ -17677,8 +17617,8 @@
         </p:nvCxnSpPr>
         <p:spPr>
           <a:xfrm>
-            <a:off x="2660120" y="1605344"/>
-            <a:ext cx="150136" cy="223456"/>
+            <a:off x="2660120" y="1589955"/>
+            <a:ext cx="150136" cy="238845"/>
           </a:xfrm>
           <a:prstGeom prst="line">
             <a:avLst/>
@@ -17718,8 +17658,8 @@
         </p:nvSpPr>
         <p:spPr>
           <a:xfrm>
-            <a:off x="2440348" y="1205782"/>
-            <a:ext cx="439544" cy="169277"/>
+            <a:off x="2464393" y="1205782"/>
+            <a:ext cx="391454" cy="153888"/>
           </a:xfrm>
           <a:prstGeom prst="rect">
             <a:avLst/>
@@ -17734,7 +17674,7 @@
           <a:p>
             <a:pPr algn="ctr"/>
             <a:r>
-              <a:rPr lang="en-US" sz="500" b="1" dirty="0">
+              <a:rPr lang="en-US" sz="400" b="1" dirty="0">
                 <a:latin typeface="Arial" panose="020B0604020202020204" pitchFamily="34" charset="0"/>
                 <a:cs typeface="Arial" panose="020B0604020202020204" pitchFamily="34" charset="0"/>
               </a:rPr>
@@ -17761,8 +17701,8 @@
         </p:nvCxnSpPr>
         <p:spPr>
           <a:xfrm>
-            <a:off x="2660120" y="1375059"/>
-            <a:ext cx="0" cy="61008"/>
+            <a:off x="2660120" y="1359670"/>
+            <a:ext cx="0" cy="76397"/>
           </a:xfrm>
           <a:prstGeom prst="line">
             <a:avLst/>
@@ -17802,8 +17742,8 @@
         </p:nvSpPr>
         <p:spPr>
           <a:xfrm>
-            <a:off x="8083270" y="4817741"/>
-            <a:ext cx="537328" cy="169277"/>
+            <a:off x="8096897" y="4817741"/>
+            <a:ext cx="510076" cy="153888"/>
           </a:xfrm>
           <a:prstGeom prst="rect">
             <a:avLst/>
@@ -17818,13 +17758,13 @@
           <a:p>
             <a:pPr algn="ctr"/>
             <a:r>
-              <a:rPr lang="en-US" sz="500" b="1" dirty="0">
-                <a:latin typeface="Arial" panose="020B0604020202020204" pitchFamily="34" charset="0"/>
-                <a:cs typeface="Arial" panose="020B0604020202020204" pitchFamily="34" charset="0"/>
-              </a:rPr>
-              <a:t>L-Aspartate</a:t>
-            </a:r>
-            <a:endParaRPr lang="en-US" sz="500" b="1" baseline="-25000" dirty="0">
+              <a:rPr lang="en-US" sz="400" b="1" dirty="0">
+                <a:latin typeface="Arial" panose="020B0604020202020204" pitchFamily="34" charset="0"/>
+                <a:cs typeface="Arial" panose="020B0604020202020204" pitchFamily="34" charset="0"/>
+              </a:rPr>
+              <a:t>Aspartic acid</a:t>
+            </a:r>
+            <a:endParaRPr lang="en-US" sz="400" b="1" baseline="-25000" dirty="0">
               <a:latin typeface="Arial" panose="020B0604020202020204" pitchFamily="34" charset="0"/>
               <a:cs typeface="Arial" panose="020B0604020202020204" pitchFamily="34" charset="0"/>
             </a:endParaRPr>
@@ -17845,8 +17785,8 @@
         </p:nvSpPr>
         <p:spPr>
           <a:xfrm>
-            <a:off x="9016441" y="4641277"/>
-            <a:ext cx="530915" cy="169277"/>
+            <a:off x="9048501" y="4641277"/>
+            <a:ext cx="466794" cy="153888"/>
           </a:xfrm>
           <a:prstGeom prst="rect">
             <a:avLst/>
@@ -17861,13 +17801,13 @@
           <a:p>
             <a:pPr algn="ctr"/>
             <a:r>
-              <a:rPr lang="en-US" sz="500" b="1" dirty="0">
+              <a:rPr lang="en-US" sz="400" b="1" dirty="0">
                 <a:latin typeface="Arial" panose="020B0604020202020204" pitchFamily="34" charset="0"/>
                 <a:cs typeface="Arial" panose="020B0604020202020204" pitchFamily="34" charset="0"/>
               </a:rPr>
               <a:t>Asparagine</a:t>
             </a:r>
-            <a:endParaRPr lang="en-US" sz="500" b="1" baseline="-25000" dirty="0">
+            <a:endParaRPr lang="en-US" sz="400" b="1" baseline="-25000" dirty="0">
               <a:latin typeface="Arial" panose="020B0604020202020204" pitchFamily="34" charset="0"/>
               <a:cs typeface="Arial" panose="020B0604020202020204" pitchFamily="34" charset="0"/>
             </a:endParaRPr>
@@ -17892,8 +17832,8 @@
         </p:nvCxnSpPr>
         <p:spPr>
           <a:xfrm flipH="1">
-            <a:off x="8218936" y="4987018"/>
-            <a:ext cx="132998" cy="303721"/>
+            <a:off x="8218936" y="4971629"/>
+            <a:ext cx="132999" cy="319110"/>
           </a:xfrm>
           <a:prstGeom prst="line">
             <a:avLst/>
@@ -17937,8 +17877,8 @@
         </p:nvCxnSpPr>
         <p:spPr>
           <a:xfrm flipH="1">
-            <a:off x="9236087" y="4810554"/>
-            <a:ext cx="45812" cy="353227"/>
+            <a:off x="9236086" y="4795165"/>
+            <a:ext cx="45812" cy="368616"/>
           </a:xfrm>
           <a:prstGeom prst="line">
             <a:avLst/>
@@ -17982,8 +17922,8 @@
         </p:nvCxnSpPr>
         <p:spPr>
           <a:xfrm flipH="1">
-            <a:off x="8620598" y="4725916"/>
-            <a:ext cx="395843" cy="176464"/>
+            <a:off x="8606973" y="4718221"/>
+            <a:ext cx="441528" cy="176464"/>
           </a:xfrm>
           <a:prstGeom prst="line">
             <a:avLst/>
@@ -18023,8 +17963,8 @@
         </p:nvSpPr>
         <p:spPr>
           <a:xfrm>
-            <a:off x="2897160" y="820418"/>
-            <a:ext cx="580608" cy="169277"/>
+            <a:off x="3072668" y="844829"/>
+            <a:ext cx="444352" cy="115416"/>
           </a:xfrm>
           <a:prstGeom prst="rect">
             <a:avLst/>
@@ -18039,11 +17979,11 @@
           <a:p>
             <a:pPr algn="ctr"/>
             <a:r>
-              <a:rPr lang="en-US" sz="500" b="1" dirty="0">
-                <a:latin typeface="Arial" panose="020B0604020202020204" pitchFamily="34" charset="0"/>
-                <a:cs typeface="Arial" panose="020B0604020202020204" pitchFamily="34" charset="0"/>
-              </a:rPr>
-              <a:t>UDP-glucose</a:t>
+              <a:rPr lang="en-US" sz="150" b="1" dirty="0">
+                <a:latin typeface="Arial" panose="020B0604020202020204" pitchFamily="34" charset="0"/>
+                <a:cs typeface="Arial" panose="020B0604020202020204" pitchFamily="34" charset="0"/>
+              </a:rPr>
+              <a:t>Uridine diphosphate glucose</a:t>
             </a:r>
           </a:p>
         </p:txBody>
@@ -18062,8 +18002,8 @@
         </p:nvSpPr>
         <p:spPr>
           <a:xfrm>
-            <a:off x="2641610" y="610304"/>
-            <a:ext cx="538930" cy="169277"/>
+            <a:off x="2761777" y="654186"/>
+            <a:ext cx="444352" cy="115416"/>
           </a:xfrm>
           <a:prstGeom prst="rect">
             <a:avLst/>
@@ -18078,11 +18018,11 @@
           <a:p>
             <a:pPr algn="ctr"/>
             <a:r>
-              <a:rPr lang="en-US" sz="500" b="1" dirty="0">
-                <a:latin typeface="Arial" panose="020B0604020202020204" pitchFamily="34" charset="0"/>
-                <a:cs typeface="Arial" panose="020B0604020202020204" pitchFamily="34" charset="0"/>
-              </a:rPr>
-              <a:t>UDP-xylose</a:t>
+              <a:rPr lang="en-US" sz="150" b="1" dirty="0">
+                <a:latin typeface="Arial" panose="020B0604020202020204" pitchFamily="34" charset="0"/>
+                <a:cs typeface="Arial" panose="020B0604020202020204" pitchFamily="34" charset="0"/>
+              </a:rPr>
+              <a:t>Uridine diphosphate xylose</a:t>
             </a:r>
           </a:p>
         </p:txBody>
@@ -18187,8 +18127,8 @@
         </p:nvSpPr>
         <p:spPr>
           <a:xfrm>
-            <a:off x="4070772" y="3184240"/>
-            <a:ext cx="316112" cy="169277"/>
+            <a:off x="3981805" y="3184240"/>
+            <a:ext cx="494046" cy="153888"/>
           </a:xfrm>
           <a:prstGeom prst="rect">
             <a:avLst/>
@@ -18203,13 +18143,13 @@
           <a:p>
             <a:pPr algn="ctr"/>
             <a:r>
-              <a:rPr lang="en-US" sz="500" b="1" dirty="0">
-                <a:latin typeface="Arial" panose="020B0604020202020204" pitchFamily="34" charset="0"/>
-                <a:cs typeface="Arial" panose="020B0604020202020204" pitchFamily="34" charset="0"/>
-              </a:rPr>
-              <a:t>CoA</a:t>
-            </a:r>
-            <a:endParaRPr lang="en-US" sz="500" b="1" baseline="-25000" dirty="0">
+              <a:rPr lang="en-US" sz="400" b="1" dirty="0">
+                <a:latin typeface="Arial" panose="020B0604020202020204" pitchFamily="34" charset="0"/>
+                <a:cs typeface="Arial" panose="020B0604020202020204" pitchFamily="34" charset="0"/>
+              </a:rPr>
+              <a:t>Coenzyme A</a:t>
+            </a:r>
+            <a:endParaRPr lang="en-US" sz="400" b="1" baseline="-25000" dirty="0">
               <a:latin typeface="Arial" panose="020B0604020202020204" pitchFamily="34" charset="0"/>
               <a:cs typeface="Arial" panose="020B0604020202020204" pitchFamily="34" charset="0"/>
             </a:endParaRPr>
@@ -18234,6 +18174,349 @@
           <a:xfrm flipH="1">
             <a:off x="3980671" y="3315661"/>
             <a:ext cx="145655" cy="103738"/>
+          </a:xfrm>
+          <a:prstGeom prst="line">
+            <a:avLst/>
+          </a:prstGeom>
+          <a:ln>
+            <a:solidFill>
+              <a:schemeClr val="tx1"/>
+            </a:solidFill>
+          </a:ln>
+        </p:spPr>
+        <p:style>
+          <a:lnRef idx="1">
+            <a:schemeClr val="accent1"/>
+          </a:lnRef>
+          <a:fillRef idx="0">
+            <a:schemeClr val="accent1"/>
+          </a:fillRef>
+          <a:effectRef idx="0">
+            <a:schemeClr val="accent1"/>
+          </a:effectRef>
+          <a:fontRef idx="minor">
+            <a:schemeClr val="tx1"/>
+          </a:fontRef>
+        </p:style>
+      </p:cxnSp>
+      <p:cxnSp>
+        <p:nvCxnSpPr>
+          <p:cNvPr id="614" name="Straight Connector 613">
+            <a:extLst>
+              <a:ext uri="{FF2B5EF4-FFF2-40B4-BE49-F238E27FC236}">
+                <a16:creationId xmlns:a16="http://schemas.microsoft.com/office/drawing/2014/main" id="{818B2D66-3591-85EE-8F3B-A26515470DB6}"/>
+              </a:ext>
+            </a:extLst>
+          </p:cNvPr>
+          <p:cNvCxnSpPr>
+            <a:cxnSpLocks/>
+          </p:cNvCxnSpPr>
+          <p:nvPr/>
+        </p:nvCxnSpPr>
+        <p:spPr>
+          <a:xfrm>
+            <a:off x="7955973" y="1712124"/>
+            <a:ext cx="195544" cy="138326"/>
+          </a:xfrm>
+          <a:prstGeom prst="line">
+            <a:avLst/>
+          </a:prstGeom>
+          <a:ln>
+            <a:solidFill>
+              <a:schemeClr val="tx1"/>
+            </a:solidFill>
+          </a:ln>
+        </p:spPr>
+        <p:style>
+          <a:lnRef idx="1">
+            <a:schemeClr val="accent1"/>
+          </a:lnRef>
+          <a:fillRef idx="0">
+            <a:schemeClr val="accent1"/>
+          </a:fillRef>
+          <a:effectRef idx="0">
+            <a:schemeClr val="accent1"/>
+          </a:effectRef>
+          <a:fontRef idx="minor">
+            <a:schemeClr val="tx1"/>
+          </a:fontRef>
+        </p:style>
+      </p:cxnSp>
+      <p:cxnSp>
+        <p:nvCxnSpPr>
+          <p:cNvPr id="639" name="Straight Connector 638">
+            <a:extLst>
+              <a:ext uri="{FF2B5EF4-FFF2-40B4-BE49-F238E27FC236}">
+                <a16:creationId xmlns:a16="http://schemas.microsoft.com/office/drawing/2014/main" id="{C009DABC-BB47-35E3-753A-A13E256322B6}"/>
+              </a:ext>
+            </a:extLst>
+          </p:cNvPr>
+          <p:cNvCxnSpPr>
+            <a:cxnSpLocks/>
+          </p:cNvCxnSpPr>
+          <p:nvPr/>
+        </p:nvCxnSpPr>
+        <p:spPr>
+          <a:xfrm>
+            <a:off x="6290564" y="3095757"/>
+            <a:ext cx="93438" cy="0"/>
+          </a:xfrm>
+          <a:prstGeom prst="line">
+            <a:avLst/>
+          </a:prstGeom>
+          <a:ln>
+            <a:solidFill>
+              <a:schemeClr val="tx1"/>
+            </a:solidFill>
+          </a:ln>
+        </p:spPr>
+        <p:style>
+          <a:lnRef idx="1">
+            <a:schemeClr val="accent1"/>
+          </a:lnRef>
+          <a:fillRef idx="0">
+            <a:schemeClr val="accent1"/>
+          </a:fillRef>
+          <a:effectRef idx="0">
+            <a:schemeClr val="accent1"/>
+          </a:effectRef>
+          <a:fontRef idx="minor">
+            <a:schemeClr val="tx1"/>
+          </a:fontRef>
+        </p:style>
+      </p:cxnSp>
+      <p:sp>
+        <p:nvSpPr>
+          <p:cNvPr id="192" name="TextBox 191">
+            <a:extLst>
+              <a:ext uri="{FF2B5EF4-FFF2-40B4-BE49-F238E27FC236}">
+                <a16:creationId xmlns:a16="http://schemas.microsoft.com/office/drawing/2014/main" id="{53401F51-DF33-0AE4-FCE6-A495B349E7C5}"/>
+              </a:ext>
+            </a:extLst>
+          </p:cNvPr>
+          <p:cNvSpPr txBox="1"/>
+          <p:nvPr/>
+        </p:nvSpPr>
+        <p:spPr>
+          <a:xfrm flipH="1">
+            <a:off x="4048139" y="6004702"/>
+            <a:ext cx="349776" cy="153888"/>
+          </a:xfrm>
+          <a:prstGeom prst="rect">
+            <a:avLst/>
+          </a:prstGeom>
+          <a:noFill/>
+        </p:spPr>
+        <p:txBody>
+          <a:bodyPr wrap="none" rtlCol="0">
+            <a:spAutoFit/>
+          </a:bodyPr>
+          <a:lstStyle/>
+          <a:p>
+            <a:pPr algn="ctr"/>
+            <a:r>
+              <a:rPr lang="en-US" sz="400" b="1" dirty="0">
+                <a:latin typeface="Arial" panose="020B0604020202020204" pitchFamily="34" charset="0"/>
+                <a:cs typeface="Arial" panose="020B0604020202020204" pitchFamily="34" charset="0"/>
+              </a:rPr>
+              <a:t>Lysine</a:t>
+            </a:r>
+            <a:endParaRPr lang="en-US" sz="400" b="1" baseline="-25000" dirty="0">
+              <a:latin typeface="Arial" panose="020B0604020202020204" pitchFamily="34" charset="0"/>
+              <a:cs typeface="Arial" panose="020B0604020202020204" pitchFamily="34" charset="0"/>
+            </a:endParaRPr>
+          </a:p>
+        </p:txBody>
+      </p:sp>
+      <p:sp>
+        <p:nvSpPr>
+          <p:cNvPr id="224" name="TextBox 223">
+            <a:extLst>
+              <a:ext uri="{FF2B5EF4-FFF2-40B4-BE49-F238E27FC236}">
+                <a16:creationId xmlns:a16="http://schemas.microsoft.com/office/drawing/2014/main" id="{3562981A-5418-D05B-857B-54B86370DD86}"/>
+              </a:ext>
+            </a:extLst>
+          </p:cNvPr>
+          <p:cNvSpPr txBox="1"/>
+          <p:nvPr/>
+        </p:nvSpPr>
+        <p:spPr>
+          <a:xfrm flipH="1">
+            <a:off x="3912883" y="6226212"/>
+            <a:ext cx="614271" cy="153888"/>
+          </a:xfrm>
+          <a:prstGeom prst="rect">
+            <a:avLst/>
+          </a:prstGeom>
+          <a:noFill/>
+        </p:spPr>
+        <p:txBody>
+          <a:bodyPr wrap="none" rtlCol="0">
+            <a:spAutoFit/>
+          </a:bodyPr>
+          <a:lstStyle/>
+          <a:p>
+            <a:pPr algn="ctr"/>
+            <a:r>
+              <a:rPr lang="en-US" sz="400" b="1" dirty="0">
+                <a:latin typeface="Arial" panose="020B0604020202020204" pitchFamily="34" charset="0"/>
+                <a:cs typeface="Arial" panose="020B0604020202020204" pitchFamily="34" charset="0"/>
+              </a:rPr>
+              <a:t>Aminoadipic acid</a:t>
+            </a:r>
+            <a:endParaRPr lang="en-US" sz="400" b="1" baseline="-25000" dirty="0">
+              <a:latin typeface="Arial" panose="020B0604020202020204" pitchFamily="34" charset="0"/>
+              <a:cs typeface="Arial" panose="020B0604020202020204" pitchFamily="34" charset="0"/>
+            </a:endParaRPr>
+          </a:p>
+        </p:txBody>
+      </p:sp>
+      <p:cxnSp>
+        <p:nvCxnSpPr>
+          <p:cNvPr id="235" name="Straight Connector 234">
+            <a:extLst>
+              <a:ext uri="{FF2B5EF4-FFF2-40B4-BE49-F238E27FC236}">
+                <a16:creationId xmlns:a16="http://schemas.microsoft.com/office/drawing/2014/main" id="{10F78F31-6909-094D-4771-E08C087CFDE2}"/>
+              </a:ext>
+            </a:extLst>
+          </p:cNvPr>
+          <p:cNvCxnSpPr>
+            <a:cxnSpLocks/>
+            <a:endCxn id="224" idx="0"/>
+          </p:cNvCxnSpPr>
+          <p:nvPr/>
+        </p:nvCxnSpPr>
+        <p:spPr>
+          <a:xfrm>
+            <a:off x="4220017" y="6132725"/>
+            <a:ext cx="1" cy="93487"/>
+          </a:xfrm>
+          <a:prstGeom prst="line">
+            <a:avLst/>
+          </a:prstGeom>
+          <a:ln>
+            <a:solidFill>
+              <a:schemeClr val="tx1"/>
+            </a:solidFill>
+          </a:ln>
+        </p:spPr>
+        <p:style>
+          <a:lnRef idx="1">
+            <a:schemeClr val="accent1"/>
+          </a:lnRef>
+          <a:fillRef idx="0">
+            <a:schemeClr val="accent1"/>
+          </a:fillRef>
+          <a:effectRef idx="0">
+            <a:schemeClr val="accent1"/>
+          </a:effectRef>
+          <a:fontRef idx="minor">
+            <a:schemeClr val="tx1"/>
+          </a:fontRef>
+        </p:style>
+      </p:cxnSp>
+      <p:cxnSp>
+        <p:nvCxnSpPr>
+          <p:cNvPr id="652" name="Straight Connector 651">
+            <a:extLst>
+              <a:ext uri="{FF2B5EF4-FFF2-40B4-BE49-F238E27FC236}">
+                <a16:creationId xmlns:a16="http://schemas.microsoft.com/office/drawing/2014/main" id="{D4086B60-E515-08FD-7958-7CA387DB92BF}"/>
+              </a:ext>
+            </a:extLst>
+          </p:cNvPr>
+          <p:cNvCxnSpPr>
+            <a:cxnSpLocks/>
+            <a:stCxn id="207" idx="2"/>
+            <a:endCxn id="208" idx="0"/>
+          </p:cNvCxnSpPr>
+          <p:nvPr/>
+        </p:nvCxnSpPr>
+        <p:spPr>
+          <a:xfrm>
+            <a:off x="8734969" y="3783190"/>
+            <a:ext cx="0" cy="125780"/>
+          </a:xfrm>
+          <a:prstGeom prst="line">
+            <a:avLst/>
+          </a:prstGeom>
+          <a:ln>
+            <a:solidFill>
+              <a:schemeClr val="tx1"/>
+            </a:solidFill>
+          </a:ln>
+        </p:spPr>
+        <p:style>
+          <a:lnRef idx="1">
+            <a:schemeClr val="accent1"/>
+          </a:lnRef>
+          <a:fillRef idx="0">
+            <a:schemeClr val="accent1"/>
+          </a:fillRef>
+          <a:effectRef idx="0">
+            <a:schemeClr val="accent1"/>
+          </a:effectRef>
+          <a:fontRef idx="minor">
+            <a:schemeClr val="tx1"/>
+          </a:fontRef>
+        </p:style>
+      </p:cxnSp>
+      <p:sp>
+        <p:nvSpPr>
+          <p:cNvPr id="663" name="TextBox 662">
+            <a:extLst>
+              <a:ext uri="{FF2B5EF4-FFF2-40B4-BE49-F238E27FC236}">
+                <a16:creationId xmlns:a16="http://schemas.microsoft.com/office/drawing/2014/main" id="{E04D9B75-BBF9-4A5D-5F7E-C116DEDC9E33}"/>
+              </a:ext>
+            </a:extLst>
+          </p:cNvPr>
+          <p:cNvSpPr txBox="1"/>
+          <p:nvPr/>
+        </p:nvSpPr>
+        <p:spPr>
+          <a:xfrm>
+            <a:off x="4059580" y="2990135"/>
+            <a:ext cx="482825" cy="153888"/>
+          </a:xfrm>
+          <a:prstGeom prst="rect">
+            <a:avLst/>
+          </a:prstGeom>
+          <a:noFill/>
+        </p:spPr>
+        <p:txBody>
+          <a:bodyPr wrap="square" rtlCol="0">
+            <a:spAutoFit/>
+          </a:bodyPr>
+          <a:lstStyle/>
+          <a:p>
+            <a:pPr algn="ctr"/>
+            <a:r>
+              <a:rPr lang="en-US" sz="400" b="1" dirty="0">
+                <a:latin typeface="Arial" panose="020B0604020202020204" pitchFamily="34" charset="0"/>
+                <a:cs typeface="Arial" panose="020B0604020202020204" pitchFamily="34" charset="0"/>
+              </a:rPr>
+              <a:t>Alanine</a:t>
+            </a:r>
+          </a:p>
+        </p:txBody>
+      </p:sp>
+      <p:cxnSp>
+        <p:nvCxnSpPr>
+          <p:cNvPr id="664" name="Straight Connector 663">
+            <a:extLst>
+              <a:ext uri="{FF2B5EF4-FFF2-40B4-BE49-F238E27FC236}">
+                <a16:creationId xmlns:a16="http://schemas.microsoft.com/office/drawing/2014/main" id="{20D13D07-A7D3-95DD-DC38-9000BDECF20E}"/>
+              </a:ext>
+            </a:extLst>
+          </p:cNvPr>
+          <p:cNvCxnSpPr>
+            <a:cxnSpLocks/>
+          </p:cNvCxnSpPr>
+          <p:nvPr/>
+        </p:nvCxnSpPr>
+        <p:spPr>
+          <a:xfrm flipH="1">
+            <a:off x="3909060" y="3066841"/>
+            <a:ext cx="239244" cy="77679"/>
           </a:xfrm>
           <a:prstGeom prst="line">
             <a:avLst/>

--- a/HeatplotSkeleton.pptx
+++ b/HeatplotSkeleton.pptx
@@ -270,7 +270,7 @@
           <a:p>
             <a:fld id="{E45D3C0A-EA16-4904-87EE-1F250A8E2B02}" type="datetimeFigureOut">
               <a:rPr lang="en-US" smtClean="0"/>
-              <a:t>8/12/2024</a:t>
+              <a:t>8/23/2024</a:t>
             </a:fld>
             <a:endParaRPr lang="en-US"/>
           </a:p>
@@ -468,7 +468,7 @@
           <a:p>
             <a:fld id="{E45D3C0A-EA16-4904-87EE-1F250A8E2B02}" type="datetimeFigureOut">
               <a:rPr lang="en-US" smtClean="0"/>
-              <a:t>8/12/2024</a:t>
+              <a:t>8/23/2024</a:t>
             </a:fld>
             <a:endParaRPr lang="en-US"/>
           </a:p>
@@ -676,7 +676,7 @@
           <a:p>
             <a:fld id="{E45D3C0A-EA16-4904-87EE-1F250A8E2B02}" type="datetimeFigureOut">
               <a:rPr lang="en-US" smtClean="0"/>
-              <a:t>8/12/2024</a:t>
+              <a:t>8/23/2024</a:t>
             </a:fld>
             <a:endParaRPr lang="en-US"/>
           </a:p>
@@ -874,7 +874,7 @@
           <a:p>
             <a:fld id="{E45D3C0A-EA16-4904-87EE-1F250A8E2B02}" type="datetimeFigureOut">
               <a:rPr lang="en-US" smtClean="0"/>
-              <a:t>8/12/2024</a:t>
+              <a:t>8/23/2024</a:t>
             </a:fld>
             <a:endParaRPr lang="en-US"/>
           </a:p>
@@ -1149,7 +1149,7 @@
           <a:p>
             <a:fld id="{E45D3C0A-EA16-4904-87EE-1F250A8E2B02}" type="datetimeFigureOut">
               <a:rPr lang="en-US" smtClean="0"/>
-              <a:t>8/12/2024</a:t>
+              <a:t>8/23/2024</a:t>
             </a:fld>
             <a:endParaRPr lang="en-US"/>
           </a:p>
@@ -1414,7 +1414,7 @@
           <a:p>
             <a:fld id="{E45D3C0A-EA16-4904-87EE-1F250A8E2B02}" type="datetimeFigureOut">
               <a:rPr lang="en-US" smtClean="0"/>
-              <a:t>8/12/2024</a:t>
+              <a:t>8/23/2024</a:t>
             </a:fld>
             <a:endParaRPr lang="en-US"/>
           </a:p>
@@ -1826,7 +1826,7 @@
           <a:p>
             <a:fld id="{E45D3C0A-EA16-4904-87EE-1F250A8E2B02}" type="datetimeFigureOut">
               <a:rPr lang="en-US" smtClean="0"/>
-              <a:t>8/12/2024</a:t>
+              <a:t>8/23/2024</a:t>
             </a:fld>
             <a:endParaRPr lang="en-US"/>
           </a:p>
@@ -1967,7 +1967,7 @@
           <a:p>
             <a:fld id="{E45D3C0A-EA16-4904-87EE-1F250A8E2B02}" type="datetimeFigureOut">
               <a:rPr lang="en-US" smtClean="0"/>
-              <a:t>8/12/2024</a:t>
+              <a:t>8/23/2024</a:t>
             </a:fld>
             <a:endParaRPr lang="en-US"/>
           </a:p>
@@ -2080,7 +2080,7 @@
           <a:p>
             <a:fld id="{E45D3C0A-EA16-4904-87EE-1F250A8E2B02}" type="datetimeFigureOut">
               <a:rPr lang="en-US" smtClean="0"/>
-              <a:t>8/12/2024</a:t>
+              <a:t>8/23/2024</a:t>
             </a:fld>
             <a:endParaRPr lang="en-US"/>
           </a:p>
@@ -2391,7 +2391,7 @@
           <a:p>
             <a:fld id="{E45D3C0A-EA16-4904-87EE-1F250A8E2B02}" type="datetimeFigureOut">
               <a:rPr lang="en-US" smtClean="0"/>
-              <a:t>8/12/2024</a:t>
+              <a:t>8/23/2024</a:t>
             </a:fld>
             <a:endParaRPr lang="en-US"/>
           </a:p>
@@ -2679,7 +2679,7 @@
           <a:p>
             <a:fld id="{E45D3C0A-EA16-4904-87EE-1F250A8E2B02}" type="datetimeFigureOut">
               <a:rPr lang="en-US" smtClean="0"/>
-              <a:t>8/12/2024</a:t>
+              <a:t>8/23/2024</a:t>
             </a:fld>
             <a:endParaRPr lang="en-US"/>
           </a:p>
@@ -2920,7 +2920,7 @@
           <a:p>
             <a:fld id="{E45D3C0A-EA16-4904-87EE-1F250A8E2B02}" type="datetimeFigureOut">
               <a:rPr lang="en-US" smtClean="0"/>
-              <a:t>8/12/2024</a:t>
+              <a:t>8/23/2024</a:t>
             </a:fld>
             <a:endParaRPr lang="en-US"/>
           </a:p>
@@ -3404,7 +3404,7 @@
         </p:nvSpPr>
         <p:spPr>
           <a:xfrm>
-            <a:off x="3585139" y="726743"/>
+            <a:off x="3859762" y="652153"/>
             <a:ext cx="389850" cy="153888"/>
           </a:xfrm>
           <a:prstGeom prst="rect">
@@ -3443,7 +3443,7 @@
         </p:nvSpPr>
         <p:spPr>
           <a:xfrm>
-            <a:off x="3422435" y="991114"/>
+            <a:off x="3697058" y="916524"/>
             <a:ext cx="715259" cy="153888"/>
           </a:xfrm>
           <a:prstGeom prst="rect">
@@ -3482,7 +3482,7 @@
         </p:nvSpPr>
         <p:spPr>
           <a:xfrm>
-            <a:off x="3415221" y="1255485"/>
+            <a:off x="3689844" y="1180895"/>
             <a:ext cx="729687" cy="153888"/>
           </a:xfrm>
           <a:prstGeom prst="rect">
@@ -3521,7 +3521,7 @@
         </p:nvSpPr>
         <p:spPr>
           <a:xfrm>
-            <a:off x="3400794" y="1519856"/>
+            <a:off x="3675417" y="1445266"/>
             <a:ext cx="758541" cy="153888"/>
           </a:xfrm>
           <a:prstGeom prst="rect">
@@ -3564,7 +3564,7 @@
         </p:nvSpPr>
         <p:spPr>
           <a:xfrm>
-            <a:off x="3512203" y="1784228"/>
+            <a:off x="3786826" y="1709638"/>
             <a:ext cx="535723" cy="123111"/>
           </a:xfrm>
           <a:prstGeom prst="rect">
@@ -3603,7 +3603,7 @@
         </p:nvSpPr>
         <p:spPr>
           <a:xfrm>
-            <a:off x="3425640" y="2075461"/>
+            <a:off x="3700263" y="2000871"/>
             <a:ext cx="708848" cy="153888"/>
           </a:xfrm>
           <a:prstGeom prst="rect">
@@ -3646,7 +3646,7 @@
         </p:nvSpPr>
         <p:spPr>
           <a:xfrm>
-            <a:off x="3395984" y="2312970"/>
+            <a:off x="3670607" y="2238380"/>
             <a:ext cx="768160" cy="153888"/>
           </a:xfrm>
           <a:prstGeom prst="rect">
@@ -3689,7 +3689,7 @@
         </p:nvSpPr>
         <p:spPr>
           <a:xfrm>
-            <a:off x="3395984" y="2577341"/>
+            <a:off x="3670607" y="2502751"/>
             <a:ext cx="768160" cy="153888"/>
           </a:xfrm>
           <a:prstGeom prst="rect">
@@ -3732,7 +3732,7 @@
         </p:nvSpPr>
         <p:spPr>
           <a:xfrm>
-            <a:off x="3452090" y="2841712"/>
+            <a:off x="3726713" y="2767122"/>
             <a:ext cx="655949" cy="138499"/>
           </a:xfrm>
           <a:prstGeom prst="rect">
@@ -3782,7 +3782,7 @@
         </p:nvSpPr>
         <p:spPr>
           <a:xfrm>
-            <a:off x="3535447" y="3106082"/>
+            <a:off x="3810069" y="3031492"/>
             <a:ext cx="489236" cy="153888"/>
           </a:xfrm>
           <a:prstGeom prst="rect">
@@ -3825,7 +3825,7 @@
         </p:nvSpPr>
         <p:spPr>
           <a:xfrm>
-            <a:off x="2905039" y="2957213"/>
+            <a:off x="3179662" y="2882623"/>
             <a:ext cx="453970" cy="153888"/>
           </a:xfrm>
           <a:prstGeom prst="rect">
@@ -3868,7 +3868,7 @@
         </p:nvSpPr>
         <p:spPr>
           <a:xfrm>
-            <a:off x="2655365" y="1784227"/>
+            <a:off x="2929988" y="1709637"/>
             <a:ext cx="546945" cy="123111"/>
           </a:xfrm>
           <a:prstGeom prst="rect">
@@ -3911,7 +3911,7 @@
         </p:nvSpPr>
         <p:spPr>
           <a:xfrm>
-            <a:off x="4168212" y="3480409"/>
+            <a:off x="3837320" y="3503262"/>
             <a:ext cx="434734" cy="153888"/>
           </a:xfrm>
           <a:prstGeom prst="rect">
@@ -4004,7 +4004,7 @@
         </p:nvSpPr>
         <p:spPr>
           <a:xfrm>
-            <a:off x="3224934" y="3688023"/>
+            <a:off x="2866387" y="3691779"/>
             <a:ext cx="595035" cy="153888"/>
           </a:xfrm>
           <a:prstGeom prst="rect">
@@ -4262,7 +4262,7 @@
         </p:nvSpPr>
         <p:spPr>
           <a:xfrm>
-            <a:off x="4825617" y="993048"/>
+            <a:off x="4925185" y="916524"/>
             <a:ext cx="787395" cy="153888"/>
           </a:xfrm>
           <a:prstGeom prst="rect">
@@ -4301,7 +4301,7 @@
         </p:nvSpPr>
         <p:spPr>
           <a:xfrm>
-            <a:off x="4854472" y="1308933"/>
+            <a:off x="4954039" y="1180895"/>
             <a:ext cx="729687" cy="153888"/>
           </a:xfrm>
           <a:prstGeom prst="rect">
@@ -4340,7 +4340,7 @@
         </p:nvSpPr>
         <p:spPr>
           <a:xfrm>
-            <a:off x="4877714" y="1624925"/>
+            <a:off x="4977283" y="1445266"/>
             <a:ext cx="683199" cy="153888"/>
           </a:xfrm>
           <a:prstGeom prst="rect">
@@ -4379,7 +4379,7 @@
         </p:nvSpPr>
         <p:spPr>
           <a:xfrm>
-            <a:off x="4775924" y="1900351"/>
+            <a:off x="4875492" y="1709638"/>
             <a:ext cx="886781" cy="153888"/>
           </a:xfrm>
           <a:prstGeom prst="rect">
@@ -4425,7 +4425,7 @@
         </p:nvSpPr>
         <p:spPr>
           <a:xfrm>
-            <a:off x="4771115" y="2216110"/>
+            <a:off x="4870683" y="2000871"/>
             <a:ext cx="896399" cy="153888"/>
           </a:xfrm>
           <a:prstGeom prst="rect">
@@ -4464,7 +4464,7 @@
         </p:nvSpPr>
         <p:spPr>
           <a:xfrm>
-            <a:off x="4844054" y="2558304"/>
+            <a:off x="4943619" y="2238380"/>
             <a:ext cx="750526" cy="153888"/>
           </a:xfrm>
           <a:prstGeom prst="rect">
@@ -4507,7 +4507,7 @@
         </p:nvSpPr>
         <p:spPr>
           <a:xfrm>
-            <a:off x="4854471" y="2845242"/>
+            <a:off x="4954039" y="2502751"/>
             <a:ext cx="729687" cy="153888"/>
           </a:xfrm>
           <a:prstGeom prst="rect">
@@ -4546,7 +4546,7 @@
         </p:nvSpPr>
         <p:spPr>
           <a:xfrm>
-            <a:off x="3570712" y="3351493"/>
+            <a:off x="3845335" y="3276903"/>
             <a:ext cx="418704" cy="123111"/>
           </a:xfrm>
           <a:prstGeom prst="rect">
@@ -4671,14 +4671,12 @@
           </p:cNvPr>
           <p:cNvCxnSpPr>
             <a:cxnSpLocks/>
-            <a:stCxn id="4" idx="2"/>
-            <a:endCxn id="5" idx="0"/>
           </p:cNvCxnSpPr>
           <p:nvPr/>
         </p:nvCxnSpPr>
         <p:spPr>
           <a:xfrm>
-            <a:off x="3780064" y="880631"/>
+            <a:off x="4054687" y="806041"/>
             <a:ext cx="1" cy="110483"/>
           </a:xfrm>
           <a:prstGeom prst="line">
@@ -4716,14 +4714,12 @@
           </p:cNvPr>
           <p:cNvCxnSpPr>
             <a:cxnSpLocks/>
-            <a:stCxn id="5" idx="2"/>
-            <a:endCxn id="6" idx="0"/>
           </p:cNvCxnSpPr>
           <p:nvPr/>
         </p:nvCxnSpPr>
         <p:spPr>
           <a:xfrm>
-            <a:off x="3780065" y="1145002"/>
+            <a:off x="4054687" y="1070412"/>
             <a:ext cx="0" cy="110483"/>
           </a:xfrm>
           <a:prstGeom prst="line">
@@ -4761,14 +4757,12 @@
           </p:cNvPr>
           <p:cNvCxnSpPr>
             <a:cxnSpLocks/>
-            <a:stCxn id="6" idx="2"/>
-            <a:endCxn id="7" idx="0"/>
           </p:cNvCxnSpPr>
           <p:nvPr/>
         </p:nvCxnSpPr>
         <p:spPr>
           <a:xfrm>
-            <a:off x="3780065" y="1409373"/>
+            <a:off x="4054687" y="1334783"/>
             <a:ext cx="0" cy="110483"/>
           </a:xfrm>
           <a:prstGeom prst="line">
@@ -4806,14 +4800,12 @@
           </p:cNvPr>
           <p:cNvCxnSpPr>
             <a:cxnSpLocks/>
-            <a:stCxn id="7" idx="2"/>
-            <a:endCxn id="8" idx="0"/>
           </p:cNvCxnSpPr>
           <p:nvPr/>
         </p:nvCxnSpPr>
         <p:spPr>
           <a:xfrm>
-            <a:off x="3780065" y="1673744"/>
+            <a:off x="4054687" y="1599154"/>
             <a:ext cx="0" cy="110484"/>
           </a:xfrm>
           <a:prstGeom prst="line">
@@ -4851,14 +4843,12 @@
           </p:cNvPr>
           <p:cNvCxnSpPr>
             <a:cxnSpLocks/>
-            <a:stCxn id="8" idx="2"/>
-            <a:endCxn id="9" idx="0"/>
           </p:cNvCxnSpPr>
           <p:nvPr/>
         </p:nvCxnSpPr>
         <p:spPr>
           <a:xfrm flipH="1">
-            <a:off x="3780064" y="1907339"/>
+            <a:off x="4054687" y="1832749"/>
             <a:ext cx="1" cy="168122"/>
           </a:xfrm>
           <a:prstGeom prst="line">
@@ -4896,14 +4886,12 @@
           </p:cNvPr>
           <p:cNvCxnSpPr>
             <a:cxnSpLocks/>
-            <a:stCxn id="9" idx="2"/>
-            <a:endCxn id="10" idx="0"/>
           </p:cNvCxnSpPr>
           <p:nvPr/>
         </p:nvCxnSpPr>
         <p:spPr>
           <a:xfrm>
-            <a:off x="3780064" y="2229349"/>
+            <a:off x="4054687" y="2154759"/>
             <a:ext cx="0" cy="83621"/>
           </a:xfrm>
           <a:prstGeom prst="line">
@@ -4941,14 +4929,12 @@
           </p:cNvPr>
           <p:cNvCxnSpPr>
             <a:cxnSpLocks/>
-            <a:stCxn id="10" idx="2"/>
-            <a:endCxn id="11" idx="0"/>
           </p:cNvCxnSpPr>
           <p:nvPr/>
         </p:nvCxnSpPr>
         <p:spPr>
           <a:xfrm>
-            <a:off x="3780064" y="2466858"/>
+            <a:off x="4054687" y="2392268"/>
             <a:ext cx="0" cy="110483"/>
           </a:xfrm>
           <a:prstGeom prst="line">
@@ -4986,14 +4972,12 @@
           </p:cNvPr>
           <p:cNvCxnSpPr>
             <a:cxnSpLocks/>
-            <a:stCxn id="11" idx="2"/>
-            <a:endCxn id="12" idx="0"/>
           </p:cNvCxnSpPr>
           <p:nvPr/>
         </p:nvCxnSpPr>
         <p:spPr>
           <a:xfrm>
-            <a:off x="3780064" y="2731229"/>
+            <a:off x="4054687" y="2656639"/>
             <a:ext cx="1" cy="110483"/>
           </a:xfrm>
           <a:prstGeom prst="line">
@@ -5031,15 +5015,13 @@
           </p:cNvPr>
           <p:cNvCxnSpPr>
             <a:cxnSpLocks/>
-            <a:stCxn id="12" idx="2"/>
-            <a:endCxn id="13" idx="0"/>
           </p:cNvCxnSpPr>
           <p:nvPr/>
         </p:nvCxnSpPr>
         <p:spPr>
-          <a:xfrm>
-            <a:off x="3780065" y="2980211"/>
-            <a:ext cx="0" cy="125871"/>
+          <a:xfrm flipH="1">
+            <a:off x="4054687" y="2905621"/>
+            <a:ext cx="1" cy="125871"/>
           </a:xfrm>
           <a:prstGeom prst="line">
             <a:avLst/>
@@ -5076,15 +5058,13 @@
           </p:cNvPr>
           <p:cNvCxnSpPr>
             <a:cxnSpLocks/>
-            <a:stCxn id="13" idx="2"/>
-            <a:endCxn id="34" idx="0"/>
           </p:cNvCxnSpPr>
           <p:nvPr/>
         </p:nvCxnSpPr>
         <p:spPr>
-          <a:xfrm flipH="1">
-            <a:off x="3780064" y="3259970"/>
-            <a:ext cx="1" cy="91523"/>
+          <a:xfrm>
+            <a:off x="4054687" y="3185380"/>
+            <a:ext cx="0" cy="91523"/>
           </a:xfrm>
           <a:prstGeom prst="line">
             <a:avLst/>
@@ -5128,8 +5108,8 @@
         </p:nvCxnSpPr>
         <p:spPr>
           <a:xfrm flipH="1">
-            <a:off x="3522452" y="3557353"/>
-            <a:ext cx="645760" cy="130670"/>
+            <a:off x="3163905" y="3580206"/>
+            <a:ext cx="673415" cy="111573"/>
           </a:xfrm>
           <a:prstGeom prst="line">
             <a:avLst/>
@@ -5173,8 +5153,8 @@
         </p:nvCxnSpPr>
         <p:spPr>
           <a:xfrm flipH="1" flipV="1">
-            <a:off x="4602946" y="3557353"/>
-            <a:ext cx="353004" cy="155666"/>
+            <a:off x="4272054" y="3580206"/>
+            <a:ext cx="683896" cy="132813"/>
           </a:xfrm>
           <a:prstGeom prst="line">
             <a:avLst/>
@@ -5533,8 +5513,8 @@
         </p:nvCxnSpPr>
         <p:spPr>
           <a:xfrm flipH="1">
-            <a:off x="3086432" y="3841911"/>
-            <a:ext cx="436020" cy="117064"/>
+            <a:off x="3086432" y="3845667"/>
+            <a:ext cx="77473" cy="113308"/>
           </a:xfrm>
           <a:prstGeom prst="line">
             <a:avLst/>
@@ -5578,7 +5558,7 @@
         </p:nvCxnSpPr>
         <p:spPr>
           <a:xfrm flipH="1">
-            <a:off x="2928838" y="1596800"/>
+            <a:off x="3203461" y="1522210"/>
             <a:ext cx="471956" cy="187427"/>
           </a:xfrm>
           <a:prstGeom prst="line">
@@ -5623,7 +5603,7 @@
         </p:nvCxnSpPr>
         <p:spPr>
           <a:xfrm flipH="1" flipV="1">
-            <a:off x="3202310" y="1845783"/>
+            <a:off x="3476933" y="1771193"/>
             <a:ext cx="309893" cy="1"/>
           </a:xfrm>
           <a:prstGeom prst="line">
@@ -5661,15 +5641,13 @@
           </p:cNvPr>
           <p:cNvCxnSpPr>
             <a:cxnSpLocks/>
-            <a:stCxn id="25" idx="2"/>
-            <a:endCxn id="26" idx="0"/>
           </p:cNvCxnSpPr>
           <p:nvPr/>
         </p:nvCxnSpPr>
         <p:spPr>
           <a:xfrm>
-            <a:off x="5219315" y="1146936"/>
-            <a:ext cx="1" cy="161997"/>
+            <a:off x="5318882" y="1070412"/>
+            <a:ext cx="0" cy="110483"/>
           </a:xfrm>
           <a:prstGeom prst="line">
             <a:avLst/>
@@ -5706,15 +5684,13 @@
           </p:cNvPr>
           <p:cNvCxnSpPr>
             <a:cxnSpLocks/>
-            <a:stCxn id="26" idx="2"/>
-            <a:endCxn id="27" idx="0"/>
           </p:cNvCxnSpPr>
           <p:nvPr/>
         </p:nvCxnSpPr>
         <p:spPr>
-          <a:xfrm flipH="1">
-            <a:off x="5219314" y="1462821"/>
-            <a:ext cx="2" cy="162104"/>
+          <a:xfrm>
+            <a:off x="5318881" y="1334783"/>
+            <a:ext cx="0" cy="110483"/>
           </a:xfrm>
           <a:prstGeom prst="line">
             <a:avLst/>
@@ -5751,15 +5727,13 @@
           </p:cNvPr>
           <p:cNvCxnSpPr>
             <a:cxnSpLocks/>
-            <a:stCxn id="27" idx="2"/>
-            <a:endCxn id="29" idx="0"/>
           </p:cNvCxnSpPr>
           <p:nvPr/>
         </p:nvCxnSpPr>
         <p:spPr>
           <a:xfrm>
-            <a:off x="5219314" y="1778813"/>
-            <a:ext cx="1" cy="121538"/>
+            <a:off x="5318883" y="1599154"/>
+            <a:ext cx="0" cy="110484"/>
           </a:xfrm>
           <a:prstGeom prst="line">
             <a:avLst/>
@@ -5796,15 +5770,13 @@
           </p:cNvPr>
           <p:cNvCxnSpPr>
             <a:cxnSpLocks/>
-            <a:stCxn id="30" idx="2"/>
-            <a:endCxn id="32" idx="0"/>
           </p:cNvCxnSpPr>
           <p:nvPr/>
         </p:nvCxnSpPr>
         <p:spPr>
-          <a:xfrm>
-            <a:off x="5219315" y="2369998"/>
-            <a:ext cx="2" cy="188306"/>
+          <a:xfrm flipH="1">
+            <a:off x="5318881" y="2154759"/>
+            <a:ext cx="1" cy="83621"/>
           </a:xfrm>
           <a:prstGeom prst="line">
             <a:avLst/>
@@ -5846,9 +5818,9 @@
           <p:nvPr/>
         </p:nvCxnSpPr>
         <p:spPr>
-          <a:xfrm flipH="1" flipV="1">
-            <a:off x="4137694" y="1068058"/>
-            <a:ext cx="658187" cy="7696"/>
+          <a:xfrm flipH="1">
+            <a:off x="4412317" y="993468"/>
+            <a:ext cx="460136" cy="0"/>
           </a:xfrm>
           <a:prstGeom prst="line">
             <a:avLst/>
@@ -5885,15 +5857,13 @@
           </p:cNvPr>
           <p:cNvCxnSpPr>
             <a:cxnSpLocks/>
-            <a:stCxn id="17" idx="1"/>
-            <a:endCxn id="34" idx="2"/>
           </p:cNvCxnSpPr>
           <p:nvPr/>
         </p:nvCxnSpPr>
         <p:spPr>
-          <a:xfrm flipH="1" flipV="1">
-            <a:off x="3780064" y="3474604"/>
-            <a:ext cx="388148" cy="82749"/>
+          <a:xfrm flipV="1">
+            <a:off x="4047714" y="3400014"/>
+            <a:ext cx="0" cy="103248"/>
           </a:xfrm>
           <a:prstGeom prst="line">
             <a:avLst/>
@@ -5936,8 +5906,8 @@
         </p:nvCxnSpPr>
         <p:spPr>
           <a:xfrm flipH="1" flipV="1">
-            <a:off x="3226344" y="3093601"/>
-            <a:ext cx="309103" cy="89425"/>
+            <a:off x="3500967" y="3019011"/>
+            <a:ext cx="309102" cy="89425"/>
           </a:xfrm>
           <a:prstGeom prst="line">
             <a:avLst/>
@@ -5977,7 +5947,7 @@
         </p:nvSpPr>
         <p:spPr>
           <a:xfrm>
-            <a:off x="1559072" y="1891304"/>
+            <a:off x="1857062" y="1814519"/>
             <a:ext cx="460382" cy="153888"/>
           </a:xfrm>
           <a:prstGeom prst="rect">
@@ -6020,7 +5990,7 @@
         </p:nvSpPr>
         <p:spPr>
           <a:xfrm>
-            <a:off x="1519798" y="2738001"/>
+            <a:off x="1817788" y="2661216"/>
             <a:ext cx="538930" cy="153888"/>
           </a:xfrm>
           <a:prstGeom prst="rect">
@@ -6063,7 +6033,7 @@
         </p:nvSpPr>
         <p:spPr>
           <a:xfrm>
-            <a:off x="1524607" y="2980411"/>
+            <a:off x="1822597" y="2903626"/>
             <a:ext cx="529312" cy="153888"/>
           </a:xfrm>
           <a:prstGeom prst="rect">
@@ -6106,7 +6076,7 @@
         </p:nvSpPr>
         <p:spPr>
           <a:xfrm>
-            <a:off x="756627" y="2980411"/>
+            <a:off x="1054617" y="2903626"/>
             <a:ext cx="731520" cy="153888"/>
           </a:xfrm>
           <a:prstGeom prst="rect">
@@ -6152,7 +6122,7 @@
         </p:nvSpPr>
         <p:spPr>
           <a:xfrm>
-            <a:off x="197641" y="2980411"/>
+            <a:off x="495631" y="2903626"/>
             <a:ext cx="614271" cy="153888"/>
           </a:xfrm>
           <a:prstGeom prst="rect">
@@ -6195,7 +6165,7 @@
         </p:nvSpPr>
         <p:spPr>
           <a:xfrm>
-            <a:off x="2350285" y="2738001"/>
+            <a:off x="2648275" y="2661216"/>
             <a:ext cx="372218" cy="153888"/>
           </a:xfrm>
           <a:prstGeom prst="rect">
@@ -6238,7 +6208,7 @@
         </p:nvSpPr>
         <p:spPr>
           <a:xfrm>
-            <a:off x="2365515" y="2980411"/>
+            <a:off x="2663505" y="2903626"/>
             <a:ext cx="341760" cy="153888"/>
           </a:xfrm>
           <a:prstGeom prst="rect">
@@ -6281,7 +6251,7 @@
         </p:nvSpPr>
         <p:spPr>
           <a:xfrm>
-            <a:off x="2335859" y="3215274"/>
+            <a:off x="2633849" y="3138489"/>
             <a:ext cx="401071" cy="153888"/>
           </a:xfrm>
           <a:prstGeom prst="rect">
@@ -6328,7 +6298,7 @@
         </p:nvCxnSpPr>
         <p:spPr>
           <a:xfrm flipH="1">
-            <a:off x="1789263" y="2512986"/>
+            <a:off x="2087253" y="2436201"/>
             <a:ext cx="546976" cy="225015"/>
           </a:xfrm>
           <a:prstGeom prst="line">
@@ -6373,7 +6343,7 @@
         </p:nvCxnSpPr>
         <p:spPr>
           <a:xfrm>
-            <a:off x="1789263" y="2891889"/>
+            <a:off x="2087253" y="2815104"/>
             <a:ext cx="0" cy="88522"/>
           </a:xfrm>
           <a:prstGeom prst="line">
@@ -6416,7 +6386,7 @@
         </p:nvCxnSpPr>
         <p:spPr>
           <a:xfrm flipH="1">
-            <a:off x="1426845" y="3068041"/>
+            <a:off x="1724835" y="2991256"/>
             <a:ext cx="103373" cy="0"/>
           </a:xfrm>
           <a:prstGeom prst="line">
@@ -6461,7 +6431,7 @@
         </p:nvCxnSpPr>
         <p:spPr>
           <a:xfrm>
-            <a:off x="2536394" y="2891889"/>
+            <a:off x="2834384" y="2815104"/>
             <a:ext cx="1" cy="88522"/>
           </a:xfrm>
           <a:prstGeom prst="line">
@@ -6505,7 +6475,7 @@
         </p:nvCxnSpPr>
         <p:spPr>
           <a:xfrm>
-            <a:off x="2536395" y="3134299"/>
+            <a:off x="2834385" y="3057514"/>
             <a:ext cx="0" cy="71095"/>
           </a:xfrm>
           <a:prstGeom prst="line">
@@ -6550,7 +6520,7 @@
         </p:nvCxnSpPr>
         <p:spPr>
           <a:xfrm>
-            <a:off x="2053919" y="3057355"/>
+            <a:off x="2351909" y="2980570"/>
             <a:ext cx="311596" cy="0"/>
           </a:xfrm>
           <a:prstGeom prst="line">
@@ -6588,15 +6558,14 @@
           </p:cNvPr>
           <p:cNvCxnSpPr>
             <a:cxnSpLocks/>
-            <a:stCxn id="65" idx="2"/>
             <a:endCxn id="81" idx="3"/>
           </p:cNvCxnSpPr>
           <p:nvPr/>
         </p:nvCxnSpPr>
         <p:spPr>
           <a:xfrm flipH="1">
-            <a:off x="2707275" y="2705505"/>
-            <a:ext cx="475672" cy="351850"/>
+            <a:off x="3005265" y="2621892"/>
+            <a:ext cx="301203" cy="358678"/>
           </a:xfrm>
           <a:prstGeom prst="line">
             <a:avLst/>
@@ -8175,7 +8144,7 @@
         </p:nvSpPr>
         <p:spPr>
           <a:xfrm>
-            <a:off x="8750607" y="6090854"/>
+            <a:off x="8755659" y="5945895"/>
             <a:ext cx="404277" cy="153888"/>
           </a:xfrm>
           <a:prstGeom prst="rect">
@@ -8871,7 +8840,7 @@
         <p:spPr>
           <a:xfrm flipH="1" flipV="1">
             <a:off x="8481187" y="5367683"/>
-            <a:ext cx="471559" cy="723171"/>
+            <a:ext cx="476611" cy="578212"/>
           </a:xfrm>
           <a:prstGeom prst="line">
             <a:avLst/>
@@ -9308,15 +9277,14 @@
           </p:cNvPr>
           <p:cNvCxnSpPr>
             <a:cxnSpLocks/>
-            <a:stCxn id="19" idx="1"/>
             <a:endCxn id="176" idx="3"/>
           </p:cNvCxnSpPr>
           <p:nvPr/>
         </p:nvCxnSpPr>
         <p:spPr>
           <a:xfrm flipH="1">
-            <a:off x="1355718" y="3764967"/>
-            <a:ext cx="1869216" cy="253872"/>
+            <a:off x="1355718" y="3781787"/>
+            <a:ext cx="1505333" cy="237052"/>
           </a:xfrm>
           <a:prstGeom prst="line">
             <a:avLst/>
@@ -10578,7 +10546,7 @@
         </p:nvSpPr>
         <p:spPr>
           <a:xfrm>
-            <a:off x="1926511" y="2359098"/>
+            <a:off x="2224501" y="2282313"/>
             <a:ext cx="819455" cy="153888"/>
           </a:xfrm>
           <a:prstGeom prst="rect">
@@ -10621,7 +10589,7 @@
         </p:nvCxnSpPr>
         <p:spPr>
           <a:xfrm flipV="1">
-            <a:off x="2336239" y="2201906"/>
+            <a:off x="2634229" y="2125121"/>
             <a:ext cx="1" cy="157192"/>
           </a:xfrm>
           <a:prstGeom prst="line">
@@ -13878,9 +13846,9 @@
           <p:nvPr/>
         </p:nvCxnSpPr>
         <p:spPr>
-          <a:xfrm flipV="1">
-            <a:off x="5560913" y="1582800"/>
-            <a:ext cx="517240" cy="119069"/>
+          <a:xfrm>
+            <a:off x="5660482" y="1522210"/>
+            <a:ext cx="417671" cy="60590"/>
           </a:xfrm>
           <a:prstGeom prst="line">
             <a:avLst/>
@@ -14250,7 +14218,7 @@
         </p:nvSpPr>
         <p:spPr>
           <a:xfrm>
-            <a:off x="2283762" y="3443953"/>
+            <a:off x="2581752" y="3367168"/>
             <a:ext cx="505267" cy="153888"/>
           </a:xfrm>
           <a:prstGeom prst="rect">
@@ -14304,7 +14272,7 @@
         </p:nvCxnSpPr>
         <p:spPr>
           <a:xfrm>
-            <a:off x="2536395" y="3369162"/>
+            <a:off x="2834385" y="3292377"/>
             <a:ext cx="1" cy="74791"/>
           </a:xfrm>
           <a:prstGeom prst="line">
@@ -15024,15 +14992,13 @@
           </p:cNvPr>
           <p:cNvCxnSpPr>
             <a:cxnSpLocks/>
-            <a:stCxn id="29" idx="2"/>
-            <a:endCxn id="30" idx="0"/>
           </p:cNvCxnSpPr>
           <p:nvPr/>
         </p:nvCxnSpPr>
         <p:spPr>
           <a:xfrm>
-            <a:off x="5219315" y="2054239"/>
-            <a:ext cx="0" cy="161871"/>
+            <a:off x="5318882" y="1863526"/>
+            <a:ext cx="0" cy="137345"/>
           </a:xfrm>
           <a:prstGeom prst="line">
             <a:avLst/>
@@ -15069,15 +15035,13 @@
           </p:cNvPr>
           <p:cNvCxnSpPr>
             <a:cxnSpLocks/>
-            <a:stCxn id="32" idx="2"/>
-            <a:endCxn id="33" idx="0"/>
           </p:cNvCxnSpPr>
           <p:nvPr/>
         </p:nvCxnSpPr>
         <p:spPr>
-          <a:xfrm flipH="1">
-            <a:off x="5219315" y="2712192"/>
-            <a:ext cx="2" cy="133050"/>
+          <a:xfrm>
+            <a:off x="5318881" y="2392268"/>
+            <a:ext cx="1" cy="110483"/>
           </a:xfrm>
           <a:prstGeom prst="line">
             <a:avLst/>
@@ -15770,7 +15734,7 @@
         </p:nvSpPr>
         <p:spPr>
           <a:xfrm>
-            <a:off x="1962580" y="2048018"/>
+            <a:off x="2260570" y="1971233"/>
             <a:ext cx="747320" cy="153888"/>
           </a:xfrm>
           <a:prstGeom prst="rect">
@@ -15813,7 +15777,7 @@
         </p:nvCxnSpPr>
         <p:spPr>
           <a:xfrm>
-            <a:off x="2019454" y="1968248"/>
+            <a:off x="2317444" y="1891463"/>
             <a:ext cx="316786" cy="79770"/>
           </a:xfrm>
           <a:prstGeom prst="line">
@@ -15858,7 +15822,7 @@
         </p:nvCxnSpPr>
         <p:spPr>
           <a:xfrm>
-            <a:off x="1789263" y="2045192"/>
+            <a:off x="2087253" y="1968407"/>
             <a:ext cx="0" cy="692809"/>
           </a:xfrm>
           <a:prstGeom prst="line">
@@ -15899,7 +15863,7 @@
         </p:nvSpPr>
         <p:spPr>
           <a:xfrm>
-            <a:off x="777298" y="2550440"/>
+            <a:off x="1075288" y="2473655"/>
             <a:ext cx="861133" cy="153888"/>
           </a:xfrm>
           <a:prstGeom prst="rect">
@@ -15949,7 +15913,7 @@
         </p:nvCxnSpPr>
         <p:spPr>
           <a:xfrm flipV="1">
-            <a:off x="1207865" y="2045192"/>
+            <a:off x="1505855" y="1968407"/>
             <a:ext cx="581398" cy="505248"/>
           </a:xfrm>
           <a:prstGeom prst="line">
@@ -15990,7 +15954,7 @@
         </p:nvSpPr>
         <p:spPr>
           <a:xfrm>
-            <a:off x="168943" y="2426721"/>
+            <a:off x="466933" y="2349936"/>
             <a:ext cx="681597" cy="153888"/>
           </a:xfrm>
           <a:prstGeom prst="rect">
@@ -16040,7 +16004,7 @@
         </p:nvCxnSpPr>
         <p:spPr>
           <a:xfrm flipH="1" flipV="1">
-            <a:off x="509742" y="2580609"/>
+            <a:off x="807732" y="2503824"/>
             <a:ext cx="267556" cy="46775"/>
           </a:xfrm>
           <a:prstGeom prst="line">
@@ -16081,7 +16045,7 @@
         </p:nvSpPr>
         <p:spPr>
           <a:xfrm>
-            <a:off x="0" y="2191338"/>
+            <a:off x="297990" y="2114553"/>
             <a:ext cx="1114267" cy="153888"/>
           </a:xfrm>
           <a:prstGeom prst="rect">
@@ -16131,7 +16095,7 @@
         </p:nvCxnSpPr>
         <p:spPr>
           <a:xfrm flipH="1">
-            <a:off x="557134" y="2084471"/>
+            <a:off x="855124" y="2007686"/>
             <a:ext cx="498676" cy="106867"/>
           </a:xfrm>
           <a:prstGeom prst="line">
@@ -16176,7 +16140,7 @@
         </p:nvCxnSpPr>
         <p:spPr>
           <a:xfrm flipH="1">
-            <a:off x="509742" y="2345226"/>
+            <a:off x="807732" y="2268441"/>
             <a:ext cx="47392" cy="81495"/>
           </a:xfrm>
           <a:prstGeom prst="line">
@@ -16217,7 +16181,7 @@
         </p:nvSpPr>
         <p:spPr>
           <a:xfrm>
-            <a:off x="636464" y="1930583"/>
+            <a:off x="934454" y="1853798"/>
             <a:ext cx="838691" cy="153888"/>
           </a:xfrm>
           <a:prstGeom prst="rect">
@@ -16267,7 +16231,7 @@
         </p:nvCxnSpPr>
         <p:spPr>
           <a:xfrm>
-            <a:off x="1055810" y="2084471"/>
+            <a:off x="1353800" y="2007686"/>
             <a:ext cx="152055" cy="465969"/>
           </a:xfrm>
           <a:prstGeom prst="line">
@@ -16476,7 +16440,7 @@
         </p:nvSpPr>
         <p:spPr>
           <a:xfrm>
-            <a:off x="2939352" y="3215274"/>
+            <a:off x="3213975" y="3140684"/>
             <a:ext cx="482825" cy="153888"/>
           </a:xfrm>
           <a:prstGeom prst="rect">
@@ -16740,7 +16704,7 @@
         </p:nvCxnSpPr>
         <p:spPr>
           <a:xfrm flipH="1" flipV="1">
-            <a:off x="3422177" y="3292218"/>
+            <a:off x="3696800" y="3217628"/>
             <a:ext cx="148535" cy="120831"/>
           </a:xfrm>
           <a:prstGeom prst="line">
@@ -16869,7 +16833,7 @@
         </p:nvSpPr>
         <p:spPr>
           <a:xfrm>
-            <a:off x="2944968" y="3443953"/>
+            <a:off x="3256461" y="3367765"/>
             <a:ext cx="439544" cy="153888"/>
           </a:xfrm>
           <a:prstGeom prst="rect">
@@ -16906,13 +16870,12 @@
           <p:cNvCxnSpPr>
             <a:cxnSpLocks/>
             <a:stCxn id="34" idx="1"/>
-            <a:endCxn id="93" idx="3"/>
           </p:cNvCxnSpPr>
           <p:nvPr/>
         </p:nvCxnSpPr>
         <p:spPr>
           <a:xfrm flipH="1">
-            <a:off x="3384512" y="3413049"/>
+            <a:off x="3659135" y="3338459"/>
             <a:ext cx="186200" cy="107848"/>
           </a:xfrm>
           <a:prstGeom prst="line">
@@ -17168,7 +17131,7 @@
         </p:nvCxnSpPr>
         <p:spPr>
           <a:xfrm flipH="1">
-            <a:off x="695325" y="3068041"/>
+            <a:off x="993315" y="2991256"/>
             <a:ext cx="146274" cy="0"/>
           </a:xfrm>
           <a:prstGeom prst="line">
@@ -17209,7 +17172,7 @@
         </p:nvSpPr>
         <p:spPr>
           <a:xfrm>
-            <a:off x="1674669" y="3674130"/>
+            <a:off x="1972659" y="3597345"/>
             <a:ext cx="372218" cy="153888"/>
           </a:xfrm>
           <a:prstGeom prst="rect">
@@ -17252,7 +17215,7 @@
         </p:nvSpPr>
         <p:spPr>
           <a:xfrm>
-            <a:off x="1616961" y="3443953"/>
+            <a:off x="1914951" y="3367168"/>
             <a:ext cx="487634" cy="153888"/>
           </a:xfrm>
           <a:prstGeom prst="rect">
@@ -17295,7 +17258,7 @@
         </p:nvSpPr>
         <p:spPr>
           <a:xfrm>
-            <a:off x="1502349" y="3215274"/>
+            <a:off x="1800339" y="3138489"/>
             <a:ext cx="716863" cy="153888"/>
           </a:xfrm>
           <a:prstGeom prst="rect">
@@ -17356,7 +17319,7 @@
         </p:nvCxnSpPr>
         <p:spPr>
           <a:xfrm flipH="1">
-            <a:off x="2219212" y="3292218"/>
+            <a:off x="2517202" y="3215433"/>
             <a:ext cx="116647" cy="0"/>
           </a:xfrm>
           <a:prstGeom prst="line">
@@ -17401,7 +17364,7 @@
         </p:nvCxnSpPr>
         <p:spPr>
           <a:xfrm flipH="1">
-            <a:off x="1860778" y="3369162"/>
+            <a:off x="2158768" y="3292377"/>
             <a:ext cx="3" cy="74791"/>
           </a:xfrm>
           <a:prstGeom prst="line">
@@ -17446,7 +17409,7 @@
         </p:nvCxnSpPr>
         <p:spPr>
           <a:xfrm>
-            <a:off x="1860778" y="3597841"/>
+            <a:off x="2158768" y="3521056"/>
             <a:ext cx="0" cy="76289"/>
           </a:xfrm>
           <a:prstGeom prst="line">
@@ -17487,7 +17450,7 @@
         </p:nvSpPr>
         <p:spPr>
           <a:xfrm>
-            <a:off x="2903062" y="2551617"/>
+            <a:off x="3177685" y="2477027"/>
             <a:ext cx="559769" cy="153888"/>
           </a:xfrm>
           <a:prstGeom prst="rect">
@@ -17534,7 +17497,7 @@
         </p:nvCxnSpPr>
         <p:spPr>
           <a:xfrm flipH="1">
-            <a:off x="3182947" y="2389914"/>
+            <a:off x="3457570" y="2315324"/>
             <a:ext cx="213037" cy="161703"/>
           </a:xfrm>
           <a:prstGeom prst="line">
@@ -17575,7 +17538,7 @@
         </p:nvSpPr>
         <p:spPr>
           <a:xfrm>
-            <a:off x="2301688" y="1436067"/>
+            <a:off x="2576311" y="1361477"/>
             <a:ext cx="716863" cy="153888"/>
           </a:xfrm>
           <a:prstGeom prst="rect">
@@ -17617,7 +17580,7 @@
         </p:nvCxnSpPr>
         <p:spPr>
           <a:xfrm>
-            <a:off x="2660120" y="1589955"/>
+            <a:off x="2934743" y="1515365"/>
             <a:ext cx="150136" cy="238845"/>
           </a:xfrm>
           <a:prstGeom prst="line">
@@ -17658,7 +17621,7 @@
         </p:nvSpPr>
         <p:spPr>
           <a:xfrm>
-            <a:off x="2464393" y="1205782"/>
+            <a:off x="2739016" y="1131192"/>
             <a:ext cx="391454" cy="153888"/>
           </a:xfrm>
           <a:prstGeom prst="rect">
@@ -17701,7 +17664,7 @@
         </p:nvCxnSpPr>
         <p:spPr>
           <a:xfrm>
-            <a:off x="2660120" y="1359670"/>
+            <a:off x="2934743" y="1285080"/>
             <a:ext cx="0" cy="76397"/>
           </a:xfrm>
           <a:prstGeom prst="line">
@@ -17963,7 +17926,7 @@
         </p:nvSpPr>
         <p:spPr>
           <a:xfrm>
-            <a:off x="3072668" y="844829"/>
+            <a:off x="3347291" y="770239"/>
             <a:ext cx="444352" cy="115416"/>
           </a:xfrm>
           <a:prstGeom prst="rect">
@@ -18002,7 +17965,7 @@
         </p:nvSpPr>
         <p:spPr>
           <a:xfrm>
-            <a:off x="2761777" y="654186"/>
+            <a:off x="3036400" y="579596"/>
             <a:ext cx="444352" cy="115416"/>
           </a:xfrm>
           <a:prstGeom prst="rect">
@@ -18043,7 +18006,7 @@
         </p:nvCxnSpPr>
         <p:spPr>
           <a:xfrm>
-            <a:off x="3075246" y="750366"/>
+            <a:off x="3349869" y="675776"/>
             <a:ext cx="195544" cy="138326"/>
           </a:xfrm>
           <a:prstGeom prst="line">
@@ -18086,7 +18049,7 @@
         </p:nvCxnSpPr>
         <p:spPr>
           <a:xfrm>
-            <a:off x="3312678" y="929376"/>
+            <a:off x="3587301" y="854786"/>
             <a:ext cx="151154" cy="110475"/>
           </a:xfrm>
           <a:prstGeom prst="line">
@@ -18127,7 +18090,7 @@
         </p:nvSpPr>
         <p:spPr>
           <a:xfrm>
-            <a:off x="3981805" y="3184240"/>
+            <a:off x="4369745" y="3170962"/>
             <a:ext cx="494046" cy="153888"/>
           </a:xfrm>
           <a:prstGeom prst="rect">
@@ -18156,49 +18119,6 @@
           </a:p>
         </p:txBody>
       </p:sp>
-      <p:cxnSp>
-        <p:nvCxnSpPr>
-          <p:cNvPr id="15" name="Straight Connector 14">
-            <a:extLst>
-              <a:ext uri="{FF2B5EF4-FFF2-40B4-BE49-F238E27FC236}">
-                <a16:creationId xmlns:a16="http://schemas.microsoft.com/office/drawing/2014/main" id="{FD55D931-D375-D022-7C65-66A7D579F676}"/>
-              </a:ext>
-            </a:extLst>
-          </p:cNvPr>
-          <p:cNvCxnSpPr>
-            <a:cxnSpLocks/>
-          </p:cNvCxnSpPr>
-          <p:nvPr/>
-        </p:nvCxnSpPr>
-        <p:spPr>
-          <a:xfrm flipH="1">
-            <a:off x="3980671" y="3315661"/>
-            <a:ext cx="145655" cy="103738"/>
-          </a:xfrm>
-          <a:prstGeom prst="line">
-            <a:avLst/>
-          </a:prstGeom>
-          <a:ln>
-            <a:solidFill>
-              <a:schemeClr val="tx1"/>
-            </a:solidFill>
-          </a:ln>
-        </p:spPr>
-        <p:style>
-          <a:lnRef idx="1">
-            <a:schemeClr val="accent1"/>
-          </a:lnRef>
-          <a:fillRef idx="0">
-            <a:schemeClr val="accent1"/>
-          </a:fillRef>
-          <a:effectRef idx="0">
-            <a:schemeClr val="accent1"/>
-          </a:effectRef>
-          <a:fontRef idx="minor">
-            <a:schemeClr val="tx1"/>
-          </a:fontRef>
-        </p:style>
-      </p:cxnSp>
       <p:cxnSp>
         <p:nvCxnSpPr>
           <p:cNvPr id="614" name="Straight Connector 613">
@@ -18474,7 +18394,7 @@
         </p:nvSpPr>
         <p:spPr>
           <a:xfrm>
-            <a:off x="4059580" y="2990135"/>
+            <a:off x="4334203" y="2915545"/>
             <a:ext cx="482825" cy="153888"/>
           </a:xfrm>
           <a:prstGeom prst="rect">
@@ -18515,7 +18435,136 @@
         </p:nvCxnSpPr>
         <p:spPr>
           <a:xfrm flipH="1">
-            <a:off x="3909060" y="3066841"/>
+            <a:off x="4183683" y="2992251"/>
+            <a:ext cx="239244" cy="77679"/>
+          </a:xfrm>
+          <a:prstGeom prst="line">
+            <a:avLst/>
+          </a:prstGeom>
+          <a:ln>
+            <a:solidFill>
+              <a:schemeClr val="tx1"/>
+            </a:solidFill>
+          </a:ln>
+        </p:spPr>
+        <p:style>
+          <a:lnRef idx="1">
+            <a:schemeClr val="accent1"/>
+          </a:lnRef>
+          <a:fillRef idx="0">
+            <a:schemeClr val="accent1"/>
+          </a:fillRef>
+          <a:effectRef idx="0">
+            <a:schemeClr val="accent1"/>
+          </a:effectRef>
+          <a:fontRef idx="minor">
+            <a:schemeClr val="tx1"/>
+          </a:fontRef>
+        </p:style>
+      </p:cxnSp>
+      <p:sp>
+        <p:nvSpPr>
+          <p:cNvPr id="28" name="TextBox 27">
+            <a:extLst>
+              <a:ext uri="{FF2B5EF4-FFF2-40B4-BE49-F238E27FC236}">
+                <a16:creationId xmlns:a16="http://schemas.microsoft.com/office/drawing/2014/main" id="{E20E03FC-CE50-BE7E-2468-4BCD301350F6}"/>
+              </a:ext>
+            </a:extLst>
+          </p:cNvPr>
+          <p:cNvSpPr txBox="1"/>
+          <p:nvPr/>
+        </p:nvSpPr>
+        <p:spPr>
+          <a:xfrm>
+            <a:off x="8695546" y="6303156"/>
+            <a:ext cx="524503" cy="153888"/>
+          </a:xfrm>
+          <a:prstGeom prst="rect">
+            <a:avLst/>
+          </a:prstGeom>
+          <a:noFill/>
+        </p:spPr>
+        <p:txBody>
+          <a:bodyPr wrap="none" rtlCol="0">
+            <a:spAutoFit/>
+          </a:bodyPr>
+          <a:lstStyle/>
+          <a:p>
+            <a:pPr algn="ctr"/>
+            <a:r>
+              <a:rPr lang="en-US" sz="400" b="1" dirty="0">
+                <a:latin typeface="Arial" panose="020B0604020202020204" pitchFamily="34" charset="0"/>
+                <a:cs typeface="Arial" panose="020B0604020202020204" pitchFamily="34" charset="0"/>
+              </a:rPr>
+              <a:t>Urocanic acid</a:t>
+            </a:r>
+            <a:endParaRPr lang="en-US" sz="400" b="1" baseline="-25000" dirty="0">
+              <a:latin typeface="Arial" panose="020B0604020202020204" pitchFamily="34" charset="0"/>
+              <a:cs typeface="Arial" panose="020B0604020202020204" pitchFamily="34" charset="0"/>
+            </a:endParaRPr>
+          </a:p>
+        </p:txBody>
+      </p:sp>
+      <p:cxnSp>
+        <p:nvCxnSpPr>
+          <p:cNvPr id="62" name="Straight Connector 61">
+            <a:extLst>
+              <a:ext uri="{FF2B5EF4-FFF2-40B4-BE49-F238E27FC236}">
+                <a16:creationId xmlns:a16="http://schemas.microsoft.com/office/drawing/2014/main" id="{62566189-B2F2-DD73-F40F-B22489F3E859}"/>
+              </a:ext>
+            </a:extLst>
+          </p:cNvPr>
+          <p:cNvCxnSpPr>
+            <a:cxnSpLocks/>
+          </p:cNvCxnSpPr>
+          <p:nvPr/>
+        </p:nvCxnSpPr>
+        <p:spPr>
+          <a:xfrm flipH="1" flipV="1">
+            <a:off x="8960348" y="6091751"/>
+            <a:ext cx="3" cy="203373"/>
+          </a:xfrm>
+          <a:prstGeom prst="line">
+            <a:avLst/>
+          </a:prstGeom>
+          <a:ln>
+            <a:solidFill>
+              <a:schemeClr val="tx1"/>
+            </a:solidFill>
+          </a:ln>
+        </p:spPr>
+        <p:style>
+          <a:lnRef idx="1">
+            <a:schemeClr val="accent1"/>
+          </a:lnRef>
+          <a:fillRef idx="0">
+            <a:schemeClr val="accent1"/>
+          </a:fillRef>
+          <a:effectRef idx="0">
+            <a:schemeClr val="accent1"/>
+          </a:effectRef>
+          <a:fontRef idx="minor">
+            <a:schemeClr val="tx1"/>
+          </a:fontRef>
+        </p:style>
+      </p:cxnSp>
+      <p:cxnSp>
+        <p:nvCxnSpPr>
+          <p:cNvPr id="181" name="Straight Connector 180">
+            <a:extLst>
+              <a:ext uri="{FF2B5EF4-FFF2-40B4-BE49-F238E27FC236}">
+                <a16:creationId xmlns:a16="http://schemas.microsoft.com/office/drawing/2014/main" id="{BEDDD5C9-72E9-F0E1-B25D-35A600F1180F}"/>
+              </a:ext>
+            </a:extLst>
+          </p:cNvPr>
+          <p:cNvCxnSpPr>
+            <a:cxnSpLocks/>
+          </p:cNvCxnSpPr>
+          <p:nvPr/>
+        </p:nvCxnSpPr>
+        <p:spPr>
+          <a:xfrm flipH="1">
+            <a:off x="4198064" y="3258926"/>
             <a:ext cx="239244" cy="77679"/>
           </a:xfrm>
           <a:prstGeom prst="line">
